--- a/2016ESIPSprint/ToolMatch_Sprint_ESIPSummer2016_v2.pptx
+++ b/2016ESIPSprint/ToolMatch_Sprint_ESIPSummer2016_v2.pptx
@@ -6,31 +6,27 @@
     <p:sldMasterId id="2147483669" r:id="rId2"/>
   </p:sldMasterIdLst>
   <p:notesMasterIdLst>
-    <p:notesMasterId r:id="rId25"/>
+    <p:notesMasterId r:id="rId21"/>
   </p:notesMasterIdLst>
   <p:sldIdLst>
     <p:sldId id="256" r:id="rId3"/>
     <p:sldId id="291" r:id="rId4"/>
-    <p:sldId id="311" r:id="rId5"/>
-    <p:sldId id="313" r:id="rId6"/>
-    <p:sldId id="312" r:id="rId7"/>
-    <p:sldId id="305" r:id="rId8"/>
-    <p:sldId id="310" r:id="rId9"/>
-    <p:sldId id="320" r:id="rId10"/>
-    <p:sldId id="303" r:id="rId11"/>
-    <p:sldId id="315" r:id="rId12"/>
-    <p:sldId id="316" r:id="rId13"/>
-    <p:sldId id="307" r:id="rId14"/>
-    <p:sldId id="306" r:id="rId15"/>
-    <p:sldId id="317" r:id="rId16"/>
+    <p:sldId id="309" r:id="rId5"/>
+    <p:sldId id="311" r:id="rId6"/>
+    <p:sldId id="313" r:id="rId7"/>
+    <p:sldId id="312" r:id="rId8"/>
+    <p:sldId id="305" r:id="rId9"/>
+    <p:sldId id="310" r:id="rId10"/>
+    <p:sldId id="320" r:id="rId11"/>
+    <p:sldId id="303" r:id="rId12"/>
+    <p:sldId id="315" r:id="rId13"/>
+    <p:sldId id="316" r:id="rId14"/>
+    <p:sldId id="307" r:id="rId15"/>
+    <p:sldId id="306" r:id="rId16"/>
     <p:sldId id="318" r:id="rId17"/>
-    <p:sldId id="308" r:id="rId18"/>
+    <p:sldId id="314" r:id="rId18"/>
     <p:sldId id="280" r:id="rId19"/>
-    <p:sldId id="314" r:id="rId20"/>
-    <p:sldId id="319" r:id="rId21"/>
-    <p:sldId id="268" r:id="rId22"/>
-    <p:sldId id="270" r:id="rId23"/>
-    <p:sldId id="309" r:id="rId24"/>
+    <p:sldId id="319" r:id="rId20"/>
   </p:sldIdLst>
   <p:sldSz cx="13004800" cy="9753600"/>
   <p:notesSz cx="6858000" cy="9144000"/>
@@ -1268,7 +1264,7 @@
   <p:cSld>
     <p:spTree>
       <p:nvGrpSpPr>
-        <p:cNvPr id="1" name="Shape 235"/>
+        <p:cNvPr id="1" name="Shape 311"/>
         <p:cNvGrpSpPr/>
         <p:nvPr/>
       </p:nvGrpSpPr>
@@ -1282,7 +1278,67 @@
       </p:grpSpPr>
       <p:sp>
         <p:nvSpPr>
-          <p:cNvPr id="236" name="Shape 236"/>
+          <p:cNvPr id="312" name="Shape 312"/>
+          <p:cNvSpPr txBox="1">
+            <a:spLocks noGrp="1"/>
+          </p:cNvSpPr>
+          <p:nvPr>
+            <p:ph type="body" idx="1"/>
+          </p:nvPr>
+        </p:nvSpPr>
+        <p:spPr>
+          <a:xfrm>
+            <a:off x="685800" y="4343400"/>
+            <a:ext cx="5486399" cy="4114800"/>
+          </a:xfrm>
+          <a:prstGeom prst="rect">
+            <a:avLst/>
+          </a:prstGeom>
+        </p:spPr>
+        <p:txBody>
+          <a:bodyPr lIns="91425" tIns="91425" rIns="91425" bIns="91425" anchor="ctr" anchorCtr="0">
+            <a:noAutofit/>
+          </a:bodyPr>
+          <a:lstStyle/>
+          <a:p>
+            <a:pPr marL="0" marR="0" lvl="0" indent="0" algn="l" defTabSz="914400" rtl="0" eaLnBrk="1" fontAlgn="auto" latinLnBrk="0" hangingPunct="1">
+              <a:lnSpc>
+                <a:spcPct val="100000"/>
+              </a:lnSpc>
+              <a:spcBef>
+                <a:spcPts val="0"/>
+              </a:spcBef>
+              <a:spcAft>
+                <a:spcPts val="0"/>
+              </a:spcAft>
+              <a:buClrTx/>
+              <a:buSzTx/>
+              <a:buFontTx/>
+              <a:buNone/>
+              <a:tabLst/>
+              <a:defRPr/>
+            </a:pPr>
+            <a:r>
+              <a:rPr lang="en-GB" sz="1200" dirty="0" smtClean="0">
+                <a:latin typeface="Helvetica Neue"/>
+              </a:rPr>
+              <a:t>Be more descriptive here (from Soren) </a:t>
+            </a:r>
+          </a:p>
+          <a:p>
+            <a:pPr lvl="0" rtl="0">
+              <a:spcBef>
+                <a:spcPts val="0"/>
+              </a:spcBef>
+              <a:buNone/>
+            </a:pPr>
+            <a:endParaRPr dirty="0"/>
+          </a:p>
+        </p:txBody>
+      </p:sp>
+      <p:sp>
+        <p:nvSpPr>
+          <p:cNvPr id="313" name="Shape 313"/>
           <p:cNvSpPr>
             <a:spLocks noGrp="1" noRot="1" noChangeAspect="1"/>
           </p:cNvSpPr>
@@ -1331,41 +1387,6 @@
           </a:ln>
         </p:spPr>
       </p:sp>
-      <p:sp>
-        <p:nvSpPr>
-          <p:cNvPr id="237" name="Shape 237"/>
-          <p:cNvSpPr txBox="1">
-            <a:spLocks noGrp="1"/>
-          </p:cNvSpPr>
-          <p:nvPr>
-            <p:ph type="body" idx="1"/>
-          </p:nvPr>
-        </p:nvSpPr>
-        <p:spPr>
-          <a:xfrm>
-            <a:off x="685800" y="4343400"/>
-            <a:ext cx="5486399" cy="4114800"/>
-          </a:xfrm>
-          <a:prstGeom prst="rect">
-            <a:avLst/>
-          </a:prstGeom>
-        </p:spPr>
-        <p:txBody>
-          <a:bodyPr lIns="91425" tIns="91425" rIns="91425" bIns="91425" anchor="ctr" anchorCtr="0">
-            <a:noAutofit/>
-          </a:bodyPr>
-          <a:lstStyle/>
-          <a:p>
-            <a:pPr>
-              <a:spcBef>
-                <a:spcPts val="0"/>
-              </a:spcBef>
-              <a:buNone/>
-            </a:pPr>
-            <a:endParaRPr/>
-          </a:p>
-        </p:txBody>
-      </p:sp>
     </p:spTree>
   </p:cSld>
   <p:clrMapOvr>
@@ -1379,7 +1400,7 @@
   <p:cSld>
     <p:spTree>
       <p:nvGrpSpPr>
-        <p:cNvPr id="1" name="Shape 229"/>
+        <p:cNvPr id="1" name="Shape 311"/>
         <p:cNvGrpSpPr/>
         <p:nvPr/>
       </p:nvGrpSpPr>
@@ -1393,7 +1414,67 @@
       </p:grpSpPr>
       <p:sp>
         <p:nvSpPr>
-          <p:cNvPr id="230" name="Shape 230"/>
+          <p:cNvPr id="312" name="Shape 312"/>
+          <p:cNvSpPr txBox="1">
+            <a:spLocks noGrp="1"/>
+          </p:cNvSpPr>
+          <p:nvPr>
+            <p:ph type="body" idx="1"/>
+          </p:nvPr>
+        </p:nvSpPr>
+        <p:spPr>
+          <a:xfrm>
+            <a:off x="685800" y="4343400"/>
+            <a:ext cx="5486399" cy="4114800"/>
+          </a:xfrm>
+          <a:prstGeom prst="rect">
+            <a:avLst/>
+          </a:prstGeom>
+        </p:spPr>
+        <p:txBody>
+          <a:bodyPr lIns="91425" tIns="91425" rIns="91425" bIns="91425" anchor="ctr" anchorCtr="0">
+            <a:noAutofit/>
+          </a:bodyPr>
+          <a:lstStyle/>
+          <a:p>
+            <a:pPr marL="0" marR="0" lvl="0" indent="0" algn="l" defTabSz="914400" rtl="0" eaLnBrk="1" fontAlgn="auto" latinLnBrk="0" hangingPunct="1">
+              <a:lnSpc>
+                <a:spcPct val="100000"/>
+              </a:lnSpc>
+              <a:spcBef>
+                <a:spcPts val="0"/>
+              </a:spcBef>
+              <a:spcAft>
+                <a:spcPts val="0"/>
+              </a:spcAft>
+              <a:buClrTx/>
+              <a:buSzTx/>
+              <a:buFontTx/>
+              <a:buNone/>
+              <a:tabLst/>
+              <a:defRPr/>
+            </a:pPr>
+            <a:r>
+              <a:rPr lang="en-GB" sz="1200" dirty="0" smtClean="0">
+                <a:latin typeface="Helvetica Neue"/>
+              </a:rPr>
+              <a:t>Be more descriptive here (from Soren) </a:t>
+            </a:r>
+          </a:p>
+          <a:p>
+            <a:pPr lvl="0" rtl="0">
+              <a:spcBef>
+                <a:spcPts val="0"/>
+              </a:spcBef>
+              <a:buNone/>
+            </a:pPr>
+            <a:endParaRPr dirty="0"/>
+          </a:p>
+        </p:txBody>
+      </p:sp>
+      <p:sp>
+        <p:nvSpPr>
+          <p:cNvPr id="313" name="Shape 313"/>
           <p:cNvSpPr>
             <a:spLocks noGrp="1" noRot="1" noChangeAspect="1"/>
           </p:cNvSpPr>
@@ -1442,41 +1523,6 @@
           </a:ln>
         </p:spPr>
       </p:sp>
-      <p:sp>
-        <p:nvSpPr>
-          <p:cNvPr id="231" name="Shape 231"/>
-          <p:cNvSpPr txBox="1">
-            <a:spLocks noGrp="1"/>
-          </p:cNvSpPr>
-          <p:nvPr>
-            <p:ph type="body" idx="1"/>
-          </p:nvPr>
-        </p:nvSpPr>
-        <p:spPr>
-          <a:xfrm>
-            <a:off x="685800" y="4343400"/>
-            <a:ext cx="5486399" cy="4114800"/>
-          </a:xfrm>
-          <a:prstGeom prst="rect">
-            <a:avLst/>
-          </a:prstGeom>
-        </p:spPr>
-        <p:txBody>
-          <a:bodyPr lIns="91425" tIns="91425" rIns="91425" bIns="91425" anchor="ctr" anchorCtr="0">
-            <a:noAutofit/>
-          </a:bodyPr>
-          <a:lstStyle/>
-          <a:p>
-            <a:pPr>
-              <a:spcBef>
-                <a:spcPts val="0"/>
-              </a:spcBef>
-              <a:buNone/>
-            </a:pPr>
-            <a:endParaRPr/>
-          </a:p>
-        </p:txBody>
-      </p:sp>
     </p:spTree>
   </p:cSld>
   <p:clrMapOvr>
@@ -1490,7 +1536,7 @@
   <p:cSld>
     <p:spTree>
       <p:nvGrpSpPr>
-        <p:cNvPr id="1" name="Shape 311"/>
+        <p:cNvPr id="1" name="Shape 235"/>
         <p:cNvGrpSpPr/>
         <p:nvPr/>
       </p:nvGrpSpPr>
@@ -1504,67 +1550,7 @@
       </p:grpSpPr>
       <p:sp>
         <p:nvSpPr>
-          <p:cNvPr id="312" name="Shape 312"/>
-          <p:cNvSpPr txBox="1">
-            <a:spLocks noGrp="1"/>
-          </p:cNvSpPr>
-          <p:nvPr>
-            <p:ph type="body" idx="1"/>
-          </p:nvPr>
-        </p:nvSpPr>
-        <p:spPr>
-          <a:xfrm>
-            <a:off x="685800" y="4343400"/>
-            <a:ext cx="5486399" cy="4114800"/>
-          </a:xfrm>
-          <a:prstGeom prst="rect">
-            <a:avLst/>
-          </a:prstGeom>
-        </p:spPr>
-        <p:txBody>
-          <a:bodyPr lIns="91425" tIns="91425" rIns="91425" bIns="91425" anchor="ctr" anchorCtr="0">
-            <a:noAutofit/>
-          </a:bodyPr>
-          <a:lstStyle/>
-          <a:p>
-            <a:pPr marL="0" marR="0" lvl="0" indent="0" algn="l" defTabSz="914400" rtl="0" eaLnBrk="1" fontAlgn="auto" latinLnBrk="0" hangingPunct="1">
-              <a:lnSpc>
-                <a:spcPct val="100000"/>
-              </a:lnSpc>
-              <a:spcBef>
-                <a:spcPts val="0"/>
-              </a:spcBef>
-              <a:spcAft>
-                <a:spcPts val="0"/>
-              </a:spcAft>
-              <a:buClrTx/>
-              <a:buSzTx/>
-              <a:buFontTx/>
-              <a:buNone/>
-              <a:tabLst/>
-              <a:defRPr/>
-            </a:pPr>
-            <a:r>
-              <a:rPr lang="en-GB" sz="1200" dirty="0" smtClean="0">
-                <a:latin typeface="Helvetica Neue"/>
-              </a:rPr>
-              <a:t>Be more descriptive here (from Soren) </a:t>
-            </a:r>
-          </a:p>
-          <a:p>
-            <a:pPr lvl="0" rtl="0">
-              <a:spcBef>
-                <a:spcPts val="0"/>
-              </a:spcBef>
-              <a:buNone/>
-            </a:pPr>
-            <a:endParaRPr dirty="0"/>
-          </a:p>
-        </p:txBody>
-      </p:sp>
-      <p:sp>
-        <p:nvSpPr>
-          <p:cNvPr id="313" name="Shape 313"/>
+          <p:cNvPr id="236" name="Shape 236"/>
           <p:cNvSpPr>
             <a:spLocks noGrp="1" noRot="1" noChangeAspect="1"/>
           </p:cNvSpPr>
@@ -1613,6 +1599,41 @@
           </a:ln>
         </p:spPr>
       </p:sp>
+      <p:sp>
+        <p:nvSpPr>
+          <p:cNvPr id="237" name="Shape 237"/>
+          <p:cNvSpPr txBox="1">
+            <a:spLocks noGrp="1"/>
+          </p:cNvSpPr>
+          <p:nvPr>
+            <p:ph type="body" idx="1"/>
+          </p:nvPr>
+        </p:nvSpPr>
+        <p:spPr>
+          <a:xfrm>
+            <a:off x="685800" y="4343400"/>
+            <a:ext cx="5486399" cy="4114800"/>
+          </a:xfrm>
+          <a:prstGeom prst="rect">
+            <a:avLst/>
+          </a:prstGeom>
+        </p:spPr>
+        <p:txBody>
+          <a:bodyPr lIns="91425" tIns="91425" rIns="91425" bIns="91425" anchor="ctr" anchorCtr="0">
+            <a:noAutofit/>
+          </a:bodyPr>
+          <a:lstStyle/>
+          <a:p>
+            <a:pPr>
+              <a:spcBef>
+                <a:spcPts val="0"/>
+              </a:spcBef>
+              <a:buNone/>
+            </a:pPr>
+            <a:endParaRPr/>
+          </a:p>
+        </p:txBody>
+      </p:sp>
     </p:spTree>
   </p:cSld>
   <p:clrMapOvr>
@@ -1626,7 +1647,7 @@
   <p:cSld>
     <p:spTree>
       <p:nvGrpSpPr>
-        <p:cNvPr id="1" name="Shape 311"/>
+        <p:cNvPr id="1" name="Shape 229"/>
         <p:cNvGrpSpPr/>
         <p:nvPr/>
       </p:nvGrpSpPr>
@@ -1640,67 +1661,7 @@
       </p:grpSpPr>
       <p:sp>
         <p:nvSpPr>
-          <p:cNvPr id="312" name="Shape 312"/>
-          <p:cNvSpPr txBox="1">
-            <a:spLocks noGrp="1"/>
-          </p:cNvSpPr>
-          <p:nvPr>
-            <p:ph type="body" idx="1"/>
-          </p:nvPr>
-        </p:nvSpPr>
-        <p:spPr>
-          <a:xfrm>
-            <a:off x="685800" y="4343400"/>
-            <a:ext cx="5486399" cy="4114800"/>
-          </a:xfrm>
-          <a:prstGeom prst="rect">
-            <a:avLst/>
-          </a:prstGeom>
-        </p:spPr>
-        <p:txBody>
-          <a:bodyPr lIns="91425" tIns="91425" rIns="91425" bIns="91425" anchor="ctr" anchorCtr="0">
-            <a:noAutofit/>
-          </a:bodyPr>
-          <a:lstStyle/>
-          <a:p>
-            <a:pPr marL="0" marR="0" lvl="0" indent="0" algn="l" defTabSz="914400" rtl="0" eaLnBrk="1" fontAlgn="auto" latinLnBrk="0" hangingPunct="1">
-              <a:lnSpc>
-                <a:spcPct val="100000"/>
-              </a:lnSpc>
-              <a:spcBef>
-                <a:spcPts val="0"/>
-              </a:spcBef>
-              <a:spcAft>
-                <a:spcPts val="0"/>
-              </a:spcAft>
-              <a:buClrTx/>
-              <a:buSzTx/>
-              <a:buFontTx/>
-              <a:buNone/>
-              <a:tabLst/>
-              <a:defRPr/>
-            </a:pPr>
-            <a:r>
-              <a:rPr lang="en-GB" sz="1200" dirty="0" smtClean="0">
-                <a:latin typeface="Helvetica Neue"/>
-              </a:rPr>
-              <a:t>Be more descriptive here (from Soren) </a:t>
-            </a:r>
-          </a:p>
-          <a:p>
-            <a:pPr lvl="0" rtl="0">
-              <a:spcBef>
-                <a:spcPts val="0"/>
-              </a:spcBef>
-              <a:buNone/>
-            </a:pPr>
-            <a:endParaRPr dirty="0"/>
-          </a:p>
-        </p:txBody>
-      </p:sp>
-      <p:sp>
-        <p:nvSpPr>
-          <p:cNvPr id="313" name="Shape 313"/>
+          <p:cNvPr id="230" name="Shape 230"/>
           <p:cNvSpPr>
             <a:spLocks noGrp="1" noRot="1" noChangeAspect="1"/>
           </p:cNvSpPr>
@@ -1749,6 +1710,41 @@
           </a:ln>
         </p:spPr>
       </p:sp>
+      <p:sp>
+        <p:nvSpPr>
+          <p:cNvPr id="231" name="Shape 231"/>
+          <p:cNvSpPr txBox="1">
+            <a:spLocks noGrp="1"/>
+          </p:cNvSpPr>
+          <p:nvPr>
+            <p:ph type="body" idx="1"/>
+          </p:nvPr>
+        </p:nvSpPr>
+        <p:spPr>
+          <a:xfrm>
+            <a:off x="685800" y="4343400"/>
+            <a:ext cx="5486399" cy="4114800"/>
+          </a:xfrm>
+          <a:prstGeom prst="rect">
+            <a:avLst/>
+          </a:prstGeom>
+        </p:spPr>
+        <p:txBody>
+          <a:bodyPr lIns="91425" tIns="91425" rIns="91425" bIns="91425" anchor="ctr" anchorCtr="0">
+            <a:noAutofit/>
+          </a:bodyPr>
+          <a:lstStyle/>
+          <a:p>
+            <a:pPr>
+              <a:spcBef>
+                <a:spcPts val="0"/>
+              </a:spcBef>
+              <a:buNone/>
+            </a:pPr>
+            <a:endParaRPr/>
+          </a:p>
+        </p:txBody>
+      </p:sp>
     </p:spTree>
   </p:cSld>
   <p:clrMapOvr>
@@ -1762,7 +1758,7 @@
   <p:cSld>
     <p:spTree>
       <p:nvGrpSpPr>
-        <p:cNvPr id="1" name="Shape 243"/>
+        <p:cNvPr id="1" name="Shape 311"/>
         <p:cNvGrpSpPr/>
         <p:nvPr/>
       </p:nvGrpSpPr>
@@ -1776,7 +1772,67 @@
       </p:grpSpPr>
       <p:sp>
         <p:nvSpPr>
-          <p:cNvPr id="244" name="Shape 244"/>
+          <p:cNvPr id="312" name="Shape 312"/>
+          <p:cNvSpPr txBox="1">
+            <a:spLocks noGrp="1"/>
+          </p:cNvSpPr>
+          <p:nvPr>
+            <p:ph type="body" idx="1"/>
+          </p:nvPr>
+        </p:nvSpPr>
+        <p:spPr>
+          <a:xfrm>
+            <a:off x="685800" y="4343400"/>
+            <a:ext cx="5486399" cy="4114800"/>
+          </a:xfrm>
+          <a:prstGeom prst="rect">
+            <a:avLst/>
+          </a:prstGeom>
+        </p:spPr>
+        <p:txBody>
+          <a:bodyPr lIns="91425" tIns="91425" rIns="91425" bIns="91425" anchor="ctr" anchorCtr="0">
+            <a:noAutofit/>
+          </a:bodyPr>
+          <a:lstStyle/>
+          <a:p>
+            <a:pPr marL="0" marR="0" lvl="0" indent="0" algn="l" defTabSz="914400" rtl="0" eaLnBrk="1" fontAlgn="auto" latinLnBrk="0" hangingPunct="1">
+              <a:lnSpc>
+                <a:spcPct val="100000"/>
+              </a:lnSpc>
+              <a:spcBef>
+                <a:spcPts val="0"/>
+              </a:spcBef>
+              <a:spcAft>
+                <a:spcPts val="0"/>
+              </a:spcAft>
+              <a:buClrTx/>
+              <a:buSzTx/>
+              <a:buFontTx/>
+              <a:buNone/>
+              <a:tabLst/>
+              <a:defRPr/>
+            </a:pPr>
+            <a:r>
+              <a:rPr lang="en-GB" sz="1200" dirty="0" smtClean="0">
+                <a:latin typeface="Helvetica Neue"/>
+              </a:rPr>
+              <a:t>Be more descriptive here (from Soren) </a:t>
+            </a:r>
+          </a:p>
+          <a:p>
+            <a:pPr lvl="0" rtl="0">
+              <a:spcBef>
+                <a:spcPts val="0"/>
+              </a:spcBef>
+              <a:buNone/>
+            </a:pPr>
+            <a:endParaRPr dirty="0"/>
+          </a:p>
+        </p:txBody>
+      </p:sp>
+      <p:sp>
+        <p:nvSpPr>
+          <p:cNvPr id="313" name="Shape 313"/>
           <p:cNvSpPr>
             <a:spLocks noGrp="1" noRot="1" noChangeAspect="1"/>
           </p:cNvSpPr>
@@ -1825,41 +1881,6 @@
           </a:ln>
         </p:spPr>
       </p:sp>
-      <p:sp>
-        <p:nvSpPr>
-          <p:cNvPr id="245" name="Shape 245"/>
-          <p:cNvSpPr txBox="1">
-            <a:spLocks noGrp="1"/>
-          </p:cNvSpPr>
-          <p:nvPr>
-            <p:ph type="body" idx="1"/>
-          </p:nvPr>
-        </p:nvSpPr>
-        <p:spPr>
-          <a:xfrm>
-            <a:off x="685800" y="4343400"/>
-            <a:ext cx="5486399" cy="4114800"/>
-          </a:xfrm>
-          <a:prstGeom prst="rect">
-            <a:avLst/>
-          </a:prstGeom>
-        </p:spPr>
-        <p:txBody>
-          <a:bodyPr lIns="91425" tIns="91425" rIns="91425" bIns="91425" anchor="ctr" anchorCtr="0">
-            <a:noAutofit/>
-          </a:bodyPr>
-          <a:lstStyle/>
-          <a:p>
-            <a:pPr>
-              <a:spcBef>
-                <a:spcPts val="0"/>
-              </a:spcBef>
-              <a:buNone/>
-            </a:pPr>
-            <a:endParaRPr/>
-          </a:p>
-        </p:txBody>
-      </p:sp>
     </p:spTree>
   </p:cSld>
   <p:clrMapOvr>
@@ -1873,7 +1894,7 @@
   <p:cSld>
     <p:spTree>
       <p:nvGrpSpPr>
-        <p:cNvPr id="1" name="Shape 394"/>
+        <p:cNvPr id="1" name="Shape 311"/>
         <p:cNvGrpSpPr/>
         <p:nvPr/>
       </p:nvGrpSpPr>
@@ -1887,7 +1908,50 @@
       </p:grpSpPr>
       <p:sp>
         <p:nvSpPr>
-          <p:cNvPr id="395" name="Shape 395"/>
+          <p:cNvPr id="312" name="Shape 312"/>
+          <p:cNvSpPr txBox="1">
+            <a:spLocks noGrp="1"/>
+          </p:cNvSpPr>
+          <p:nvPr>
+            <p:ph type="body" idx="1"/>
+          </p:nvPr>
+        </p:nvSpPr>
+        <p:spPr>
+          <a:xfrm>
+            <a:off x="685800" y="4343400"/>
+            <a:ext cx="5486399" cy="4114800"/>
+          </a:xfrm>
+          <a:prstGeom prst="rect">
+            <a:avLst/>
+          </a:prstGeom>
+        </p:spPr>
+        <p:txBody>
+          <a:bodyPr lIns="91425" tIns="91425" rIns="91425" bIns="91425" anchor="ctr" anchorCtr="0">
+            <a:noAutofit/>
+          </a:bodyPr>
+          <a:lstStyle/>
+          <a:p>
+            <a:r>
+              <a:rPr lang="en-GB" sz="1200" dirty="0" smtClean="0">
+                <a:latin typeface="Helvetica Neue"/>
+              </a:rPr>
+              <a:t>(often we use language that is slightly ambiguous, or interpreted differently across two communities of practice—so ask questions, be descriptive, and don’t be put off by others inquiring further.)</a:t>
+            </a:r>
+          </a:p>
+          <a:p>
+            <a:pPr lvl="0" rtl="0">
+              <a:spcBef>
+                <a:spcPts val="0"/>
+              </a:spcBef>
+              <a:buNone/>
+            </a:pPr>
+            <a:endParaRPr dirty="0"/>
+          </a:p>
+        </p:txBody>
+      </p:sp>
+      <p:sp>
+        <p:nvSpPr>
+          <p:cNvPr id="313" name="Shape 313"/>
           <p:cNvSpPr>
             <a:spLocks noGrp="1" noRot="1" noChangeAspect="1"/>
           </p:cNvSpPr>
@@ -1936,41 +2000,6 @@
           </a:ln>
         </p:spPr>
       </p:sp>
-      <p:sp>
-        <p:nvSpPr>
-          <p:cNvPr id="396" name="Shape 396"/>
-          <p:cNvSpPr txBox="1">
-            <a:spLocks noGrp="1"/>
-          </p:cNvSpPr>
-          <p:nvPr>
-            <p:ph type="body" idx="1"/>
-          </p:nvPr>
-        </p:nvSpPr>
-        <p:spPr>
-          <a:xfrm>
-            <a:off x="685800" y="4343400"/>
-            <a:ext cx="5486399" cy="4114800"/>
-          </a:xfrm>
-          <a:prstGeom prst="rect">
-            <a:avLst/>
-          </a:prstGeom>
-        </p:spPr>
-        <p:txBody>
-          <a:bodyPr lIns="91425" tIns="91425" rIns="91425" bIns="91425" anchor="ctr" anchorCtr="0">
-            <a:noAutofit/>
-          </a:bodyPr>
-          <a:lstStyle/>
-          <a:p>
-            <a:pPr>
-              <a:spcBef>
-                <a:spcPts val="0"/>
-              </a:spcBef>
-              <a:buNone/>
-            </a:pPr>
-            <a:endParaRPr/>
-          </a:p>
-        </p:txBody>
-      </p:sp>
     </p:spTree>
   </p:cSld>
   <p:clrMapOvr>
@@ -1984,7 +2013,7 @@
   <p:cSld>
     <p:spTree>
       <p:nvGrpSpPr>
-        <p:cNvPr id="1" name="Shape 311"/>
+        <p:cNvPr id="1" name="Shape 394"/>
         <p:cNvGrpSpPr/>
         <p:nvPr/>
       </p:nvGrpSpPr>
@@ -1998,67 +2027,7 @@
       </p:grpSpPr>
       <p:sp>
         <p:nvSpPr>
-          <p:cNvPr id="312" name="Shape 312"/>
-          <p:cNvSpPr txBox="1">
-            <a:spLocks noGrp="1"/>
-          </p:cNvSpPr>
-          <p:nvPr>
-            <p:ph type="body" idx="1"/>
-          </p:nvPr>
-        </p:nvSpPr>
-        <p:spPr>
-          <a:xfrm>
-            <a:off x="685800" y="4343400"/>
-            <a:ext cx="5486399" cy="4114800"/>
-          </a:xfrm>
-          <a:prstGeom prst="rect">
-            <a:avLst/>
-          </a:prstGeom>
-        </p:spPr>
-        <p:txBody>
-          <a:bodyPr lIns="91425" tIns="91425" rIns="91425" bIns="91425" anchor="ctr" anchorCtr="0">
-            <a:noAutofit/>
-          </a:bodyPr>
-          <a:lstStyle/>
-          <a:p>
-            <a:pPr marL="0" marR="0" lvl="0" indent="0" algn="l" defTabSz="914400" rtl="0" eaLnBrk="1" fontAlgn="auto" latinLnBrk="0" hangingPunct="1">
-              <a:lnSpc>
-                <a:spcPct val="100000"/>
-              </a:lnSpc>
-              <a:spcBef>
-                <a:spcPts val="0"/>
-              </a:spcBef>
-              <a:spcAft>
-                <a:spcPts val="0"/>
-              </a:spcAft>
-              <a:buClrTx/>
-              <a:buSzTx/>
-              <a:buFontTx/>
-              <a:buNone/>
-              <a:tabLst/>
-              <a:defRPr/>
-            </a:pPr>
-            <a:r>
-              <a:rPr lang="en-GB" sz="1200" dirty="0" smtClean="0">
-                <a:latin typeface="Helvetica Neue"/>
-              </a:rPr>
-              <a:t>Be more descriptive here (from Soren) </a:t>
-            </a:r>
-          </a:p>
-          <a:p>
-            <a:pPr lvl="0" rtl="0">
-              <a:spcBef>
-                <a:spcPts val="0"/>
-              </a:spcBef>
-              <a:buNone/>
-            </a:pPr>
-            <a:endParaRPr dirty="0"/>
-          </a:p>
-        </p:txBody>
-      </p:sp>
-      <p:sp>
-        <p:nvSpPr>
-          <p:cNvPr id="313" name="Shape 313"/>
+          <p:cNvPr id="395" name="Shape 395"/>
           <p:cNvSpPr>
             <a:spLocks noGrp="1" noRot="1" noChangeAspect="1"/>
           </p:cNvSpPr>
@@ -2106,6 +2075,41 @@
             <a:tailEnd type="none" w="med" len="med"/>
           </a:ln>
         </p:spPr>
+      </p:sp>
+      <p:sp>
+        <p:nvSpPr>
+          <p:cNvPr id="396" name="Shape 396"/>
+          <p:cNvSpPr txBox="1">
+            <a:spLocks noGrp="1"/>
+          </p:cNvSpPr>
+          <p:nvPr>
+            <p:ph type="body" idx="1"/>
+          </p:nvPr>
+        </p:nvSpPr>
+        <p:spPr>
+          <a:xfrm>
+            <a:off x="685800" y="4343400"/>
+            <a:ext cx="5486399" cy="4114800"/>
+          </a:xfrm>
+          <a:prstGeom prst="rect">
+            <a:avLst/>
+          </a:prstGeom>
+        </p:spPr>
+        <p:txBody>
+          <a:bodyPr lIns="91425" tIns="91425" rIns="91425" bIns="91425" anchor="ctr" anchorCtr="0">
+            <a:noAutofit/>
+          </a:bodyPr>
+          <a:lstStyle/>
+          <a:p>
+            <a:pPr>
+              <a:spcBef>
+                <a:spcPts val="0"/>
+              </a:spcBef>
+              <a:buNone/>
+            </a:pPr>
+            <a:endParaRPr/>
+          </a:p>
+        </p:txBody>
       </p:sp>
     </p:spTree>
   </p:cSld>
@@ -2230,12 +2234,12 @@
 </p:notes>
 </file>
 
-<file path=ppt/notesSlides/notesSlide19.xml><?xml version="1.0" encoding="utf-8"?>
+<file path=ppt/notesSlides/notesSlide2.xml><?xml version="1.0" encoding="utf-8"?>
 <p:notes xmlns:a="http://schemas.openxmlformats.org/drawingml/2006/main" xmlns:r="http://schemas.openxmlformats.org/officeDocument/2006/relationships" xmlns:p="http://schemas.openxmlformats.org/presentationml/2006/main" showMasterSp="0" showMasterPhAnim="0">
   <p:cSld>
     <p:spTree>
       <p:nvGrpSpPr>
-        <p:cNvPr id="1" name="Shape 299"/>
+        <p:cNvPr id="1" name="Shape 223"/>
         <p:cNvGrpSpPr/>
         <p:nvPr/>
       </p:nvGrpSpPr>
@@ -2249,7 +2253,7 @@
       </p:grpSpPr>
       <p:sp>
         <p:nvSpPr>
-          <p:cNvPr id="300" name="Shape 300"/>
+          <p:cNvPr id="224" name="Shape 224"/>
           <p:cNvSpPr txBox="1">
             <a:spLocks noGrp="1"/>
           </p:cNvSpPr>
@@ -2272,19 +2276,109 @@
           </a:bodyPr>
           <a:lstStyle/>
           <a:p>
+            <a:pPr marL="457200" lvl="0" indent="-457200" rtl="0">
+              <a:spcBef>
+                <a:spcPts val="0"/>
+              </a:spcBef>
+              <a:buClr>
+                <a:srgbClr val="000000"/>
+              </a:buClr>
+              <a:buSzPct val="100000"/>
+              <a:buFont typeface="Georgia"/>
+              <a:buChar char="●"/>
+            </a:pPr>
+            <a:r>
+              <a:rPr lang="en-US" sz="1200" dirty="0" smtClean="0">
+                <a:latin typeface="Helvetica Neue"/>
+                <a:ea typeface="Georgia"/>
+                <a:cs typeface="Georgia"/>
+                <a:sym typeface="Georgia"/>
+              </a:rPr>
+              <a:t>Data collection content requires stricter matching than matching based on data collection characteristics</a:t>
+            </a:r>
+          </a:p>
+          <a:p>
             <a:pPr lvl="0" rtl="0">
               <a:spcBef>
                 <a:spcPts val="0"/>
               </a:spcBef>
+              <a:buClr>
+                <a:srgbClr val="000000"/>
+              </a:buClr>
+              <a:buSzPct val="100000"/>
+            </a:pPr>
+            <a:r>
+              <a:rPr lang="en-US" sz="1200" b="1" dirty="0" smtClean="0">
+                <a:latin typeface="Helvetica Neue"/>
+                <a:ea typeface="Georgia"/>
+                <a:cs typeface="Georgia"/>
+                <a:sym typeface="Georgia"/>
+              </a:rPr>
+              <a:t>example: </a:t>
+            </a:r>
+            <a:r>
+              <a:rPr lang="en-US" sz="1200" i="1" dirty="0" smtClean="0">
+                <a:latin typeface="Helvetica Neue"/>
+                <a:ea typeface="Georgia"/>
+                <a:cs typeface="Georgia"/>
+                <a:sym typeface="Georgia"/>
+              </a:rPr>
+              <a:t>Given rainfall or topology measurements, 	determine which tools within a hydrological model can be used with that data content</a:t>
+            </a:r>
+          </a:p>
+          <a:p>
+            <a:pPr lvl="0" rtl="0">
+              <a:spcBef>
+                <a:spcPts val="0"/>
+              </a:spcBef>
+              <a:buClr>
+                <a:srgbClr val="000000"/>
+              </a:buClr>
+              <a:buSzPct val="100000"/>
+            </a:pPr>
+            <a:endParaRPr lang="en-US" sz="1200" i="1" dirty="0" smtClean="0">
+              <a:latin typeface="Helvetica Neue"/>
+              <a:ea typeface="Georgia"/>
+              <a:cs typeface="Georgia"/>
+              <a:sym typeface="Georgia"/>
+            </a:endParaRPr>
+          </a:p>
+          <a:p>
+            <a:pPr marL="457200" lvl="0" indent="-457200" rtl="0">
+              <a:spcBef>
+                <a:spcPts val="0"/>
+              </a:spcBef>
+              <a:buClr>
+                <a:srgbClr val="000000"/>
+              </a:buClr>
+              <a:buSzPct val="100000"/>
+              <a:buFont typeface="Georgia"/>
+              <a:buChar char="●"/>
+            </a:pPr>
+            <a:r>
+              <a:rPr lang="en-US" sz="1200" dirty="0" smtClean="0">
+                <a:latin typeface="Helvetica Neue"/>
+                <a:ea typeface="Georgia"/>
+                <a:cs typeface="Georgia"/>
+                <a:sym typeface="Georgia"/>
+              </a:rPr>
+              <a:t>Match to tools that the model as a whole might not be able to match</a:t>
+            </a:r>
+          </a:p>
+          <a:p>
+            <a:pPr>
+              <a:spcBef>
+                <a:spcPts val="0"/>
+              </a:spcBef>
               <a:buNone/>
             </a:pPr>
-            <a:endParaRPr/>
+            <a:endParaRPr dirty="0"/>
           </a:p>
         </p:txBody>
       </p:sp>
       <p:sp>
         <p:nvSpPr>
-          <p:cNvPr id="301" name="Shape 301"/>
+          <p:cNvPr id="225" name="Shape 225"/>
           <p:cNvSpPr>
             <a:spLocks noGrp="1" noRot="1" noChangeAspect="1"/>
           </p:cNvSpPr>
@@ -2341,319 +2435,7 @@
 </p:notes>
 </file>
 
-<file path=ppt/notesSlides/notesSlide2.xml><?xml version="1.0" encoding="utf-8"?>
-<p:notes xmlns:a="http://schemas.openxmlformats.org/drawingml/2006/main" xmlns:r="http://schemas.openxmlformats.org/officeDocument/2006/relationships" xmlns:p="http://schemas.openxmlformats.org/presentationml/2006/main" showMasterSp="0" showMasterPhAnim="0">
-  <p:cSld>
-    <p:spTree>
-      <p:nvGrpSpPr>
-        <p:cNvPr id="1" name="Shape 223"/>
-        <p:cNvGrpSpPr/>
-        <p:nvPr/>
-      </p:nvGrpSpPr>
-      <p:grpSpPr>
-        <a:xfrm>
-          <a:off x="0" y="0"/>
-          <a:ext cx="0" cy="0"/>
-          <a:chOff x="0" y="0"/>
-          <a:chExt cx="0" cy="0"/>
-        </a:xfrm>
-      </p:grpSpPr>
-      <p:sp>
-        <p:nvSpPr>
-          <p:cNvPr id="224" name="Shape 224"/>
-          <p:cNvSpPr txBox="1">
-            <a:spLocks noGrp="1"/>
-          </p:cNvSpPr>
-          <p:nvPr>
-            <p:ph type="body" idx="1"/>
-          </p:nvPr>
-        </p:nvSpPr>
-        <p:spPr>
-          <a:xfrm>
-            <a:off x="685800" y="4343400"/>
-            <a:ext cx="5486399" cy="4114800"/>
-          </a:xfrm>
-          <a:prstGeom prst="rect">
-            <a:avLst/>
-          </a:prstGeom>
-        </p:spPr>
-        <p:txBody>
-          <a:bodyPr lIns="91425" tIns="91425" rIns="91425" bIns="91425" anchor="ctr" anchorCtr="0">
-            <a:noAutofit/>
-          </a:bodyPr>
-          <a:lstStyle/>
-          <a:p>
-            <a:pPr marL="457200" lvl="0" indent="-457200" rtl="0">
-              <a:spcBef>
-                <a:spcPts val="0"/>
-              </a:spcBef>
-              <a:buClr>
-                <a:srgbClr val="000000"/>
-              </a:buClr>
-              <a:buSzPct val="100000"/>
-              <a:buFont typeface="Georgia"/>
-              <a:buChar char="●"/>
-            </a:pPr>
-            <a:r>
-              <a:rPr lang="en-US" sz="1200" dirty="0" smtClean="0">
-                <a:latin typeface="Helvetica Neue"/>
-                <a:ea typeface="Georgia"/>
-                <a:cs typeface="Georgia"/>
-                <a:sym typeface="Georgia"/>
-              </a:rPr>
-              <a:t>Data collection content requires stricter matching than matching based on data collection characteristics</a:t>
-            </a:r>
-          </a:p>
-          <a:p>
-            <a:pPr lvl="0" rtl="0">
-              <a:spcBef>
-                <a:spcPts val="0"/>
-              </a:spcBef>
-              <a:buClr>
-                <a:srgbClr val="000000"/>
-              </a:buClr>
-              <a:buSzPct val="100000"/>
-            </a:pPr>
-            <a:r>
-              <a:rPr lang="en-US" sz="1200" b="1" dirty="0" smtClean="0">
-                <a:latin typeface="Helvetica Neue"/>
-                <a:ea typeface="Georgia"/>
-                <a:cs typeface="Georgia"/>
-                <a:sym typeface="Georgia"/>
-              </a:rPr>
-              <a:t>example: </a:t>
-            </a:r>
-            <a:r>
-              <a:rPr lang="en-US" sz="1200" i="1" dirty="0" smtClean="0">
-                <a:latin typeface="Helvetica Neue"/>
-                <a:ea typeface="Georgia"/>
-                <a:cs typeface="Georgia"/>
-                <a:sym typeface="Georgia"/>
-              </a:rPr>
-              <a:t>Given rainfall or topology measurements, 	determine which tools within a hydrological model can be used with that data content</a:t>
-            </a:r>
-          </a:p>
-          <a:p>
-            <a:pPr lvl="0" rtl="0">
-              <a:spcBef>
-                <a:spcPts val="0"/>
-              </a:spcBef>
-              <a:buClr>
-                <a:srgbClr val="000000"/>
-              </a:buClr>
-              <a:buSzPct val="100000"/>
-            </a:pPr>
-            <a:endParaRPr lang="en-US" sz="1200" i="1" dirty="0" smtClean="0">
-              <a:latin typeface="Helvetica Neue"/>
-              <a:ea typeface="Georgia"/>
-              <a:cs typeface="Georgia"/>
-              <a:sym typeface="Georgia"/>
-            </a:endParaRPr>
-          </a:p>
-          <a:p>
-            <a:pPr marL="457200" lvl="0" indent="-457200" rtl="0">
-              <a:spcBef>
-                <a:spcPts val="0"/>
-              </a:spcBef>
-              <a:buClr>
-                <a:srgbClr val="000000"/>
-              </a:buClr>
-              <a:buSzPct val="100000"/>
-              <a:buFont typeface="Georgia"/>
-              <a:buChar char="●"/>
-            </a:pPr>
-            <a:r>
-              <a:rPr lang="en-US" sz="1200" dirty="0" smtClean="0">
-                <a:latin typeface="Helvetica Neue"/>
-                <a:ea typeface="Georgia"/>
-                <a:cs typeface="Georgia"/>
-                <a:sym typeface="Georgia"/>
-              </a:rPr>
-              <a:t>Match to tools that the model as a whole might not be able to match</a:t>
-            </a:r>
-          </a:p>
-          <a:p>
-            <a:pPr>
-              <a:spcBef>
-                <a:spcPts val="0"/>
-              </a:spcBef>
-              <a:buNone/>
-            </a:pPr>
-            <a:endParaRPr dirty="0"/>
-          </a:p>
-        </p:txBody>
-      </p:sp>
-      <p:sp>
-        <p:nvSpPr>
-          <p:cNvPr id="225" name="Shape 225"/>
-          <p:cNvSpPr>
-            <a:spLocks noGrp="1" noRot="1" noChangeAspect="1"/>
-          </p:cNvSpPr>
-          <p:nvPr>
-            <p:ph type="sldImg" idx="2"/>
-          </p:nvPr>
-        </p:nvSpPr>
-        <p:spPr>
-          <a:xfrm>
-            <a:off x="1143000" y="685800"/>
-            <a:ext cx="4572000" cy="3429000"/>
-          </a:xfrm>
-          <a:custGeom>
-            <a:avLst/>
-            <a:gdLst/>
-            <a:ahLst/>
-            <a:cxnLst/>
-            <a:rect l="0" t="0" r="0" b="0"/>
-            <a:pathLst>
-              <a:path w="120000" h="120000" extrusionOk="0">
-                <a:moveTo>
-                  <a:pt x="0" y="0"/>
-                </a:moveTo>
-                <a:lnTo>
-                  <a:pt x="120000" y="0"/>
-                </a:lnTo>
-                <a:lnTo>
-                  <a:pt x="120000" y="120000"/>
-                </a:lnTo>
-                <a:lnTo>
-                  <a:pt x="0" y="120000"/>
-                </a:lnTo>
-                <a:close/>
-              </a:path>
-            </a:pathLst>
-          </a:custGeom>
-          <a:noFill/>
-          <a:ln w="9525" cap="flat">
-            <a:solidFill>
-              <a:srgbClr val="000000"/>
-            </a:solidFill>
-            <a:prstDash val="solid"/>
-            <a:round/>
-            <a:headEnd type="none" w="med" len="med"/>
-            <a:tailEnd type="none" w="med" len="med"/>
-          </a:ln>
-        </p:spPr>
-      </p:sp>
-    </p:spTree>
-  </p:cSld>
-  <p:clrMapOvr>
-    <a:masterClrMapping/>
-  </p:clrMapOvr>
-</p:notes>
-</file>
-
-<file path=ppt/notesSlides/notesSlide20.xml><?xml version="1.0" encoding="utf-8"?>
-<p:notes xmlns:a="http://schemas.openxmlformats.org/drawingml/2006/main" xmlns:r="http://schemas.openxmlformats.org/officeDocument/2006/relationships" xmlns:p="http://schemas.openxmlformats.org/presentationml/2006/main" showMasterSp="0" showMasterPhAnim="0">
-  <p:cSld>
-    <p:spTree>
-      <p:nvGrpSpPr>
-        <p:cNvPr id="1" name="Shape 311"/>
-        <p:cNvGrpSpPr/>
-        <p:nvPr/>
-      </p:nvGrpSpPr>
-      <p:grpSpPr>
-        <a:xfrm>
-          <a:off x="0" y="0"/>
-          <a:ext cx="0" cy="0"/>
-          <a:chOff x="0" y="0"/>
-          <a:chExt cx="0" cy="0"/>
-        </a:xfrm>
-      </p:grpSpPr>
-      <p:sp>
-        <p:nvSpPr>
-          <p:cNvPr id="312" name="Shape 312"/>
-          <p:cNvSpPr txBox="1">
-            <a:spLocks noGrp="1"/>
-          </p:cNvSpPr>
-          <p:nvPr>
-            <p:ph type="body" idx="1"/>
-          </p:nvPr>
-        </p:nvSpPr>
-        <p:spPr>
-          <a:xfrm>
-            <a:off x="685800" y="4343400"/>
-            <a:ext cx="5486399" cy="4114800"/>
-          </a:xfrm>
-          <a:prstGeom prst="rect">
-            <a:avLst/>
-          </a:prstGeom>
-        </p:spPr>
-        <p:txBody>
-          <a:bodyPr lIns="91425" tIns="91425" rIns="91425" bIns="91425" anchor="ctr" anchorCtr="0">
-            <a:noAutofit/>
-          </a:bodyPr>
-          <a:lstStyle/>
-          <a:p>
-            <a:pPr lvl="0" rtl="0">
-              <a:spcBef>
-                <a:spcPts val="0"/>
-              </a:spcBef>
-              <a:buNone/>
-            </a:pPr>
-            <a:endParaRPr/>
-          </a:p>
-        </p:txBody>
-      </p:sp>
-      <p:sp>
-        <p:nvSpPr>
-          <p:cNvPr id="313" name="Shape 313"/>
-          <p:cNvSpPr>
-            <a:spLocks noGrp="1" noRot="1" noChangeAspect="1"/>
-          </p:cNvSpPr>
-          <p:nvPr>
-            <p:ph type="sldImg" idx="2"/>
-          </p:nvPr>
-        </p:nvSpPr>
-        <p:spPr>
-          <a:xfrm>
-            <a:off x="1143000" y="685800"/>
-            <a:ext cx="4572000" cy="3429000"/>
-          </a:xfrm>
-          <a:custGeom>
-            <a:avLst/>
-            <a:gdLst/>
-            <a:ahLst/>
-            <a:cxnLst/>
-            <a:rect l="0" t="0" r="0" b="0"/>
-            <a:pathLst>
-              <a:path w="120000" h="120000" extrusionOk="0">
-                <a:moveTo>
-                  <a:pt x="0" y="0"/>
-                </a:moveTo>
-                <a:lnTo>
-                  <a:pt x="120000" y="0"/>
-                </a:lnTo>
-                <a:lnTo>
-                  <a:pt x="120000" y="120000"/>
-                </a:lnTo>
-                <a:lnTo>
-                  <a:pt x="0" y="120000"/>
-                </a:lnTo>
-                <a:close/>
-              </a:path>
-            </a:pathLst>
-          </a:custGeom>
-          <a:noFill/>
-          <a:ln w="9525" cap="flat">
-            <a:solidFill>
-              <a:srgbClr val="000000"/>
-            </a:solidFill>
-            <a:prstDash val="solid"/>
-            <a:round/>
-            <a:headEnd type="none" w="med" len="med"/>
-            <a:tailEnd type="none" w="med" len="med"/>
-          </a:ln>
-        </p:spPr>
-      </p:sp>
-    </p:spTree>
-  </p:cSld>
-  <p:clrMapOvr>
-    <a:masterClrMapping/>
-  </p:clrMapOvr>
-</p:notes>
-</file>
-
-<file path=ppt/notesSlides/notesSlide21.xml><?xml version="1.0" encoding="utf-8"?>
+<file path=ppt/notesSlides/notesSlide3.xml><?xml version="1.0" encoding="utf-8"?>
 <p:notes xmlns:a="http://schemas.openxmlformats.org/drawingml/2006/main" xmlns:r="http://schemas.openxmlformats.org/officeDocument/2006/relationships" xmlns:p="http://schemas.openxmlformats.org/presentationml/2006/main" showMasterSp="0" showMasterPhAnim="0">
   <p:cSld>
     <p:spTree>
@@ -2958,216 +2740,6 @@
         </p:spPr>
       </p:sp>
     </p:spTree>
-  </p:cSld>
-  <p:clrMapOvr>
-    <a:masterClrMapping/>
-  </p:clrMapOvr>
-</p:notes>
-</file>
-
-<file path=ppt/notesSlides/notesSlide3.xml><?xml version="1.0" encoding="utf-8"?>
-<p:notes xmlns:a="http://schemas.openxmlformats.org/drawingml/2006/main" xmlns:r="http://schemas.openxmlformats.org/officeDocument/2006/relationships" xmlns:p="http://schemas.openxmlformats.org/presentationml/2006/main">
-  <p:cSld>
-    <p:spTree>
-      <p:nvGrpSpPr>
-        <p:cNvPr id="1" name=""/>
-        <p:cNvGrpSpPr/>
-        <p:nvPr/>
-      </p:nvGrpSpPr>
-      <p:grpSpPr>
-        <a:xfrm>
-          <a:off x="0" y="0"/>
-          <a:ext cx="0" cy="0"/>
-          <a:chOff x="0" y="0"/>
-          <a:chExt cx="0" cy="0"/>
-        </a:xfrm>
-      </p:grpSpPr>
-      <p:sp>
-        <p:nvSpPr>
-          <p:cNvPr id="2" name="Slide Image Placeholder 1"/>
-          <p:cNvSpPr>
-            <a:spLocks noGrp="1" noRot="1" noChangeAspect="1"/>
-          </p:cNvSpPr>
-          <p:nvPr>
-            <p:ph type="sldImg"/>
-          </p:nvPr>
-        </p:nvSpPr>
-        <p:spPr/>
-      </p:sp>
-      <p:sp>
-        <p:nvSpPr>
-          <p:cNvPr id="3" name="Notes Placeholder 2"/>
-          <p:cNvSpPr>
-            <a:spLocks noGrp="1"/>
-          </p:cNvSpPr>
-          <p:nvPr>
-            <p:ph type="body" idx="1"/>
-          </p:nvPr>
-        </p:nvSpPr>
-        <p:spPr/>
-        <p:txBody>
-          <a:bodyPr/>
-          <a:lstStyle/>
-          <a:p>
-            <a:r>
-              <a:rPr lang="en-GB" dirty="0" smtClean="0"/>
-              <a:t>first two suggest</a:t>
-            </a:r>
-            <a:r>
-              <a:rPr lang="en-GB" baseline="0" dirty="0" smtClean="0"/>
-              <a:t> native </a:t>
-            </a:r>
-            <a:r>
-              <a:rPr lang="en-GB" baseline="0" dirty="0" err="1" smtClean="0"/>
-              <a:t>compatability</a:t>
-            </a:r>
-            <a:r>
-              <a:rPr lang="en-GB" baseline="0" dirty="0" smtClean="0"/>
-              <a:t>; second is often related to data format</a:t>
-            </a:r>
-            <a:endParaRPr lang="en-GB" dirty="0"/>
-          </a:p>
-        </p:txBody>
-      </p:sp>
-      <p:sp>
-        <p:nvSpPr>
-          <p:cNvPr id="4" name="Slide Number Placeholder 3"/>
-          <p:cNvSpPr>
-            <a:spLocks noGrp="1"/>
-          </p:cNvSpPr>
-          <p:nvPr>
-            <p:ph type="sldNum" idx="10"/>
-          </p:nvPr>
-        </p:nvSpPr>
-        <p:spPr/>
-        <p:txBody>
-          <a:bodyPr/>
-          <a:lstStyle/>
-          <a:p>
-            <a:pPr marL="0" lvl="0" indent="-88900">
-              <a:spcBef>
-                <a:spcPts val="0"/>
-              </a:spcBef>
-              <a:buClr>
-                <a:srgbClr val="000000"/>
-              </a:buClr>
-              <a:buFont typeface="Arial"/>
-              <a:buChar char="●"/>
-            </a:pPr>
-            <a:endParaRPr lang="en-GB" smtClean="0"/>
-          </a:p>
-          <a:p>
-            <a:pPr marL="0" lvl="1" indent="-88900">
-              <a:spcBef>
-                <a:spcPts val="0"/>
-              </a:spcBef>
-              <a:buClr>
-                <a:srgbClr val="000000"/>
-              </a:buClr>
-              <a:buFont typeface="Courier New"/>
-              <a:buChar char="o"/>
-            </a:pPr>
-            <a:endParaRPr lang="en-GB" smtClean="0"/>
-          </a:p>
-          <a:p>
-            <a:pPr marL="0" lvl="2" indent="-88900">
-              <a:spcBef>
-                <a:spcPts val="0"/>
-              </a:spcBef>
-              <a:buClr>
-                <a:srgbClr val="000000"/>
-              </a:buClr>
-              <a:buFont typeface="Wingdings"/>
-              <a:buChar char="§"/>
-            </a:pPr>
-            <a:endParaRPr lang="en-GB" smtClean="0"/>
-          </a:p>
-          <a:p>
-            <a:pPr marL="0" lvl="3" indent="-88900">
-              <a:spcBef>
-                <a:spcPts val="0"/>
-              </a:spcBef>
-              <a:buClr>
-                <a:srgbClr val="000000"/>
-              </a:buClr>
-              <a:buFont typeface="Arial"/>
-              <a:buChar char="●"/>
-            </a:pPr>
-            <a:endParaRPr lang="en-GB" smtClean="0"/>
-          </a:p>
-          <a:p>
-            <a:pPr marL="0" lvl="4" indent="-88900">
-              <a:spcBef>
-                <a:spcPts val="0"/>
-              </a:spcBef>
-              <a:buClr>
-                <a:srgbClr val="000000"/>
-              </a:buClr>
-              <a:buFont typeface="Courier New"/>
-              <a:buChar char="o"/>
-            </a:pPr>
-            <a:endParaRPr lang="en-GB" smtClean="0"/>
-          </a:p>
-          <a:p>
-            <a:pPr marL="0" lvl="5" indent="-88900">
-              <a:spcBef>
-                <a:spcPts val="0"/>
-              </a:spcBef>
-              <a:buClr>
-                <a:srgbClr val="000000"/>
-              </a:buClr>
-              <a:buFont typeface="Wingdings"/>
-              <a:buChar char="§"/>
-            </a:pPr>
-            <a:endParaRPr lang="en-GB" smtClean="0"/>
-          </a:p>
-          <a:p>
-            <a:pPr marL="0" lvl="6" indent="-88900">
-              <a:spcBef>
-                <a:spcPts val="0"/>
-              </a:spcBef>
-              <a:buClr>
-                <a:srgbClr val="000000"/>
-              </a:buClr>
-              <a:buFont typeface="Arial"/>
-              <a:buChar char="●"/>
-            </a:pPr>
-            <a:endParaRPr lang="en-GB" smtClean="0"/>
-          </a:p>
-          <a:p>
-            <a:pPr marL="0" lvl="7" indent="-88900">
-              <a:spcBef>
-                <a:spcPts val="0"/>
-              </a:spcBef>
-              <a:buClr>
-                <a:srgbClr val="000000"/>
-              </a:buClr>
-              <a:buFont typeface="Courier New"/>
-              <a:buChar char="o"/>
-            </a:pPr>
-            <a:endParaRPr lang="en-GB" smtClean="0"/>
-          </a:p>
-          <a:p>
-            <a:pPr marL="0" lvl="8" indent="-88900">
-              <a:spcBef>
-                <a:spcPts val="0"/>
-              </a:spcBef>
-              <a:buClr>
-                <a:srgbClr val="000000"/>
-              </a:buClr>
-              <a:buFont typeface="Wingdings"/>
-              <a:buChar char="§"/>
-            </a:pPr>
-            <a:endParaRPr lang="en-GB"/>
-          </a:p>
-        </p:txBody>
-      </p:sp>
-    </p:spTree>
-    <p:extLst>
-      <p:ext uri="{BB962C8B-B14F-4D97-AF65-F5344CB8AC3E}">
-        <p14:creationId xmlns:p14="http://schemas.microsoft.com/office/powerpoint/2010/main" val="4109460748"/>
-      </p:ext>
-    </p:extLst>
   </p:cSld>
   <p:clrMapOvr>
     <a:masterClrMapping/>
@@ -3429,22 +3001,6 @@
           <a:bodyPr/>
           <a:lstStyle/>
           <a:p>
-            <a:r>
-              <a:rPr lang="en-GB" dirty="0" smtClean="0"/>
-              <a:t>first two suggest</a:t>
-            </a:r>
-            <a:r>
-              <a:rPr lang="en-GB" baseline="0" dirty="0" smtClean="0"/>
-              <a:t> native </a:t>
-            </a:r>
-            <a:r>
-              <a:rPr lang="en-GB" baseline="0" dirty="0" err="1" smtClean="0"/>
-              <a:t>compatability</a:t>
-            </a:r>
-            <a:r>
-              <a:rPr lang="en-GB" baseline="0" dirty="0" smtClean="0"/>
-              <a:t>; second is often related to data format</a:t>
-            </a:r>
             <a:endParaRPr lang="en-GB" dirty="0"/>
           </a:p>
         </p:txBody>
@@ -3596,6 +3152,224 @@
 </file>
 
 <file path=ppt/notesSlides/notesSlide6.xml><?xml version="1.0" encoding="utf-8"?>
+<p:notes xmlns:a="http://schemas.openxmlformats.org/drawingml/2006/main" xmlns:r="http://schemas.openxmlformats.org/officeDocument/2006/relationships" xmlns:p="http://schemas.openxmlformats.org/presentationml/2006/main">
+  <p:cSld>
+    <p:spTree>
+      <p:nvGrpSpPr>
+        <p:cNvPr id="1" name=""/>
+        <p:cNvGrpSpPr/>
+        <p:nvPr/>
+      </p:nvGrpSpPr>
+      <p:grpSpPr>
+        <a:xfrm>
+          <a:off x="0" y="0"/>
+          <a:ext cx="0" cy="0"/>
+          <a:chOff x="0" y="0"/>
+          <a:chExt cx="0" cy="0"/>
+        </a:xfrm>
+      </p:grpSpPr>
+      <p:sp>
+        <p:nvSpPr>
+          <p:cNvPr id="2" name="Slide Image Placeholder 1"/>
+          <p:cNvSpPr>
+            <a:spLocks noGrp="1" noRot="1" noChangeAspect="1"/>
+          </p:cNvSpPr>
+          <p:nvPr>
+            <p:ph type="sldImg"/>
+          </p:nvPr>
+        </p:nvSpPr>
+        <p:spPr/>
+      </p:sp>
+      <p:sp>
+        <p:nvSpPr>
+          <p:cNvPr id="3" name="Notes Placeholder 2"/>
+          <p:cNvSpPr>
+            <a:spLocks noGrp="1"/>
+          </p:cNvSpPr>
+          <p:nvPr>
+            <p:ph type="body" idx="1"/>
+          </p:nvPr>
+        </p:nvSpPr>
+        <p:spPr/>
+        <p:txBody>
+          <a:bodyPr/>
+          <a:lstStyle/>
+          <a:p>
+            <a:r>
+              <a:rPr lang="en-GB" dirty="0" smtClean="0"/>
+              <a:t>peel back</a:t>
+            </a:r>
+            <a:r>
+              <a:rPr lang="en-GB" baseline="0" dirty="0" smtClean="0"/>
+              <a:t> the layers; data product can be </a:t>
+            </a:r>
+            <a:r>
+              <a:rPr lang="en-GB" baseline="0" dirty="0" err="1" smtClean="0"/>
+              <a:t>viz</a:t>
+            </a:r>
+            <a:r>
+              <a:rPr lang="en-GB" baseline="0" dirty="0" smtClean="0"/>
+              <a:t> from </a:t>
+            </a:r>
+            <a:r>
+              <a:rPr lang="en-GB" baseline="0" dirty="0" err="1" smtClean="0"/>
+              <a:t>OPeNDAP</a:t>
+            </a:r>
+            <a:r>
+              <a:rPr lang="en-GB" baseline="0" dirty="0" smtClean="0"/>
+              <a:t> but not a different type of server.  what are the data types?  what are the conventions?</a:t>
+            </a:r>
+            <a:endParaRPr lang="en-GB" dirty="0"/>
+          </a:p>
+        </p:txBody>
+      </p:sp>
+      <p:sp>
+        <p:nvSpPr>
+          <p:cNvPr id="4" name="Slide Number Placeholder 3"/>
+          <p:cNvSpPr>
+            <a:spLocks noGrp="1"/>
+          </p:cNvSpPr>
+          <p:nvPr>
+            <p:ph type="sldNum" idx="10"/>
+          </p:nvPr>
+        </p:nvSpPr>
+        <p:spPr/>
+        <p:txBody>
+          <a:bodyPr/>
+          <a:lstStyle/>
+          <a:p>
+            <a:pPr marL="0" lvl="0" indent="-88900">
+              <a:spcBef>
+                <a:spcPts val="0"/>
+              </a:spcBef>
+              <a:buClr>
+                <a:srgbClr val="000000"/>
+              </a:buClr>
+              <a:buFont typeface="Arial"/>
+              <a:buChar char="●"/>
+            </a:pPr>
+            <a:endParaRPr lang="en-GB" smtClean="0"/>
+          </a:p>
+          <a:p>
+            <a:pPr marL="0" lvl="1" indent="-88900">
+              <a:spcBef>
+                <a:spcPts val="0"/>
+              </a:spcBef>
+              <a:buClr>
+                <a:srgbClr val="000000"/>
+              </a:buClr>
+              <a:buFont typeface="Courier New"/>
+              <a:buChar char="o"/>
+            </a:pPr>
+            <a:endParaRPr lang="en-GB" smtClean="0"/>
+          </a:p>
+          <a:p>
+            <a:pPr marL="0" lvl="2" indent="-88900">
+              <a:spcBef>
+                <a:spcPts val="0"/>
+              </a:spcBef>
+              <a:buClr>
+                <a:srgbClr val="000000"/>
+              </a:buClr>
+              <a:buFont typeface="Wingdings"/>
+              <a:buChar char="§"/>
+            </a:pPr>
+            <a:endParaRPr lang="en-GB" smtClean="0"/>
+          </a:p>
+          <a:p>
+            <a:pPr marL="0" lvl="3" indent="-88900">
+              <a:spcBef>
+                <a:spcPts val="0"/>
+              </a:spcBef>
+              <a:buClr>
+                <a:srgbClr val="000000"/>
+              </a:buClr>
+              <a:buFont typeface="Arial"/>
+              <a:buChar char="●"/>
+            </a:pPr>
+            <a:endParaRPr lang="en-GB" smtClean="0"/>
+          </a:p>
+          <a:p>
+            <a:pPr marL="0" lvl="4" indent="-88900">
+              <a:spcBef>
+                <a:spcPts val="0"/>
+              </a:spcBef>
+              <a:buClr>
+                <a:srgbClr val="000000"/>
+              </a:buClr>
+              <a:buFont typeface="Courier New"/>
+              <a:buChar char="o"/>
+            </a:pPr>
+            <a:endParaRPr lang="en-GB" smtClean="0"/>
+          </a:p>
+          <a:p>
+            <a:pPr marL="0" lvl="5" indent="-88900">
+              <a:spcBef>
+                <a:spcPts val="0"/>
+              </a:spcBef>
+              <a:buClr>
+                <a:srgbClr val="000000"/>
+              </a:buClr>
+              <a:buFont typeface="Wingdings"/>
+              <a:buChar char="§"/>
+            </a:pPr>
+            <a:endParaRPr lang="en-GB" smtClean="0"/>
+          </a:p>
+          <a:p>
+            <a:pPr marL="0" lvl="6" indent="-88900">
+              <a:spcBef>
+                <a:spcPts val="0"/>
+              </a:spcBef>
+              <a:buClr>
+                <a:srgbClr val="000000"/>
+              </a:buClr>
+              <a:buFont typeface="Arial"/>
+              <a:buChar char="●"/>
+            </a:pPr>
+            <a:endParaRPr lang="en-GB" smtClean="0"/>
+          </a:p>
+          <a:p>
+            <a:pPr marL="0" lvl="7" indent="-88900">
+              <a:spcBef>
+                <a:spcPts val="0"/>
+              </a:spcBef>
+              <a:buClr>
+                <a:srgbClr val="000000"/>
+              </a:buClr>
+              <a:buFont typeface="Courier New"/>
+              <a:buChar char="o"/>
+            </a:pPr>
+            <a:endParaRPr lang="en-GB" smtClean="0"/>
+          </a:p>
+          <a:p>
+            <a:pPr marL="0" lvl="8" indent="-88900">
+              <a:spcBef>
+                <a:spcPts val="0"/>
+              </a:spcBef>
+              <a:buClr>
+                <a:srgbClr val="000000"/>
+              </a:buClr>
+              <a:buFont typeface="Wingdings"/>
+              <a:buChar char="§"/>
+            </a:pPr>
+            <a:endParaRPr lang="en-GB"/>
+          </a:p>
+        </p:txBody>
+      </p:sp>
+    </p:spTree>
+    <p:extLst>
+      <p:ext uri="{BB962C8B-B14F-4D97-AF65-F5344CB8AC3E}">
+        <p14:creationId xmlns:p14="http://schemas.microsoft.com/office/powerpoint/2010/main" val="4109460748"/>
+      </p:ext>
+    </p:extLst>
+  </p:cSld>
+  <p:clrMapOvr>
+    <a:masterClrMapping/>
+  </p:clrMapOvr>
+</p:notes>
+</file>
+
+<file path=ppt/notesSlides/notesSlide7.xml><?xml version="1.0" encoding="utf-8"?>
 <p:notes xmlns:a="http://schemas.openxmlformats.org/drawingml/2006/main" xmlns:r="http://schemas.openxmlformats.org/officeDocument/2006/relationships" xmlns:p="http://schemas.openxmlformats.org/presentationml/2006/main" showMasterSp="0" showMasterPhAnim="0">
   <p:cSld>
     <p:spTree>
@@ -3770,12 +3544,6 @@
               </a:rPr>
               <a:t>Match to tools that the model as a whole might not be able to match</a:t>
             </a:r>
-            <a:endParaRPr lang="en-US" sz="1200" dirty="0" smtClean="0">
-              <a:latin typeface="Helvetica Neue"/>
-              <a:ea typeface="Georgia"/>
-              <a:cs typeface="Georgia"/>
-              <a:sym typeface="Georgia"/>
-            </a:endParaRPr>
           </a:p>
         </p:txBody>
       </p:sp>
@@ -3838,7 +3606,7 @@
 </p:notes>
 </file>
 
-<file path=ppt/notesSlides/notesSlide7.xml><?xml version="1.0" encoding="utf-8"?>
+<file path=ppt/notesSlides/notesSlide8.xml><?xml version="1.0" encoding="utf-8"?>
 <p:notes xmlns:a="http://schemas.openxmlformats.org/drawingml/2006/main" xmlns:r="http://schemas.openxmlformats.org/officeDocument/2006/relationships" xmlns:p="http://schemas.openxmlformats.org/presentationml/2006/main" showMasterSp="0" showMasterPhAnim="0">
   <p:cSld>
     <p:spTree>
@@ -3991,12 +3759,12 @@
 </p:notes>
 </file>
 
-<file path=ppt/notesSlides/notesSlide8.xml><?xml version="1.0" encoding="utf-8"?>
-<p:notes xmlns:a="http://schemas.openxmlformats.org/drawingml/2006/main" xmlns:r="http://schemas.openxmlformats.org/officeDocument/2006/relationships" xmlns:p="http://schemas.openxmlformats.org/presentationml/2006/main" showMasterSp="0" showMasterPhAnim="0">
+<file path=ppt/notesSlides/notesSlide9.xml><?xml version="1.0" encoding="utf-8"?>
+<p:notes xmlns:a="http://schemas.openxmlformats.org/drawingml/2006/main" xmlns:r="http://schemas.openxmlformats.org/officeDocument/2006/relationships" xmlns:p="http://schemas.openxmlformats.org/presentationml/2006/main">
   <p:cSld>
     <p:spTree>
       <p:nvGrpSpPr>
-        <p:cNvPr id="1" name="Shape 311"/>
+        <p:cNvPr id="1" name=""/>
         <p:cNvGrpSpPr/>
         <p:nvPr/>
       </p:nvGrpSpPr>
@@ -4010,252 +3778,205 @@
       </p:grpSpPr>
       <p:sp>
         <p:nvSpPr>
-          <p:cNvPr id="312" name="Shape 312"/>
-          <p:cNvSpPr txBox="1">
+          <p:cNvPr id="2" name="Slide Image Placeholder 1"/>
+          <p:cNvSpPr>
+            <a:spLocks noGrp="1" noRot="1" noChangeAspect="1"/>
+          </p:cNvSpPr>
+          <p:nvPr>
+            <p:ph type="sldImg"/>
+          </p:nvPr>
+        </p:nvSpPr>
+        <p:spPr/>
+      </p:sp>
+      <p:sp>
+        <p:nvSpPr>
+          <p:cNvPr id="3" name="Notes Placeholder 2"/>
+          <p:cNvSpPr>
             <a:spLocks noGrp="1"/>
           </p:cNvSpPr>
           <p:nvPr>
             <p:ph type="body" idx="1"/>
           </p:nvPr>
         </p:nvSpPr>
-        <p:spPr>
-          <a:xfrm>
-            <a:off x="685800" y="4343400"/>
-            <a:ext cx="5486399" cy="4114800"/>
-          </a:xfrm>
-          <a:prstGeom prst="rect">
-            <a:avLst/>
-          </a:prstGeom>
-        </p:spPr>
+        <p:spPr/>
         <p:txBody>
-          <a:bodyPr lIns="91425" tIns="91425" rIns="91425" bIns="91425" anchor="ctr" anchorCtr="0">
-            <a:noAutofit/>
-          </a:bodyPr>
+          <a:bodyPr/>
           <a:lstStyle/>
           <a:p>
-            <a:pPr marL="0" marR="0" lvl="0" indent="0" algn="l" defTabSz="914400" rtl="0" eaLnBrk="1" fontAlgn="auto" latinLnBrk="0" hangingPunct="1">
-              <a:lnSpc>
-                <a:spcPct val="100000"/>
-              </a:lnSpc>
-              <a:spcBef>
-                <a:spcPts val="0"/>
-              </a:spcBef>
-              <a:spcAft>
-                <a:spcPts val="0"/>
-              </a:spcAft>
-              <a:buClrTx/>
-              <a:buSzTx/>
-              <a:buFontTx/>
-              <a:buNone/>
-              <a:tabLst/>
-              <a:defRPr/>
-            </a:pPr>
             <a:r>
-              <a:rPr lang="en-GB" sz="1200" dirty="0" smtClean="0">
-                <a:latin typeface="Helvetica Neue"/>
-              </a:rPr>
-              <a:t>Be more descriptive here (from Soren) </a:t>
+              <a:rPr lang="en-US" dirty="0" smtClean="0"/>
+              <a:t>Statement: AIRS2010.08.11.095.L2 is a data set.</a:t>
             </a:r>
           </a:p>
           <a:p>
-            <a:pPr lvl="0" rtl="0">
-              <a:spcBef>
-                <a:spcPts val="0"/>
-              </a:spcBef>
-              <a:buNone/>
-            </a:pPr>
-            <a:endParaRPr dirty="0"/>
+            <a:r>
+              <a:rPr lang="en-US" dirty="0" smtClean="0"/>
+              <a:t>Statement: AIRS…  grid structure is a Swath.</a:t>
+            </a:r>
+          </a:p>
+          <a:p>
+            <a:r>
+              <a:rPr lang="en-US" dirty="0" smtClean="0"/>
+              <a:t>Statement: AIRS… data format is HDF4.</a:t>
+            </a:r>
+          </a:p>
+          <a:p>
+            <a:r>
+              <a:rPr lang="en-US" dirty="0" smtClean="0"/>
+              <a:t>Statement: Panoply can plot AIRS2010.08.11.095.L2 linearly</a:t>
+            </a:r>
+          </a:p>
+          <a:p>
+            <a:endParaRPr lang="en-US" dirty="0" smtClean="0"/>
+          </a:p>
+          <a:p>
+            <a:r>
+              <a:rPr lang="en-US" dirty="0" smtClean="0"/>
+              <a:t>Q: If we see a lot of assertions like these, can we generalize them to say that Panoply can visualize *any* swath data in HDF format as a line plot? </a:t>
+            </a:r>
+            <a:endParaRPr lang="en-US" dirty="0" smtClean="0"/>
           </a:p>
         </p:txBody>
       </p:sp>
       <p:sp>
         <p:nvSpPr>
-          <p:cNvPr id="313" name="Shape 313"/>
+          <p:cNvPr id="4" name="Slide Number Placeholder 3"/>
           <p:cNvSpPr>
-            <a:spLocks noGrp="1" noRot="1" noChangeAspect="1"/>
-          </p:cNvSpPr>
-          <p:nvPr>
-            <p:ph type="sldImg" idx="2"/>
-          </p:nvPr>
-        </p:nvSpPr>
-        <p:spPr>
-          <a:xfrm>
-            <a:off x="1143000" y="685800"/>
-            <a:ext cx="4572000" cy="3429000"/>
-          </a:xfrm>
-          <a:custGeom>
-            <a:avLst/>
-            <a:gdLst/>
-            <a:ahLst/>
-            <a:cxnLst/>
-            <a:rect l="0" t="0" r="0" b="0"/>
-            <a:pathLst>
-              <a:path w="120000" h="120000" extrusionOk="0">
-                <a:moveTo>
-                  <a:pt x="0" y="0"/>
-                </a:moveTo>
-                <a:lnTo>
-                  <a:pt x="120000" y="0"/>
-                </a:lnTo>
-                <a:lnTo>
-                  <a:pt x="120000" y="120000"/>
-                </a:lnTo>
-                <a:lnTo>
-                  <a:pt x="0" y="120000"/>
-                </a:lnTo>
-                <a:close/>
-              </a:path>
-            </a:pathLst>
-          </a:custGeom>
-          <a:noFill/>
-          <a:ln w="9525" cap="flat">
-            <a:solidFill>
-              <a:srgbClr val="000000"/>
-            </a:solidFill>
-            <a:prstDash val="solid"/>
-            <a:round/>
-            <a:headEnd type="none" w="med" len="med"/>
-            <a:tailEnd type="none" w="med" len="med"/>
-          </a:ln>
-        </p:spPr>
-      </p:sp>
-    </p:spTree>
-  </p:cSld>
-  <p:clrMapOvr>
-    <a:masterClrMapping/>
-  </p:clrMapOvr>
-</p:notes>
-</file>
-
-<file path=ppt/notesSlides/notesSlide9.xml><?xml version="1.0" encoding="utf-8"?>
-<p:notes xmlns:a="http://schemas.openxmlformats.org/drawingml/2006/main" xmlns:r="http://schemas.openxmlformats.org/officeDocument/2006/relationships" xmlns:p="http://schemas.openxmlformats.org/presentationml/2006/main" showMasterSp="0" showMasterPhAnim="0">
-  <p:cSld>
-    <p:spTree>
-      <p:nvGrpSpPr>
-        <p:cNvPr id="1" name="Shape 311"/>
-        <p:cNvGrpSpPr/>
-        <p:nvPr/>
-      </p:nvGrpSpPr>
-      <p:grpSpPr>
-        <a:xfrm>
-          <a:off x="0" y="0"/>
-          <a:ext cx="0" cy="0"/>
-          <a:chOff x="0" y="0"/>
-          <a:chExt cx="0" cy="0"/>
-        </a:xfrm>
-      </p:grpSpPr>
-      <p:sp>
-        <p:nvSpPr>
-          <p:cNvPr id="312" name="Shape 312"/>
-          <p:cNvSpPr txBox="1">
             <a:spLocks noGrp="1"/>
           </p:cNvSpPr>
           <p:nvPr>
-            <p:ph type="body" idx="1"/>
+            <p:ph type="sldNum" idx="10"/>
           </p:nvPr>
         </p:nvSpPr>
-        <p:spPr>
-          <a:xfrm>
-            <a:off x="685800" y="4343400"/>
-            <a:ext cx="5486399" cy="4114800"/>
-          </a:xfrm>
-          <a:prstGeom prst="rect">
-            <a:avLst/>
-          </a:prstGeom>
-        </p:spPr>
+        <p:spPr/>
         <p:txBody>
-          <a:bodyPr lIns="91425" tIns="91425" rIns="91425" bIns="91425" anchor="ctr" anchorCtr="0">
-            <a:noAutofit/>
-          </a:bodyPr>
+          <a:bodyPr/>
           <a:lstStyle/>
           <a:p>
-            <a:pPr marL="0" marR="0" lvl="0" indent="0" algn="l" defTabSz="914400" rtl="0" eaLnBrk="1" fontAlgn="auto" latinLnBrk="0" hangingPunct="1">
-              <a:lnSpc>
-                <a:spcPct val="100000"/>
-              </a:lnSpc>
-              <a:spcBef>
-                <a:spcPts val="0"/>
-              </a:spcBef>
-              <a:spcAft>
-                <a:spcPts val="0"/>
-              </a:spcAft>
-              <a:buClrTx/>
-              <a:buSzTx/>
-              <a:buFontTx/>
-              <a:buNone/>
-              <a:tabLst/>
-              <a:defRPr/>
-            </a:pPr>
-            <a:r>
-              <a:rPr lang="en-GB" sz="1200" dirty="0" smtClean="0">
-                <a:latin typeface="Helvetica Neue"/>
-              </a:rPr>
-              <a:t>Be more descriptive here (from Soren) </a:t>
-            </a:r>
-          </a:p>
-          <a:p>
-            <a:pPr lvl="0" rtl="0">
-              <a:spcBef>
-                <a:spcPts val="0"/>
-              </a:spcBef>
-              <a:buNone/>
-            </a:pPr>
-            <a:endParaRPr dirty="0"/>
+            <a:pPr marL="0" lvl="0" indent="-88900">
+              <a:spcBef>
+                <a:spcPts val="0"/>
+              </a:spcBef>
+              <a:buClr>
+                <a:srgbClr val="000000"/>
+              </a:buClr>
+              <a:buFont typeface="Arial"/>
+              <a:buChar char="●"/>
+            </a:pPr>
+            <a:endParaRPr lang="en-GB" smtClean="0"/>
+          </a:p>
+          <a:p>
+            <a:pPr marL="0" lvl="1" indent="-88900">
+              <a:spcBef>
+                <a:spcPts val="0"/>
+              </a:spcBef>
+              <a:buClr>
+                <a:srgbClr val="000000"/>
+              </a:buClr>
+              <a:buFont typeface="Courier New"/>
+              <a:buChar char="o"/>
+            </a:pPr>
+            <a:endParaRPr lang="en-GB" smtClean="0"/>
+          </a:p>
+          <a:p>
+            <a:pPr marL="0" lvl="2" indent="-88900">
+              <a:spcBef>
+                <a:spcPts val="0"/>
+              </a:spcBef>
+              <a:buClr>
+                <a:srgbClr val="000000"/>
+              </a:buClr>
+              <a:buFont typeface="Wingdings"/>
+              <a:buChar char="§"/>
+            </a:pPr>
+            <a:endParaRPr lang="en-GB" smtClean="0"/>
+          </a:p>
+          <a:p>
+            <a:pPr marL="0" lvl="3" indent="-88900">
+              <a:spcBef>
+                <a:spcPts val="0"/>
+              </a:spcBef>
+              <a:buClr>
+                <a:srgbClr val="000000"/>
+              </a:buClr>
+              <a:buFont typeface="Arial"/>
+              <a:buChar char="●"/>
+            </a:pPr>
+            <a:endParaRPr lang="en-GB" smtClean="0"/>
+          </a:p>
+          <a:p>
+            <a:pPr marL="0" lvl="4" indent="-88900">
+              <a:spcBef>
+                <a:spcPts val="0"/>
+              </a:spcBef>
+              <a:buClr>
+                <a:srgbClr val="000000"/>
+              </a:buClr>
+              <a:buFont typeface="Courier New"/>
+              <a:buChar char="o"/>
+            </a:pPr>
+            <a:endParaRPr lang="en-GB" smtClean="0"/>
+          </a:p>
+          <a:p>
+            <a:pPr marL="0" lvl="5" indent="-88900">
+              <a:spcBef>
+                <a:spcPts val="0"/>
+              </a:spcBef>
+              <a:buClr>
+                <a:srgbClr val="000000"/>
+              </a:buClr>
+              <a:buFont typeface="Wingdings"/>
+              <a:buChar char="§"/>
+            </a:pPr>
+            <a:endParaRPr lang="en-GB" smtClean="0"/>
+          </a:p>
+          <a:p>
+            <a:pPr marL="0" lvl="6" indent="-88900">
+              <a:spcBef>
+                <a:spcPts val="0"/>
+              </a:spcBef>
+              <a:buClr>
+                <a:srgbClr val="000000"/>
+              </a:buClr>
+              <a:buFont typeface="Arial"/>
+              <a:buChar char="●"/>
+            </a:pPr>
+            <a:endParaRPr lang="en-GB" smtClean="0"/>
+          </a:p>
+          <a:p>
+            <a:pPr marL="0" lvl="7" indent="-88900">
+              <a:spcBef>
+                <a:spcPts val="0"/>
+              </a:spcBef>
+              <a:buClr>
+                <a:srgbClr val="000000"/>
+              </a:buClr>
+              <a:buFont typeface="Courier New"/>
+              <a:buChar char="o"/>
+            </a:pPr>
+            <a:endParaRPr lang="en-GB" smtClean="0"/>
+          </a:p>
+          <a:p>
+            <a:pPr marL="0" lvl="8" indent="-88900">
+              <a:spcBef>
+                <a:spcPts val="0"/>
+              </a:spcBef>
+              <a:buClr>
+                <a:srgbClr val="000000"/>
+              </a:buClr>
+              <a:buFont typeface="Wingdings"/>
+              <a:buChar char="§"/>
+            </a:pPr>
+            <a:endParaRPr lang="en-GB"/>
           </a:p>
         </p:txBody>
       </p:sp>
-      <p:sp>
-        <p:nvSpPr>
-          <p:cNvPr id="313" name="Shape 313"/>
-          <p:cNvSpPr>
-            <a:spLocks noGrp="1" noRot="1" noChangeAspect="1"/>
-          </p:cNvSpPr>
-          <p:nvPr>
-            <p:ph type="sldImg" idx="2"/>
-          </p:nvPr>
-        </p:nvSpPr>
-        <p:spPr>
-          <a:xfrm>
-            <a:off x="1143000" y="685800"/>
-            <a:ext cx="4572000" cy="3429000"/>
-          </a:xfrm>
-          <a:custGeom>
-            <a:avLst/>
-            <a:gdLst/>
-            <a:ahLst/>
-            <a:cxnLst/>
-            <a:rect l="0" t="0" r="0" b="0"/>
-            <a:pathLst>
-              <a:path w="120000" h="120000" extrusionOk="0">
-                <a:moveTo>
-                  <a:pt x="0" y="0"/>
-                </a:moveTo>
-                <a:lnTo>
-                  <a:pt x="120000" y="0"/>
-                </a:lnTo>
-                <a:lnTo>
-                  <a:pt x="120000" y="120000"/>
-                </a:lnTo>
-                <a:lnTo>
-                  <a:pt x="0" y="120000"/>
-                </a:lnTo>
-                <a:close/>
-              </a:path>
-            </a:pathLst>
-          </a:custGeom>
-          <a:noFill/>
-          <a:ln w="9525" cap="flat">
-            <a:solidFill>
-              <a:srgbClr val="000000"/>
-            </a:solidFill>
-            <a:prstDash val="solid"/>
-            <a:round/>
-            <a:headEnd type="none" w="med" len="med"/>
-            <a:tailEnd type="none" w="med" len="med"/>
-          </a:ln>
-        </p:spPr>
-      </p:sp>
     </p:spTree>
+    <p:extLst>
+      <p:ext uri="{BB962C8B-B14F-4D97-AF65-F5344CB8AC3E}">
+        <p14:creationId xmlns:p14="http://schemas.microsoft.com/office/powerpoint/2010/main" val="3847108746"/>
+      </p:ext>
+    </p:extLst>
   </p:cSld>
   <p:clrMapOvr>
     <a:masterClrMapping/>
@@ -19340,7 +19061,7 @@
         </p:nvSpPr>
         <p:spPr>
           <a:xfrm>
-            <a:off x="584200" y="5410199"/>
+            <a:off x="584200" y="5105400"/>
             <a:ext cx="11861798" cy="2743201"/>
           </a:xfrm>
           <a:prstGeom prst="rect">
@@ -19466,6 +19187,24 @@
               <a:buSzPct val="25000"/>
               <a:buNone/>
             </a:pPr>
+            <a:endParaRPr lang="en-US" sz="2800" dirty="0" smtClean="0">
+              <a:solidFill>
+                <a:schemeClr val="dk1"/>
+              </a:solidFill>
+              <a:latin typeface="Helvetica Neue"/>
+              <a:ea typeface="Helvetica Neue"/>
+              <a:cs typeface="Helvetica Neue"/>
+              <a:sym typeface="Helvetica Neue"/>
+            </a:endParaRPr>
+          </a:p>
+          <a:p>
+            <a:pPr marL="0" lvl="0" indent="0" algn="ctr">
+              <a:spcBef>
+                <a:spcPts val="560"/>
+              </a:spcBef>
+              <a:buSzPct val="25000"/>
+              <a:buNone/>
+            </a:pPr>
             <a:r>
               <a:rPr lang="en-US" sz="2800" dirty="0" smtClean="0">
                 <a:solidFill>
@@ -19488,7 +19227,19 @@
                 <a:cs typeface="Helvetica Neue"/>
                 <a:sym typeface="Helvetica Neue"/>
               </a:rPr>
-              <a:t>ers: Nancy,</a:t>
+              <a:t>ers</a:t>
+            </a:r>
+            <a:r>
+              <a:rPr lang="en-US" sz="2800" b="0" i="0" u="none" strike="noStrike" cap="none" baseline="0" dirty="0" smtClean="0">
+                <a:solidFill>
+                  <a:schemeClr val="dk1"/>
+                </a:solidFill>
+                <a:latin typeface="Helvetica Neue"/>
+                <a:ea typeface="Helvetica Neue"/>
+                <a:cs typeface="Helvetica Neue"/>
+                <a:sym typeface="Helvetica Neue"/>
+              </a:rPr>
+              <a:t>: Nancy,</a:t>
             </a:r>
             <a:r>
               <a:rPr lang="en-US" sz="2800" b="0" i="0" u="none" strike="noStrike" cap="none" dirty="0" smtClean="0">
@@ -19503,7 +19254,7 @@
               <a:t> </a:t>
             </a:r>
             <a:r>
-              <a:rPr lang="en-US" sz="2800" i="1" dirty="0" smtClean="0">
+              <a:rPr lang="en-US" sz="2800" b="0" i="0" u="none" strike="noStrike" cap="none" dirty="0" smtClean="0">
                 <a:solidFill>
                   <a:schemeClr val="dk1"/>
                 </a:solidFill>
@@ -19512,19 +19263,21 @@
                 <a:cs typeface="Helvetica Neue"/>
                 <a:sym typeface="Helvetica Neue"/>
               </a:rPr>
-              <a:t>Brandon</a:t>
+              <a:t>Beth, Chris, Soren, and </a:t>
             </a:r>
             <a:r>
-              <a:rPr lang="en-US" sz="2800" dirty="0" smtClean="0">
+              <a:rPr lang="en-US" sz="2800" i="1" dirty="0" smtClean="0">
                 <a:solidFill>
-                  <a:schemeClr val="dk1"/>
+                  <a:schemeClr val="tx2">
+                    <a:lumMod val="75000"/>
+                  </a:schemeClr>
                 </a:solidFill>
                 <a:latin typeface="Helvetica Neue"/>
                 <a:ea typeface="Helvetica Neue"/>
                 <a:cs typeface="Helvetica Neue"/>
                 <a:sym typeface="Helvetica Neue"/>
               </a:rPr>
-              <a:t>, Soren, Beth, Chris</a:t>
+              <a:t>Brandon</a:t>
             </a:r>
             <a:endParaRPr lang="en-US" sz="2800" dirty="0">
               <a:solidFill>
@@ -19858,7 +19611,7 @@
         </p:nvSpPr>
         <p:spPr>
           <a:xfrm>
-            <a:off x="351725" y="413700"/>
+            <a:off x="351725" y="151125"/>
             <a:ext cx="9924000" cy="1415100"/>
           </a:xfrm>
           <a:prstGeom prst="rect">
@@ -19902,31 +19655,7 @@
                 <a:cs typeface="Helvetica Neue"/>
                 <a:sym typeface="Helvetica Neue"/>
               </a:rPr>
-              <a:t>exampl</a:t>
-            </a:r>
-            <a:r>
-              <a:rPr lang="en-US" sz="4400" dirty="0" smtClean="0">
-                <a:solidFill>
-                  <a:schemeClr val="dk1"/>
-                </a:solidFill>
-                <a:latin typeface="Helvetica Neue"/>
-                <a:ea typeface="Helvetica Neue"/>
-                <a:cs typeface="Helvetica Neue"/>
-                <a:sym typeface="Helvetica Neue"/>
-              </a:rPr>
-              <a:t>e statements:</a:t>
-            </a:r>
-            <a:r>
-              <a:rPr lang="en-US" sz="4400" dirty="0" smtClean="0">
-                <a:solidFill>
-                  <a:schemeClr val="dk1"/>
-                </a:solidFill>
-                <a:latin typeface="Helvetica Neue"/>
-                <a:ea typeface="Helvetica Neue"/>
-                <a:cs typeface="Helvetica Neue"/>
-                <a:sym typeface="Helvetica Neue"/>
-              </a:rPr>
-              <a:t/>
+              <a:t>so…</a:t>
             </a:r>
             <a:br>
               <a:rPr lang="en-US" sz="4400" dirty="0" smtClean="0">
@@ -19949,7 +19678,7 @@
                 <a:cs typeface="Helvetica Neue"/>
                 <a:sym typeface="Helvetica Neue"/>
               </a:rPr>
-              <a:t>simple</a:t>
+              <a:t>what is this sprint about?</a:t>
             </a:r>
             <a:endParaRPr lang="en-US" sz="4400" dirty="0">
               <a:solidFill>
@@ -19972,7 +19701,7 @@
         <p:spPr>
           <a:xfrm>
             <a:off x="635000" y="2514600"/>
-            <a:ext cx="11811000" cy="5232202"/>
+            <a:ext cx="11811000" cy="6709529"/>
           </a:xfrm>
           <a:prstGeom prst="rect">
             <a:avLst/>
@@ -19989,7 +19718,7 @@
               <a:rPr lang="en-US" sz="3200" dirty="0" smtClean="0">
                 <a:latin typeface="Helvetica Neue"/>
               </a:rPr>
-              <a:t>ERRDAP is a Data Server</a:t>
+              <a:t>Statements about experiences</a:t>
             </a:r>
           </a:p>
           <a:p>
@@ -19999,63 +19728,175 @@
             </a:endParaRPr>
           </a:p>
           <a:p>
-            <a:pPr latinLnBrk="1"/>
+            <a:pPr marL="457200" indent="-457200">
+              <a:buFont typeface="Arial" panose="020B0604020202020204" pitchFamily="34" charset="0"/>
+              <a:buChar char="•"/>
+            </a:pPr>
             <a:r>
-              <a:rPr lang="en-US" sz="3200" dirty="0" err="1" smtClean="0">
+              <a:rPr lang="en-GB" sz="3200" dirty="0" smtClean="0">
                 <a:latin typeface="Helvetica Neue"/>
               </a:rPr>
-              <a:t>PyDAP</a:t>
+              <a:t>What </a:t>
             </a:r>
             <a:r>
-              <a:rPr lang="en-US" sz="3200" dirty="0" smtClean="0">
+              <a:rPr lang="en-GB" sz="3200" dirty="0">
                 <a:latin typeface="Helvetica Neue"/>
               </a:rPr>
-              <a:t> is a Data Server </a:t>
-            </a:r>
-          </a:p>
-          <a:p>
-            <a:endParaRPr lang="en-GB" sz="3200" dirty="0" smtClean="0">
-              <a:latin typeface="Helvetica Neue"/>
-            </a:endParaRPr>
-          </a:p>
-          <a:p>
-            <a:r>
-              <a:rPr lang="en-GB" sz="3200" dirty="0" err="1" smtClean="0">
-                <a:latin typeface="Helvetica Neue"/>
-              </a:rPr>
-              <a:t>OPeNDAP</a:t>
+              <a:t> </a:t>
             </a:r>
             <a:r>
               <a:rPr lang="en-GB" sz="3200" dirty="0" smtClean="0">
                 <a:latin typeface="Helvetica Neue"/>
               </a:rPr>
-              <a:t> is a Data Server</a:t>
+              <a:t>collection of entities – data formats, data collections, tools, </a:t>
             </a:r>
-          </a:p>
-          <a:p>
-            <a:endParaRPr lang="en-GB" sz="3200" dirty="0">
-              <a:latin typeface="Helvetica Neue"/>
-            </a:endParaRPr>
-          </a:p>
-          <a:p>
+            <a:r>
+              <a:rPr lang="en-GB" sz="3200" dirty="0" err="1" smtClean="0">
+                <a:latin typeface="Helvetica Neue"/>
+              </a:rPr>
+              <a:t>filetypes</a:t>
+            </a:r>
             <a:r>
               <a:rPr lang="en-GB" sz="3200" dirty="0" smtClean="0">
                 <a:latin typeface="Helvetica Neue"/>
               </a:rPr>
-              <a:t>DOI is an identifier for data and publications</a:t>
+              <a:t>, etc. – have you worked with?</a:t>
             </a:r>
-          </a:p>
-          <a:p>
-            <a:endParaRPr lang="en-GB" sz="3200" dirty="0">
-              <a:latin typeface="Helvetica Neue"/>
-            </a:endParaRPr>
           </a:p>
           <a:p>
             <a:r>
               <a:rPr lang="en-GB" sz="3200" dirty="0" smtClean="0">
                 <a:latin typeface="Helvetica Neue"/>
               </a:rPr>
-              <a:t>HDF4 is a data format </a:t>
+              <a:t> </a:t>
+            </a:r>
+          </a:p>
+          <a:p>
+            <a:pPr marL="457200" indent="-457200">
+              <a:buFont typeface="Arial" panose="020B0604020202020204" pitchFamily="34" charset="0"/>
+              <a:buChar char="•"/>
+            </a:pPr>
+            <a:r>
+              <a:rPr lang="en-GB" sz="3200" dirty="0" smtClean="0">
+                <a:latin typeface="Helvetica Neue"/>
+              </a:rPr>
+              <a:t>What has worked?</a:t>
+            </a:r>
+            <a:endParaRPr lang="en-GB" sz="3200" dirty="0" smtClean="0">
+              <a:latin typeface="Helvetica Neue"/>
+            </a:endParaRPr>
+          </a:p>
+          <a:p>
+            <a:pPr marL="457200" indent="-457200">
+              <a:buFont typeface="Arial" panose="020B0604020202020204" pitchFamily="34" charset="0"/>
+              <a:buChar char="•"/>
+            </a:pPr>
+            <a:r>
+              <a:rPr lang="en-GB" sz="3200" dirty="0" smtClean="0">
+                <a:latin typeface="Helvetica Neue"/>
+              </a:rPr>
+              <a:t>What has worked </a:t>
+            </a:r>
+            <a:r>
+              <a:rPr lang="en-GB" sz="3200" i="1" dirty="0" smtClean="0">
+                <a:latin typeface="Helvetica Neue"/>
+              </a:rPr>
+              <a:t>well</a:t>
+            </a:r>
+            <a:r>
+              <a:rPr lang="en-GB" sz="3200" dirty="0">
+                <a:latin typeface="Helvetica Neue"/>
+              </a:rPr>
+              <a:t>?</a:t>
+            </a:r>
+            <a:endParaRPr lang="en-GB" sz="3200" dirty="0" smtClean="0">
+              <a:latin typeface="Helvetica Neue"/>
+            </a:endParaRPr>
+          </a:p>
+          <a:p>
+            <a:pPr marL="457200" indent="-457200">
+              <a:buFont typeface="Arial" panose="020B0604020202020204" pitchFamily="34" charset="0"/>
+              <a:buChar char="•"/>
+            </a:pPr>
+            <a:r>
+              <a:rPr lang="en-GB" sz="3200" dirty="0" smtClean="0">
+                <a:latin typeface="Helvetica Neue"/>
+              </a:rPr>
+              <a:t>What</a:t>
+            </a:r>
+            <a:r>
+              <a:rPr lang="en-GB" sz="3200" dirty="0">
+                <a:latin typeface="Helvetica Neue"/>
+              </a:rPr>
+              <a:t>, despite your best efforts, did not?</a:t>
+            </a:r>
+          </a:p>
+          <a:p>
+            <a:endParaRPr lang="en-GB" sz="3200" dirty="0">
+              <a:latin typeface="Helvetica Neue"/>
+            </a:endParaRPr>
+          </a:p>
+          <a:p>
+            <a:pPr marL="457200" indent="-457200">
+              <a:buFont typeface="Arial" panose="020B0604020202020204" pitchFamily="34" charset="0"/>
+              <a:buChar char="•"/>
+            </a:pPr>
+            <a:r>
+              <a:rPr lang="en-GB" sz="3200" dirty="0">
+                <a:latin typeface="Helvetica Neue"/>
+              </a:rPr>
+              <a:t>What has been unclear?  </a:t>
+            </a:r>
+            <a:endParaRPr lang="en-GB" sz="3200" dirty="0">
+              <a:latin typeface="Helvetica Neue"/>
+            </a:endParaRPr>
+          </a:p>
+          <a:p>
+            <a:pPr lvl="8"/>
+            <a:r>
+              <a:rPr lang="en-GB" sz="3200" dirty="0">
+                <a:latin typeface="Helvetica Neue"/>
+              </a:rPr>
+              <a:t>	</a:t>
+            </a:r>
+            <a:r>
+              <a:rPr lang="en-GB" sz="3200" dirty="0" smtClean="0">
+                <a:latin typeface="Helvetica Neue"/>
+              </a:rPr>
+              <a:t>	- </a:t>
+            </a:r>
+            <a:r>
+              <a:rPr lang="en-GB" sz="3200" dirty="0" smtClean="0">
+                <a:latin typeface="Helvetica Neue"/>
+              </a:rPr>
+              <a:t>it </a:t>
+            </a:r>
+            <a:r>
+              <a:rPr lang="en-GB" sz="3200" i="1" dirty="0" smtClean="0">
+                <a:latin typeface="Helvetica Neue"/>
+              </a:rPr>
+              <a:t>might </a:t>
+            </a:r>
+            <a:r>
+              <a:rPr lang="en-GB" sz="3200" dirty="0" smtClean="0">
+                <a:latin typeface="Helvetica Neue"/>
+              </a:rPr>
+              <a:t> have worked if…</a:t>
+            </a:r>
+          </a:p>
+          <a:p>
+            <a:pPr lvl="8"/>
+            <a:r>
+              <a:rPr lang="en-GB" sz="3200" dirty="0">
+                <a:latin typeface="Helvetica Neue"/>
+              </a:rPr>
+              <a:t>	</a:t>
+            </a:r>
+            <a:r>
+              <a:rPr lang="en-GB" sz="3200" dirty="0" smtClean="0">
+                <a:latin typeface="Helvetica Neue"/>
+              </a:rPr>
+              <a:t>	- according to the documentation it should work, but…</a:t>
             </a:r>
             <a:endParaRPr lang="en-GB" sz="3200" dirty="0">
               <a:latin typeface="Helvetica Neue"/>
@@ -20075,7 +19916,7 @@
     </p:spTree>
     <p:extLst>
       <p:ext uri="{BB962C8B-B14F-4D97-AF65-F5344CB8AC3E}">
-        <p14:creationId xmlns:p14="http://schemas.microsoft.com/office/powerpoint/2010/main" val="1105610721"/>
+        <p14:creationId xmlns:p14="http://schemas.microsoft.com/office/powerpoint/2010/main" val="1659290224"/>
       </p:ext>
     </p:extLst>
   </p:cSld>
@@ -20168,31 +20009,7 @@
                 <a:cs typeface="Helvetica Neue"/>
                 <a:sym typeface="Helvetica Neue"/>
               </a:rPr>
-              <a:t>exampl</a:t>
-            </a:r>
-            <a:r>
-              <a:rPr lang="en-US" sz="4400" dirty="0" smtClean="0">
-                <a:solidFill>
-                  <a:schemeClr val="dk1"/>
-                </a:solidFill>
-                <a:latin typeface="Helvetica Neue"/>
-                <a:ea typeface="Helvetica Neue"/>
-                <a:cs typeface="Helvetica Neue"/>
-                <a:sym typeface="Helvetica Neue"/>
-              </a:rPr>
-              <a:t>e statements:</a:t>
-            </a:r>
-            <a:r>
-              <a:rPr lang="en-US" sz="4400" dirty="0" smtClean="0">
-                <a:solidFill>
-                  <a:schemeClr val="dk1"/>
-                </a:solidFill>
-                <a:latin typeface="Helvetica Neue"/>
-                <a:ea typeface="Helvetica Neue"/>
-                <a:cs typeface="Helvetica Neue"/>
-                <a:sym typeface="Helvetica Neue"/>
-              </a:rPr>
-              <a:t/>
+              <a:t>example statements:</a:t>
             </a:r>
             <a:br>
               <a:rPr lang="en-US" sz="4400" dirty="0" smtClean="0">
@@ -20238,7 +20055,249 @@
         <p:spPr>
           <a:xfrm>
             <a:off x="635000" y="2514600"/>
-            <a:ext cx="11811000" cy="4247317"/>
+            <a:ext cx="11811000" cy="5232202"/>
+          </a:xfrm>
+          <a:prstGeom prst="rect">
+            <a:avLst/>
+          </a:prstGeom>
+        </p:spPr>
+        <p:txBody>
+          <a:bodyPr wrap="square">
+            <a:spAutoFit/>
+          </a:bodyPr>
+          <a:lstStyle/>
+          <a:p>
+            <a:pPr latinLnBrk="1"/>
+            <a:r>
+              <a:rPr lang="en-US" sz="3200" dirty="0" smtClean="0">
+                <a:latin typeface="Helvetica Neue"/>
+              </a:rPr>
+              <a:t>ERRDAP is a Data Server</a:t>
+            </a:r>
+          </a:p>
+          <a:p>
+            <a:pPr latinLnBrk="1"/>
+            <a:endParaRPr lang="en-US" sz="3200" dirty="0">
+              <a:latin typeface="Helvetica Neue"/>
+            </a:endParaRPr>
+          </a:p>
+          <a:p>
+            <a:pPr latinLnBrk="1"/>
+            <a:r>
+              <a:rPr lang="en-US" sz="3200" dirty="0" err="1" smtClean="0">
+                <a:latin typeface="Helvetica Neue"/>
+              </a:rPr>
+              <a:t>PyDAP</a:t>
+            </a:r>
+            <a:r>
+              <a:rPr lang="en-US" sz="3200" dirty="0" smtClean="0">
+                <a:latin typeface="Helvetica Neue"/>
+              </a:rPr>
+              <a:t> is a Data Server </a:t>
+            </a:r>
+          </a:p>
+          <a:p>
+            <a:endParaRPr lang="en-GB" sz="3200" dirty="0" smtClean="0">
+              <a:latin typeface="Helvetica Neue"/>
+            </a:endParaRPr>
+          </a:p>
+          <a:p>
+            <a:r>
+              <a:rPr lang="en-GB" sz="3200" dirty="0" err="1" smtClean="0">
+                <a:latin typeface="Helvetica Neue"/>
+              </a:rPr>
+              <a:t>OPeNDAP</a:t>
+            </a:r>
+            <a:r>
+              <a:rPr lang="en-GB" sz="3200" dirty="0" smtClean="0">
+                <a:latin typeface="Helvetica Neue"/>
+              </a:rPr>
+              <a:t> is a Data Server</a:t>
+            </a:r>
+          </a:p>
+          <a:p>
+            <a:endParaRPr lang="en-GB" sz="3200" dirty="0">
+              <a:latin typeface="Helvetica Neue"/>
+            </a:endParaRPr>
+          </a:p>
+          <a:p>
+            <a:r>
+              <a:rPr lang="en-GB" sz="3200" dirty="0" smtClean="0">
+                <a:latin typeface="Helvetica Neue"/>
+              </a:rPr>
+              <a:t>DOI is an identifier for data and publications</a:t>
+            </a:r>
+          </a:p>
+          <a:p>
+            <a:endParaRPr lang="en-GB" sz="3200" dirty="0">
+              <a:latin typeface="Helvetica Neue"/>
+            </a:endParaRPr>
+          </a:p>
+          <a:p>
+            <a:r>
+              <a:rPr lang="en-GB" sz="3200" dirty="0" smtClean="0">
+                <a:latin typeface="Helvetica Neue"/>
+              </a:rPr>
+              <a:t>HDF4 is a data format </a:t>
+            </a:r>
+            <a:endParaRPr lang="en-GB" sz="3200" dirty="0">
+              <a:latin typeface="Helvetica Neue"/>
+            </a:endParaRPr>
+          </a:p>
+          <a:p>
+            <a:endParaRPr lang="en-GB" sz="3200" dirty="0">
+              <a:latin typeface="Helvetica Neue"/>
+            </a:endParaRPr>
+          </a:p>
+          <a:p>
+            <a:pPr latinLnBrk="1"/>
+            <a:endParaRPr lang="en-US" dirty="0"/>
+          </a:p>
+        </p:txBody>
+      </p:sp>
+    </p:spTree>
+    <p:extLst>
+      <p:ext uri="{BB962C8B-B14F-4D97-AF65-F5344CB8AC3E}">
+        <p14:creationId xmlns:p14="http://schemas.microsoft.com/office/powerpoint/2010/main" val="1105610721"/>
+      </p:ext>
+    </p:extLst>
+  </p:cSld>
+  <p:clrMapOvr>
+    <a:masterClrMapping/>
+  </p:clrMapOvr>
+  <p:transition spd="slow">
+    <p:cut/>
+  </p:transition>
+  <p:timing>
+    <p:tnLst>
+      <p:par>
+        <p:cTn id="1" dur="indefinite" restart="never" nodeType="tmRoot"/>
+      </p:par>
+    </p:tnLst>
+  </p:timing>
+</p:sld>
+</file>
+
+<file path=ppt/slides/slide12.xml><?xml version="1.0" encoding="utf-8"?>
+<p:sld xmlns:a="http://schemas.openxmlformats.org/drawingml/2006/main" xmlns:r="http://schemas.openxmlformats.org/officeDocument/2006/relationships" xmlns:p="http://schemas.openxmlformats.org/presentationml/2006/main">
+  <p:cSld>
+    <p:spTree>
+      <p:nvGrpSpPr>
+        <p:cNvPr id="1" name="Shape 308"/>
+        <p:cNvGrpSpPr/>
+        <p:nvPr/>
+      </p:nvGrpSpPr>
+      <p:grpSpPr>
+        <a:xfrm>
+          <a:off x="0" y="0"/>
+          <a:ext cx="0" cy="0"/>
+          <a:chOff x="0" y="0"/>
+          <a:chExt cx="0" cy="0"/>
+        </a:xfrm>
+      </p:grpSpPr>
+      <p:sp>
+        <p:nvSpPr>
+          <p:cNvPr id="309" name="Shape 309"/>
+          <p:cNvSpPr txBox="1">
+            <a:spLocks noGrp="1"/>
+          </p:cNvSpPr>
+          <p:nvPr>
+            <p:ph type="title"/>
+          </p:nvPr>
+        </p:nvSpPr>
+        <p:spPr>
+          <a:xfrm>
+            <a:off x="351725" y="413700"/>
+            <a:ext cx="9924000" cy="1415100"/>
+          </a:xfrm>
+          <a:prstGeom prst="rect">
+            <a:avLst/>
+          </a:prstGeom>
+          <a:noFill/>
+          <a:ln>
+            <a:noFill/>
+          </a:ln>
+        </p:spPr>
+        <p:txBody>
+          <a:bodyPr lIns="91400" tIns="91400" rIns="91400" bIns="91400" anchor="t" anchorCtr="0">
+            <a:noAutofit/>
+          </a:bodyPr>
+          <a:lstStyle/>
+          <a:p>
+            <a:pPr marL="0" marR="0" lvl="0" indent="0" algn="l" rtl="0">
+              <a:lnSpc>
+                <a:spcPct val="100000"/>
+              </a:lnSpc>
+              <a:spcBef>
+                <a:spcPts val="0"/>
+              </a:spcBef>
+              <a:spcAft>
+                <a:spcPts val="0"/>
+              </a:spcAft>
+              <a:buClr>
+                <a:schemeClr val="dk1"/>
+              </a:buClr>
+              <a:buSzPct val="25000"/>
+              <a:buFont typeface="Helvetica Neue"/>
+              <a:buNone/>
+            </a:pPr>
+            <a:r>
+              <a:rPr lang="en-US" sz="4400" dirty="0" smtClean="0">
+                <a:solidFill>
+                  <a:schemeClr val="dk1"/>
+                </a:solidFill>
+                <a:latin typeface="Helvetica Neue"/>
+                <a:ea typeface="Helvetica Neue"/>
+                <a:cs typeface="Helvetica Neue"/>
+                <a:sym typeface="Helvetica Neue"/>
+              </a:rPr>
+              <a:t>example statements:</a:t>
+            </a:r>
+            <a:br>
+              <a:rPr lang="en-US" sz="4400" dirty="0" smtClean="0">
+                <a:solidFill>
+                  <a:schemeClr val="dk1"/>
+                </a:solidFill>
+                <a:latin typeface="Helvetica Neue"/>
+                <a:ea typeface="Helvetica Neue"/>
+                <a:cs typeface="Helvetica Neue"/>
+                <a:sym typeface="Helvetica Neue"/>
+              </a:rPr>
+            </a:br>
+            <a:r>
+              <a:rPr lang="en-US" sz="4400" dirty="0" smtClean="0">
+                <a:solidFill>
+                  <a:schemeClr val="dk1"/>
+                </a:solidFill>
+                <a:latin typeface="Helvetica Neue"/>
+                <a:ea typeface="Helvetica Neue"/>
+                <a:cs typeface="Helvetica Neue"/>
+                <a:sym typeface="Helvetica Neue"/>
+              </a:rPr>
+              <a:t>simple</a:t>
+            </a:r>
+            <a:endParaRPr lang="en-US" sz="4400" dirty="0">
+              <a:solidFill>
+                <a:schemeClr val="dk1"/>
+              </a:solidFill>
+              <a:latin typeface="Helvetica Neue"/>
+              <a:ea typeface="Helvetica Neue"/>
+              <a:cs typeface="Helvetica Neue"/>
+              <a:sym typeface="Helvetica Neue"/>
+            </a:endParaRPr>
+          </a:p>
+        </p:txBody>
+      </p:sp>
+      <p:sp>
+        <p:nvSpPr>
+          <p:cNvPr id="3" name="Rectangle 2"/>
+          <p:cNvSpPr/>
+          <p:nvPr/>
+        </p:nvSpPr>
+        <p:spPr>
+          <a:xfrm>
+            <a:off x="635000" y="2514600"/>
+            <a:ext cx="11811000" cy="6217087"/>
           </a:xfrm>
           <a:prstGeom prst="rect">
             <a:avLst/>
@@ -20270,7 +20329,55 @@
               <a:rPr lang="en-US" sz="3200" dirty="0" smtClean="0">
                 <a:latin typeface="Helvetica Neue"/>
               </a:rPr>
-              <a:t>NetCDF4Classic is a data format</a:t>
+              <a:t>NetCDF4Classic is a data </a:t>
+            </a:r>
+            <a:r>
+              <a:rPr lang="en-US" sz="3200" dirty="0" smtClean="0">
+                <a:latin typeface="Helvetica Neue"/>
+              </a:rPr>
+              <a:t>format</a:t>
+            </a:r>
+          </a:p>
+          <a:p>
+            <a:pPr latinLnBrk="1"/>
+            <a:endParaRPr lang="en-US" sz="3200" dirty="0" smtClean="0">
+              <a:latin typeface="Helvetica Neue"/>
+            </a:endParaRPr>
+          </a:p>
+          <a:p>
+            <a:pPr latinLnBrk="1"/>
+            <a:r>
+              <a:rPr lang="en-US" sz="3200" dirty="0" err="1" smtClean="0">
+                <a:latin typeface="Helvetica Neue"/>
+              </a:rPr>
+              <a:t>GeoTIFF</a:t>
+            </a:r>
+            <a:r>
+              <a:rPr lang="en-US" sz="3200" dirty="0" smtClean="0">
+                <a:latin typeface="Helvetica Neue"/>
+              </a:rPr>
+              <a:t> </a:t>
+            </a:r>
+            <a:r>
+              <a:rPr lang="en-US" sz="3200" dirty="0">
+                <a:latin typeface="Helvetica Neue"/>
+              </a:rPr>
+              <a:t>is a data format for image files</a:t>
+            </a:r>
+          </a:p>
+          <a:p>
+            <a:pPr latinLnBrk="1"/>
+            <a:endParaRPr lang="en-US" sz="3200" dirty="0">
+              <a:latin typeface="Helvetica Neue"/>
+            </a:endParaRPr>
+          </a:p>
+          <a:p>
+            <a:pPr latinLnBrk="1"/>
+            <a:r>
+              <a:rPr lang="en-US" sz="3200" dirty="0">
+                <a:latin typeface="Helvetica Neue"/>
+              </a:rPr>
+              <a:t>Panoply could not serialize SEG-Y files</a:t>
             </a:r>
           </a:p>
           <a:p>
@@ -20336,7 +20443,7 @@
 </p:sld>
 </file>
 
-<file path=ppt/slides/slide12.xml><?xml version="1.0" encoding="utf-8"?>
+<file path=ppt/slides/slide13.xml><?xml version="1.0" encoding="utf-8"?>
 <p:sld xmlns:a="http://schemas.openxmlformats.org/drawingml/2006/main" xmlns:r="http://schemas.openxmlformats.org/officeDocument/2006/relationships" xmlns:p="http://schemas.openxmlformats.org/presentationml/2006/main">
   <p:cSld>
     <p:spTree>
@@ -20473,7 +20580,7 @@
 </p:sld>
 </file>
 
-<file path=ppt/slides/slide13.xml><?xml version="1.0" encoding="utf-8"?>
+<file path=ppt/slides/slide14.xml><?xml version="1.0" encoding="utf-8"?>
 <p:sld xmlns:a="http://schemas.openxmlformats.org/drawingml/2006/main" xmlns:r="http://schemas.openxmlformats.org/officeDocument/2006/relationships" xmlns:p="http://schemas.openxmlformats.org/presentationml/2006/main">
   <p:cSld>
     <p:spTree>
@@ -20594,231 +20701,6 @@
     <p:extLst>
       <p:ext uri="{BB962C8B-B14F-4D97-AF65-F5344CB8AC3E}">
         <p14:creationId xmlns:p14="http://schemas.microsoft.com/office/powerpoint/2010/main" val="1722770568"/>
-      </p:ext>
-    </p:extLst>
-  </p:cSld>
-  <p:clrMapOvr>
-    <a:masterClrMapping/>
-  </p:clrMapOvr>
-  <p:transition spd="slow">
-    <p:cut/>
-  </p:transition>
-  <p:timing>
-    <p:tnLst>
-      <p:par>
-        <p:cTn id="1" dur="indefinite" restart="never" nodeType="tmRoot"/>
-      </p:par>
-    </p:tnLst>
-  </p:timing>
-</p:sld>
-</file>
-
-<file path=ppt/slides/slide14.xml><?xml version="1.0" encoding="utf-8"?>
-<p:sld xmlns:a="http://schemas.openxmlformats.org/drawingml/2006/main" xmlns:r="http://schemas.openxmlformats.org/officeDocument/2006/relationships" xmlns:p="http://schemas.openxmlformats.org/presentationml/2006/main">
-  <p:cSld>
-    <p:spTree>
-      <p:nvGrpSpPr>
-        <p:cNvPr id="1" name="Shape 308"/>
-        <p:cNvGrpSpPr/>
-        <p:nvPr/>
-      </p:nvGrpSpPr>
-      <p:grpSpPr>
-        <a:xfrm>
-          <a:off x="0" y="0"/>
-          <a:ext cx="0" cy="0"/>
-          <a:chOff x="0" y="0"/>
-          <a:chExt cx="0" cy="0"/>
-        </a:xfrm>
-      </p:grpSpPr>
-      <p:sp>
-        <p:nvSpPr>
-          <p:cNvPr id="309" name="Shape 309"/>
-          <p:cNvSpPr txBox="1">
-            <a:spLocks noGrp="1"/>
-          </p:cNvSpPr>
-          <p:nvPr>
-            <p:ph type="title"/>
-          </p:nvPr>
-        </p:nvSpPr>
-        <p:spPr>
-          <a:xfrm>
-            <a:off x="351725" y="413700"/>
-            <a:ext cx="9924000" cy="1415100"/>
-          </a:xfrm>
-          <a:prstGeom prst="rect">
-            <a:avLst/>
-          </a:prstGeom>
-          <a:noFill/>
-          <a:ln>
-            <a:noFill/>
-          </a:ln>
-        </p:spPr>
-        <p:txBody>
-          <a:bodyPr lIns="91400" tIns="91400" rIns="91400" bIns="91400" anchor="t" anchorCtr="0">
-            <a:noAutofit/>
-          </a:bodyPr>
-          <a:lstStyle/>
-          <a:p>
-            <a:pPr marL="0" marR="0" lvl="0" indent="0" algn="l" rtl="0">
-              <a:lnSpc>
-                <a:spcPct val="100000"/>
-              </a:lnSpc>
-              <a:spcBef>
-                <a:spcPts val="0"/>
-              </a:spcBef>
-              <a:spcAft>
-                <a:spcPts val="0"/>
-              </a:spcAft>
-              <a:buClr>
-                <a:schemeClr val="dk1"/>
-              </a:buClr>
-              <a:buSzPct val="25000"/>
-              <a:buFont typeface="Helvetica Neue"/>
-              <a:buNone/>
-            </a:pPr>
-            <a:r>
-              <a:rPr lang="en-US" sz="4400" dirty="0" smtClean="0">
-                <a:solidFill>
-                  <a:schemeClr val="dk1"/>
-                </a:solidFill>
-                <a:latin typeface="Helvetica Neue"/>
-                <a:ea typeface="Helvetica Neue"/>
-                <a:cs typeface="Helvetica Neue"/>
-                <a:sym typeface="Helvetica Neue"/>
-              </a:rPr>
-              <a:t>exampl</a:t>
-            </a:r>
-            <a:r>
-              <a:rPr lang="en-US" sz="4400" dirty="0" smtClean="0">
-                <a:solidFill>
-                  <a:schemeClr val="dk1"/>
-                </a:solidFill>
-                <a:latin typeface="Helvetica Neue"/>
-                <a:ea typeface="Helvetica Neue"/>
-                <a:cs typeface="Helvetica Neue"/>
-                <a:sym typeface="Helvetica Neue"/>
-              </a:rPr>
-              <a:t>e statements:</a:t>
-            </a:r>
-            <a:r>
-              <a:rPr lang="en-US" sz="4400" dirty="0" smtClean="0">
-                <a:solidFill>
-                  <a:schemeClr val="dk1"/>
-                </a:solidFill>
-                <a:latin typeface="Helvetica Neue"/>
-                <a:ea typeface="Helvetica Neue"/>
-                <a:cs typeface="Helvetica Neue"/>
-                <a:sym typeface="Helvetica Neue"/>
-              </a:rPr>
-              <a:t/>
-            </a:r>
-            <a:br>
-              <a:rPr lang="en-US" sz="4400" dirty="0" smtClean="0">
-                <a:solidFill>
-                  <a:schemeClr val="dk1"/>
-                </a:solidFill>
-                <a:latin typeface="Helvetica Neue"/>
-                <a:ea typeface="Helvetica Neue"/>
-                <a:cs typeface="Helvetica Neue"/>
-                <a:sym typeface="Helvetica Neue"/>
-              </a:rPr>
-            </a:br>
-            <a:r>
-              <a:rPr lang="en-US" sz="4400" dirty="0" smtClean="0">
-                <a:solidFill>
-                  <a:schemeClr val="dk1"/>
-                </a:solidFill>
-                <a:latin typeface="Helvetica Neue"/>
-                <a:ea typeface="Helvetica Neue"/>
-                <a:cs typeface="Helvetica Neue"/>
-                <a:sym typeface="Helvetica Neue"/>
-              </a:rPr>
-              <a:t>standard</a:t>
-            </a:r>
-            <a:endParaRPr lang="en-US" sz="4400" dirty="0">
-              <a:solidFill>
-                <a:schemeClr val="dk1"/>
-              </a:solidFill>
-              <a:latin typeface="Helvetica Neue"/>
-              <a:ea typeface="Helvetica Neue"/>
-              <a:cs typeface="Helvetica Neue"/>
-              <a:sym typeface="Helvetica Neue"/>
-            </a:endParaRPr>
-          </a:p>
-        </p:txBody>
-      </p:sp>
-      <p:sp>
-        <p:nvSpPr>
-          <p:cNvPr id="3" name="Rectangle 2"/>
-          <p:cNvSpPr/>
-          <p:nvPr/>
-        </p:nvSpPr>
-        <p:spPr>
-          <a:xfrm>
-            <a:off x="635000" y="2514600"/>
-            <a:ext cx="11811000" cy="3046988"/>
-          </a:xfrm>
-          <a:prstGeom prst="rect">
-            <a:avLst/>
-          </a:prstGeom>
-        </p:spPr>
-        <p:txBody>
-          <a:bodyPr wrap="square">
-            <a:spAutoFit/>
-          </a:bodyPr>
-          <a:lstStyle/>
-          <a:p>
-            <a:pPr latinLnBrk="1"/>
-            <a:r>
-              <a:rPr lang="en-US" sz="3200" dirty="0" err="1" smtClean="0">
-                <a:latin typeface="Helvetica Neue"/>
-              </a:rPr>
-              <a:t>GeoTIFF</a:t>
-            </a:r>
-            <a:r>
-              <a:rPr lang="en-US" sz="3200" dirty="0" smtClean="0">
-                <a:latin typeface="Helvetica Neue"/>
-              </a:rPr>
-              <a:t> is a data format for image files</a:t>
-            </a:r>
-          </a:p>
-          <a:p>
-            <a:pPr latinLnBrk="1"/>
-            <a:endParaRPr lang="en-US" sz="3200" dirty="0">
-              <a:latin typeface="Helvetica Neue"/>
-            </a:endParaRPr>
-          </a:p>
-          <a:p>
-            <a:pPr latinLnBrk="1"/>
-            <a:r>
-              <a:rPr lang="en-US" sz="3200" dirty="0" smtClean="0">
-                <a:latin typeface="Helvetica Neue"/>
-              </a:rPr>
-              <a:t>Panoply could not serialize SEG-Y files</a:t>
-            </a:r>
-          </a:p>
-          <a:p>
-            <a:pPr latinLnBrk="1"/>
-            <a:endParaRPr lang="en-US" sz="3200" dirty="0" smtClean="0">
-              <a:latin typeface="Helvetica Neue"/>
-            </a:endParaRPr>
-          </a:p>
-          <a:p>
-            <a:endParaRPr lang="en-GB" sz="3200" dirty="0" smtClean="0">
-              <a:latin typeface="Helvetica Neue"/>
-            </a:endParaRPr>
-          </a:p>
-          <a:p>
-            <a:endParaRPr lang="en-GB" sz="3200" dirty="0">
-              <a:latin typeface="Helvetica Neue"/>
-            </a:endParaRPr>
-          </a:p>
-        </p:txBody>
-      </p:sp>
-    </p:spTree>
-    <p:extLst>
-      <p:ext uri="{BB962C8B-B14F-4D97-AF65-F5344CB8AC3E}">
-        <p14:creationId xmlns:p14="http://schemas.microsoft.com/office/powerpoint/2010/main" val="529636968"/>
       </p:ext>
     </p:extLst>
   </p:cSld>
@@ -20911,8 +20793,19 @@
                 <a:cs typeface="Helvetica Neue"/>
                 <a:sym typeface="Helvetica Neue"/>
               </a:rPr>
-              <a:t>exampl</a:t>
+              <a:t>example statements:</a:t>
             </a:r>
+            <a:br>
+              <a:rPr lang="en-US" sz="4400" dirty="0" smtClean="0">
+                <a:solidFill>
+                  <a:schemeClr val="dk1"/>
+                </a:solidFill>
+                <a:latin typeface="Helvetica Neue"/>
+                <a:ea typeface="Helvetica Neue"/>
+                <a:cs typeface="Helvetica Neue"/>
+                <a:sym typeface="Helvetica Neue"/>
+              </a:rPr>
+            </a:br>
             <a:r>
               <a:rPr lang="en-US" sz="4400" dirty="0" smtClean="0">
                 <a:solidFill>
@@ -20923,8 +20816,189 @@
                 <a:cs typeface="Helvetica Neue"/>
                 <a:sym typeface="Helvetica Neue"/>
               </a:rPr>
-              <a:t>e statements:</a:t>
+              <a:t>specific</a:t>
             </a:r>
+            <a:endParaRPr lang="en-US" sz="4400" dirty="0">
+              <a:solidFill>
+                <a:schemeClr val="dk1"/>
+              </a:solidFill>
+              <a:latin typeface="Helvetica Neue"/>
+              <a:ea typeface="Helvetica Neue"/>
+              <a:cs typeface="Helvetica Neue"/>
+              <a:sym typeface="Helvetica Neue"/>
+            </a:endParaRPr>
+          </a:p>
+        </p:txBody>
+      </p:sp>
+      <p:sp>
+        <p:nvSpPr>
+          <p:cNvPr id="3" name="Rectangle 2"/>
+          <p:cNvSpPr/>
+          <p:nvPr/>
+        </p:nvSpPr>
+        <p:spPr>
+          <a:xfrm>
+            <a:off x="635000" y="2514600"/>
+            <a:ext cx="11811000" cy="4031873"/>
+          </a:xfrm>
+          <a:prstGeom prst="rect">
+            <a:avLst/>
+          </a:prstGeom>
+        </p:spPr>
+        <p:txBody>
+          <a:bodyPr wrap="square">
+            <a:spAutoFit/>
+          </a:bodyPr>
+          <a:lstStyle/>
+          <a:p>
+            <a:pPr latinLnBrk="1"/>
+            <a:r>
+              <a:rPr lang="en-US" sz="3200" dirty="0" smtClean="0">
+                <a:latin typeface="Helvetica Neue"/>
+              </a:rPr>
+              <a:t>R could not serialize a complex array with null values derived </a:t>
+            </a:r>
+          </a:p>
+          <a:p>
+            <a:pPr latinLnBrk="1"/>
+            <a:r>
+              <a:rPr lang="en-US" sz="3200" dirty="0" smtClean="0">
+                <a:latin typeface="Helvetica Neue"/>
+              </a:rPr>
+              <a:t>from an OMI level 3 data file</a:t>
+            </a:r>
+          </a:p>
+          <a:p>
+            <a:pPr latinLnBrk="1"/>
+            <a:endParaRPr lang="en-US" sz="3200" dirty="0" smtClean="0">
+              <a:latin typeface="Helvetica Neue"/>
+            </a:endParaRPr>
+          </a:p>
+          <a:p>
+            <a:pPr latinLnBrk="1"/>
+            <a:r>
+              <a:rPr lang="en-US" sz="3200" dirty="0" smtClean="0">
+                <a:latin typeface="Helvetica Neue"/>
+              </a:rPr>
+              <a:t>QGIS can read in HDF5 files – if the header is configured </a:t>
+            </a:r>
+          </a:p>
+          <a:p>
+            <a:pPr latinLnBrk="1"/>
+            <a:r>
+              <a:rPr lang="en-US" sz="3200" dirty="0" smtClean="0">
+                <a:latin typeface="Helvetica Neue"/>
+              </a:rPr>
+              <a:t>without a depth value and any special characters are removed.</a:t>
+            </a:r>
+            <a:endParaRPr lang="en-US" sz="3200" dirty="0">
+              <a:latin typeface="Helvetica Neue"/>
+            </a:endParaRPr>
+          </a:p>
+          <a:p>
+            <a:pPr latinLnBrk="1"/>
+            <a:endParaRPr lang="en-US" sz="3200" dirty="0" smtClean="0">
+              <a:latin typeface="Helvetica Neue"/>
+            </a:endParaRPr>
+          </a:p>
+          <a:p>
+            <a:endParaRPr lang="en-GB" sz="3200" dirty="0" smtClean="0">
+              <a:latin typeface="Helvetica Neue"/>
+            </a:endParaRPr>
+          </a:p>
+          <a:p>
+            <a:endParaRPr lang="en-GB" sz="3200" dirty="0">
+              <a:latin typeface="Helvetica Neue"/>
+            </a:endParaRPr>
+          </a:p>
+        </p:txBody>
+      </p:sp>
+    </p:spTree>
+    <p:extLst>
+      <p:ext uri="{BB962C8B-B14F-4D97-AF65-F5344CB8AC3E}">
+        <p14:creationId xmlns:p14="http://schemas.microsoft.com/office/powerpoint/2010/main" val="3651613304"/>
+      </p:ext>
+    </p:extLst>
+  </p:cSld>
+  <p:clrMapOvr>
+    <a:masterClrMapping/>
+  </p:clrMapOvr>
+  <p:transition spd="slow">
+    <p:cut/>
+  </p:transition>
+  <p:timing>
+    <p:tnLst>
+      <p:par>
+        <p:cTn id="1" dur="indefinite" restart="never" nodeType="tmRoot"/>
+      </p:par>
+    </p:tnLst>
+  </p:timing>
+</p:sld>
+</file>
+
+<file path=ppt/slides/slide16.xml><?xml version="1.0" encoding="utf-8"?>
+<p:sld xmlns:a="http://schemas.openxmlformats.org/drawingml/2006/main" xmlns:r="http://schemas.openxmlformats.org/officeDocument/2006/relationships" xmlns:p="http://schemas.openxmlformats.org/presentationml/2006/main">
+  <p:cSld>
+    <p:spTree>
+      <p:nvGrpSpPr>
+        <p:cNvPr id="1" name="Shape 308"/>
+        <p:cNvGrpSpPr/>
+        <p:nvPr/>
+      </p:nvGrpSpPr>
+      <p:grpSpPr>
+        <a:xfrm>
+          <a:off x="0" y="0"/>
+          <a:ext cx="0" cy="0"/>
+          <a:chOff x="0" y="0"/>
+          <a:chExt cx="0" cy="0"/>
+        </a:xfrm>
+      </p:grpSpPr>
+      <p:sp>
+        <p:nvSpPr>
+          <p:cNvPr id="309" name="Shape 309"/>
+          <p:cNvSpPr txBox="1">
+            <a:spLocks noGrp="1"/>
+          </p:cNvSpPr>
+          <p:nvPr>
+            <p:ph type="title"/>
+          </p:nvPr>
+        </p:nvSpPr>
+        <p:spPr>
+          <a:xfrm>
+            <a:off x="351725" y="151125"/>
+            <a:ext cx="9924000" cy="1415100"/>
+          </a:xfrm>
+          <a:prstGeom prst="rect">
+            <a:avLst/>
+          </a:prstGeom>
+          <a:noFill/>
+          <a:ln>
+            <a:noFill/>
+          </a:ln>
+        </p:spPr>
+        <p:txBody>
+          <a:bodyPr lIns="91400" tIns="91400" rIns="91400" bIns="91400" anchor="t" anchorCtr="0">
+            <a:noAutofit/>
+          </a:bodyPr>
+          <a:lstStyle/>
+          <a:p>
+            <a:pPr marL="0" marR="0" lvl="0" indent="0" algn="l" rtl="0">
+              <a:lnSpc>
+                <a:spcPct val="100000"/>
+              </a:lnSpc>
+              <a:spcBef>
+                <a:spcPts val="0"/>
+              </a:spcBef>
+              <a:spcAft>
+                <a:spcPts val="0"/>
+              </a:spcAft>
+              <a:buClr>
+                <a:schemeClr val="dk1"/>
+              </a:buClr>
+              <a:buSzPct val="25000"/>
+              <a:buFont typeface="Helvetica Neue"/>
+              <a:buNone/>
+            </a:pPr>
             <a:r>
               <a:rPr lang="en-US" sz="4400" dirty="0" smtClean="0">
                 <a:solidFill>
@@ -20958,7 +21032,7 @@
                 <a:cs typeface="Helvetica Neue"/>
                 <a:sym typeface="Helvetica Neue"/>
               </a:rPr>
-              <a:t>specific</a:t>
+              <a:t>discuss!</a:t>
             </a:r>
             <a:endParaRPr lang="en-US" sz="4400" dirty="0">
               <a:solidFill>
@@ -20981,7 +21055,7 @@
         <p:spPr>
           <a:xfrm>
             <a:off x="635000" y="2514600"/>
-            <a:ext cx="11811000" cy="4031873"/>
+            <a:ext cx="11811000" cy="5663089"/>
           </a:xfrm>
           <a:prstGeom prst="rect">
             <a:avLst/>
@@ -20998,50 +21072,40 @@
               <a:rPr lang="en-US" sz="3200" dirty="0" smtClean="0">
                 <a:latin typeface="Helvetica Neue"/>
               </a:rPr>
-              <a:t>R could not serialize a complex array with null values derived </a:t>
+              <a:t>Please discuss your experiences, both positive and negative</a:t>
             </a:r>
           </a:p>
           <a:p>
             <a:pPr latinLnBrk="1"/>
-            <a:r>
-              <a:rPr lang="en-US" sz="3200" dirty="0" smtClean="0">
-                <a:latin typeface="Helvetica Neue"/>
-              </a:rPr>
-              <a:t>from an OMI level 3 data file</a:t>
-            </a:r>
-          </a:p>
-          <a:p>
-            <a:pPr latinLnBrk="1"/>
-            <a:endParaRPr lang="en-US" sz="3200" dirty="0" smtClean="0">
-              <a:latin typeface="Helvetica Neue"/>
-            </a:endParaRPr>
-          </a:p>
-          <a:p>
-            <a:pPr latinLnBrk="1"/>
-            <a:r>
-              <a:rPr lang="en-US" sz="3200" dirty="0" smtClean="0">
-                <a:latin typeface="Helvetica Neue"/>
-              </a:rPr>
-              <a:t>QGIS can read in HDF5 files – if the header is configured </a:t>
-            </a:r>
-          </a:p>
-          <a:p>
-            <a:pPr latinLnBrk="1"/>
-            <a:r>
-              <a:rPr lang="en-US" sz="3200" dirty="0" smtClean="0">
-                <a:latin typeface="Helvetica Neue"/>
-              </a:rPr>
-              <a:t>without a depth value and any special characters are removed.</a:t>
-            </a:r>
             <a:endParaRPr lang="en-US" sz="3200" dirty="0">
               <a:latin typeface="Helvetica Neue"/>
             </a:endParaRPr>
           </a:p>
           <a:p>
-            <a:pPr latinLnBrk="1"/>
-            <a:endParaRPr lang="en-US" sz="3200" dirty="0" smtClean="0">
-              <a:latin typeface="Helvetica Neue"/>
-            </a:endParaRPr>
+            <a:r>
+              <a:rPr lang="en-GB" sz="3200" dirty="0" smtClean="0">
+                <a:latin typeface="Helvetica Neue"/>
+              </a:rPr>
+              <a:t>Please do also add your experiences to the </a:t>
+            </a:r>
+            <a:r>
+              <a:rPr lang="en-GB" sz="3200" dirty="0" err="1" smtClean="0">
+                <a:latin typeface="Helvetica Neue"/>
+              </a:rPr>
+              <a:t>titanpad</a:t>
+            </a:r>
+            <a:r>
+              <a:rPr lang="en-GB" sz="3200" dirty="0" smtClean="0">
+                <a:latin typeface="Helvetica Neue"/>
+              </a:rPr>
+              <a:t> as you have </a:t>
+            </a:r>
+            <a:r>
+              <a:rPr lang="en-GB" sz="3200" dirty="0" smtClean="0">
+                <a:latin typeface="Helvetica Neue"/>
+              </a:rPr>
+              <a:t>time (not just this afternoon).</a:t>
+            </a:r>
           </a:p>
           <a:p>
             <a:endParaRPr lang="en-GB" sz="3200" dirty="0" smtClean="0">
@@ -21049,201 +21113,64 @@
             </a:endParaRPr>
           </a:p>
           <a:p>
+            <a:r>
+              <a:rPr lang="en-GB" sz="6000" b="1" dirty="0" smtClean="0">
+                <a:latin typeface="Helvetica Neue"/>
+              </a:rPr>
+              <a:t>titanpad.com/nmagt9H23e</a:t>
+            </a:r>
+            <a:endParaRPr lang="en-GB" sz="6000" b="1" dirty="0" smtClean="0">
+              <a:latin typeface="Helvetica Neue"/>
+            </a:endParaRPr>
+          </a:p>
+          <a:p>
             <a:endParaRPr lang="en-GB" sz="3200" dirty="0">
               <a:latin typeface="Helvetica Neue"/>
             </a:endParaRPr>
+          </a:p>
+          <a:p>
+            <a:r>
+              <a:rPr lang="en-GB" sz="3200" dirty="0" smtClean="0">
+                <a:latin typeface="Helvetica Neue"/>
+              </a:rPr>
+              <a:t>Please </a:t>
+            </a:r>
+            <a:r>
+              <a:rPr lang="en-GB" sz="3200" dirty="0" smtClean="0">
+                <a:latin typeface="Helvetica Neue"/>
+              </a:rPr>
+              <a:t>be as explicit, and descriptive, as possible!  </a:t>
+            </a:r>
+            <a:endParaRPr lang="en-GB" sz="3200" dirty="0" smtClean="0">
+              <a:latin typeface="Helvetica Neue"/>
+            </a:endParaRPr>
+          </a:p>
+          <a:p>
+            <a:endParaRPr lang="en-GB" sz="3200" dirty="0">
+              <a:latin typeface="Helvetica Neue"/>
+            </a:endParaRPr>
+          </a:p>
+          <a:p>
+            <a:r>
+              <a:rPr lang="en-GB" sz="3200" dirty="0" smtClean="0">
+                <a:latin typeface="Helvetica Neue"/>
+              </a:rPr>
+              <a:t>Share the link with your colleagues!</a:t>
+            </a:r>
+            <a:endParaRPr lang="en-GB" sz="3200" dirty="0" smtClean="0">
+              <a:latin typeface="Helvetica Neue"/>
+            </a:endParaRPr>
+          </a:p>
+          <a:p>
+            <a:pPr latinLnBrk="1"/>
+            <a:endParaRPr lang="en-US" dirty="0"/>
           </a:p>
         </p:txBody>
       </p:sp>
     </p:spTree>
     <p:extLst>
       <p:ext uri="{BB962C8B-B14F-4D97-AF65-F5344CB8AC3E}">
-        <p14:creationId xmlns:p14="http://schemas.microsoft.com/office/powerpoint/2010/main" val="3651613304"/>
-      </p:ext>
-    </p:extLst>
-  </p:cSld>
-  <p:clrMapOvr>
-    <a:masterClrMapping/>
-  </p:clrMapOvr>
-  <p:transition spd="slow">
-    <p:cut/>
-  </p:transition>
-  <p:timing>
-    <p:tnLst>
-      <p:par>
-        <p:cTn id="1" dur="indefinite" restart="never" nodeType="tmRoot"/>
-      </p:par>
-    </p:tnLst>
-  </p:timing>
-</p:sld>
-</file>
-
-<file path=ppt/slides/slide16.xml><?xml version="1.0" encoding="utf-8"?>
-<p:sld xmlns:a="http://schemas.openxmlformats.org/drawingml/2006/main" xmlns:r="http://schemas.openxmlformats.org/officeDocument/2006/relationships" xmlns:p="http://schemas.openxmlformats.org/presentationml/2006/main">
-  <p:cSld>
-    <p:spTree>
-      <p:nvGrpSpPr>
-        <p:cNvPr id="1" name="Shape 238"/>
-        <p:cNvGrpSpPr/>
-        <p:nvPr/>
-      </p:nvGrpSpPr>
-      <p:grpSpPr>
-        <a:xfrm>
-          <a:off x="0" y="0"/>
-          <a:ext cx="0" cy="0"/>
-          <a:chOff x="0" y="0"/>
-          <a:chExt cx="0" cy="0"/>
-        </a:xfrm>
-      </p:grpSpPr>
-      <p:sp>
-        <p:nvSpPr>
-          <p:cNvPr id="239" name="Shape 239"/>
-          <p:cNvSpPr txBox="1">
-            <a:spLocks noGrp="1"/>
-          </p:cNvSpPr>
-          <p:nvPr>
-            <p:ph type="title"/>
-          </p:nvPr>
-        </p:nvSpPr>
-        <p:spPr>
-          <a:xfrm>
-            <a:off x="650875" y="390527"/>
-            <a:ext cx="11703000" cy="1625699"/>
-          </a:xfrm>
-          <a:prstGeom prst="rect">
-            <a:avLst/>
-          </a:prstGeom>
-        </p:spPr>
-        <p:txBody>
-          <a:bodyPr lIns="91425" tIns="91425" rIns="91425" bIns="91425" anchor="t" anchorCtr="0">
-            <a:noAutofit/>
-          </a:bodyPr>
-          <a:lstStyle/>
-          <a:p>
-            <a:r>
-              <a:rPr lang="en-US" sz="3600" i="1" dirty="0" smtClean="0"/>
-              <a:t>Giovanni:</a:t>
-            </a:r>
-            <a:r>
-              <a:rPr lang="en-US" sz="3600" dirty="0" smtClean="0"/>
-              <a:t/>
-            </a:r>
-            <a:br>
-              <a:rPr lang="en-US" sz="3600" dirty="0" smtClean="0"/>
-            </a:br>
-            <a:r>
-              <a:rPr lang="en-US" sz="3600" dirty="0" smtClean="0"/>
-              <a:t>which datasets are available?</a:t>
-            </a:r>
-            <a:endParaRPr lang="en-US" sz="3600" dirty="0"/>
-          </a:p>
-        </p:txBody>
-      </p:sp>
-      <p:pic>
-        <p:nvPicPr>
-          <p:cNvPr id="240" name="Shape 240"/>
-          <p:cNvPicPr preferRelativeResize="0"/>
-          <p:nvPr/>
-        </p:nvPicPr>
-        <p:blipFill>
-          <a:blip r:embed="rId3">
-            <a:alphaModFix/>
-          </a:blip>
-          <a:stretch>
-            <a:fillRect/>
-          </a:stretch>
-        </p:blipFill>
-        <p:spPr>
-          <a:xfrm>
-            <a:off x="44862" y="2016225"/>
-            <a:ext cx="11839575" cy="7600950"/>
-          </a:xfrm>
-          <a:prstGeom prst="rect">
-            <a:avLst/>
-          </a:prstGeom>
-          <a:noFill/>
-          <a:ln>
-            <a:noFill/>
-          </a:ln>
-        </p:spPr>
-      </p:pic>
-      <p:pic>
-        <p:nvPicPr>
-          <p:cNvPr id="241" name="Shape 241"/>
-          <p:cNvPicPr preferRelativeResize="0"/>
-          <p:nvPr/>
-        </p:nvPicPr>
-        <p:blipFill>
-          <a:blip r:embed="rId4">
-            <a:alphaModFix/>
-          </a:blip>
-          <a:stretch>
-            <a:fillRect/>
-          </a:stretch>
-        </p:blipFill>
-        <p:spPr>
-          <a:xfrm>
-            <a:off x="6432625" y="3595225"/>
-            <a:ext cx="6526450" cy="5046925"/>
-          </a:xfrm>
-          <a:prstGeom prst="rect">
-            <a:avLst/>
-          </a:prstGeom>
-          <a:noFill/>
-          <a:ln>
-            <a:noFill/>
-          </a:ln>
-        </p:spPr>
-      </p:pic>
-      <p:sp>
-        <p:nvSpPr>
-          <p:cNvPr id="242" name="Shape 242"/>
-          <p:cNvSpPr/>
-          <p:nvPr/>
-        </p:nvSpPr>
-        <p:spPr>
-          <a:xfrm>
-            <a:off x="3220950" y="6260450"/>
-            <a:ext cx="3084900" cy="2721899"/>
-          </a:xfrm>
-          <a:prstGeom prst="rect">
-            <a:avLst/>
-          </a:prstGeom>
-          <a:solidFill>
-            <a:srgbClr val="B10000">
-              <a:alpha val="16150"/>
-            </a:srgbClr>
-          </a:solidFill>
-          <a:ln w="19050" cap="flat">
-            <a:solidFill>
-              <a:srgbClr val="000000"/>
-            </a:solidFill>
-            <a:prstDash val="solid"/>
-            <a:round/>
-            <a:headEnd type="none" w="med" len="med"/>
-            <a:tailEnd type="none" w="med" len="med"/>
-          </a:ln>
-        </p:spPr>
-        <p:txBody>
-          <a:bodyPr lIns="91425" tIns="91425" rIns="91425" bIns="91425" anchor="ctr" anchorCtr="0">
-            <a:noAutofit/>
-          </a:bodyPr>
-          <a:lstStyle/>
-          <a:p>
-            <a:pPr>
-              <a:spcBef>
-                <a:spcPts val="0"/>
-              </a:spcBef>
-              <a:buNone/>
-            </a:pPr>
-            <a:endParaRPr/>
-          </a:p>
-        </p:txBody>
-      </p:sp>
-    </p:spTree>
-    <p:extLst>
-      <p:ext uri="{BB962C8B-B14F-4D97-AF65-F5344CB8AC3E}">
-        <p14:creationId xmlns:p14="http://schemas.microsoft.com/office/powerpoint/2010/main" val="3468848586"/>
+        <p14:creationId xmlns:p14="http://schemas.microsoft.com/office/powerpoint/2010/main" val="2287047360"/>
       </p:ext>
     </p:extLst>
   </p:cSld>
@@ -21369,232 +21296,6 @@
   <p:cSld>
     <p:spTree>
       <p:nvGrpSpPr>
-        <p:cNvPr id="1" name="Shape 308"/>
-        <p:cNvGrpSpPr/>
-        <p:nvPr/>
-      </p:nvGrpSpPr>
-      <p:grpSpPr>
-        <a:xfrm>
-          <a:off x="0" y="0"/>
-          <a:ext cx="0" cy="0"/>
-          <a:chOff x="0" y="0"/>
-          <a:chExt cx="0" cy="0"/>
-        </a:xfrm>
-      </p:grpSpPr>
-      <p:sp>
-        <p:nvSpPr>
-          <p:cNvPr id="309" name="Shape 309"/>
-          <p:cNvSpPr txBox="1">
-            <a:spLocks noGrp="1"/>
-          </p:cNvSpPr>
-          <p:nvPr>
-            <p:ph type="title"/>
-          </p:nvPr>
-        </p:nvSpPr>
-        <p:spPr>
-          <a:xfrm>
-            <a:off x="351725" y="151125"/>
-            <a:ext cx="9924000" cy="1415100"/>
-          </a:xfrm>
-          <a:prstGeom prst="rect">
-            <a:avLst/>
-          </a:prstGeom>
-          <a:noFill/>
-          <a:ln>
-            <a:noFill/>
-          </a:ln>
-        </p:spPr>
-        <p:txBody>
-          <a:bodyPr lIns="91400" tIns="91400" rIns="91400" bIns="91400" anchor="t" anchorCtr="0">
-            <a:noAutofit/>
-          </a:bodyPr>
-          <a:lstStyle/>
-          <a:p>
-            <a:pPr marL="0" marR="0" lvl="0" indent="0" algn="l" rtl="0">
-              <a:lnSpc>
-                <a:spcPct val="100000"/>
-              </a:lnSpc>
-              <a:spcBef>
-                <a:spcPts val="0"/>
-              </a:spcBef>
-              <a:spcAft>
-                <a:spcPts val="0"/>
-              </a:spcAft>
-              <a:buClr>
-                <a:schemeClr val="dk1"/>
-              </a:buClr>
-              <a:buSzPct val="25000"/>
-              <a:buFont typeface="Helvetica Neue"/>
-              <a:buNone/>
-            </a:pPr>
-            <a:r>
-              <a:rPr lang="en-US" sz="4400" dirty="0" smtClean="0">
-                <a:solidFill>
-                  <a:schemeClr val="dk1"/>
-                </a:solidFill>
-                <a:latin typeface="Helvetica Neue"/>
-                <a:ea typeface="Helvetica Neue"/>
-                <a:cs typeface="Helvetica Neue"/>
-                <a:sym typeface="Helvetica Neue"/>
-              </a:rPr>
-              <a:t/>
-            </a:r>
-            <a:br>
-              <a:rPr lang="en-US" sz="4400" dirty="0" smtClean="0">
-                <a:solidFill>
-                  <a:schemeClr val="dk1"/>
-                </a:solidFill>
-                <a:latin typeface="Helvetica Neue"/>
-                <a:ea typeface="Helvetica Neue"/>
-                <a:cs typeface="Helvetica Neue"/>
-                <a:sym typeface="Helvetica Neue"/>
-              </a:rPr>
-            </a:br>
-            <a:r>
-              <a:rPr lang="en-US" sz="4400" dirty="0" smtClean="0">
-                <a:solidFill>
-                  <a:schemeClr val="dk1"/>
-                </a:solidFill>
-                <a:latin typeface="Helvetica Neue"/>
-                <a:ea typeface="Helvetica Neue"/>
-                <a:cs typeface="Helvetica Neue"/>
-                <a:sym typeface="Helvetica Neue"/>
-              </a:rPr>
-              <a:t>discuss!!</a:t>
-            </a:r>
-            <a:endParaRPr lang="en-US" sz="4400" dirty="0">
-              <a:solidFill>
-                <a:schemeClr val="dk1"/>
-              </a:solidFill>
-              <a:latin typeface="Helvetica Neue"/>
-              <a:ea typeface="Helvetica Neue"/>
-              <a:cs typeface="Helvetica Neue"/>
-              <a:sym typeface="Helvetica Neue"/>
-            </a:endParaRPr>
-          </a:p>
-        </p:txBody>
-      </p:sp>
-      <p:sp>
-        <p:nvSpPr>
-          <p:cNvPr id="3" name="Rectangle 2"/>
-          <p:cNvSpPr/>
-          <p:nvPr/>
-        </p:nvSpPr>
-        <p:spPr>
-          <a:xfrm>
-            <a:off x="635000" y="2514600"/>
-            <a:ext cx="11811000" cy="5724644"/>
-          </a:xfrm>
-          <a:prstGeom prst="rect">
-            <a:avLst/>
-          </a:prstGeom>
-        </p:spPr>
-        <p:txBody>
-          <a:bodyPr wrap="square">
-            <a:spAutoFit/>
-          </a:bodyPr>
-          <a:lstStyle/>
-          <a:p>
-            <a:pPr latinLnBrk="1"/>
-            <a:r>
-              <a:rPr lang="en-US" sz="3200" dirty="0" smtClean="0">
-                <a:latin typeface="Helvetica Neue"/>
-              </a:rPr>
-              <a:t>Please discuss your experiences, both positive and negative</a:t>
-            </a:r>
-          </a:p>
-          <a:p>
-            <a:pPr latinLnBrk="1"/>
-            <a:endParaRPr lang="en-US" sz="3200" dirty="0">
-              <a:latin typeface="Helvetica Neue"/>
-            </a:endParaRPr>
-          </a:p>
-          <a:p>
-            <a:r>
-              <a:rPr lang="en-GB" sz="3200" dirty="0" smtClean="0">
-                <a:latin typeface="Helvetica Neue"/>
-              </a:rPr>
-              <a:t>Please do also add your experiences to the </a:t>
-            </a:r>
-            <a:r>
-              <a:rPr lang="en-GB" sz="3200" dirty="0" err="1" smtClean="0">
-                <a:latin typeface="Helvetica Neue"/>
-              </a:rPr>
-              <a:t>titanpad</a:t>
-            </a:r>
-            <a:r>
-              <a:rPr lang="en-GB" sz="3200" dirty="0" smtClean="0">
-                <a:latin typeface="Helvetica Neue"/>
-              </a:rPr>
-              <a:t> as you have time.</a:t>
-            </a:r>
-          </a:p>
-          <a:p>
-            <a:endParaRPr lang="en-GB" sz="3200" dirty="0">
-              <a:latin typeface="Helvetica Neue"/>
-            </a:endParaRPr>
-          </a:p>
-          <a:p>
-            <a:r>
-              <a:rPr lang="en-GB" sz="3200" dirty="0" smtClean="0">
-                <a:latin typeface="Helvetica Neue"/>
-              </a:rPr>
-              <a:t> </a:t>
-            </a:r>
-          </a:p>
-          <a:p>
-            <a:r>
-              <a:rPr lang="en-GB" sz="3200" dirty="0" smtClean="0">
-                <a:latin typeface="Helvetica Neue"/>
-              </a:rPr>
-              <a:t>Please be as explicit, and descriptive, as possible!  </a:t>
-            </a:r>
-          </a:p>
-          <a:p>
-            <a:r>
-              <a:rPr lang="en-GB" sz="3200" dirty="0" smtClean="0">
-                <a:latin typeface="Helvetica Neue"/>
-              </a:rPr>
-              <a:t>(often we use language that is slightly ambiguous, or interpreted differently across two communities of practice—so ask questions, be descriptive, and don’t be put off by others inquiring further.)</a:t>
-            </a:r>
-            <a:endParaRPr lang="en-GB" sz="3200" dirty="0">
-              <a:latin typeface="Helvetica Neue"/>
-            </a:endParaRPr>
-          </a:p>
-          <a:p>
-            <a:pPr latinLnBrk="1"/>
-            <a:endParaRPr lang="en-US" dirty="0"/>
-          </a:p>
-        </p:txBody>
-      </p:sp>
-    </p:spTree>
-    <p:extLst>
-      <p:ext uri="{BB962C8B-B14F-4D97-AF65-F5344CB8AC3E}">
-        <p14:creationId xmlns:p14="http://schemas.microsoft.com/office/powerpoint/2010/main" val="2287047360"/>
-      </p:ext>
-    </p:extLst>
-  </p:cSld>
-  <p:clrMapOvr>
-    <a:masterClrMapping/>
-  </p:clrMapOvr>
-  <p:transition spd="slow">
-    <p:cut/>
-  </p:transition>
-  <p:timing>
-    <p:tnLst>
-      <p:par>
-        <p:cTn id="1" dur="indefinite" restart="never" nodeType="tmRoot"/>
-      </p:par>
-    </p:tnLst>
-  </p:timing>
-</p:sld>
-</file>
-
-<file path=ppt/slides/slide19.xml><?xml version="1.0" encoding="utf-8"?>
-<p:sld xmlns:a="http://schemas.openxmlformats.org/drawingml/2006/main" xmlns:r="http://schemas.openxmlformats.org/officeDocument/2006/relationships" xmlns:p="http://schemas.openxmlformats.org/presentationml/2006/main">
-  <p:cSld>
-    <p:spTree>
-      <p:nvGrpSpPr>
         <p:cNvPr id="1" name="Shape 379"/>
         <p:cNvGrpSpPr/>
         <p:nvPr/>
@@ -21654,7 +21355,7 @@
               <a:buNone/>
             </a:pPr>
             <a:r>
-              <a:rPr lang="en-US" sz="4400" b="0" i="0" u="none" strike="noStrike" cap="none" baseline="0" dirty="0">
+              <a:rPr lang="en-US" sz="4400" b="0" i="0" u="none" strike="noStrike" cap="none" baseline="0" dirty="0" smtClean="0">
                 <a:solidFill>
                   <a:schemeClr val="dk1"/>
                 </a:solidFill>
@@ -21663,8 +21364,41 @@
                 <a:cs typeface="Helvetica Neue"/>
                 <a:sym typeface="Helvetica Neue"/>
               </a:rPr>
-              <a:t>Thanks!</a:t>
+              <a:t>Thank</a:t>
             </a:r>
+            <a:r>
+              <a:rPr lang="en-US" sz="4400" b="0" i="0" u="none" strike="noStrike" cap="none" dirty="0" smtClean="0">
+                <a:solidFill>
+                  <a:schemeClr val="dk1"/>
+                </a:solidFill>
+                <a:latin typeface="Helvetica Neue"/>
+                <a:ea typeface="Helvetica Neue"/>
+                <a:cs typeface="Helvetica Neue"/>
+                <a:sym typeface="Helvetica Neue"/>
+              </a:rPr>
+              <a:t> you</a:t>
+            </a:r>
+            <a:r>
+              <a:rPr lang="en-US" sz="4400" b="0" i="0" u="none" strike="noStrike" cap="none" baseline="0" dirty="0" smtClean="0">
+                <a:solidFill>
+                  <a:schemeClr val="dk1"/>
+                </a:solidFill>
+                <a:latin typeface="Helvetica Neue"/>
+                <a:ea typeface="Helvetica Neue"/>
+                <a:cs typeface="Helvetica Neue"/>
+                <a:sym typeface="Helvetica Neue"/>
+              </a:rPr>
+              <a:t>!</a:t>
+            </a:r>
+            <a:endParaRPr lang="en-US" sz="4400" b="0" i="0" u="none" strike="noStrike" cap="none" baseline="0" dirty="0">
+              <a:solidFill>
+                <a:schemeClr val="dk1"/>
+              </a:solidFill>
+              <a:latin typeface="Helvetica Neue"/>
+              <a:ea typeface="Helvetica Neue"/>
+              <a:cs typeface="Helvetica Neue"/>
+              <a:sym typeface="Helvetica Neue"/>
+            </a:endParaRPr>
           </a:p>
         </p:txBody>
       </p:sp>
@@ -21760,6 +21494,12 @@
               <a:buFont typeface="Arial"/>
               <a:buNone/>
             </a:pPr>
+            <a:r>
+              <a:rPr lang="en-US" sz="2400" dirty="0" smtClean="0">
+                <a:latin typeface="Helvetica Neue"/>
+              </a:rPr>
+              <a:t>Current </a:t>
+            </a:r>
             <a:r>
               <a:rPr lang="en-US" sz="2400" b="0" i="0" u="none" strike="noStrike" cap="none" baseline="0" dirty="0" err="1" smtClean="0">
                 <a:solidFill>
@@ -21827,7 +21567,20 @@
                 <a:sym typeface="Georgia"/>
                 <a:hlinkClick r:id="rId3"/>
               </a:rPr>
-              <a:t>http://toolmatch.esipfed.org/index.php</a:t>
+              <a:t>http://</a:t>
+            </a:r>
+            <a:r>
+              <a:rPr lang="en-US" sz="2400" u="sng" dirty="0" smtClean="0">
+                <a:solidFill>
+                  <a:schemeClr val="hlink"/>
+                </a:solidFill>
+                <a:latin typeface="Helvetica Neue"/>
+                <a:ea typeface="Georgia"/>
+                <a:cs typeface="Georgia"/>
+                <a:sym typeface="Georgia"/>
+                <a:hlinkClick r:id="rId3"/>
+              </a:rPr>
+              <a:t>toolmatch.esipfed.org/index.php</a:t>
             </a:r>
             <a:r>
               <a:rPr lang="en-US" sz="2400" u="sng" dirty="0" smtClean="0">
@@ -21839,7 +21592,7 @@
                 <a:cs typeface="Georgia"/>
                 <a:sym typeface="Georgia"/>
               </a:rPr>
-              <a:t>:  </a:t>
+              <a:t> </a:t>
             </a:r>
             <a:endParaRPr lang="en-US" sz="2400" b="0" i="0" u="sng" strike="noStrike" cap="none" baseline="0" dirty="0">
               <a:solidFill>
@@ -22826,441 +22579,7 @@
 </p:sld>
 </file>
 
-<file path=ppt/slides/slide20.xml><?xml version="1.0" encoding="utf-8"?>
-<p:sld xmlns:a="http://schemas.openxmlformats.org/drawingml/2006/main" xmlns:r="http://schemas.openxmlformats.org/officeDocument/2006/relationships" xmlns:p="http://schemas.openxmlformats.org/presentationml/2006/main">
-  <p:cSld>
-    <p:spTree>
-      <p:nvGrpSpPr>
-        <p:cNvPr id="1" name="Shape 296"/>
-        <p:cNvGrpSpPr/>
-        <p:nvPr/>
-      </p:nvGrpSpPr>
-      <p:grpSpPr>
-        <a:xfrm>
-          <a:off x="0" y="0"/>
-          <a:ext cx="0" cy="0"/>
-          <a:chOff x="0" y="0"/>
-          <a:chExt cx="0" cy="0"/>
-        </a:xfrm>
-      </p:grpSpPr>
-      <p:sp>
-        <p:nvSpPr>
-          <p:cNvPr id="297" name="Shape 297"/>
-          <p:cNvSpPr txBox="1">
-            <a:spLocks noGrp="1"/>
-          </p:cNvSpPr>
-          <p:nvPr>
-            <p:ph type="title"/>
-          </p:nvPr>
-        </p:nvSpPr>
-        <p:spPr>
-          <a:xfrm>
-            <a:off x="598974" y="179100"/>
-            <a:ext cx="9637226" cy="1397100"/>
-          </a:xfrm>
-          <a:prstGeom prst="rect">
-            <a:avLst/>
-          </a:prstGeom>
-          <a:noFill/>
-          <a:ln>
-            <a:noFill/>
-          </a:ln>
-        </p:spPr>
-        <p:txBody>
-          <a:bodyPr lIns="91400" tIns="91400" rIns="91400" bIns="91400" anchor="t" anchorCtr="0">
-            <a:noAutofit/>
-          </a:bodyPr>
-          <a:lstStyle/>
-          <a:p>
-            <a:pPr marL="0" marR="0" lvl="0" indent="0" algn="l" rtl="0">
-              <a:lnSpc>
-                <a:spcPct val="100000"/>
-              </a:lnSpc>
-              <a:spcBef>
-                <a:spcPts val="0"/>
-              </a:spcBef>
-              <a:spcAft>
-                <a:spcPts val="0"/>
-              </a:spcAft>
-              <a:buClr>
-                <a:schemeClr val="dk1"/>
-              </a:buClr>
-              <a:buSzPct val="25000"/>
-              <a:buFont typeface="Helvetica Neue"/>
-              <a:buNone/>
-            </a:pPr>
-            <a:r>
-              <a:rPr lang="en-US" sz="4400" dirty="0" smtClean="0">
-                <a:solidFill>
-                  <a:schemeClr val="dk1"/>
-                </a:solidFill>
-                <a:latin typeface="Helvetica Neue"/>
-                <a:ea typeface="Helvetica Neue"/>
-                <a:cs typeface="Helvetica Neue"/>
-                <a:sym typeface="Helvetica Neue"/>
-              </a:rPr>
-              <a:t>ToolMatch </a:t>
-            </a:r>
-            <a:r>
-              <a:rPr lang="en-US" sz="4400" dirty="0">
-                <a:solidFill>
-                  <a:schemeClr val="dk1"/>
-                </a:solidFill>
-                <a:latin typeface="Helvetica Neue"/>
-                <a:ea typeface="Helvetica Neue"/>
-                <a:cs typeface="Helvetica Neue"/>
-                <a:sym typeface="Helvetica Neue"/>
-              </a:rPr>
-              <a:t>Ontology </a:t>
-            </a:r>
-            <a:r>
-              <a:rPr lang="en-US" sz="4400" dirty="0" smtClean="0">
-                <a:solidFill>
-                  <a:schemeClr val="dk1"/>
-                </a:solidFill>
-                <a:latin typeface="Helvetica Neue"/>
-                <a:ea typeface="Helvetica Neue"/>
-                <a:cs typeface="Helvetica Neue"/>
-                <a:sym typeface="Helvetica Neue"/>
-              </a:rPr>
-              <a:t>– Tool</a:t>
-            </a:r>
-            <a:br>
-              <a:rPr lang="en-US" sz="4400" dirty="0" smtClean="0">
-                <a:solidFill>
-                  <a:schemeClr val="dk1"/>
-                </a:solidFill>
-                <a:latin typeface="Helvetica Neue"/>
-                <a:ea typeface="Helvetica Neue"/>
-                <a:cs typeface="Helvetica Neue"/>
-                <a:sym typeface="Helvetica Neue"/>
-              </a:rPr>
-            </a:br>
-            <a:r>
-              <a:rPr lang="en-US" sz="4400" dirty="0" smtClean="0">
-                <a:solidFill>
-                  <a:schemeClr val="dk1"/>
-                </a:solidFill>
-                <a:latin typeface="Helvetica Neue"/>
-                <a:ea typeface="Helvetica Neue"/>
-                <a:cs typeface="Helvetica Neue"/>
-                <a:sym typeface="Helvetica Neue"/>
-              </a:rPr>
-              <a:t> (partial view)</a:t>
-            </a:r>
-            <a:endParaRPr lang="en-US" sz="4400" dirty="0">
-              <a:solidFill>
-                <a:schemeClr val="dk1"/>
-              </a:solidFill>
-              <a:latin typeface="Helvetica Neue"/>
-              <a:ea typeface="Helvetica Neue"/>
-              <a:cs typeface="Helvetica Neue"/>
-              <a:sym typeface="Helvetica Neue"/>
-            </a:endParaRPr>
-          </a:p>
-        </p:txBody>
-      </p:sp>
-      <p:sp>
-        <p:nvSpPr>
-          <p:cNvPr id="4" name="TextBox 3"/>
-          <p:cNvSpPr txBox="1"/>
-          <p:nvPr/>
-        </p:nvSpPr>
-        <p:spPr>
-          <a:xfrm>
-            <a:off x="558800" y="8839200"/>
-            <a:ext cx="5486400" cy="261610"/>
-          </a:xfrm>
-          <a:prstGeom prst="rect">
-            <a:avLst/>
-          </a:prstGeom>
-          <a:noFill/>
-        </p:spPr>
-        <p:txBody>
-          <a:bodyPr wrap="square" rtlCol="0">
-            <a:spAutoFit/>
-          </a:bodyPr>
-          <a:lstStyle/>
-          <a:p>
-            <a:r>
-              <a:rPr lang="en-US" sz="1100" dirty="0"/>
-              <a:t>https://toolmatch.hackpad.com/Updates...-TWD8xXXknCz</a:t>
-            </a:r>
-          </a:p>
-        </p:txBody>
-      </p:sp>
-      <p:pic>
-        <p:nvPicPr>
-          <p:cNvPr id="2" name="Picture 1"/>
-          <p:cNvPicPr>
-            <a:picLocks noChangeAspect="1"/>
-          </p:cNvPicPr>
-          <p:nvPr/>
-        </p:nvPicPr>
-        <p:blipFill>
-          <a:blip r:embed="rId3">
-            <a:extLst>
-              <a:ext uri="{28A0092B-C50C-407E-A947-70E740481C1C}">
-                <a14:useLocalDpi xmlns:a14="http://schemas.microsoft.com/office/drawing/2010/main" val="0"/>
-              </a:ext>
-            </a:extLst>
-          </a:blip>
-          <a:stretch>
-            <a:fillRect/>
-          </a:stretch>
-        </p:blipFill>
-        <p:spPr>
-          <a:xfrm>
-            <a:off x="19125" y="2092362"/>
-            <a:ext cx="12606273" cy="6324600"/>
-          </a:xfrm>
-          <a:prstGeom prst="rect">
-            <a:avLst/>
-          </a:prstGeom>
-        </p:spPr>
-      </p:pic>
-    </p:spTree>
-  </p:cSld>
-  <p:clrMapOvr>
-    <a:masterClrMapping/>
-  </p:clrMapOvr>
-  <p:transition spd="slow">
-    <p:cut/>
-  </p:transition>
-  <p:timing>
-    <p:tnLst>
-      <p:par>
-        <p:cTn id="1" dur="indefinite" restart="never" nodeType="tmRoot"/>
-      </p:par>
-    </p:tnLst>
-  </p:timing>
-</p:sld>
-</file>
-
-<file path=ppt/slides/slide21.xml><?xml version="1.0" encoding="utf-8"?>
-<p:sld xmlns:a="http://schemas.openxmlformats.org/drawingml/2006/main" xmlns:r="http://schemas.openxmlformats.org/officeDocument/2006/relationships" xmlns:p="http://schemas.openxmlformats.org/presentationml/2006/main">
-  <p:cSld>
-    <p:spTree>
-      <p:nvGrpSpPr>
-        <p:cNvPr id="1" name="Shape 308"/>
-        <p:cNvGrpSpPr/>
-        <p:nvPr/>
-      </p:nvGrpSpPr>
-      <p:grpSpPr>
-        <a:xfrm>
-          <a:off x="0" y="0"/>
-          <a:ext cx="0" cy="0"/>
-          <a:chOff x="0" y="0"/>
-          <a:chExt cx="0" cy="0"/>
-        </a:xfrm>
-      </p:grpSpPr>
-      <p:sp>
-        <p:nvSpPr>
-          <p:cNvPr id="309" name="Shape 309"/>
-          <p:cNvSpPr txBox="1">
-            <a:spLocks noGrp="1"/>
-          </p:cNvSpPr>
-          <p:nvPr>
-            <p:ph type="title"/>
-          </p:nvPr>
-        </p:nvSpPr>
-        <p:spPr>
-          <a:xfrm>
-            <a:off x="351725" y="151125"/>
-            <a:ext cx="9924000" cy="1415100"/>
-          </a:xfrm>
-          <a:prstGeom prst="rect">
-            <a:avLst/>
-          </a:prstGeom>
-          <a:noFill/>
-          <a:ln>
-            <a:noFill/>
-          </a:ln>
-        </p:spPr>
-        <p:txBody>
-          <a:bodyPr lIns="91400" tIns="91400" rIns="91400" bIns="91400" anchor="t" anchorCtr="0">
-            <a:noAutofit/>
-          </a:bodyPr>
-          <a:lstStyle/>
-          <a:p>
-            <a:pPr marL="0" marR="0" lvl="0" indent="0" algn="l" rtl="0">
-              <a:lnSpc>
-                <a:spcPct val="100000"/>
-              </a:lnSpc>
-              <a:spcBef>
-                <a:spcPts val="0"/>
-              </a:spcBef>
-              <a:spcAft>
-                <a:spcPts val="0"/>
-              </a:spcAft>
-              <a:buClr>
-                <a:schemeClr val="dk1"/>
-              </a:buClr>
-              <a:buSzPct val="25000"/>
-              <a:buFont typeface="Helvetica Neue"/>
-              <a:buNone/>
-            </a:pPr>
-            <a:r>
-              <a:rPr lang="en-US" sz="4400" dirty="0" smtClean="0">
-                <a:solidFill>
-                  <a:schemeClr val="dk1"/>
-                </a:solidFill>
-                <a:latin typeface="Helvetica Neue"/>
-                <a:ea typeface="Helvetica Neue"/>
-                <a:cs typeface="Helvetica Neue"/>
-                <a:sym typeface="Helvetica Neue"/>
-              </a:rPr>
-              <a:t>ToolMatch </a:t>
-            </a:r>
-            <a:r>
-              <a:rPr lang="en-US" sz="4400" dirty="0">
-                <a:solidFill>
-                  <a:schemeClr val="dk1"/>
-                </a:solidFill>
-                <a:latin typeface="Helvetica Neue"/>
-                <a:ea typeface="Helvetica Neue"/>
-                <a:cs typeface="Helvetica Neue"/>
-                <a:sym typeface="Helvetica Neue"/>
-              </a:rPr>
-              <a:t>Ontology - Data </a:t>
-            </a:r>
-            <a:r>
-              <a:rPr lang="en-US" sz="4400" dirty="0" smtClean="0">
-                <a:solidFill>
-                  <a:schemeClr val="dk1"/>
-                </a:solidFill>
-                <a:latin typeface="Helvetica Neue"/>
-                <a:ea typeface="Helvetica Neue"/>
-                <a:cs typeface="Helvetica Neue"/>
-                <a:sym typeface="Helvetica Neue"/>
-              </a:rPr>
-              <a:t>Collection</a:t>
-            </a:r>
-            <a:br>
-              <a:rPr lang="en-US" sz="4400" dirty="0" smtClean="0">
-                <a:solidFill>
-                  <a:schemeClr val="dk1"/>
-                </a:solidFill>
-                <a:latin typeface="Helvetica Neue"/>
-                <a:ea typeface="Helvetica Neue"/>
-                <a:cs typeface="Helvetica Neue"/>
-                <a:sym typeface="Helvetica Neue"/>
-              </a:rPr>
-            </a:br>
-            <a:r>
-              <a:rPr lang="en-US" sz="4400" dirty="0">
-                <a:solidFill>
-                  <a:schemeClr val="dk1"/>
-                </a:solidFill>
-                <a:latin typeface="Helvetica Neue"/>
-                <a:ea typeface="Helvetica Neue"/>
-                <a:cs typeface="Helvetica Neue"/>
-                <a:sym typeface="Helvetica Neue"/>
-              </a:rPr>
-              <a:t> </a:t>
-            </a:r>
-            <a:r>
-              <a:rPr lang="en-US" sz="4400" dirty="0" smtClean="0">
-                <a:solidFill>
-                  <a:schemeClr val="dk1"/>
-                </a:solidFill>
-                <a:latin typeface="Helvetica Neue"/>
-                <a:ea typeface="Helvetica Neue"/>
-                <a:cs typeface="Helvetica Neue"/>
-                <a:sym typeface="Helvetica Neue"/>
-              </a:rPr>
-              <a:t>(partial view)</a:t>
-            </a:r>
-            <a:endParaRPr lang="en-US" sz="4400" dirty="0">
-              <a:solidFill>
-                <a:schemeClr val="dk1"/>
-              </a:solidFill>
-              <a:latin typeface="Helvetica Neue"/>
-              <a:ea typeface="Helvetica Neue"/>
-              <a:cs typeface="Helvetica Neue"/>
-              <a:sym typeface="Helvetica Neue"/>
-            </a:endParaRPr>
-          </a:p>
-        </p:txBody>
-      </p:sp>
-      <p:pic>
-        <p:nvPicPr>
-          <p:cNvPr id="310" name="Shape 310"/>
-          <p:cNvPicPr preferRelativeResize="0"/>
-          <p:nvPr/>
-        </p:nvPicPr>
-        <p:blipFill rotWithShape="1">
-          <a:blip r:embed="rId3">
-            <a:alphaModFix/>
-          </a:blip>
-          <a:srcRect/>
-          <a:stretch/>
-        </p:blipFill>
-        <p:spPr>
-          <a:xfrm>
-            <a:off x="590475" y="1866825"/>
-            <a:ext cx="12674650" cy="7734375"/>
-          </a:xfrm>
-          <a:prstGeom prst="rect">
-            <a:avLst/>
-          </a:prstGeom>
-          <a:noFill/>
-          <a:ln>
-            <a:noFill/>
-          </a:ln>
-        </p:spPr>
-      </p:pic>
-      <p:sp>
-        <p:nvSpPr>
-          <p:cNvPr id="2" name="TextBox 1"/>
-          <p:cNvSpPr txBox="1"/>
-          <p:nvPr/>
-        </p:nvSpPr>
-        <p:spPr>
-          <a:xfrm>
-            <a:off x="558800" y="8839200"/>
-            <a:ext cx="4495800" cy="307777"/>
-          </a:xfrm>
-          <a:prstGeom prst="rect">
-            <a:avLst/>
-          </a:prstGeom>
-          <a:noFill/>
-        </p:spPr>
-        <p:txBody>
-          <a:bodyPr wrap="square" rtlCol="0">
-            <a:spAutoFit/>
-          </a:bodyPr>
-          <a:lstStyle/>
-          <a:p>
-            <a:r>
-              <a:rPr lang="en-US" dirty="0">
-                <a:hlinkClick r:id="rId4"/>
-              </a:rPr>
-              <a:t>http://toolmatch.esipfed.org/ont_cmap</a:t>
-            </a:r>
-            <a:endParaRPr lang="en-US" dirty="0"/>
-          </a:p>
-        </p:txBody>
-      </p:sp>
-    </p:spTree>
-  </p:cSld>
-  <p:clrMapOvr>
-    <a:masterClrMapping/>
-  </p:clrMapOvr>
-  <p:transition spd="slow">
-    <p:cut/>
-  </p:transition>
-  <p:timing>
-    <p:tnLst>
-      <p:par>
-        <p:cTn id="1" dur="indefinite" restart="never" nodeType="tmRoot"/>
-      </p:par>
-    </p:tnLst>
-  </p:timing>
-</p:sld>
-</file>
-
-<file path=ppt/slides/slide22.xml><?xml version="1.0" encoding="utf-8"?>
+<file path=ppt/slides/slide3.xml><?xml version="1.0" encoding="utf-8"?>
 <p:sld xmlns:a="http://schemas.openxmlformats.org/drawingml/2006/main" xmlns:r="http://schemas.openxmlformats.org/officeDocument/2006/relationships" xmlns:p="http://schemas.openxmlformats.org/presentationml/2006/main">
   <p:cSld>
     <p:spTree>
@@ -23279,226 +22598,6 @@
       </p:grpSpPr>
       <p:pic>
         <p:nvPicPr>
-          <p:cNvPr id="256" name="Shape 256"/>
-          <p:cNvPicPr preferRelativeResize="0"/>
-          <p:nvPr/>
-        </p:nvPicPr>
-        <p:blipFill rotWithShape="1">
-          <a:blip r:embed="rId3">
-            <a:alphaModFix/>
-          </a:blip>
-          <a:srcRect/>
-          <a:stretch/>
-        </p:blipFill>
-        <p:spPr>
-          <a:xfrm>
-            <a:off x="454025" y="1341439"/>
-            <a:ext cx="2466975" cy="1495500"/>
-          </a:xfrm>
-          <a:prstGeom prst="rect">
-            <a:avLst/>
-          </a:prstGeom>
-          <a:noFill/>
-          <a:ln>
-            <a:noFill/>
-          </a:ln>
-        </p:spPr>
-      </p:pic>
-      <p:sp>
-        <p:nvSpPr>
-          <p:cNvPr id="257" name="Shape 257"/>
-          <p:cNvSpPr txBox="1">
-            <a:spLocks noGrp="1"/>
-          </p:cNvSpPr>
-          <p:nvPr>
-            <p:ph type="title"/>
-          </p:nvPr>
-        </p:nvSpPr>
-        <p:spPr>
-          <a:xfrm>
-            <a:off x="650875" y="390527"/>
-            <a:ext cx="11703000" cy="1625699"/>
-          </a:xfrm>
-          <a:prstGeom prst="rect">
-            <a:avLst/>
-          </a:prstGeom>
-          <a:noFill/>
-          <a:ln>
-            <a:noFill/>
-          </a:ln>
-        </p:spPr>
-        <p:txBody>
-          <a:bodyPr lIns="91400" tIns="91400" rIns="91400" bIns="91400" anchor="t" anchorCtr="0">
-            <a:noAutofit/>
-          </a:bodyPr>
-          <a:lstStyle/>
-          <a:p>
-            <a:pPr marL="0" marR="0" lvl="0" indent="0" algn="l" rtl="0">
-              <a:lnSpc>
-                <a:spcPct val="100000"/>
-              </a:lnSpc>
-              <a:spcBef>
-                <a:spcPts val="0"/>
-              </a:spcBef>
-              <a:spcAft>
-                <a:spcPts val="0"/>
-              </a:spcAft>
-              <a:buClr>
-                <a:schemeClr val="dk1"/>
-              </a:buClr>
-              <a:buSzPct val="25000"/>
-              <a:buFont typeface="Helvetica Neue"/>
-              <a:buNone/>
-            </a:pPr>
-            <a:r>
-              <a:rPr lang="en-US" sz="4400" b="0" i="0" u="none" strike="noStrike" cap="none" baseline="0" dirty="0" smtClean="0">
-                <a:solidFill>
-                  <a:schemeClr val="dk1"/>
-                </a:solidFill>
-                <a:latin typeface="Helvetica Neue"/>
-                <a:ea typeface="Helvetica Neue"/>
-                <a:cs typeface="Helvetica Neue"/>
-                <a:sym typeface="Helvetica Neue"/>
-              </a:rPr>
-              <a:t>Current matching</a:t>
-            </a:r>
-            <a:r>
-              <a:rPr lang="en-US" sz="4400" b="0" i="0" u="none" strike="noStrike" cap="none" dirty="0" smtClean="0">
-                <a:solidFill>
-                  <a:schemeClr val="dk1"/>
-                </a:solidFill>
-                <a:latin typeface="Helvetica Neue"/>
-                <a:ea typeface="Helvetica Neue"/>
-                <a:cs typeface="Helvetica Neue"/>
-                <a:sym typeface="Helvetica Neue"/>
-              </a:rPr>
-              <a:t> capability:</a:t>
-            </a:r>
-            <a:endParaRPr lang="en-US" sz="4400" dirty="0">
-              <a:solidFill>
-                <a:schemeClr val="dk1"/>
-              </a:solidFill>
-              <a:latin typeface="Helvetica Neue"/>
-              <a:ea typeface="Helvetica Neue"/>
-              <a:cs typeface="Helvetica Neue"/>
-              <a:sym typeface="Helvetica Neue"/>
-            </a:endParaRPr>
-          </a:p>
-        </p:txBody>
-      </p:sp>
-      <p:sp>
-        <p:nvSpPr>
-          <p:cNvPr id="260" name="Shape 260"/>
-          <p:cNvSpPr/>
-          <p:nvPr/>
-        </p:nvSpPr>
-        <p:spPr>
-          <a:xfrm>
-            <a:off x="155575" y="-144463"/>
-            <a:ext cx="304799" cy="304799"/>
-          </a:xfrm>
-          <a:prstGeom prst="rect">
-            <a:avLst/>
-          </a:prstGeom>
-          <a:noFill/>
-          <a:ln>
-            <a:noFill/>
-          </a:ln>
-        </p:spPr>
-        <p:txBody>
-          <a:bodyPr lIns="91425" tIns="45700" rIns="91425" bIns="45700" anchor="t" anchorCtr="0">
-            <a:noAutofit/>
-          </a:bodyPr>
-          <a:lstStyle/>
-          <a:p>
-            <a:pPr marL="0" marR="0" lvl="0" indent="0" algn="l" rtl="0">
-              <a:lnSpc>
-                <a:spcPct val="100000"/>
-              </a:lnSpc>
-              <a:spcBef>
-                <a:spcPts val="0"/>
-              </a:spcBef>
-              <a:spcAft>
-                <a:spcPts val="0"/>
-              </a:spcAft>
-              <a:buClr>
-                <a:srgbClr val="000000"/>
-              </a:buClr>
-              <a:buFont typeface="Arial"/>
-              <a:buNone/>
-            </a:pPr>
-            <a:endParaRPr sz="1400" b="0" i="0" u="none" strike="noStrike" cap="none" baseline="0">
-              <a:solidFill>
-                <a:srgbClr val="000000"/>
-              </a:solidFill>
-              <a:latin typeface="Arial"/>
-              <a:ea typeface="Arial"/>
-              <a:cs typeface="Arial"/>
-              <a:sym typeface="Arial"/>
-            </a:endParaRPr>
-          </a:p>
-        </p:txBody>
-      </p:sp>
-      <p:sp>
-        <p:nvSpPr>
-          <p:cNvPr id="261" name="Shape 261"/>
-          <p:cNvSpPr/>
-          <p:nvPr/>
-        </p:nvSpPr>
-        <p:spPr>
-          <a:xfrm rot="-5400000">
-            <a:off x="-4514791" y="2710038"/>
-            <a:ext cx="9391500" cy="253800"/>
-          </a:xfrm>
-          <a:prstGeom prst="rect">
-            <a:avLst/>
-          </a:prstGeom>
-          <a:noFill/>
-          <a:ln>
-            <a:noFill/>
-          </a:ln>
-        </p:spPr>
-        <p:txBody>
-          <a:bodyPr lIns="91425" tIns="45700" rIns="91425" bIns="45700" anchor="t" anchorCtr="0">
-            <a:noAutofit/>
-          </a:bodyPr>
-          <a:lstStyle/>
-          <a:p>
-            <a:pPr marL="501650" marR="0" lvl="1" indent="-6350" algn="l" rtl="0">
-              <a:lnSpc>
-                <a:spcPct val="100000"/>
-              </a:lnSpc>
-              <a:spcBef>
-                <a:spcPts val="0"/>
-              </a:spcBef>
-              <a:spcAft>
-                <a:spcPts val="0"/>
-              </a:spcAft>
-              <a:buClr>
-                <a:srgbClr val="606060"/>
-              </a:buClr>
-              <a:buSzPct val="25000"/>
-              <a:buFont typeface="Helvetica Neue"/>
-              <a:buNone/>
-            </a:pPr>
-            <a:r>
-              <a:rPr lang="en-US" sz="1050" b="0" i="0" u="sng" strike="noStrike" cap="none" baseline="0">
-                <a:solidFill>
-                  <a:schemeClr val="hlink"/>
-                </a:solidFill>
-                <a:latin typeface="Helvetica Neue"/>
-                <a:ea typeface="Helvetica Neue"/>
-                <a:cs typeface="Helvetica Neue"/>
-                <a:sym typeface="Helvetica Neue"/>
-                <a:hlinkClick r:id="rId4"/>
-              </a:rPr>
-              <a:t>http://pushingsocial.com/wp-content/uploads/2013/12/social-media-tools-swiss-knife.jpg</a:t>
-            </a:r>
-          </a:p>
-        </p:txBody>
-      </p:sp>
-      <p:pic>
-        <p:nvPicPr>
           <p:cNvPr id="3074" name="Picture 2"/>
           <p:cNvPicPr>
             <a:picLocks noChangeAspect="1" noChangeArrowheads="1"/>
@@ -23506,7 +22605,7 @@
           <p:nvPr/>
         </p:nvPicPr>
         <p:blipFill>
-          <a:blip r:embed="rId5">
+          <a:blip r:embed="rId3">
             <a:extLst>
               <a:ext uri="{28A0092B-C50C-407E-A947-70E740481C1C}">
                 <a14:useLocalDpi xmlns:a14="http://schemas.microsoft.com/office/drawing/2010/main" val="0"/>
@@ -23561,6 +22660,360 @@
           </a:extLst>
         </p:spPr>
       </p:pic>
+      <p:pic>
+        <p:nvPicPr>
+          <p:cNvPr id="256" name="Shape 256"/>
+          <p:cNvPicPr preferRelativeResize="0"/>
+          <p:nvPr/>
+        </p:nvPicPr>
+        <p:blipFill rotWithShape="1">
+          <a:blip r:embed="rId4">
+            <a:alphaModFix/>
+          </a:blip>
+          <a:srcRect/>
+          <a:stretch/>
+        </p:blipFill>
+        <p:spPr>
+          <a:xfrm>
+            <a:off x="9918926" y="7532688"/>
+            <a:ext cx="2466975" cy="1495500"/>
+          </a:xfrm>
+          <a:prstGeom prst="rect">
+            <a:avLst/>
+          </a:prstGeom>
+          <a:noFill/>
+          <a:ln>
+            <a:noFill/>
+          </a:ln>
+        </p:spPr>
+      </p:pic>
+      <p:sp>
+        <p:nvSpPr>
+          <p:cNvPr id="260" name="Shape 260"/>
+          <p:cNvSpPr/>
+          <p:nvPr/>
+        </p:nvSpPr>
+        <p:spPr>
+          <a:xfrm>
+            <a:off x="155575" y="-144463"/>
+            <a:ext cx="304799" cy="304799"/>
+          </a:xfrm>
+          <a:prstGeom prst="rect">
+            <a:avLst/>
+          </a:prstGeom>
+          <a:noFill/>
+          <a:ln>
+            <a:noFill/>
+          </a:ln>
+        </p:spPr>
+        <p:txBody>
+          <a:bodyPr lIns="91425" tIns="45700" rIns="91425" bIns="45700" anchor="t" anchorCtr="0">
+            <a:noAutofit/>
+          </a:bodyPr>
+          <a:lstStyle/>
+          <a:p>
+            <a:pPr marL="0" marR="0" lvl="0" indent="0" algn="l" rtl="0">
+              <a:lnSpc>
+                <a:spcPct val="100000"/>
+              </a:lnSpc>
+              <a:spcBef>
+                <a:spcPts val="0"/>
+              </a:spcBef>
+              <a:spcAft>
+                <a:spcPts val="0"/>
+              </a:spcAft>
+              <a:buClr>
+                <a:srgbClr val="000000"/>
+              </a:buClr>
+              <a:buFont typeface="Arial"/>
+              <a:buNone/>
+            </a:pPr>
+            <a:endParaRPr sz="1400" b="0" i="0" u="none" strike="noStrike" cap="none" baseline="0">
+              <a:solidFill>
+                <a:srgbClr val="000000"/>
+              </a:solidFill>
+              <a:latin typeface="Arial"/>
+              <a:ea typeface="Arial"/>
+              <a:cs typeface="Arial"/>
+              <a:sym typeface="Arial"/>
+            </a:endParaRPr>
+          </a:p>
+        </p:txBody>
+      </p:sp>
+      <p:sp>
+        <p:nvSpPr>
+          <p:cNvPr id="261" name="Shape 261"/>
+          <p:cNvSpPr/>
+          <p:nvPr/>
+        </p:nvSpPr>
+        <p:spPr>
+          <a:xfrm rot="-5400000">
+            <a:off x="-4514791" y="2710038"/>
+            <a:ext cx="9391500" cy="253800"/>
+          </a:xfrm>
+          <a:prstGeom prst="rect">
+            <a:avLst/>
+          </a:prstGeom>
+          <a:noFill/>
+          <a:ln>
+            <a:noFill/>
+          </a:ln>
+        </p:spPr>
+        <p:txBody>
+          <a:bodyPr lIns="91425" tIns="45700" rIns="91425" bIns="45700" anchor="t" anchorCtr="0">
+            <a:noAutofit/>
+          </a:bodyPr>
+          <a:lstStyle/>
+          <a:p>
+            <a:pPr marL="501650" marR="0" lvl="1" indent="-6350" algn="l" rtl="0">
+              <a:lnSpc>
+                <a:spcPct val="100000"/>
+              </a:lnSpc>
+              <a:spcBef>
+                <a:spcPts val="0"/>
+              </a:spcBef>
+              <a:spcAft>
+                <a:spcPts val="0"/>
+              </a:spcAft>
+              <a:buClr>
+                <a:srgbClr val="606060"/>
+              </a:buClr>
+              <a:buSzPct val="25000"/>
+              <a:buFont typeface="Helvetica Neue"/>
+              <a:buNone/>
+            </a:pPr>
+            <a:r>
+              <a:rPr lang="en-US" sz="1050" b="0" i="0" u="sng" strike="noStrike" cap="none" baseline="0">
+                <a:solidFill>
+                  <a:schemeClr val="hlink"/>
+                </a:solidFill>
+                <a:latin typeface="Helvetica Neue"/>
+                <a:ea typeface="Helvetica Neue"/>
+                <a:cs typeface="Helvetica Neue"/>
+                <a:sym typeface="Helvetica Neue"/>
+                <a:hlinkClick r:id="rId5"/>
+              </a:rPr>
+              <a:t>http://pushingsocial.com/wp-content/uploads/2013/12/social-media-tools-swiss-knife.jpg</a:t>
+            </a:r>
+          </a:p>
+        </p:txBody>
+      </p:sp>
+      <p:sp>
+        <p:nvSpPr>
+          <p:cNvPr id="8" name="Shape 217"/>
+          <p:cNvSpPr txBox="1">
+            <a:spLocks/>
+          </p:cNvSpPr>
+          <p:nvPr/>
+        </p:nvSpPr>
+        <p:spPr>
+          <a:xfrm>
+            <a:off x="803275" y="457200"/>
+            <a:ext cx="11703050" cy="1625599"/>
+          </a:xfrm>
+          <a:prstGeom prst="rect">
+            <a:avLst/>
+          </a:prstGeom>
+          <a:noFill/>
+          <a:ln>
+            <a:noFill/>
+          </a:ln>
+        </p:spPr>
+        <p:txBody>
+          <a:bodyPr lIns="91400" tIns="91400" rIns="91400" bIns="91400" anchor="t" anchorCtr="0">
+            <a:noAutofit/>
+          </a:bodyPr>
+          <a:lstStyle>
+            <a:defPPr marR="0" algn="l" rtl="0">
+              <a:lnSpc>
+                <a:spcPct val="100000"/>
+              </a:lnSpc>
+              <a:spcBef>
+                <a:spcPts val="0"/>
+              </a:spcBef>
+              <a:spcAft>
+                <a:spcPts val="0"/>
+              </a:spcAft>
+            </a:defPPr>
+            <a:lvl1pPr marL="0" marR="0" indent="0" algn="l" rtl="0">
+              <a:lnSpc>
+                <a:spcPct val="100000"/>
+              </a:lnSpc>
+              <a:spcBef>
+                <a:spcPts val="0"/>
+              </a:spcBef>
+              <a:spcAft>
+                <a:spcPts val="0"/>
+              </a:spcAft>
+              <a:buClr>
+                <a:schemeClr val="dk1"/>
+              </a:buClr>
+              <a:buFont typeface="Helvetica Neue"/>
+              <a:buNone/>
+              <a:defRPr sz="1400" b="0" i="0" u="none" strike="noStrike" cap="none" baseline="0">
+                <a:solidFill>
+                  <a:srgbClr val="000000"/>
+                </a:solidFill>
+                <a:latin typeface="Arial"/>
+                <a:ea typeface="Arial"/>
+                <a:cs typeface="Arial"/>
+                <a:sym typeface="Arial"/>
+                <a:rtl val="0"/>
+              </a:defRPr>
+            </a:lvl1pPr>
+            <a:lvl2pPr marL="0" marR="0" indent="0" algn="l" rtl="0">
+              <a:lnSpc>
+                <a:spcPct val="100000"/>
+              </a:lnSpc>
+              <a:spcBef>
+                <a:spcPts val="0"/>
+              </a:spcBef>
+              <a:spcAft>
+                <a:spcPts val="0"/>
+              </a:spcAft>
+              <a:buClr>
+                <a:schemeClr val="dk1"/>
+              </a:buClr>
+              <a:buFont typeface="Helvetica Neue"/>
+              <a:buNone/>
+              <a:defRPr sz="1400" b="0" i="0" u="none" strike="noStrike" cap="none" baseline="0">
+                <a:solidFill>
+                  <a:srgbClr val="000000"/>
+                </a:solidFill>
+                <a:latin typeface="Arial"/>
+                <a:ea typeface="Arial"/>
+                <a:cs typeface="Arial"/>
+                <a:sym typeface="Arial"/>
+                <a:rtl val="0"/>
+              </a:defRPr>
+            </a:lvl2pPr>
+            <a:lvl3pPr marL="0" marR="0" indent="0" algn="l" rtl="0">
+              <a:spcBef>
+                <a:spcPts val="0"/>
+              </a:spcBef>
+              <a:spcAft>
+                <a:spcPts val="0"/>
+              </a:spcAft>
+              <a:defRPr/>
+            </a:lvl3pPr>
+            <a:lvl4pPr marL="0" marR="0" indent="0" algn="l" rtl="0">
+              <a:spcBef>
+                <a:spcPts val="0"/>
+              </a:spcBef>
+              <a:spcAft>
+                <a:spcPts val="0"/>
+              </a:spcAft>
+              <a:defRPr/>
+            </a:lvl4pPr>
+            <a:lvl5pPr marL="0" marR="0" indent="0" algn="l" rtl="0">
+              <a:spcBef>
+                <a:spcPts val="0"/>
+              </a:spcBef>
+              <a:spcAft>
+                <a:spcPts val="0"/>
+              </a:spcAft>
+              <a:defRPr/>
+            </a:lvl5pPr>
+            <a:lvl6pPr marL="457200" marR="0" indent="0" algn="l" rtl="0">
+              <a:spcBef>
+                <a:spcPts val="0"/>
+              </a:spcBef>
+              <a:spcAft>
+                <a:spcPts val="0"/>
+              </a:spcAft>
+              <a:defRPr/>
+            </a:lvl6pPr>
+            <a:lvl7pPr marL="914400" marR="0" indent="0" algn="l" rtl="0">
+              <a:spcBef>
+                <a:spcPts val="0"/>
+              </a:spcBef>
+              <a:spcAft>
+                <a:spcPts val="0"/>
+              </a:spcAft>
+              <a:defRPr/>
+            </a:lvl7pPr>
+            <a:lvl8pPr marL="1371600" marR="0" indent="0" algn="l" rtl="0">
+              <a:spcBef>
+                <a:spcPts val="0"/>
+              </a:spcBef>
+              <a:spcAft>
+                <a:spcPts val="0"/>
+              </a:spcAft>
+              <a:defRPr/>
+            </a:lvl8pPr>
+            <a:lvl9pPr marL="1828800" marR="0" indent="0" algn="l" rtl="0">
+              <a:spcBef>
+                <a:spcPts val="0"/>
+              </a:spcBef>
+              <a:spcAft>
+                <a:spcPts val="0"/>
+              </a:spcAft>
+              <a:defRPr/>
+            </a:lvl9pPr>
+          </a:lstStyle>
+          <a:p>
+            <a:pPr>
+              <a:buSzPct val="25000"/>
+            </a:pPr>
+            <a:r>
+              <a:rPr lang="en-US" sz="4400" dirty="0" err="1" smtClean="0">
+                <a:solidFill>
+                  <a:schemeClr val="dk1"/>
+                </a:solidFill>
+                <a:latin typeface="Helvetica Neue"/>
+                <a:ea typeface="Helvetica Neue"/>
+                <a:cs typeface="Helvetica Neue"/>
+                <a:sym typeface="Helvetica Neue"/>
+              </a:rPr>
+              <a:t>ToolMatch</a:t>
+            </a:r>
+            <a:r>
+              <a:rPr lang="en-US" sz="4400" dirty="0" smtClean="0">
+                <a:solidFill>
+                  <a:schemeClr val="dk1"/>
+                </a:solidFill>
+                <a:latin typeface="Helvetica Neue"/>
+                <a:ea typeface="Helvetica Neue"/>
+                <a:cs typeface="Helvetica Neue"/>
+                <a:sym typeface="Helvetica Neue"/>
+              </a:rPr>
+              <a:t>: </a:t>
+            </a:r>
+            <a:br>
+              <a:rPr lang="en-US" sz="4400" dirty="0" smtClean="0">
+                <a:solidFill>
+                  <a:schemeClr val="dk1"/>
+                </a:solidFill>
+                <a:latin typeface="Helvetica Neue"/>
+                <a:ea typeface="Helvetica Neue"/>
+                <a:cs typeface="Helvetica Neue"/>
+                <a:sym typeface="Helvetica Neue"/>
+              </a:rPr>
+            </a:br>
+            <a:r>
+              <a:rPr lang="en-US" sz="4400" dirty="0" smtClean="0">
+                <a:solidFill>
+                  <a:schemeClr val="dk1"/>
+                </a:solidFill>
+                <a:latin typeface="Helvetica Neue"/>
+                <a:ea typeface="Helvetica Neue"/>
+                <a:cs typeface="Helvetica Neue"/>
+                <a:sym typeface="Helvetica Neue"/>
+              </a:rPr>
+              <a:t>an extremely brief history</a:t>
+            </a:r>
+            <a:endParaRPr lang="en-US" sz="4400" dirty="0">
+              <a:solidFill>
+                <a:schemeClr val="dk1"/>
+              </a:solidFill>
+              <a:latin typeface="Helvetica Neue"/>
+              <a:ea typeface="Helvetica Neue"/>
+              <a:cs typeface="Helvetica Neue"/>
+              <a:sym typeface="Helvetica Neue"/>
+            </a:endParaRPr>
+          </a:p>
+        </p:txBody>
+      </p:sp>
     </p:spTree>
     <p:extLst>
       <p:ext uri="{BB962C8B-B14F-4D97-AF65-F5344CB8AC3E}">
@@ -23584,7 +23037,7 @@
 </p:sld>
 </file>
 
-<file path=ppt/slides/slide3.xml><?xml version="1.0" encoding="utf-8"?>
+<file path=ppt/slides/slide4.xml><?xml version="1.0" encoding="utf-8"?>
 <p:sld xmlns:a="http://schemas.openxmlformats.org/drawingml/2006/main" xmlns:r="http://schemas.openxmlformats.org/officeDocument/2006/relationships" xmlns:p="http://schemas.openxmlformats.org/presentationml/2006/main">
   <p:cSld>
     <p:spTree>
@@ -24062,7 +23515,7 @@
 </p:sld>
 </file>
 
-<file path=ppt/slides/slide4.xml><?xml version="1.0" encoding="utf-8"?>
+<file path=ppt/slides/slide5.xml><?xml version="1.0" encoding="utf-8"?>
 <p:sld xmlns:a="http://schemas.openxmlformats.org/drawingml/2006/main" xmlns:r="http://schemas.openxmlformats.org/officeDocument/2006/relationships" xmlns:p="http://schemas.openxmlformats.org/presentationml/2006/main">
   <p:cSld>
     <p:spTree>
@@ -24656,7 +24109,7 @@
 </p:sld>
 </file>
 
-<file path=ppt/slides/slide5.xml><?xml version="1.0" encoding="utf-8"?>
+<file path=ppt/slides/slide6.xml><?xml version="1.0" encoding="utf-8"?>
 <p:sld xmlns:a="http://schemas.openxmlformats.org/drawingml/2006/main" xmlns:r="http://schemas.openxmlformats.org/officeDocument/2006/relationships" xmlns:p="http://schemas.openxmlformats.org/presentationml/2006/main">
   <p:cSld>
     <p:spTree>
@@ -25277,7 +24730,7 @@
 </p:sld>
 </file>
 
-<file path=ppt/slides/slide6.xml><?xml version="1.0" encoding="utf-8"?>
+<file path=ppt/slides/slide7.xml><?xml version="1.0" encoding="utf-8"?>
 <p:sld xmlns:a="http://schemas.openxmlformats.org/drawingml/2006/main" xmlns:r="http://schemas.openxmlformats.org/officeDocument/2006/relationships" xmlns:p="http://schemas.openxmlformats.org/presentationml/2006/main">
   <p:cSld>
     <p:spTree>
@@ -25606,7 +25059,7 @@
 </p:sld>
 </file>
 
-<file path=ppt/slides/slide7.xml><?xml version="1.0" encoding="utf-8"?>
+<file path=ppt/slides/slide8.xml><?xml version="1.0" encoding="utf-8"?>
 <p:sld xmlns:a="http://schemas.openxmlformats.org/drawingml/2006/main" xmlns:r="http://schemas.openxmlformats.org/officeDocument/2006/relationships" xmlns:p="http://schemas.openxmlformats.org/presentationml/2006/main">
   <p:cSld>
     <p:spTree>
@@ -25943,7 +25396,7 @@
 </p:sld>
 </file>
 
-<file path=ppt/slides/slide8.xml><?xml version="1.0" encoding="utf-8"?>
+<file path=ppt/slides/slide9.xml><?xml version="1.0" encoding="utf-8"?>
 <p:sld xmlns:a="http://schemas.openxmlformats.org/drawingml/2006/main" xmlns:r="http://schemas.openxmlformats.org/officeDocument/2006/relationships" xmlns:p="http://schemas.openxmlformats.org/presentationml/2006/main">
   <p:cSld>
     <p:spTree>
@@ -25968,12 +25421,23 @@
         </p:nvSpPr>
         <p:spPr>
           <a:xfrm>
-            <a:off x="1603154" y="2133600"/>
+            <a:off x="863158" y="2362200"/>
             <a:ext cx="1990460" cy="903026"/>
           </a:xfrm>
           <a:prstGeom prst="rect">
             <a:avLst/>
           </a:prstGeom>
+          <a:solidFill>
+            <a:srgbClr val="0070C0">
+              <a:alpha val="37000"/>
+            </a:srgbClr>
+          </a:solidFill>
+          <a:ln w="38100">
+            <a:solidFill>
+              <a:schemeClr val="bg2"/>
+            </a:solidFill>
+          </a:ln>
+          <a:effectLst/>
         </p:spPr>
         <p:style>
           <a:lnRef idx="1">
@@ -25995,10 +25459,18 @@
           <a:p>
             <a:pPr algn="ctr"/>
             <a:r>
-              <a:rPr lang="en-US" dirty="0" smtClean="0"/>
+              <a:rPr lang="en-US" sz="2000" dirty="0" smtClean="0">
+                <a:solidFill>
+                  <a:schemeClr val="tx1"/>
+                </a:solidFill>
+              </a:rPr>
               <a:t>Visualization Tool</a:t>
             </a:r>
-            <a:endParaRPr lang="en-US" dirty="0"/>
+            <a:endParaRPr lang="en-US" sz="2000" dirty="0">
+              <a:solidFill>
+                <a:schemeClr val="tx1"/>
+              </a:solidFill>
+            </a:endParaRPr>
           </a:p>
         </p:txBody>
       </p:sp>
@@ -26010,12 +25482,22 @@
         </p:nvSpPr>
         <p:spPr>
           <a:xfrm>
-            <a:off x="2021471" y="5321661"/>
+            <a:off x="848644" y="6871237"/>
             <a:ext cx="2174761" cy="903026"/>
           </a:xfrm>
           <a:prstGeom prst="pentagon">
             <a:avLst/>
           </a:prstGeom>
+          <a:gradFill>
+            <a:gsLst>
+              <a:gs pos="0">
+                <a:srgbClr val="0070C0"/>
+              </a:gs>
+              <a:gs pos="100000">
+                <a:srgbClr val="00B0F0"/>
+              </a:gs>
+            </a:gsLst>
+          </a:gradFill>
         </p:spPr>
         <p:style>
           <a:lnRef idx="1">
@@ -26037,10 +25519,10 @@
           <a:p>
             <a:pPr algn="ctr"/>
             <a:r>
-              <a:rPr lang="en-US" dirty="0" smtClean="0"/>
+              <a:rPr lang="en-US" sz="2000" dirty="0" smtClean="0"/>
               <a:t>Panoply</a:t>
             </a:r>
-            <a:endParaRPr lang="en-US" dirty="0"/>
+            <a:endParaRPr lang="en-US" sz="2000" dirty="0"/>
           </a:p>
         </p:txBody>
       </p:sp>
@@ -26055,14 +25537,17 @@
         </p:nvCxnSpPr>
         <p:spPr>
           <a:xfrm flipH="1" flipV="1">
-            <a:off x="2598384" y="3036626"/>
-            <a:ext cx="510468" cy="2285035"/>
+            <a:off x="1858388" y="3265226"/>
+            <a:ext cx="77637" cy="3606011"/>
           </a:xfrm>
           <a:prstGeom prst="straightConnector1">
             <a:avLst/>
           </a:prstGeom>
-          <a:ln>
-            <a:prstDash val="dash"/>
+          <a:ln w="38100" cmpd="sng">
+            <a:solidFill>
+              <a:schemeClr val="bg2"/>
+            </a:solidFill>
+            <a:prstDash val="solid"/>
             <a:tailEnd type="arrow"/>
           </a:ln>
         </p:spPr>
@@ -26089,8 +25574,8 @@
         </p:nvSpPr>
         <p:spPr>
           <a:xfrm>
-            <a:off x="3077706" y="3856496"/>
-            <a:ext cx="1032090" cy="346760"/>
+            <a:off x="1888910" y="4132907"/>
+            <a:ext cx="1032090" cy="439093"/>
           </a:xfrm>
           <a:prstGeom prst="rect">
             <a:avLst/>
@@ -26104,27 +25589,37 @@
           <a:lstStyle/>
           <a:p>
             <a:r>
-              <a:rPr lang="en-US" dirty="0" smtClean="0"/>
-              <a:t>Is a</a:t>
+              <a:rPr lang="en-US" sz="2000" dirty="0" smtClean="0"/>
+              <a:t>Is A</a:t>
             </a:r>
-            <a:endParaRPr lang="en-US" dirty="0"/>
+            <a:endParaRPr lang="en-US" sz="2000" dirty="0"/>
           </a:p>
         </p:txBody>
       </p:sp>
       <p:sp>
         <p:nvSpPr>
-          <p:cNvPr id="10" name="Rectangle 9"/>
+          <p:cNvPr id="11" name="Regular Pentagon 10"/>
           <p:cNvSpPr/>
           <p:nvPr/>
         </p:nvSpPr>
         <p:spPr>
           <a:xfrm>
-            <a:off x="6273800" y="2133600"/>
-            <a:ext cx="1990460" cy="903026"/>
-          </a:xfrm>
-          <a:prstGeom prst="rect">
+            <a:off x="4978400" y="5146948"/>
+            <a:ext cx="2825141" cy="1711052"/>
+          </a:xfrm>
+          <a:prstGeom prst="pentagon">
             <a:avLst/>
           </a:prstGeom>
+          <a:gradFill>
+            <a:gsLst>
+              <a:gs pos="0">
+                <a:srgbClr val="00B050"/>
+              </a:gs>
+              <a:gs pos="100000">
+                <a:srgbClr val="92D050"/>
+              </a:gs>
+            </a:gsLst>
+          </a:gradFill>
         </p:spPr>
         <p:style>
           <a:lnRef idx="1">
@@ -26146,25 +25641,25 @@
           <a:p>
             <a:pPr algn="ctr"/>
             <a:r>
-              <a:rPr lang="en-US" dirty="0" smtClean="0"/>
-              <a:t>Data set</a:t>
+              <a:rPr lang="en-US" sz="2000" dirty="0" smtClean="0"/>
+              <a:t>AIRS.2010.08.11.095.L2</a:t>
             </a:r>
-            <a:endParaRPr lang="en-US" dirty="0"/>
+            <a:endParaRPr lang="en-US" sz="2000" dirty="0"/>
           </a:p>
         </p:txBody>
       </p:sp>
       <p:sp>
         <p:nvSpPr>
-          <p:cNvPr id="11" name="Regular Pentagon 10"/>
+          <p:cNvPr id="17" name="Rectangle 16"/>
           <p:cNvSpPr/>
           <p:nvPr/>
         </p:nvSpPr>
         <p:spPr>
           <a:xfrm>
-            <a:off x="6545308" y="4805592"/>
-            <a:ext cx="2603071" cy="1570874"/>
-          </a:xfrm>
-          <a:prstGeom prst="pentagon">
+            <a:off x="9869748" y="2345383"/>
+            <a:ext cx="1990460" cy="903026"/>
+          </a:xfrm>
+          <a:prstGeom prst="rect">
             <a:avLst/>
           </a:prstGeom>
         </p:spPr>
@@ -26188,129 +25683,21 @@
           <a:p>
             <a:pPr algn="ctr"/>
             <a:r>
-              <a:rPr lang="en-US" dirty="0" smtClean="0"/>
-              <a:t>AIRS.2010.08.11.095.L2</a:t>
+              <a:rPr lang="en-US" sz="2000" dirty="0" smtClean="0">
+                <a:solidFill>
+                  <a:schemeClr val="tx1"/>
+                </a:solidFill>
+              </a:rPr>
+              <a:t>Swath</a:t>
             </a:r>
-            <a:endParaRPr lang="en-US" dirty="0"/>
+            <a:endParaRPr lang="en-US" sz="2000" dirty="0">
+              <a:solidFill>
+                <a:schemeClr val="tx1"/>
+              </a:solidFill>
+            </a:endParaRPr>
           </a:p>
         </p:txBody>
       </p:sp>
-      <p:cxnSp>
-        <p:nvCxnSpPr>
-          <p:cNvPr id="12" name="Straight Arrow Connector 11"/>
-          <p:cNvCxnSpPr>
-            <a:stCxn id="11" idx="0"/>
-            <a:endCxn id="10" idx="2"/>
-          </p:cNvCxnSpPr>
-          <p:nvPr/>
-        </p:nvCxnSpPr>
-        <p:spPr>
-          <a:xfrm flipH="1" flipV="1">
-            <a:off x="7269030" y="3036626"/>
-            <a:ext cx="577814" cy="1768966"/>
-          </a:xfrm>
-          <a:prstGeom prst="straightConnector1">
-            <a:avLst/>
-          </a:prstGeom>
-          <a:ln>
-            <a:prstDash val="dash"/>
-            <a:tailEnd type="arrow"/>
-          </a:ln>
-        </p:spPr>
-        <p:style>
-          <a:lnRef idx="2">
-            <a:schemeClr val="accent1"/>
-          </a:lnRef>
-          <a:fillRef idx="0">
-            <a:schemeClr val="accent1"/>
-          </a:fillRef>
-          <a:effectRef idx="1">
-            <a:schemeClr val="accent1"/>
-          </a:effectRef>
-          <a:fontRef idx="minor">
-            <a:schemeClr val="tx1"/>
-          </a:fontRef>
-        </p:style>
-      </p:cxnSp>
-      <p:sp>
-        <p:nvSpPr>
-          <p:cNvPr id="17" name="Rectangle 16"/>
-          <p:cNvSpPr/>
-          <p:nvPr/>
-        </p:nvSpPr>
-        <p:spPr>
-          <a:xfrm>
-            <a:off x="9869748" y="2133600"/>
-            <a:ext cx="1990460" cy="903026"/>
-          </a:xfrm>
-          <a:prstGeom prst="rect">
-            <a:avLst/>
-          </a:prstGeom>
-        </p:spPr>
-        <p:style>
-          <a:lnRef idx="1">
-            <a:schemeClr val="accent1"/>
-          </a:lnRef>
-          <a:fillRef idx="3">
-            <a:schemeClr val="accent1"/>
-          </a:fillRef>
-          <a:effectRef idx="2">
-            <a:schemeClr val="accent1"/>
-          </a:effectRef>
-          <a:fontRef idx="minor">
-            <a:schemeClr val="lt1"/>
-          </a:fontRef>
-        </p:style>
-        <p:txBody>
-          <a:bodyPr lIns="130046" tIns="65023" rIns="130046" bIns="65023" rtlCol="0" anchor="ctr"/>
-          <a:lstStyle/>
-          <a:p>
-            <a:pPr algn="ctr"/>
-            <a:r>
-              <a:rPr lang="en-US" dirty="0" smtClean="0"/>
-              <a:t>Swath</a:t>
-            </a:r>
-            <a:endParaRPr lang="en-US" dirty="0"/>
-          </a:p>
-        </p:txBody>
-      </p:sp>
-      <p:cxnSp>
-        <p:nvCxnSpPr>
-          <p:cNvPr id="18" name="Straight Arrow Connector 17"/>
-          <p:cNvCxnSpPr>
-            <a:stCxn id="11" idx="0"/>
-            <a:endCxn id="17" idx="2"/>
-          </p:cNvCxnSpPr>
-          <p:nvPr/>
-        </p:nvCxnSpPr>
-        <p:spPr>
-          <a:xfrm flipV="1">
-            <a:off x="7846844" y="3036626"/>
-            <a:ext cx="3018134" cy="1768966"/>
-          </a:xfrm>
-          <a:prstGeom prst="straightConnector1">
-            <a:avLst/>
-          </a:prstGeom>
-          <a:ln>
-            <a:prstDash val="dash"/>
-            <a:tailEnd type="arrow"/>
-          </a:ln>
-        </p:spPr>
-        <p:style>
-          <a:lnRef idx="2">
-            <a:schemeClr val="accent1"/>
-          </a:lnRef>
-          <a:fillRef idx="0">
-            <a:schemeClr val="accent1"/>
-          </a:fillRef>
-          <a:effectRef idx="1">
-            <a:schemeClr val="accent1"/>
-          </a:effectRef>
-          <a:fontRef idx="minor">
-            <a:schemeClr val="tx1"/>
-          </a:fontRef>
-        </p:style>
-      </p:cxnSp>
       <p:sp>
         <p:nvSpPr>
           <p:cNvPr id="21" name="TextBox 20"/>
@@ -26318,9 +25705,9 @@
           <p:nvPr/>
         </p:nvSpPr>
         <p:spPr>
-          <a:xfrm>
-            <a:off x="9148379" y="4061132"/>
-            <a:ext cx="2179177" cy="346760"/>
+          <a:xfrm rot="20055957">
+            <a:off x="7651016" y="4077948"/>
+            <a:ext cx="2459421" cy="439093"/>
           </a:xfrm>
           <a:prstGeom prst="rect">
             <a:avLst/>
@@ -26334,10 +25721,14 @@
           <a:lstStyle/>
           <a:p>
             <a:r>
-              <a:rPr lang="en-US" dirty="0" smtClean="0"/>
-              <a:t>Grid Structure</a:t>
+              <a:rPr lang="en-US" sz="2000" dirty="0" smtClean="0"/>
+              <a:t>has Grid </a:t>
             </a:r>
-            <a:endParaRPr lang="en-US" dirty="0"/>
+            <a:r>
+              <a:rPr lang="en-US" sz="2000" dirty="0" smtClean="0"/>
+              <a:t>Structure</a:t>
+            </a:r>
+            <a:endParaRPr lang="en-US" sz="2000" dirty="0"/>
           </a:p>
         </p:txBody>
       </p:sp>
@@ -26352,8 +25743,8 @@
         </p:nvCxnSpPr>
         <p:spPr>
           <a:xfrm flipV="1">
-            <a:off x="4196230" y="5405611"/>
-            <a:ext cx="2349081" cy="260974"/>
+            <a:off x="3023403" y="5800510"/>
+            <a:ext cx="1955000" cy="1415651"/>
           </a:xfrm>
           <a:prstGeom prst="straightConnector1">
             <a:avLst/>
@@ -26385,9 +25776,9 @@
           <p:nvPr/>
         </p:nvSpPr>
         <p:spPr>
-          <a:xfrm>
-            <a:off x="4826000" y="5599794"/>
-            <a:ext cx="2177354" cy="346760"/>
+          <a:xfrm rot="19418671">
+            <a:off x="2950215" y="6150786"/>
+            <a:ext cx="1820042" cy="439093"/>
           </a:xfrm>
           <a:prstGeom prst="rect">
             <a:avLst/>
@@ -26401,27 +25792,67 @@
           <a:lstStyle/>
           <a:p>
             <a:r>
-              <a:rPr lang="en-US" dirty="0" err="1" smtClean="0"/>
-              <a:t>linearlyPlots</a:t>
+              <a:rPr lang="en-US" sz="2000" dirty="0" smtClean="0"/>
+              <a:t>linearly Plots</a:t>
             </a:r>
-            <a:endParaRPr lang="en-US" dirty="0"/>
+            <a:endParaRPr lang="en-US" sz="2000" dirty="0"/>
           </a:p>
         </p:txBody>
       </p:sp>
       <p:sp>
         <p:nvSpPr>
-          <p:cNvPr id="27" name="Rectangle 26"/>
+          <p:cNvPr id="31" name="TextBox 30"/>
+          <p:cNvSpPr txBox="1"/>
+          <p:nvPr/>
+        </p:nvSpPr>
+        <p:spPr>
+          <a:xfrm>
+            <a:off x="1068614" y="8324179"/>
+            <a:ext cx="8263712" cy="562203"/>
+          </a:xfrm>
+          <a:prstGeom prst="rect">
+            <a:avLst/>
+          </a:prstGeom>
+          <a:noFill/>
+        </p:spPr>
+        <p:txBody>
+          <a:bodyPr wrap="square" lIns="130046" tIns="65023" rIns="130046" bIns="65023" rtlCol="0">
+            <a:spAutoFit/>
+          </a:bodyPr>
+          <a:lstStyle/>
+          <a:p>
+            <a:r>
+              <a:rPr lang="en-US" dirty="0" smtClean="0"/>
+              <a:t> </a:t>
+            </a:r>
+            <a:endParaRPr lang="en-US" dirty="0" smtClean="0"/>
+          </a:p>
+          <a:p>
+            <a:endParaRPr lang="en-US" dirty="0"/>
+          </a:p>
+        </p:txBody>
+      </p:sp>
+      <p:sp>
+        <p:nvSpPr>
+          <p:cNvPr id="29" name="Rectangle 28"/>
           <p:cNvSpPr/>
           <p:nvPr/>
         </p:nvSpPr>
         <p:spPr>
           <a:xfrm>
-            <a:off x="10496375" y="6717822"/>
+            <a:off x="5359400" y="2345383"/>
             <a:ext cx="1990460" cy="903026"/>
           </a:xfrm>
           <a:prstGeom prst="rect">
             <a:avLst/>
           </a:prstGeom>
+          <a:noFill/>
+          <a:ln w="38100">
+            <a:solidFill>
+              <a:schemeClr val="bg2"/>
+            </a:solidFill>
+          </a:ln>
+          <a:effectLst/>
         </p:spPr>
         <p:style>
           <a:lnRef idx="1">
@@ -26443,32 +25874,43 @@
           <a:p>
             <a:pPr algn="ctr"/>
             <a:r>
-              <a:rPr lang="en-US" dirty="0" smtClean="0"/>
-              <a:t>HDF4Format</a:t>
+              <a:rPr lang="en-US" sz="2000" dirty="0" smtClean="0">
+                <a:solidFill>
+                  <a:schemeClr val="tx1"/>
+                </a:solidFill>
+              </a:rPr>
+              <a:t>Data Collection</a:t>
             </a:r>
-            <a:endParaRPr lang="en-US" dirty="0"/>
+            <a:endParaRPr lang="en-US" sz="2000" dirty="0">
+              <a:solidFill>
+                <a:schemeClr val="tx1"/>
+              </a:solidFill>
+            </a:endParaRPr>
           </a:p>
         </p:txBody>
       </p:sp>
       <p:cxnSp>
         <p:nvCxnSpPr>
-          <p:cNvPr id="28" name="Straight Arrow Connector 27"/>
+          <p:cNvPr id="38" name="Straight Arrow Connector 37"/>
           <p:cNvCxnSpPr>
-            <a:stCxn id="11" idx="5"/>
-            <a:endCxn id="27" idx="0"/>
+            <a:stCxn id="11" idx="0"/>
+            <a:endCxn id="29" idx="2"/>
           </p:cNvCxnSpPr>
           <p:nvPr/>
         </p:nvCxnSpPr>
         <p:spPr>
-          <a:xfrm>
-            <a:off x="9148377" y="5405609"/>
-            <a:ext cx="2343229" cy="1312213"/>
+          <a:xfrm flipH="1" flipV="1">
+            <a:off x="6354630" y="3248409"/>
+            <a:ext cx="36341" cy="1898539"/>
           </a:xfrm>
           <a:prstGeom prst="straightConnector1">
             <a:avLst/>
           </a:prstGeom>
-          <a:ln>
-            <a:prstDash val="dash"/>
+          <a:ln w="38100" cmpd="sng">
+            <a:solidFill>
+              <a:schemeClr val="bg2"/>
+            </a:solidFill>
+            <a:prstDash val="solid"/>
             <a:tailEnd type="arrow"/>
           </a:ln>
         </p:spPr>
@@ -26489,14 +25931,14 @@
       </p:cxnSp>
       <p:sp>
         <p:nvSpPr>
-          <p:cNvPr id="31" name="TextBox 30"/>
+          <p:cNvPr id="41" name="TextBox 40"/>
           <p:cNvSpPr txBox="1"/>
           <p:nvPr/>
         </p:nvSpPr>
         <p:spPr>
           <a:xfrm>
-            <a:off x="411494" y="6934200"/>
-            <a:ext cx="10589437" cy="1854865"/>
+            <a:off x="5698910" y="3978131"/>
+            <a:ext cx="1032090" cy="439093"/>
           </a:xfrm>
           <a:prstGeom prst="rect">
             <a:avLst/>
@@ -26510,96 +25952,375 @@
           <a:lstStyle/>
           <a:p>
             <a:r>
-              <a:rPr lang="en-US" dirty="0" smtClean="0"/>
-              <a:t>Statement: AIRS2010.08.11.095.L2 is a data set.</a:t>
+              <a:rPr lang="en-US" sz="2000" dirty="0" smtClean="0"/>
+              <a:t>Is </a:t>
             </a:r>
-          </a:p>
-          <a:p>
             <a:r>
-              <a:rPr lang="en-US" dirty="0" smtClean="0"/>
-              <a:t>Statement: AIRS…  grid structure is a Swath.</a:t>
+              <a:rPr lang="en-US" sz="2000" dirty="0" smtClean="0"/>
+              <a:t>A</a:t>
             </a:r>
-          </a:p>
-          <a:p>
-            <a:r>
-              <a:rPr lang="en-US" dirty="0" smtClean="0"/>
-              <a:t>Statement: AIRS… data format is HDF4.</a:t>
-            </a:r>
-          </a:p>
-          <a:p>
-            <a:r>
-              <a:rPr lang="en-US" dirty="0" smtClean="0"/>
-              <a:t>Statement: Panoply can plot AIRS2010.08.11.095.L2 linearly</a:t>
-            </a:r>
-          </a:p>
-          <a:p>
-            <a:r>
-              <a:rPr lang="en-US" dirty="0" smtClean="0"/>
-              <a:t> </a:t>
-            </a:r>
-          </a:p>
-          <a:p>
-            <a:r>
-              <a:rPr lang="en-US" dirty="0" smtClean="0"/>
-              <a:t>Q: If we see a lot of assertions like these, can we generalize them to say that Panoply can visualize *any* swath data in HDF format as a line plot? </a:t>
-            </a:r>
-          </a:p>
-          <a:p>
-            <a:endParaRPr lang="en-US" dirty="0"/>
+            <a:endParaRPr lang="en-US" sz="2000" dirty="0"/>
           </a:p>
         </p:txBody>
       </p:sp>
-    </p:spTree>
-    <p:extLst>
-      <p:ext uri="{BB962C8B-B14F-4D97-AF65-F5344CB8AC3E}">
-        <p14:creationId xmlns:p14="http://schemas.microsoft.com/office/powerpoint/2010/main" val="1181674186"/>
-      </p:ext>
-    </p:extLst>
-  </p:cSld>
-  <p:clrMapOvr>
-    <a:masterClrMapping/>
-  </p:clrMapOvr>
-  <p:timing>
-    <p:tnLst>
-      <p:par>
-        <p:cTn id="1" dur="indefinite" restart="never" nodeType="tmRoot"/>
-      </p:par>
-    </p:tnLst>
-  </p:timing>
-</p:sld>
-</file>
-
-<file path=ppt/slides/slide9.xml><?xml version="1.0" encoding="utf-8"?>
-<p:sld xmlns:a="http://schemas.openxmlformats.org/drawingml/2006/main" xmlns:r="http://schemas.openxmlformats.org/officeDocument/2006/relationships" xmlns:p="http://schemas.openxmlformats.org/presentationml/2006/main">
-  <p:cSld>
-    <p:spTree>
-      <p:nvGrpSpPr>
-        <p:cNvPr id="1" name="Shape 308"/>
-        <p:cNvGrpSpPr/>
-        <p:nvPr/>
-      </p:nvGrpSpPr>
-      <p:grpSpPr>
-        <a:xfrm>
-          <a:off x="0" y="0"/>
-          <a:ext cx="0" cy="0"/>
-          <a:chOff x="0" y="0"/>
-          <a:chExt cx="0" cy="0"/>
-        </a:xfrm>
-      </p:grpSpPr>
       <p:sp>
         <p:nvSpPr>
-          <p:cNvPr id="309" name="Shape 309"/>
-          <p:cNvSpPr txBox="1">
-            <a:spLocks noGrp="1"/>
-          </p:cNvSpPr>
-          <p:nvPr>
-            <p:ph type="title"/>
-          </p:nvPr>
+          <p:cNvPr id="42" name="TextBox 41"/>
+          <p:cNvSpPr txBox="1"/>
+          <p:nvPr/>
+        </p:nvSpPr>
+        <p:spPr>
+          <a:xfrm rot="1691884">
+            <a:off x="8132751" y="6146963"/>
+            <a:ext cx="2459421" cy="439093"/>
+          </a:xfrm>
+          <a:prstGeom prst="rect">
+            <a:avLst/>
+          </a:prstGeom>
+          <a:noFill/>
+        </p:spPr>
+        <p:txBody>
+          <a:bodyPr wrap="square" lIns="130046" tIns="65023" rIns="130046" bIns="65023" rtlCol="0">
+            <a:spAutoFit/>
+          </a:bodyPr>
+          <a:lstStyle/>
+          <a:p>
+            <a:r>
+              <a:rPr lang="en-US" sz="2000" dirty="0" smtClean="0"/>
+              <a:t>has Data Format</a:t>
+            </a:r>
+            <a:endParaRPr lang="en-US" sz="2000" dirty="0"/>
+          </a:p>
+        </p:txBody>
+      </p:sp>
+      <p:cxnSp>
+        <p:nvCxnSpPr>
+          <p:cNvPr id="43" name="Straight Arrow Connector 42"/>
+          <p:cNvCxnSpPr>
+            <a:stCxn id="11" idx="0"/>
+            <a:endCxn id="17" idx="2"/>
+          </p:cNvCxnSpPr>
+          <p:nvPr/>
+        </p:nvCxnSpPr>
+        <p:spPr>
+          <a:xfrm flipV="1">
+            <a:off x="6390971" y="3248409"/>
+            <a:ext cx="4474007" cy="1898539"/>
+          </a:xfrm>
+          <a:prstGeom prst="straightConnector1">
+            <a:avLst/>
+          </a:prstGeom>
+          <a:ln w="38100" cmpd="sng">
+            <a:solidFill>
+              <a:schemeClr val="bg2"/>
+            </a:solidFill>
+            <a:prstDash val="solid"/>
+            <a:tailEnd type="arrow"/>
+          </a:ln>
+        </p:spPr>
+        <p:style>
+          <a:lnRef idx="2">
+            <a:schemeClr val="accent1"/>
+          </a:lnRef>
+          <a:fillRef idx="0">
+            <a:schemeClr val="accent1"/>
+          </a:fillRef>
+          <a:effectRef idx="1">
+            <a:schemeClr val="accent1"/>
+          </a:effectRef>
+          <a:fontRef idx="minor">
+            <a:schemeClr val="tx1"/>
+          </a:fontRef>
+        </p:style>
+      </p:cxnSp>
+      <p:cxnSp>
+        <p:nvCxnSpPr>
+          <p:cNvPr id="46" name="Straight Arrow Connector 45"/>
+          <p:cNvCxnSpPr>
+            <a:stCxn id="11" idx="5"/>
+          </p:cNvCxnSpPr>
+          <p:nvPr/>
+        </p:nvCxnSpPr>
+        <p:spPr>
+          <a:xfrm>
+            <a:off x="7803538" y="5800510"/>
+            <a:ext cx="2692837" cy="1368825"/>
+          </a:xfrm>
+          <a:prstGeom prst="straightConnector1">
+            <a:avLst/>
+          </a:prstGeom>
+          <a:ln w="38100" cmpd="sng">
+            <a:solidFill>
+              <a:schemeClr val="bg2"/>
+            </a:solidFill>
+            <a:prstDash val="solid"/>
+            <a:tailEnd type="arrow"/>
+          </a:ln>
+        </p:spPr>
+        <p:style>
+          <a:lnRef idx="2">
+            <a:schemeClr val="accent1"/>
+          </a:lnRef>
+          <a:fillRef idx="0">
+            <a:schemeClr val="accent1"/>
+          </a:fillRef>
+          <a:effectRef idx="1">
+            <a:schemeClr val="accent1"/>
+          </a:effectRef>
+          <a:fontRef idx="minor">
+            <a:schemeClr val="tx1"/>
+          </a:fontRef>
+        </p:style>
+      </p:cxnSp>
+      <p:cxnSp>
+        <p:nvCxnSpPr>
+          <p:cNvPr id="61" name="Straight Arrow Connector 60"/>
+          <p:cNvCxnSpPr>
+            <a:stCxn id="84" idx="0"/>
+            <a:endCxn id="17" idx="2"/>
+          </p:cNvCxnSpPr>
+          <p:nvPr/>
+        </p:nvCxnSpPr>
+        <p:spPr>
+          <a:xfrm flipH="1" flipV="1">
+            <a:off x="10864978" y="3248409"/>
+            <a:ext cx="626627" cy="3515252"/>
+          </a:xfrm>
+          <a:prstGeom prst="straightConnector1">
+            <a:avLst/>
+          </a:prstGeom>
+          <a:ln>
+            <a:prstDash val="dash"/>
+            <a:tailEnd type="arrow"/>
+          </a:ln>
+        </p:spPr>
+        <p:style>
+          <a:lnRef idx="2">
+            <a:schemeClr val="accent1"/>
+          </a:lnRef>
+          <a:fillRef idx="0">
+            <a:schemeClr val="accent1"/>
+          </a:fillRef>
+          <a:effectRef idx="1">
+            <a:schemeClr val="accent1"/>
+          </a:effectRef>
+          <a:fontRef idx="minor">
+            <a:schemeClr val="tx1"/>
+          </a:fontRef>
+        </p:style>
+      </p:cxnSp>
+      <p:cxnSp>
+        <p:nvCxnSpPr>
+          <p:cNvPr id="66" name="Straight Arrow Connector 65"/>
+          <p:cNvCxnSpPr>
+            <a:stCxn id="17" idx="1"/>
+            <a:endCxn id="29" idx="3"/>
+          </p:cNvCxnSpPr>
+          <p:nvPr/>
+        </p:nvCxnSpPr>
+        <p:spPr>
+          <a:xfrm flipH="1">
+            <a:off x="7349860" y="2796896"/>
+            <a:ext cx="2519888" cy="0"/>
+          </a:xfrm>
+          <a:prstGeom prst="straightConnector1">
+            <a:avLst/>
+          </a:prstGeom>
+          <a:ln>
+            <a:prstDash val="dash"/>
+            <a:tailEnd type="arrow"/>
+          </a:ln>
+        </p:spPr>
+        <p:style>
+          <a:lnRef idx="2">
+            <a:schemeClr val="accent1"/>
+          </a:lnRef>
+          <a:fillRef idx="0">
+            <a:schemeClr val="accent1"/>
+          </a:fillRef>
+          <a:effectRef idx="1">
+            <a:schemeClr val="accent1"/>
+          </a:effectRef>
+          <a:fontRef idx="minor">
+            <a:schemeClr val="tx1"/>
+          </a:fontRef>
+        </p:style>
+      </p:cxnSp>
+      <p:cxnSp>
+        <p:nvCxnSpPr>
+          <p:cNvPr id="77" name="Straight Arrow Connector 76"/>
+          <p:cNvCxnSpPr>
+            <a:stCxn id="6" idx="5"/>
+          </p:cNvCxnSpPr>
+          <p:nvPr/>
+        </p:nvCxnSpPr>
+        <p:spPr>
+          <a:xfrm flipV="1">
+            <a:off x="3023403" y="7169335"/>
+            <a:ext cx="7472972" cy="46826"/>
+          </a:xfrm>
+          <a:prstGeom prst="straightConnector1">
+            <a:avLst/>
+          </a:prstGeom>
+          <a:ln w="38100" cmpd="sng">
+            <a:solidFill>
+              <a:schemeClr val="bg2"/>
+            </a:solidFill>
+            <a:prstDash val="solid"/>
+            <a:tailEnd type="arrow"/>
+          </a:ln>
+        </p:spPr>
+        <p:style>
+          <a:lnRef idx="2">
+            <a:schemeClr val="accent1"/>
+          </a:lnRef>
+          <a:fillRef idx="0">
+            <a:schemeClr val="accent1"/>
+          </a:fillRef>
+          <a:effectRef idx="1">
+            <a:schemeClr val="accent1"/>
+          </a:effectRef>
+          <a:fontRef idx="minor">
+            <a:schemeClr val="tx1"/>
+          </a:fontRef>
+        </p:style>
+      </p:cxnSp>
+      <p:sp>
+        <p:nvSpPr>
+          <p:cNvPr id="83" name="TextBox 82"/>
+          <p:cNvSpPr txBox="1"/>
+          <p:nvPr/>
         </p:nvSpPr>
         <p:spPr>
           <a:xfrm>
-            <a:off x="351725" y="151125"/>
-            <a:ext cx="9924000" cy="1415100"/>
+            <a:off x="4978400" y="7208971"/>
+            <a:ext cx="2828660" cy="439093"/>
+          </a:xfrm>
+          <a:prstGeom prst="rect">
+            <a:avLst/>
+          </a:prstGeom>
+          <a:noFill/>
+        </p:spPr>
+        <p:txBody>
+          <a:bodyPr wrap="square" lIns="130046" tIns="65023" rIns="130046" bIns="65023" rtlCol="0">
+            <a:spAutoFit/>
+          </a:bodyPr>
+          <a:lstStyle/>
+          <a:p>
+            <a:r>
+              <a:rPr lang="en-US" sz="2000" dirty="0" smtClean="0"/>
+              <a:t>supports File Format</a:t>
+            </a:r>
+            <a:endParaRPr lang="en-US" sz="2000" dirty="0"/>
+          </a:p>
+        </p:txBody>
+      </p:sp>
+      <p:sp>
+        <p:nvSpPr>
+          <p:cNvPr id="84" name="Regular Pentagon 83"/>
+          <p:cNvSpPr/>
+          <p:nvPr/>
+        </p:nvSpPr>
+        <p:spPr>
+          <a:xfrm>
+            <a:off x="10404224" y="6763661"/>
+            <a:ext cx="2174761" cy="903026"/>
+          </a:xfrm>
+          <a:prstGeom prst="pentagon">
+            <a:avLst/>
+          </a:prstGeom>
+          <a:gradFill>
+            <a:gsLst>
+              <a:gs pos="0">
+                <a:schemeClr val="accent2">
+                  <a:lumMod val="75000"/>
+                </a:schemeClr>
+              </a:gs>
+              <a:gs pos="100000">
+                <a:schemeClr val="accent2">
+                  <a:lumMod val="40000"/>
+                  <a:lumOff val="60000"/>
+                </a:schemeClr>
+              </a:gs>
+            </a:gsLst>
+          </a:gradFill>
+        </p:spPr>
+        <p:style>
+          <a:lnRef idx="1">
+            <a:schemeClr val="accent1"/>
+          </a:lnRef>
+          <a:fillRef idx="3">
+            <a:schemeClr val="accent1"/>
+          </a:fillRef>
+          <a:effectRef idx="2">
+            <a:schemeClr val="accent1"/>
+          </a:effectRef>
+          <a:fontRef idx="minor">
+            <a:schemeClr val="lt1"/>
+          </a:fontRef>
+        </p:style>
+        <p:txBody>
+          <a:bodyPr lIns="130046" tIns="65023" rIns="130046" bIns="65023" rtlCol="0" anchor="ctr"/>
+          <a:lstStyle/>
+          <a:p>
+            <a:pPr algn="ctr"/>
+            <a:r>
+              <a:rPr lang="en-US" sz="2000" dirty="0" smtClean="0"/>
+              <a:t>HDF4</a:t>
+            </a:r>
+            <a:endParaRPr lang="en-US" sz="2000" dirty="0"/>
+          </a:p>
+        </p:txBody>
+      </p:sp>
+      <p:cxnSp>
+        <p:nvCxnSpPr>
+          <p:cNvPr id="86" name="Straight Arrow Connector 85"/>
+          <p:cNvCxnSpPr>
+            <a:stCxn id="6" idx="0"/>
+            <a:endCxn id="17" idx="1"/>
+          </p:cNvCxnSpPr>
+          <p:nvPr/>
+        </p:nvCxnSpPr>
+        <p:spPr>
+          <a:xfrm flipV="1">
+            <a:off x="1936025" y="2796896"/>
+            <a:ext cx="7933723" cy="4074341"/>
+          </a:xfrm>
+          <a:prstGeom prst="straightConnector1">
+            <a:avLst/>
+          </a:prstGeom>
+          <a:ln>
+            <a:prstDash val="dash"/>
+            <a:tailEnd type="arrow"/>
+          </a:ln>
+        </p:spPr>
+        <p:style>
+          <a:lnRef idx="2">
+            <a:schemeClr val="accent1"/>
+          </a:lnRef>
+          <a:fillRef idx="0">
+            <a:schemeClr val="accent1"/>
+          </a:fillRef>
+          <a:effectRef idx="1">
+            <a:schemeClr val="accent1"/>
+          </a:effectRef>
+          <a:fontRef idx="minor">
+            <a:schemeClr val="tx1"/>
+          </a:fontRef>
+        </p:style>
+      </p:cxnSp>
+      <p:sp>
+        <p:nvSpPr>
+          <p:cNvPr id="89" name="Shape 217"/>
+          <p:cNvSpPr txBox="1">
+            <a:spLocks/>
+          </p:cNvSpPr>
+          <p:nvPr/>
+        </p:nvSpPr>
+        <p:spPr>
+          <a:xfrm>
+            <a:off x="650875" y="390527"/>
+            <a:ext cx="11703050" cy="1625599"/>
           </a:xfrm>
           <a:prstGeom prst="rect">
             <a:avLst/>
@@ -26613,9 +26334,8 @@
           <a:bodyPr lIns="91400" tIns="91400" rIns="91400" bIns="91400" anchor="t" anchorCtr="0">
             <a:noAutofit/>
           </a:bodyPr>
-          <a:lstStyle/>
-          <a:p>
-            <a:pPr marL="0" marR="0" lvl="0" indent="0" algn="l" rtl="0">
+          <a:lstStyle>
+            <a:defPPr marR="0" algn="l" rtl="0">
               <a:lnSpc>
                 <a:spcPct val="100000"/>
               </a:lnSpc>
@@ -26625,13 +26345,139 @@
               <a:spcAft>
                 <a:spcPts val="0"/>
               </a:spcAft>
+            </a:defPPr>
+            <a:lvl1pPr marL="0" marR="0" indent="0" algn="l" rtl="0">
+              <a:lnSpc>
+                <a:spcPct val="100000"/>
+              </a:lnSpc>
+              <a:spcBef>
+                <a:spcPts val="0"/>
+              </a:spcBef>
+              <a:spcAft>
+                <a:spcPts val="0"/>
+              </a:spcAft>
               <a:buClr>
                 <a:schemeClr val="dk1"/>
               </a:buClr>
-              <a:buSzPct val="25000"/>
               <a:buFont typeface="Helvetica Neue"/>
               <a:buNone/>
-            </a:pPr>
+              <a:defRPr sz="1400" b="0" i="0" u="none" strike="noStrike" cap="none" baseline="0">
+                <a:solidFill>
+                  <a:srgbClr val="000000"/>
+                </a:solidFill>
+                <a:latin typeface="Arial"/>
+                <a:ea typeface="Arial"/>
+                <a:cs typeface="Arial"/>
+                <a:sym typeface="Arial"/>
+                <a:rtl val="0"/>
+              </a:defRPr>
+            </a:lvl1pPr>
+            <a:lvl2pPr marL="0" marR="0" indent="0" algn="l" rtl="0">
+              <a:lnSpc>
+                <a:spcPct val="100000"/>
+              </a:lnSpc>
+              <a:spcBef>
+                <a:spcPts val="0"/>
+              </a:spcBef>
+              <a:spcAft>
+                <a:spcPts val="0"/>
+              </a:spcAft>
+              <a:buClr>
+                <a:schemeClr val="dk1"/>
+              </a:buClr>
+              <a:buFont typeface="Helvetica Neue"/>
+              <a:buNone/>
+              <a:defRPr sz="1400" b="0" i="0" u="none" strike="noStrike" cap="none" baseline="0">
+                <a:solidFill>
+                  <a:srgbClr val="000000"/>
+                </a:solidFill>
+                <a:latin typeface="Arial"/>
+                <a:ea typeface="Arial"/>
+                <a:cs typeface="Arial"/>
+                <a:sym typeface="Arial"/>
+                <a:rtl val="0"/>
+              </a:defRPr>
+            </a:lvl2pPr>
+            <a:lvl3pPr marL="0" marR="0" indent="0" algn="l" rtl="0">
+              <a:spcBef>
+                <a:spcPts val="0"/>
+              </a:spcBef>
+              <a:spcAft>
+                <a:spcPts val="0"/>
+              </a:spcAft>
+              <a:defRPr/>
+            </a:lvl3pPr>
+            <a:lvl4pPr marL="0" marR="0" indent="0" algn="l" rtl="0">
+              <a:spcBef>
+                <a:spcPts val="0"/>
+              </a:spcBef>
+              <a:spcAft>
+                <a:spcPts val="0"/>
+              </a:spcAft>
+              <a:defRPr/>
+            </a:lvl4pPr>
+            <a:lvl5pPr marL="0" marR="0" indent="0" algn="l" rtl="0">
+              <a:spcBef>
+                <a:spcPts val="0"/>
+              </a:spcBef>
+              <a:spcAft>
+                <a:spcPts val="0"/>
+              </a:spcAft>
+              <a:defRPr/>
+            </a:lvl5pPr>
+            <a:lvl6pPr marL="457152" marR="0" indent="-12651" algn="l" rtl="0">
+              <a:spcBef>
+                <a:spcPts val="0"/>
+              </a:spcBef>
+              <a:spcAft>
+                <a:spcPts val="0"/>
+              </a:spcAft>
+              <a:defRPr/>
+            </a:lvl6pPr>
+            <a:lvl7pPr marL="914307" marR="0" indent="-12606" algn="l" rtl="0">
+              <a:spcBef>
+                <a:spcPts val="0"/>
+              </a:spcBef>
+              <a:spcAft>
+                <a:spcPts val="0"/>
+              </a:spcAft>
+              <a:defRPr/>
+            </a:lvl7pPr>
+            <a:lvl8pPr marL="1371460" marR="0" indent="-12559" algn="l" rtl="0">
+              <a:spcBef>
+                <a:spcPts val="0"/>
+              </a:spcBef>
+              <a:spcAft>
+                <a:spcPts val="0"/>
+              </a:spcAft>
+              <a:defRPr/>
+            </a:lvl8pPr>
+            <a:lvl9pPr marL="1828612" marR="0" indent="-12512" algn="l" rtl="0">
+              <a:spcBef>
+                <a:spcPts val="0"/>
+              </a:spcBef>
+              <a:spcAft>
+                <a:spcPts val="0"/>
+              </a:spcAft>
+              <a:defRPr/>
+            </a:lvl9pPr>
+          </a:lstStyle>
+          <a:p>
+            <a:pPr>
+              <a:buSzPct val="25000"/>
+            </a:pPr>
+            <a:r>
+              <a:rPr lang="en-US" sz="4400" dirty="0" err="1" smtClean="0">
+                <a:solidFill>
+                  <a:schemeClr val="dk1"/>
+                </a:solidFill>
+                <a:latin typeface="Helvetica Neue"/>
+                <a:ea typeface="Helvetica Neue"/>
+                <a:cs typeface="Helvetica Neue"/>
+                <a:sym typeface="Helvetica Neue"/>
+              </a:rPr>
+              <a:t>ToolMatch</a:t>
+            </a:r>
             <a:r>
               <a:rPr lang="en-US" sz="4400" dirty="0" smtClean="0">
                 <a:solidFill>
@@ -26642,7 +26488,7 @@
                 <a:cs typeface="Helvetica Neue"/>
                 <a:sym typeface="Helvetica Neue"/>
               </a:rPr>
-              <a:t>so…</a:t>
+              <a:t>: </a:t>
             </a:r>
             <a:br>
               <a:rPr lang="en-US" sz="4400" dirty="0" smtClean="0">
@@ -26665,7 +26511,7 @@
                 <a:cs typeface="Helvetica Neue"/>
                 <a:sym typeface="Helvetica Neue"/>
               </a:rPr>
-              <a:t>what is this sprint about?</a:t>
+              <a:t>fast forward</a:t>
             </a:r>
             <a:endParaRPr lang="en-US" sz="4400" dirty="0">
               <a:solidFill>
@@ -26679,165 +26525,892 @@
           </a:p>
         </p:txBody>
       </p:sp>
-      <p:sp>
-        <p:nvSpPr>
-          <p:cNvPr id="3" name="Rectangle 2"/>
-          <p:cNvSpPr/>
-          <p:nvPr/>
-        </p:nvSpPr>
-        <p:spPr>
-          <a:xfrm>
-            <a:off x="635000" y="2514600"/>
-            <a:ext cx="11811000" cy="5724644"/>
-          </a:xfrm>
-          <a:prstGeom prst="rect">
-            <a:avLst/>
-          </a:prstGeom>
-        </p:spPr>
-        <p:txBody>
-          <a:bodyPr wrap="square">
-            <a:spAutoFit/>
-          </a:bodyPr>
-          <a:lstStyle/>
-          <a:p>
-            <a:pPr latinLnBrk="1"/>
-            <a:r>
-              <a:rPr lang="en-US" sz="3200" dirty="0" smtClean="0">
-                <a:latin typeface="Helvetica Neue"/>
-              </a:rPr>
-              <a:t>Statements about experiences</a:t>
-            </a:r>
-          </a:p>
-          <a:p>
-            <a:pPr latinLnBrk="1"/>
-            <a:endParaRPr lang="en-US" sz="3200" dirty="0">
-              <a:latin typeface="Helvetica Neue"/>
-            </a:endParaRPr>
-          </a:p>
-          <a:p>
-            <a:pPr marL="457200" indent="-457200">
-              <a:buFont typeface="Arial" panose="020B0604020202020204" pitchFamily="34" charset="0"/>
-              <a:buChar char="•"/>
-            </a:pPr>
-            <a:r>
-              <a:rPr lang="en-GB" sz="3200" dirty="0">
-                <a:latin typeface="Helvetica Neue"/>
-              </a:rPr>
-              <a:t>re: what worked for you</a:t>
-            </a:r>
-            <a:r>
-              <a:rPr lang="en-GB" sz="3200" dirty="0" smtClean="0">
-                <a:latin typeface="Helvetica Neue"/>
-              </a:rPr>
-              <a:t>?</a:t>
-            </a:r>
-          </a:p>
-          <a:p>
-            <a:pPr marL="457200" indent="-457200">
-              <a:buFont typeface="Arial" panose="020B0604020202020204" pitchFamily="34" charset="0"/>
-              <a:buChar char="•"/>
-            </a:pPr>
-            <a:endParaRPr lang="en-GB" sz="3200" dirty="0" smtClean="0">
-              <a:latin typeface="Helvetica Neue"/>
-            </a:endParaRPr>
-          </a:p>
-          <a:p>
-            <a:pPr marL="457200" indent="-457200">
-              <a:buFont typeface="Arial" panose="020B0604020202020204" pitchFamily="34" charset="0"/>
-              <a:buChar char="•"/>
-            </a:pPr>
-            <a:r>
-              <a:rPr lang="en-GB" sz="3200" dirty="0" smtClean="0">
-                <a:latin typeface="Helvetica Neue"/>
-              </a:rPr>
-              <a:t>What</a:t>
-            </a:r>
-            <a:r>
-              <a:rPr lang="en-GB" sz="3200" dirty="0">
-                <a:latin typeface="Helvetica Neue"/>
-              </a:rPr>
-              <a:t>, despite your best efforts, did not?</a:t>
-            </a:r>
-          </a:p>
-          <a:p>
-            <a:endParaRPr lang="en-GB" sz="3200" dirty="0" smtClean="0">
-              <a:latin typeface="Helvetica Neue"/>
-            </a:endParaRPr>
-          </a:p>
-          <a:p>
-            <a:endParaRPr lang="en-GB" sz="3200" dirty="0">
-              <a:latin typeface="Helvetica Neue"/>
-            </a:endParaRPr>
-          </a:p>
-          <a:p>
-            <a:pPr marL="457200" indent="-457200">
-              <a:buFont typeface="Arial" panose="020B0604020202020204" pitchFamily="34" charset="0"/>
-              <a:buChar char="•"/>
-            </a:pPr>
-            <a:r>
-              <a:rPr lang="en-GB" sz="3200" dirty="0">
-                <a:latin typeface="Helvetica Neue"/>
-              </a:rPr>
-              <a:t>What has been unclear?  </a:t>
-            </a:r>
-          </a:p>
-          <a:p>
-            <a:pPr marL="457200" indent="-457200">
-              <a:buFont typeface="Arial" panose="020B0604020202020204" pitchFamily="34" charset="0"/>
-              <a:buChar char="•"/>
-            </a:pPr>
-            <a:endParaRPr lang="en-GB" sz="3200" dirty="0" smtClean="0">
-              <a:latin typeface="Helvetica Neue"/>
-            </a:endParaRPr>
-          </a:p>
-          <a:p>
-            <a:pPr marL="457200" indent="-457200">
-              <a:buFont typeface="Arial" panose="020B0604020202020204" pitchFamily="34" charset="0"/>
-              <a:buChar char="•"/>
-            </a:pPr>
-            <a:r>
-              <a:rPr lang="en-GB" sz="3200" dirty="0" smtClean="0">
-                <a:latin typeface="Helvetica Neue"/>
-              </a:rPr>
-              <a:t>What </a:t>
-            </a:r>
-            <a:r>
-              <a:rPr lang="en-GB" sz="3200" dirty="0">
-                <a:latin typeface="Helvetica Neue"/>
-              </a:rPr>
-              <a:t>data or tool have you had trouble locating? </a:t>
-            </a:r>
-          </a:p>
-          <a:p>
-            <a:endParaRPr lang="en-GB" sz="3200" dirty="0">
-              <a:latin typeface="Helvetica Neue"/>
-            </a:endParaRPr>
-          </a:p>
-          <a:p>
-            <a:pPr latinLnBrk="1"/>
-            <a:endParaRPr lang="en-US" dirty="0"/>
-          </a:p>
-        </p:txBody>
-      </p:sp>
     </p:spTree>
     <p:extLst>
       <p:ext uri="{BB962C8B-B14F-4D97-AF65-F5344CB8AC3E}">
-        <p14:creationId xmlns:p14="http://schemas.microsoft.com/office/powerpoint/2010/main" val="1659290224"/>
+        <p14:creationId xmlns:p14="http://schemas.microsoft.com/office/powerpoint/2010/main" val="1181674186"/>
       </p:ext>
     </p:extLst>
   </p:cSld>
   <p:clrMapOvr>
     <a:masterClrMapping/>
   </p:clrMapOvr>
-  <p:transition spd="slow">
-    <p:cut/>
-  </p:transition>
   <p:timing>
     <p:tnLst>
       <p:par>
-        <p:cTn id="1" dur="indefinite" restart="never" nodeType="tmRoot"/>
+        <p:cTn id="1" dur="indefinite" restart="never" nodeType="tmRoot">
+          <p:childTnLst>
+            <p:seq concurrent="1" nextAc="seek">
+              <p:cTn id="2" dur="indefinite" nodeType="mainSeq">
+                <p:childTnLst>
+                  <p:par>
+                    <p:cTn id="3" fill="hold">
+                      <p:stCondLst>
+                        <p:cond delay="indefinite"/>
+                      </p:stCondLst>
+                      <p:childTnLst>
+                        <p:par>
+                          <p:cTn id="4" fill="hold">
+                            <p:stCondLst>
+                              <p:cond delay="0"/>
+                            </p:stCondLst>
+                            <p:childTnLst>
+                              <p:par>
+                                <p:cTn id="5" presetID="1" presetClass="entr" presetSubtype="0" fill="hold" grpId="0" nodeType="clickEffect">
+                                  <p:stCondLst>
+                                    <p:cond delay="0"/>
+                                  </p:stCondLst>
+                                  <p:childTnLst>
+                                    <p:set>
+                                      <p:cBhvr>
+                                        <p:cTn id="6" dur="1" fill="hold">
+                                          <p:stCondLst>
+                                            <p:cond delay="0"/>
+                                          </p:stCondLst>
+                                        </p:cTn>
+                                        <p:tgtEl>
+                                          <p:spTgt spid="11"/>
+                                        </p:tgtEl>
+                                        <p:attrNameLst>
+                                          <p:attrName>style.visibility</p:attrName>
+                                        </p:attrNameLst>
+                                      </p:cBhvr>
+                                      <p:to>
+                                        <p:strVal val="visible"/>
+                                      </p:to>
+                                    </p:set>
+                                  </p:childTnLst>
+                                </p:cTn>
+                              </p:par>
+                            </p:childTnLst>
+                          </p:cTn>
+                        </p:par>
+                      </p:childTnLst>
+                    </p:cTn>
+                  </p:par>
+                  <p:par>
+                    <p:cTn id="7" fill="hold">
+                      <p:stCondLst>
+                        <p:cond delay="indefinite"/>
+                      </p:stCondLst>
+                      <p:childTnLst>
+                        <p:par>
+                          <p:cTn id="8" fill="hold">
+                            <p:stCondLst>
+                              <p:cond delay="0"/>
+                            </p:stCondLst>
+                            <p:childTnLst>
+                              <p:par>
+                                <p:cTn id="9" presetID="1" presetClass="entr" presetSubtype="0" fill="hold" grpId="0" nodeType="clickEffect">
+                                  <p:stCondLst>
+                                    <p:cond delay="0"/>
+                                  </p:stCondLst>
+                                  <p:childTnLst>
+                                    <p:set>
+                                      <p:cBhvr>
+                                        <p:cTn id="10" dur="1" fill="hold">
+                                          <p:stCondLst>
+                                            <p:cond delay="0"/>
+                                          </p:stCondLst>
+                                        </p:cTn>
+                                        <p:tgtEl>
+                                          <p:spTgt spid="29"/>
+                                        </p:tgtEl>
+                                        <p:attrNameLst>
+                                          <p:attrName>style.visibility</p:attrName>
+                                        </p:attrNameLst>
+                                      </p:cBhvr>
+                                      <p:to>
+                                        <p:strVal val="visible"/>
+                                      </p:to>
+                                    </p:set>
+                                  </p:childTnLst>
+                                </p:cTn>
+                              </p:par>
+                            </p:childTnLst>
+                          </p:cTn>
+                        </p:par>
+                      </p:childTnLst>
+                    </p:cTn>
+                  </p:par>
+                  <p:par>
+                    <p:cTn id="11" fill="hold">
+                      <p:stCondLst>
+                        <p:cond delay="indefinite"/>
+                      </p:stCondLst>
+                      <p:childTnLst>
+                        <p:par>
+                          <p:cTn id="12" fill="hold">
+                            <p:stCondLst>
+                              <p:cond delay="0"/>
+                            </p:stCondLst>
+                            <p:childTnLst>
+                              <p:par>
+                                <p:cTn id="13" presetID="1" presetClass="entr" presetSubtype="0" fill="hold" grpId="0" nodeType="clickEffect">
+                                  <p:stCondLst>
+                                    <p:cond delay="0"/>
+                                  </p:stCondLst>
+                                  <p:childTnLst>
+                                    <p:set>
+                                      <p:cBhvr>
+                                        <p:cTn id="14" dur="1" fill="hold">
+                                          <p:stCondLst>
+                                            <p:cond delay="0"/>
+                                          </p:stCondLst>
+                                        </p:cTn>
+                                        <p:tgtEl>
+                                          <p:spTgt spid="41"/>
+                                        </p:tgtEl>
+                                        <p:attrNameLst>
+                                          <p:attrName>style.visibility</p:attrName>
+                                        </p:attrNameLst>
+                                      </p:cBhvr>
+                                      <p:to>
+                                        <p:strVal val="visible"/>
+                                      </p:to>
+                                    </p:set>
+                                  </p:childTnLst>
+                                </p:cTn>
+                              </p:par>
+                              <p:par>
+                                <p:cTn id="15" presetID="1" presetClass="entr" presetSubtype="0" fill="hold" nodeType="withEffect">
+                                  <p:stCondLst>
+                                    <p:cond delay="0"/>
+                                  </p:stCondLst>
+                                  <p:childTnLst>
+                                    <p:set>
+                                      <p:cBhvr>
+                                        <p:cTn id="16" dur="1" fill="hold">
+                                          <p:stCondLst>
+                                            <p:cond delay="0"/>
+                                          </p:stCondLst>
+                                        </p:cTn>
+                                        <p:tgtEl>
+                                          <p:spTgt spid="38"/>
+                                        </p:tgtEl>
+                                        <p:attrNameLst>
+                                          <p:attrName>style.visibility</p:attrName>
+                                        </p:attrNameLst>
+                                      </p:cBhvr>
+                                      <p:to>
+                                        <p:strVal val="visible"/>
+                                      </p:to>
+                                    </p:set>
+                                  </p:childTnLst>
+                                </p:cTn>
+                              </p:par>
+                            </p:childTnLst>
+                          </p:cTn>
+                        </p:par>
+                      </p:childTnLst>
+                    </p:cTn>
+                  </p:par>
+                  <p:par>
+                    <p:cTn id="17" fill="hold">
+                      <p:stCondLst>
+                        <p:cond delay="indefinite"/>
+                      </p:stCondLst>
+                      <p:childTnLst>
+                        <p:par>
+                          <p:cTn id="18" fill="hold">
+                            <p:stCondLst>
+                              <p:cond delay="0"/>
+                            </p:stCondLst>
+                            <p:childTnLst>
+                              <p:par>
+                                <p:cTn id="19" presetID="1" presetClass="entr" presetSubtype="0" fill="hold" nodeType="clickEffect">
+                                  <p:stCondLst>
+                                    <p:cond delay="0"/>
+                                  </p:stCondLst>
+                                  <p:childTnLst>
+                                    <p:set>
+                                      <p:cBhvr>
+                                        <p:cTn id="20" dur="1" fill="hold">
+                                          <p:stCondLst>
+                                            <p:cond delay="0"/>
+                                          </p:stCondLst>
+                                        </p:cTn>
+                                        <p:tgtEl>
+                                          <p:spTgt spid="46"/>
+                                        </p:tgtEl>
+                                        <p:attrNameLst>
+                                          <p:attrName>style.visibility</p:attrName>
+                                        </p:attrNameLst>
+                                      </p:cBhvr>
+                                      <p:to>
+                                        <p:strVal val="visible"/>
+                                      </p:to>
+                                    </p:set>
+                                  </p:childTnLst>
+                                </p:cTn>
+                              </p:par>
+                              <p:par>
+                                <p:cTn id="21" presetID="1" presetClass="entr" presetSubtype="0" fill="hold" grpId="0" nodeType="withEffect">
+                                  <p:stCondLst>
+                                    <p:cond delay="0"/>
+                                  </p:stCondLst>
+                                  <p:childTnLst>
+                                    <p:set>
+                                      <p:cBhvr>
+                                        <p:cTn id="22" dur="1" fill="hold">
+                                          <p:stCondLst>
+                                            <p:cond delay="0"/>
+                                          </p:stCondLst>
+                                        </p:cTn>
+                                        <p:tgtEl>
+                                          <p:spTgt spid="42"/>
+                                        </p:tgtEl>
+                                        <p:attrNameLst>
+                                          <p:attrName>style.visibility</p:attrName>
+                                        </p:attrNameLst>
+                                      </p:cBhvr>
+                                      <p:to>
+                                        <p:strVal val="visible"/>
+                                      </p:to>
+                                    </p:set>
+                                  </p:childTnLst>
+                                </p:cTn>
+                              </p:par>
+                              <p:par>
+                                <p:cTn id="23" presetID="1" presetClass="entr" presetSubtype="0" fill="hold" grpId="0" nodeType="withEffect">
+                                  <p:stCondLst>
+                                    <p:cond delay="0"/>
+                                  </p:stCondLst>
+                                  <p:childTnLst>
+                                    <p:set>
+                                      <p:cBhvr>
+                                        <p:cTn id="24" dur="1" fill="hold">
+                                          <p:stCondLst>
+                                            <p:cond delay="0"/>
+                                          </p:stCondLst>
+                                        </p:cTn>
+                                        <p:tgtEl>
+                                          <p:spTgt spid="84"/>
+                                        </p:tgtEl>
+                                        <p:attrNameLst>
+                                          <p:attrName>style.visibility</p:attrName>
+                                        </p:attrNameLst>
+                                      </p:cBhvr>
+                                      <p:to>
+                                        <p:strVal val="visible"/>
+                                      </p:to>
+                                    </p:set>
+                                  </p:childTnLst>
+                                </p:cTn>
+                              </p:par>
+                            </p:childTnLst>
+                          </p:cTn>
+                        </p:par>
+                      </p:childTnLst>
+                    </p:cTn>
+                  </p:par>
+                  <p:par>
+                    <p:cTn id="25" fill="hold">
+                      <p:stCondLst>
+                        <p:cond delay="indefinite"/>
+                      </p:stCondLst>
+                      <p:childTnLst>
+                        <p:par>
+                          <p:cTn id="26" fill="hold">
+                            <p:stCondLst>
+                              <p:cond delay="0"/>
+                            </p:stCondLst>
+                            <p:childTnLst>
+                              <p:par>
+                                <p:cTn id="27" presetID="10" presetClass="entr" presetSubtype="0" fill="hold" grpId="0" nodeType="clickEffect">
+                                  <p:stCondLst>
+                                    <p:cond delay="0"/>
+                                  </p:stCondLst>
+                                  <p:childTnLst>
+                                    <p:set>
+                                      <p:cBhvr>
+                                        <p:cTn id="28" dur="1" fill="hold">
+                                          <p:stCondLst>
+                                            <p:cond delay="0"/>
+                                          </p:stCondLst>
+                                        </p:cTn>
+                                        <p:tgtEl>
+                                          <p:spTgt spid="21"/>
+                                        </p:tgtEl>
+                                        <p:attrNameLst>
+                                          <p:attrName>style.visibility</p:attrName>
+                                        </p:attrNameLst>
+                                      </p:cBhvr>
+                                      <p:to>
+                                        <p:strVal val="visible"/>
+                                      </p:to>
+                                    </p:set>
+                                    <p:animEffect transition="in" filter="fade">
+                                      <p:cBhvr>
+                                        <p:cTn id="29" dur="500"/>
+                                        <p:tgtEl>
+                                          <p:spTgt spid="21"/>
+                                        </p:tgtEl>
+                                      </p:cBhvr>
+                                    </p:animEffect>
+                                  </p:childTnLst>
+                                </p:cTn>
+                              </p:par>
+                              <p:par>
+                                <p:cTn id="30" presetID="10" presetClass="entr" presetSubtype="0" fill="hold" nodeType="withEffect">
+                                  <p:stCondLst>
+                                    <p:cond delay="0"/>
+                                  </p:stCondLst>
+                                  <p:childTnLst>
+                                    <p:set>
+                                      <p:cBhvr>
+                                        <p:cTn id="31" dur="1" fill="hold">
+                                          <p:stCondLst>
+                                            <p:cond delay="0"/>
+                                          </p:stCondLst>
+                                        </p:cTn>
+                                        <p:tgtEl>
+                                          <p:spTgt spid="43"/>
+                                        </p:tgtEl>
+                                        <p:attrNameLst>
+                                          <p:attrName>style.visibility</p:attrName>
+                                        </p:attrNameLst>
+                                      </p:cBhvr>
+                                      <p:to>
+                                        <p:strVal val="visible"/>
+                                      </p:to>
+                                    </p:set>
+                                    <p:animEffect transition="in" filter="fade">
+                                      <p:cBhvr>
+                                        <p:cTn id="32" dur="500"/>
+                                        <p:tgtEl>
+                                          <p:spTgt spid="43"/>
+                                        </p:tgtEl>
+                                      </p:cBhvr>
+                                    </p:animEffect>
+                                  </p:childTnLst>
+                                </p:cTn>
+                              </p:par>
+                              <p:par>
+                                <p:cTn id="33" presetID="10" presetClass="entr" presetSubtype="0" fill="hold" grpId="0" nodeType="withEffect">
+                                  <p:stCondLst>
+                                    <p:cond delay="0"/>
+                                  </p:stCondLst>
+                                  <p:childTnLst>
+                                    <p:set>
+                                      <p:cBhvr>
+                                        <p:cTn id="34" dur="1" fill="hold">
+                                          <p:stCondLst>
+                                            <p:cond delay="0"/>
+                                          </p:stCondLst>
+                                        </p:cTn>
+                                        <p:tgtEl>
+                                          <p:spTgt spid="17"/>
+                                        </p:tgtEl>
+                                        <p:attrNameLst>
+                                          <p:attrName>style.visibility</p:attrName>
+                                        </p:attrNameLst>
+                                      </p:cBhvr>
+                                      <p:to>
+                                        <p:strVal val="visible"/>
+                                      </p:to>
+                                    </p:set>
+                                    <p:animEffect transition="in" filter="fade">
+                                      <p:cBhvr>
+                                        <p:cTn id="35" dur="500"/>
+                                        <p:tgtEl>
+                                          <p:spTgt spid="17"/>
+                                        </p:tgtEl>
+                                      </p:cBhvr>
+                                    </p:animEffect>
+                                  </p:childTnLst>
+                                </p:cTn>
+                              </p:par>
+                            </p:childTnLst>
+                          </p:cTn>
+                        </p:par>
+                      </p:childTnLst>
+                    </p:cTn>
+                  </p:par>
+                  <p:par>
+                    <p:cTn id="36" fill="hold">
+                      <p:stCondLst>
+                        <p:cond delay="indefinite"/>
+                      </p:stCondLst>
+                      <p:childTnLst>
+                        <p:par>
+                          <p:cTn id="37" fill="hold">
+                            <p:stCondLst>
+                              <p:cond delay="0"/>
+                            </p:stCondLst>
+                            <p:childTnLst>
+                              <p:par>
+                                <p:cTn id="38" presetID="1" presetClass="entr" presetSubtype="0" fill="hold" grpId="0" nodeType="clickEffect">
+                                  <p:stCondLst>
+                                    <p:cond delay="0"/>
+                                  </p:stCondLst>
+                                  <p:childTnLst>
+                                    <p:set>
+                                      <p:cBhvr>
+                                        <p:cTn id="39" dur="1" fill="hold">
+                                          <p:stCondLst>
+                                            <p:cond delay="0"/>
+                                          </p:stCondLst>
+                                        </p:cTn>
+                                        <p:tgtEl>
+                                          <p:spTgt spid="4"/>
+                                        </p:tgtEl>
+                                        <p:attrNameLst>
+                                          <p:attrName>style.visibility</p:attrName>
+                                        </p:attrNameLst>
+                                      </p:cBhvr>
+                                      <p:to>
+                                        <p:strVal val="visible"/>
+                                      </p:to>
+                                    </p:set>
+                                  </p:childTnLst>
+                                </p:cTn>
+                              </p:par>
+                            </p:childTnLst>
+                          </p:cTn>
+                        </p:par>
+                      </p:childTnLst>
+                    </p:cTn>
+                  </p:par>
+                  <p:par>
+                    <p:cTn id="40" fill="hold">
+                      <p:stCondLst>
+                        <p:cond delay="indefinite"/>
+                      </p:stCondLst>
+                      <p:childTnLst>
+                        <p:par>
+                          <p:cTn id="41" fill="hold">
+                            <p:stCondLst>
+                              <p:cond delay="0"/>
+                            </p:stCondLst>
+                            <p:childTnLst>
+                              <p:par>
+                                <p:cTn id="42" presetID="1" presetClass="entr" presetSubtype="0" fill="hold" grpId="0" nodeType="clickEffect">
+                                  <p:stCondLst>
+                                    <p:cond delay="0"/>
+                                  </p:stCondLst>
+                                  <p:childTnLst>
+                                    <p:set>
+                                      <p:cBhvr>
+                                        <p:cTn id="43" dur="1" fill="hold">
+                                          <p:stCondLst>
+                                            <p:cond delay="0"/>
+                                          </p:stCondLst>
+                                        </p:cTn>
+                                        <p:tgtEl>
+                                          <p:spTgt spid="6"/>
+                                        </p:tgtEl>
+                                        <p:attrNameLst>
+                                          <p:attrName>style.visibility</p:attrName>
+                                        </p:attrNameLst>
+                                      </p:cBhvr>
+                                      <p:to>
+                                        <p:strVal val="visible"/>
+                                      </p:to>
+                                    </p:set>
+                                  </p:childTnLst>
+                                </p:cTn>
+                              </p:par>
+                            </p:childTnLst>
+                          </p:cTn>
+                        </p:par>
+                      </p:childTnLst>
+                    </p:cTn>
+                  </p:par>
+                  <p:par>
+                    <p:cTn id="44" fill="hold">
+                      <p:stCondLst>
+                        <p:cond delay="indefinite"/>
+                      </p:stCondLst>
+                      <p:childTnLst>
+                        <p:par>
+                          <p:cTn id="45" fill="hold">
+                            <p:stCondLst>
+                              <p:cond delay="0"/>
+                            </p:stCondLst>
+                            <p:childTnLst>
+                              <p:par>
+                                <p:cTn id="46" presetID="1" presetClass="entr" presetSubtype="0" fill="hold" nodeType="clickEffect">
+                                  <p:stCondLst>
+                                    <p:cond delay="0"/>
+                                  </p:stCondLst>
+                                  <p:childTnLst>
+                                    <p:set>
+                                      <p:cBhvr>
+                                        <p:cTn id="47" dur="1" fill="hold">
+                                          <p:stCondLst>
+                                            <p:cond delay="0"/>
+                                          </p:stCondLst>
+                                        </p:cTn>
+                                        <p:tgtEl>
+                                          <p:spTgt spid="8"/>
+                                        </p:tgtEl>
+                                        <p:attrNameLst>
+                                          <p:attrName>style.visibility</p:attrName>
+                                        </p:attrNameLst>
+                                      </p:cBhvr>
+                                      <p:to>
+                                        <p:strVal val="visible"/>
+                                      </p:to>
+                                    </p:set>
+                                  </p:childTnLst>
+                                </p:cTn>
+                              </p:par>
+                              <p:par>
+                                <p:cTn id="48" presetID="1" presetClass="entr" presetSubtype="0" fill="hold" grpId="0" nodeType="withEffect">
+                                  <p:stCondLst>
+                                    <p:cond delay="0"/>
+                                  </p:stCondLst>
+                                  <p:childTnLst>
+                                    <p:set>
+                                      <p:cBhvr>
+                                        <p:cTn id="49" dur="1" fill="hold">
+                                          <p:stCondLst>
+                                            <p:cond delay="0"/>
+                                          </p:stCondLst>
+                                        </p:cTn>
+                                        <p:tgtEl>
+                                          <p:spTgt spid="9"/>
+                                        </p:tgtEl>
+                                        <p:attrNameLst>
+                                          <p:attrName>style.visibility</p:attrName>
+                                        </p:attrNameLst>
+                                      </p:cBhvr>
+                                      <p:to>
+                                        <p:strVal val="visible"/>
+                                      </p:to>
+                                    </p:set>
+                                  </p:childTnLst>
+                                </p:cTn>
+                              </p:par>
+                            </p:childTnLst>
+                          </p:cTn>
+                        </p:par>
+                      </p:childTnLst>
+                    </p:cTn>
+                  </p:par>
+                  <p:par>
+                    <p:cTn id="50" fill="hold">
+                      <p:stCondLst>
+                        <p:cond delay="indefinite"/>
+                      </p:stCondLst>
+                      <p:childTnLst>
+                        <p:par>
+                          <p:cTn id="51" fill="hold">
+                            <p:stCondLst>
+                              <p:cond delay="0"/>
+                            </p:stCondLst>
+                            <p:childTnLst>
+                              <p:par>
+                                <p:cTn id="52" presetID="1" presetClass="entr" presetSubtype="0" fill="hold" grpId="0" nodeType="clickEffect">
+                                  <p:stCondLst>
+                                    <p:cond delay="0"/>
+                                  </p:stCondLst>
+                                  <p:childTnLst>
+                                    <p:set>
+                                      <p:cBhvr>
+                                        <p:cTn id="53" dur="1" fill="hold">
+                                          <p:stCondLst>
+                                            <p:cond delay="0"/>
+                                          </p:stCondLst>
+                                        </p:cTn>
+                                        <p:tgtEl>
+                                          <p:spTgt spid="83"/>
+                                        </p:tgtEl>
+                                        <p:attrNameLst>
+                                          <p:attrName>style.visibility</p:attrName>
+                                        </p:attrNameLst>
+                                      </p:cBhvr>
+                                      <p:to>
+                                        <p:strVal val="visible"/>
+                                      </p:to>
+                                    </p:set>
+                                  </p:childTnLst>
+                                </p:cTn>
+                              </p:par>
+                              <p:par>
+                                <p:cTn id="54" presetID="1" presetClass="entr" presetSubtype="0" fill="hold" nodeType="withEffect">
+                                  <p:stCondLst>
+                                    <p:cond delay="0"/>
+                                  </p:stCondLst>
+                                  <p:childTnLst>
+                                    <p:set>
+                                      <p:cBhvr>
+                                        <p:cTn id="55" dur="1" fill="hold">
+                                          <p:stCondLst>
+                                            <p:cond delay="0"/>
+                                          </p:stCondLst>
+                                        </p:cTn>
+                                        <p:tgtEl>
+                                          <p:spTgt spid="77"/>
+                                        </p:tgtEl>
+                                        <p:attrNameLst>
+                                          <p:attrName>style.visibility</p:attrName>
+                                        </p:attrNameLst>
+                                      </p:cBhvr>
+                                      <p:to>
+                                        <p:strVal val="visible"/>
+                                      </p:to>
+                                    </p:set>
+                                  </p:childTnLst>
+                                </p:cTn>
+                              </p:par>
+                            </p:childTnLst>
+                          </p:cTn>
+                        </p:par>
+                      </p:childTnLst>
+                    </p:cTn>
+                  </p:par>
+                  <p:par>
+                    <p:cTn id="56" fill="hold">
+                      <p:stCondLst>
+                        <p:cond delay="indefinite"/>
+                      </p:stCondLst>
+                      <p:childTnLst>
+                        <p:par>
+                          <p:cTn id="57" fill="hold">
+                            <p:stCondLst>
+                              <p:cond delay="0"/>
+                            </p:stCondLst>
+                            <p:childTnLst>
+                              <p:par>
+                                <p:cTn id="58" presetID="1" presetClass="entr" presetSubtype="0" fill="hold" grpId="0" nodeType="clickEffect">
+                                  <p:stCondLst>
+                                    <p:cond delay="0"/>
+                                  </p:stCondLst>
+                                  <p:childTnLst>
+                                    <p:set>
+                                      <p:cBhvr>
+                                        <p:cTn id="59" dur="1" fill="hold">
+                                          <p:stCondLst>
+                                            <p:cond delay="0"/>
+                                          </p:stCondLst>
+                                        </p:cTn>
+                                        <p:tgtEl>
+                                          <p:spTgt spid="26"/>
+                                        </p:tgtEl>
+                                        <p:attrNameLst>
+                                          <p:attrName>style.visibility</p:attrName>
+                                        </p:attrNameLst>
+                                      </p:cBhvr>
+                                      <p:to>
+                                        <p:strVal val="visible"/>
+                                      </p:to>
+                                    </p:set>
+                                  </p:childTnLst>
+                                </p:cTn>
+                              </p:par>
+                              <p:par>
+                                <p:cTn id="60" presetID="1" presetClass="entr" presetSubtype="0" fill="hold" nodeType="withEffect">
+                                  <p:stCondLst>
+                                    <p:cond delay="0"/>
+                                  </p:stCondLst>
+                                  <p:childTnLst>
+                                    <p:set>
+                                      <p:cBhvr>
+                                        <p:cTn id="61" dur="1" fill="hold">
+                                          <p:stCondLst>
+                                            <p:cond delay="0"/>
+                                          </p:stCondLst>
+                                        </p:cTn>
+                                        <p:tgtEl>
+                                          <p:spTgt spid="22"/>
+                                        </p:tgtEl>
+                                        <p:attrNameLst>
+                                          <p:attrName>style.visibility</p:attrName>
+                                        </p:attrNameLst>
+                                      </p:cBhvr>
+                                      <p:to>
+                                        <p:strVal val="visible"/>
+                                      </p:to>
+                                    </p:set>
+                                  </p:childTnLst>
+                                </p:cTn>
+                              </p:par>
+                            </p:childTnLst>
+                          </p:cTn>
+                        </p:par>
+                      </p:childTnLst>
+                    </p:cTn>
+                  </p:par>
+                  <p:par>
+                    <p:cTn id="62" fill="hold">
+                      <p:stCondLst>
+                        <p:cond delay="indefinite"/>
+                      </p:stCondLst>
+                      <p:childTnLst>
+                        <p:par>
+                          <p:cTn id="63" fill="hold">
+                            <p:stCondLst>
+                              <p:cond delay="0"/>
+                            </p:stCondLst>
+                            <p:childTnLst>
+                              <p:par>
+                                <p:cTn id="64" presetID="1" presetClass="entr" presetSubtype="0" fill="hold" nodeType="clickEffect">
+                                  <p:stCondLst>
+                                    <p:cond delay="0"/>
+                                  </p:stCondLst>
+                                  <p:childTnLst>
+                                    <p:set>
+                                      <p:cBhvr>
+                                        <p:cTn id="65" dur="1" fill="hold">
+                                          <p:stCondLst>
+                                            <p:cond delay="0"/>
+                                          </p:stCondLst>
+                                        </p:cTn>
+                                        <p:tgtEl>
+                                          <p:spTgt spid="61"/>
+                                        </p:tgtEl>
+                                        <p:attrNameLst>
+                                          <p:attrName>style.visibility</p:attrName>
+                                        </p:attrNameLst>
+                                      </p:cBhvr>
+                                      <p:to>
+                                        <p:strVal val="visible"/>
+                                      </p:to>
+                                    </p:set>
+                                  </p:childTnLst>
+                                </p:cTn>
+                              </p:par>
+                            </p:childTnLst>
+                          </p:cTn>
+                        </p:par>
+                      </p:childTnLst>
+                    </p:cTn>
+                  </p:par>
+                  <p:par>
+                    <p:cTn id="66" fill="hold">
+                      <p:stCondLst>
+                        <p:cond delay="indefinite"/>
+                      </p:stCondLst>
+                      <p:childTnLst>
+                        <p:par>
+                          <p:cTn id="67" fill="hold">
+                            <p:stCondLst>
+                              <p:cond delay="0"/>
+                            </p:stCondLst>
+                            <p:childTnLst>
+                              <p:par>
+                                <p:cTn id="68" presetID="1" presetClass="entr" presetSubtype="0" fill="hold" nodeType="clickEffect">
+                                  <p:stCondLst>
+                                    <p:cond delay="0"/>
+                                  </p:stCondLst>
+                                  <p:childTnLst>
+                                    <p:set>
+                                      <p:cBhvr>
+                                        <p:cTn id="69" dur="1" fill="hold">
+                                          <p:stCondLst>
+                                            <p:cond delay="0"/>
+                                          </p:stCondLst>
+                                        </p:cTn>
+                                        <p:tgtEl>
+                                          <p:spTgt spid="66"/>
+                                        </p:tgtEl>
+                                        <p:attrNameLst>
+                                          <p:attrName>style.visibility</p:attrName>
+                                        </p:attrNameLst>
+                                      </p:cBhvr>
+                                      <p:to>
+                                        <p:strVal val="visible"/>
+                                      </p:to>
+                                    </p:set>
+                                  </p:childTnLst>
+                                </p:cTn>
+                              </p:par>
+                            </p:childTnLst>
+                          </p:cTn>
+                        </p:par>
+                      </p:childTnLst>
+                    </p:cTn>
+                  </p:par>
+                  <p:par>
+                    <p:cTn id="70" fill="hold">
+                      <p:stCondLst>
+                        <p:cond delay="indefinite"/>
+                      </p:stCondLst>
+                      <p:childTnLst>
+                        <p:par>
+                          <p:cTn id="71" fill="hold">
+                            <p:stCondLst>
+                              <p:cond delay="0"/>
+                            </p:stCondLst>
+                            <p:childTnLst>
+                              <p:par>
+                                <p:cTn id="72" presetID="10" presetClass="entr" presetSubtype="0" fill="hold" nodeType="clickEffect">
+                                  <p:stCondLst>
+                                    <p:cond delay="0"/>
+                                  </p:stCondLst>
+                                  <p:childTnLst>
+                                    <p:set>
+                                      <p:cBhvr>
+                                        <p:cTn id="73" dur="1" fill="hold">
+                                          <p:stCondLst>
+                                            <p:cond delay="0"/>
+                                          </p:stCondLst>
+                                        </p:cTn>
+                                        <p:tgtEl>
+                                          <p:spTgt spid="86"/>
+                                        </p:tgtEl>
+                                        <p:attrNameLst>
+                                          <p:attrName>style.visibility</p:attrName>
+                                        </p:attrNameLst>
+                                      </p:cBhvr>
+                                      <p:to>
+                                        <p:strVal val="visible"/>
+                                      </p:to>
+                                    </p:set>
+                                    <p:animEffect transition="in" filter="fade">
+                                      <p:cBhvr>
+                                        <p:cTn id="74" dur="500"/>
+                                        <p:tgtEl>
+                                          <p:spTgt spid="86"/>
+                                        </p:tgtEl>
+                                      </p:cBhvr>
+                                    </p:animEffect>
+                                  </p:childTnLst>
+                                </p:cTn>
+                              </p:par>
+                            </p:childTnLst>
+                          </p:cTn>
+                        </p:par>
+                      </p:childTnLst>
+                    </p:cTn>
+                  </p:par>
+                </p:childTnLst>
+              </p:cTn>
+              <p:prevCondLst>
+                <p:cond evt="onPrev" delay="0">
+                  <p:tgtEl>
+                    <p:sldTgt/>
+                  </p:tgtEl>
+                </p:cond>
+              </p:prevCondLst>
+              <p:nextCondLst>
+                <p:cond evt="onNext" delay="0">
+                  <p:tgtEl>
+                    <p:sldTgt/>
+                  </p:tgtEl>
+                </p:cond>
+              </p:nextCondLst>
+            </p:seq>
+          </p:childTnLst>
+        </p:cTn>
       </p:par>
     </p:tnLst>
+    <p:bldLst>
+      <p:bldP spid="4" grpId="0" animBg="1"/>
+      <p:bldP spid="6" grpId="0" animBg="1"/>
+      <p:bldP spid="9" grpId="0"/>
+      <p:bldP spid="11" grpId="0" animBg="1"/>
+      <p:bldP spid="17" grpId="0" animBg="1"/>
+      <p:bldP spid="21" grpId="0"/>
+      <p:bldP spid="26" grpId="0"/>
+      <p:bldP spid="29" grpId="0" animBg="1"/>
+      <p:bldP spid="41" grpId="0"/>
+      <p:bldP spid="42" grpId="0"/>
+      <p:bldP spid="83" grpId="0"/>
+      <p:bldP spid="84" grpId="0" animBg="1"/>
+    </p:bldLst>
   </p:timing>
 </p:sld>
 </file>

--- a/2016ESIPSprint/ToolMatch_Sprint_ESIPSummer2016_v2.pptx
+++ b/2016ESIPSprint/ToolMatch_Sprint_ESIPSummer2016_v2.pptx
@@ -1,32 +1,30 @@
 
 <file path=ppt/presentation.xml><?xml version="1.0" encoding="utf-8"?>
-<p:presentation xmlns:a="http://schemas.openxmlformats.org/drawingml/2006/main" xmlns:r="http://schemas.openxmlformats.org/officeDocument/2006/relationships" xmlns:p="http://schemas.openxmlformats.org/presentationml/2006/main" strictFirstAndLastChars="0" saveSubsetFonts="1" autoCompressPictures="0">
+<p:presentation xmlns:a="http://schemas.openxmlformats.org/drawingml/2006/main" xmlns:r="http://schemas.openxmlformats.org/officeDocument/2006/relationships" xmlns:p="http://schemas.openxmlformats.org/presentationml/2006/main" showSpecialPlsOnTitleSld="0" strictFirstAndLastChars="0" saveSubsetFonts="1" autoCompressPictures="0">
   <p:sldMasterIdLst>
     <p:sldMasterId id="2147483668" r:id="rId1"/>
     <p:sldMasterId id="2147483669" r:id="rId2"/>
   </p:sldMasterIdLst>
   <p:notesMasterIdLst>
-    <p:notesMasterId r:id="rId21"/>
+    <p:notesMasterId r:id="rId19"/>
   </p:notesMasterIdLst>
   <p:sldIdLst>
     <p:sldId id="256" r:id="rId3"/>
     <p:sldId id="291" r:id="rId4"/>
-    <p:sldId id="309" r:id="rId5"/>
-    <p:sldId id="311" r:id="rId6"/>
-    <p:sldId id="313" r:id="rId7"/>
-    <p:sldId id="312" r:id="rId8"/>
-    <p:sldId id="305" r:id="rId9"/>
-    <p:sldId id="310" r:id="rId10"/>
-    <p:sldId id="320" r:id="rId11"/>
-    <p:sldId id="303" r:id="rId12"/>
-    <p:sldId id="315" r:id="rId13"/>
-    <p:sldId id="316" r:id="rId14"/>
-    <p:sldId id="307" r:id="rId15"/>
-    <p:sldId id="306" r:id="rId16"/>
-    <p:sldId id="318" r:id="rId17"/>
-    <p:sldId id="314" r:id="rId18"/>
-    <p:sldId id="280" r:id="rId19"/>
-    <p:sldId id="319" r:id="rId20"/>
+    <p:sldId id="311" r:id="rId5"/>
+    <p:sldId id="313" r:id="rId6"/>
+    <p:sldId id="312" r:id="rId7"/>
+    <p:sldId id="305" r:id="rId8"/>
+    <p:sldId id="310" r:id="rId9"/>
+    <p:sldId id="320" r:id="rId10"/>
+    <p:sldId id="303" r:id="rId11"/>
+    <p:sldId id="316" r:id="rId12"/>
+    <p:sldId id="307" r:id="rId13"/>
+    <p:sldId id="306" r:id="rId14"/>
+    <p:sldId id="318" r:id="rId15"/>
+    <p:sldId id="314" r:id="rId16"/>
+    <p:sldId id="280" r:id="rId17"/>
+    <p:sldId id="319" r:id="rId18"/>
   </p:sldIdLst>
   <p:sldSz cx="13004800" cy="9753600"/>
   <p:notesSz cx="6858000" cy="9144000"/>
@@ -1025,7 +1023,28 @@
             </a:pPr>
             <a:r>
               <a:rPr lang="en-GB" sz="1800" b="0" i="0" u="none" strike="noStrike" cap="none" baseline="0" dirty="0" smtClean="0"/>
-              <a:t>add NASA and Ronin Inst.?</a:t>
+              <a:t>Thanks for attending our sprint.  </a:t>
+            </a:r>
+          </a:p>
+          <a:p>
+            <a:pPr marL="0" marR="0" lvl="0" indent="0" algn="l" rtl="0">
+              <a:spcBef>
+                <a:spcPts val="0"/>
+              </a:spcBef>
+              <a:buNone/>
+            </a:pPr>
+            <a:endParaRPr lang="en-GB" sz="1800" b="0" i="0" u="none" strike="noStrike" cap="none" baseline="0" dirty="0" smtClean="0"/>
+          </a:p>
+          <a:p>
+            <a:pPr marL="0" marR="0" lvl="0" indent="0" algn="l" rtl="0">
+              <a:spcBef>
+                <a:spcPts val="0"/>
+              </a:spcBef>
+              <a:buNone/>
+            </a:pPr>
+            <a:r>
+              <a:rPr lang="en-GB" sz="1800" b="0" i="0" u="none" strike="noStrike" cap="none" baseline="0" dirty="0" smtClean="0"/>
+              <a:t>first, background and history</a:t>
             </a:r>
             <a:endParaRPr sz="1800" b="0" i="0" u="none" strike="noStrike" cap="none" baseline="0" dirty="0"/>
           </a:p>
@@ -1186,8 +1205,17 @@
               <a:rPr lang="en-GB" sz="1200" dirty="0" smtClean="0">
                 <a:latin typeface="Helvetica Neue"/>
               </a:rPr>
-              <a:t>Be more descriptive here (from Soren) </a:t>
+              <a:t>I mostly use data from Giovanni</a:t>
             </a:r>
+            <a:r>
+              <a:rPr lang="en-GB" sz="1200" baseline="0" dirty="0" smtClean="0">
+                <a:latin typeface="Helvetica Neue"/>
+              </a:rPr>
+              <a:t> because….</a:t>
+            </a:r>
+            <a:endParaRPr lang="en-GB" sz="1200" dirty="0" smtClean="0">
+              <a:latin typeface="Helvetica Neue"/>
+            </a:endParaRPr>
           </a:p>
           <a:p>
             <a:pPr lvl="0" rtl="0">
@@ -1260,278 +1288,6 @@
 </file>
 
 <file path=ppt/notesSlides/notesSlide11.xml><?xml version="1.0" encoding="utf-8"?>
-<p:notes xmlns:a="http://schemas.openxmlformats.org/drawingml/2006/main" xmlns:r="http://schemas.openxmlformats.org/officeDocument/2006/relationships" xmlns:p="http://schemas.openxmlformats.org/presentationml/2006/main" showMasterSp="0" showMasterPhAnim="0">
-  <p:cSld>
-    <p:spTree>
-      <p:nvGrpSpPr>
-        <p:cNvPr id="1" name="Shape 311"/>
-        <p:cNvGrpSpPr/>
-        <p:nvPr/>
-      </p:nvGrpSpPr>
-      <p:grpSpPr>
-        <a:xfrm>
-          <a:off x="0" y="0"/>
-          <a:ext cx="0" cy="0"/>
-          <a:chOff x="0" y="0"/>
-          <a:chExt cx="0" cy="0"/>
-        </a:xfrm>
-      </p:grpSpPr>
-      <p:sp>
-        <p:nvSpPr>
-          <p:cNvPr id="312" name="Shape 312"/>
-          <p:cNvSpPr txBox="1">
-            <a:spLocks noGrp="1"/>
-          </p:cNvSpPr>
-          <p:nvPr>
-            <p:ph type="body" idx="1"/>
-          </p:nvPr>
-        </p:nvSpPr>
-        <p:spPr>
-          <a:xfrm>
-            <a:off x="685800" y="4343400"/>
-            <a:ext cx="5486399" cy="4114800"/>
-          </a:xfrm>
-          <a:prstGeom prst="rect">
-            <a:avLst/>
-          </a:prstGeom>
-        </p:spPr>
-        <p:txBody>
-          <a:bodyPr lIns="91425" tIns="91425" rIns="91425" bIns="91425" anchor="ctr" anchorCtr="0">
-            <a:noAutofit/>
-          </a:bodyPr>
-          <a:lstStyle/>
-          <a:p>
-            <a:pPr marL="0" marR="0" lvl="0" indent="0" algn="l" defTabSz="914400" rtl="0" eaLnBrk="1" fontAlgn="auto" latinLnBrk="0" hangingPunct="1">
-              <a:lnSpc>
-                <a:spcPct val="100000"/>
-              </a:lnSpc>
-              <a:spcBef>
-                <a:spcPts val="0"/>
-              </a:spcBef>
-              <a:spcAft>
-                <a:spcPts val="0"/>
-              </a:spcAft>
-              <a:buClrTx/>
-              <a:buSzTx/>
-              <a:buFontTx/>
-              <a:buNone/>
-              <a:tabLst/>
-              <a:defRPr/>
-            </a:pPr>
-            <a:r>
-              <a:rPr lang="en-GB" sz="1200" dirty="0" smtClean="0">
-                <a:latin typeface="Helvetica Neue"/>
-              </a:rPr>
-              <a:t>Be more descriptive here (from Soren) </a:t>
-            </a:r>
-          </a:p>
-          <a:p>
-            <a:pPr lvl="0" rtl="0">
-              <a:spcBef>
-                <a:spcPts val="0"/>
-              </a:spcBef>
-              <a:buNone/>
-            </a:pPr>
-            <a:endParaRPr dirty="0"/>
-          </a:p>
-        </p:txBody>
-      </p:sp>
-      <p:sp>
-        <p:nvSpPr>
-          <p:cNvPr id="313" name="Shape 313"/>
-          <p:cNvSpPr>
-            <a:spLocks noGrp="1" noRot="1" noChangeAspect="1"/>
-          </p:cNvSpPr>
-          <p:nvPr>
-            <p:ph type="sldImg" idx="2"/>
-          </p:nvPr>
-        </p:nvSpPr>
-        <p:spPr>
-          <a:xfrm>
-            <a:off x="1143000" y="685800"/>
-            <a:ext cx="4572000" cy="3429000"/>
-          </a:xfrm>
-          <a:custGeom>
-            <a:avLst/>
-            <a:gdLst/>
-            <a:ahLst/>
-            <a:cxnLst/>
-            <a:rect l="0" t="0" r="0" b="0"/>
-            <a:pathLst>
-              <a:path w="120000" h="120000" extrusionOk="0">
-                <a:moveTo>
-                  <a:pt x="0" y="0"/>
-                </a:moveTo>
-                <a:lnTo>
-                  <a:pt x="120000" y="0"/>
-                </a:lnTo>
-                <a:lnTo>
-                  <a:pt x="120000" y="120000"/>
-                </a:lnTo>
-                <a:lnTo>
-                  <a:pt x="0" y="120000"/>
-                </a:lnTo>
-                <a:close/>
-              </a:path>
-            </a:pathLst>
-          </a:custGeom>
-          <a:noFill/>
-          <a:ln w="9525" cap="flat">
-            <a:solidFill>
-              <a:srgbClr val="000000"/>
-            </a:solidFill>
-            <a:prstDash val="solid"/>
-            <a:round/>
-            <a:headEnd type="none" w="med" len="med"/>
-            <a:tailEnd type="none" w="med" len="med"/>
-          </a:ln>
-        </p:spPr>
-      </p:sp>
-    </p:spTree>
-  </p:cSld>
-  <p:clrMapOvr>
-    <a:masterClrMapping/>
-  </p:clrMapOvr>
-</p:notes>
-</file>
-
-<file path=ppt/notesSlides/notesSlide12.xml><?xml version="1.0" encoding="utf-8"?>
-<p:notes xmlns:a="http://schemas.openxmlformats.org/drawingml/2006/main" xmlns:r="http://schemas.openxmlformats.org/officeDocument/2006/relationships" xmlns:p="http://schemas.openxmlformats.org/presentationml/2006/main" showMasterSp="0" showMasterPhAnim="0">
-  <p:cSld>
-    <p:spTree>
-      <p:nvGrpSpPr>
-        <p:cNvPr id="1" name="Shape 311"/>
-        <p:cNvGrpSpPr/>
-        <p:nvPr/>
-      </p:nvGrpSpPr>
-      <p:grpSpPr>
-        <a:xfrm>
-          <a:off x="0" y="0"/>
-          <a:ext cx="0" cy="0"/>
-          <a:chOff x="0" y="0"/>
-          <a:chExt cx="0" cy="0"/>
-        </a:xfrm>
-      </p:grpSpPr>
-      <p:sp>
-        <p:nvSpPr>
-          <p:cNvPr id="312" name="Shape 312"/>
-          <p:cNvSpPr txBox="1">
-            <a:spLocks noGrp="1"/>
-          </p:cNvSpPr>
-          <p:nvPr>
-            <p:ph type="body" idx="1"/>
-          </p:nvPr>
-        </p:nvSpPr>
-        <p:spPr>
-          <a:xfrm>
-            <a:off x="685800" y="4343400"/>
-            <a:ext cx="5486399" cy="4114800"/>
-          </a:xfrm>
-          <a:prstGeom prst="rect">
-            <a:avLst/>
-          </a:prstGeom>
-        </p:spPr>
-        <p:txBody>
-          <a:bodyPr lIns="91425" tIns="91425" rIns="91425" bIns="91425" anchor="ctr" anchorCtr="0">
-            <a:noAutofit/>
-          </a:bodyPr>
-          <a:lstStyle/>
-          <a:p>
-            <a:pPr marL="0" marR="0" lvl="0" indent="0" algn="l" defTabSz="914400" rtl="0" eaLnBrk="1" fontAlgn="auto" latinLnBrk="0" hangingPunct="1">
-              <a:lnSpc>
-                <a:spcPct val="100000"/>
-              </a:lnSpc>
-              <a:spcBef>
-                <a:spcPts val="0"/>
-              </a:spcBef>
-              <a:spcAft>
-                <a:spcPts val="0"/>
-              </a:spcAft>
-              <a:buClrTx/>
-              <a:buSzTx/>
-              <a:buFontTx/>
-              <a:buNone/>
-              <a:tabLst/>
-              <a:defRPr/>
-            </a:pPr>
-            <a:r>
-              <a:rPr lang="en-GB" sz="1200" dirty="0" smtClean="0">
-                <a:latin typeface="Helvetica Neue"/>
-              </a:rPr>
-              <a:t>Be more descriptive here (from Soren) </a:t>
-            </a:r>
-          </a:p>
-          <a:p>
-            <a:pPr lvl="0" rtl="0">
-              <a:spcBef>
-                <a:spcPts val="0"/>
-              </a:spcBef>
-              <a:buNone/>
-            </a:pPr>
-            <a:endParaRPr dirty="0"/>
-          </a:p>
-        </p:txBody>
-      </p:sp>
-      <p:sp>
-        <p:nvSpPr>
-          <p:cNvPr id="313" name="Shape 313"/>
-          <p:cNvSpPr>
-            <a:spLocks noGrp="1" noRot="1" noChangeAspect="1"/>
-          </p:cNvSpPr>
-          <p:nvPr>
-            <p:ph type="sldImg" idx="2"/>
-          </p:nvPr>
-        </p:nvSpPr>
-        <p:spPr>
-          <a:xfrm>
-            <a:off x="1143000" y="685800"/>
-            <a:ext cx="4572000" cy="3429000"/>
-          </a:xfrm>
-          <a:custGeom>
-            <a:avLst/>
-            <a:gdLst/>
-            <a:ahLst/>
-            <a:cxnLst/>
-            <a:rect l="0" t="0" r="0" b="0"/>
-            <a:pathLst>
-              <a:path w="120000" h="120000" extrusionOk="0">
-                <a:moveTo>
-                  <a:pt x="0" y="0"/>
-                </a:moveTo>
-                <a:lnTo>
-                  <a:pt x="120000" y="0"/>
-                </a:lnTo>
-                <a:lnTo>
-                  <a:pt x="120000" y="120000"/>
-                </a:lnTo>
-                <a:lnTo>
-                  <a:pt x="0" y="120000"/>
-                </a:lnTo>
-                <a:close/>
-              </a:path>
-            </a:pathLst>
-          </a:custGeom>
-          <a:noFill/>
-          <a:ln w="9525" cap="flat">
-            <a:solidFill>
-              <a:srgbClr val="000000"/>
-            </a:solidFill>
-            <a:prstDash val="solid"/>
-            <a:round/>
-            <a:headEnd type="none" w="med" len="med"/>
-            <a:tailEnd type="none" w="med" len="med"/>
-          </a:ln>
-        </p:spPr>
-      </p:sp>
-    </p:spTree>
-  </p:cSld>
-  <p:clrMapOvr>
-    <a:masterClrMapping/>
-  </p:clrMapOvr>
-</p:notes>
-</file>
-
-<file path=ppt/notesSlides/notesSlide13.xml><?xml version="1.0" encoding="utf-8"?>
 <p:notes xmlns:a="http://schemas.openxmlformats.org/drawingml/2006/main" xmlns:r="http://schemas.openxmlformats.org/officeDocument/2006/relationships" xmlns:p="http://schemas.openxmlformats.org/presentationml/2006/main" showMasterSp="0" showMasterPhAnim="0">
   <p:cSld>
     <p:spTree>
@@ -1642,7 +1398,7 @@
 </p:notes>
 </file>
 
-<file path=ppt/notesSlides/notesSlide14.xml><?xml version="1.0" encoding="utf-8"?>
+<file path=ppt/notesSlides/notesSlide12.xml><?xml version="1.0" encoding="utf-8"?>
 <p:notes xmlns:a="http://schemas.openxmlformats.org/drawingml/2006/main" xmlns:r="http://schemas.openxmlformats.org/officeDocument/2006/relationships" xmlns:p="http://schemas.openxmlformats.org/presentationml/2006/main" showMasterSp="0" showMasterPhAnim="0">
   <p:cSld>
     <p:spTree>
@@ -1753,7 +1509,7 @@
 </p:notes>
 </file>
 
-<file path=ppt/notesSlides/notesSlide15.xml><?xml version="1.0" encoding="utf-8"?>
+<file path=ppt/notesSlides/notesSlide13.xml><?xml version="1.0" encoding="utf-8"?>
 <p:notes xmlns:a="http://schemas.openxmlformats.org/drawingml/2006/main" xmlns:r="http://schemas.openxmlformats.org/officeDocument/2006/relationships" xmlns:p="http://schemas.openxmlformats.org/presentationml/2006/main" showMasterSp="0" showMasterPhAnim="0">
   <p:cSld>
     <p:spTree>
@@ -1889,7 +1645,7 @@
 </p:notes>
 </file>
 
-<file path=ppt/notesSlides/notesSlide16.xml><?xml version="1.0" encoding="utf-8"?>
+<file path=ppt/notesSlides/notesSlide14.xml><?xml version="1.0" encoding="utf-8"?>
 <p:notes xmlns:a="http://schemas.openxmlformats.org/drawingml/2006/main" xmlns:r="http://schemas.openxmlformats.org/officeDocument/2006/relationships" xmlns:p="http://schemas.openxmlformats.org/presentationml/2006/main" showMasterSp="0" showMasterPhAnim="0">
   <p:cSld>
     <p:spTree>
@@ -2008,7 +1764,7 @@
 </p:notes>
 </file>
 
-<file path=ppt/notesSlides/notesSlide17.xml><?xml version="1.0" encoding="utf-8"?>
+<file path=ppt/notesSlides/notesSlide15.xml><?xml version="1.0" encoding="utf-8"?>
 <p:notes xmlns:a="http://schemas.openxmlformats.org/drawingml/2006/main" xmlns:r="http://schemas.openxmlformats.org/officeDocument/2006/relationships" xmlns:p="http://schemas.openxmlformats.org/presentationml/2006/main" showMasterSp="0" showMasterPhAnim="0">
   <p:cSld>
     <p:spTree>
@@ -2119,7 +1875,7 @@
 </p:notes>
 </file>
 
-<file path=ppt/notesSlides/notesSlide18.xml><?xml version="1.0" encoding="utf-8"?>
+<file path=ppt/notesSlides/notesSlide16.xml><?xml version="1.0" encoding="utf-8"?>
 <p:notes xmlns:a="http://schemas.openxmlformats.org/drawingml/2006/main" xmlns:r="http://schemas.openxmlformats.org/officeDocument/2006/relationships" xmlns:p="http://schemas.openxmlformats.org/presentationml/2006/main" showMasterSp="0" showMasterPhAnim="0">
   <p:cSld>
     <p:spTree>
@@ -2436,11 +2192,11 @@
 </file>
 
 <file path=ppt/notesSlides/notesSlide3.xml><?xml version="1.0" encoding="utf-8"?>
-<p:notes xmlns:a="http://schemas.openxmlformats.org/drawingml/2006/main" xmlns:r="http://schemas.openxmlformats.org/officeDocument/2006/relationships" xmlns:p="http://schemas.openxmlformats.org/presentationml/2006/main" showMasterSp="0" showMasterPhAnim="0">
+<p:notes xmlns:a="http://schemas.openxmlformats.org/drawingml/2006/main" xmlns:r="http://schemas.openxmlformats.org/officeDocument/2006/relationships" xmlns:p="http://schemas.openxmlformats.org/presentationml/2006/main">
   <p:cSld>
     <p:spTree>
       <p:nvGrpSpPr>
-        <p:cNvPr id="1" name="Shape 262"/>
+        <p:cNvPr id="1" name=""/>
         <p:cNvGrpSpPr/>
         <p:nvPr/>
       </p:nvGrpSpPr>
@@ -2454,292 +2210,190 @@
       </p:grpSpPr>
       <p:sp>
         <p:nvSpPr>
-          <p:cNvPr id="263" name="Shape 263"/>
-          <p:cNvSpPr txBox="1">
+          <p:cNvPr id="2" name="Slide Image Placeholder 1"/>
+          <p:cNvSpPr>
+            <a:spLocks noGrp="1" noRot="1" noChangeAspect="1"/>
+          </p:cNvSpPr>
+          <p:nvPr>
+            <p:ph type="sldImg"/>
+          </p:nvPr>
+        </p:nvSpPr>
+        <p:spPr/>
+      </p:sp>
+      <p:sp>
+        <p:nvSpPr>
+          <p:cNvPr id="3" name="Notes Placeholder 2"/>
+          <p:cNvSpPr>
             <a:spLocks noGrp="1"/>
           </p:cNvSpPr>
           <p:nvPr>
             <p:ph type="body" idx="1"/>
           </p:nvPr>
         </p:nvSpPr>
-        <p:spPr>
-          <a:xfrm>
-            <a:off x="685800" y="4343400"/>
-            <a:ext cx="5486399" cy="4114800"/>
-          </a:xfrm>
-          <a:prstGeom prst="rect">
-            <a:avLst/>
-          </a:prstGeom>
-        </p:spPr>
+        <p:spPr/>
         <p:txBody>
-          <a:bodyPr lIns="91425" tIns="91425" rIns="91425" bIns="91425" anchor="ctr" anchorCtr="0">
-            <a:noAutofit/>
-          </a:bodyPr>
+          <a:bodyPr/>
           <a:lstStyle/>
           <a:p>
-            <a:pPr marL="228600" marR="0" indent="-228600" algn="l" defTabSz="914400" rtl="0" eaLnBrk="1" fontAlgn="auto" latinLnBrk="0" hangingPunct="1">
-              <a:lnSpc>
-                <a:spcPct val="100000"/>
-              </a:lnSpc>
-              <a:spcBef>
-                <a:spcPts val="0"/>
-              </a:spcBef>
-              <a:spcAft>
-                <a:spcPts val="0"/>
-              </a:spcAft>
-              <a:buClrTx/>
-              <a:buSzTx/>
-              <a:buFontTx/>
-              <a:buAutoNum type="arabicParenR"/>
-              <a:tabLst/>
-              <a:defRPr/>
-            </a:pPr>
             <a:r>
-              <a:rPr lang="en-GB" sz="1200" b="0" i="0" u="none" strike="noStrike" kern="1200" dirty="0" smtClean="0">
-                <a:solidFill>
-                  <a:schemeClr val="tx1"/>
-                </a:solidFill>
-                <a:latin typeface="+mn-lt"/>
-                <a:ea typeface="+mn-ea"/>
-                <a:cs typeface="+mn-cs"/>
-              </a:rPr>
-              <a:t>Given a data set or collection, reveal which tools are compatible.</a:t>
-            </a:r>
-          </a:p>
-          <a:p>
-            <a:pPr marL="266700" marR="0" lvl="0" indent="-139700" algn="l" rtl="0">
-              <a:lnSpc>
-                <a:spcPct val="100000"/>
-              </a:lnSpc>
-              <a:spcBef>
-                <a:spcPts val="0"/>
-              </a:spcBef>
-              <a:spcAft>
-                <a:spcPts val="0"/>
-              </a:spcAft>
-              <a:buClr>
-                <a:srgbClr val="606060"/>
-              </a:buClr>
-              <a:buSzPct val="100000"/>
-              <a:buFont typeface="Georgia"/>
-              <a:buChar char="•"/>
-            </a:pPr>
-            <a:r>
-              <a:rPr lang="en-US" sz="2400" dirty="0" smtClean="0">
-                <a:solidFill>
-                  <a:srgbClr val="606060"/>
-                </a:solidFill>
-                <a:latin typeface="Helvetica Neue"/>
-                <a:ea typeface="Georgia"/>
-                <a:cs typeface="Georgia"/>
-                <a:sym typeface="Georgia"/>
-              </a:rPr>
-              <a:t>Example #1:  I just downloaded an AIRS Level 2 Standard Retrieval file. How can I look at it?</a:t>
-            </a:r>
-          </a:p>
-          <a:p>
-            <a:pPr marL="266700" marR="0" lvl="0" indent="-139700" algn="l" rtl="0">
-              <a:lnSpc>
-                <a:spcPct val="100000"/>
-              </a:lnSpc>
-              <a:spcBef>
-                <a:spcPts val="0"/>
-              </a:spcBef>
-              <a:spcAft>
-                <a:spcPts val="0"/>
-              </a:spcAft>
-              <a:buClr>
-                <a:srgbClr val="606060"/>
-              </a:buClr>
-              <a:buSzPct val="100000"/>
-              <a:buFont typeface="Georgia"/>
-              <a:buChar char="•"/>
-            </a:pPr>
-            <a:r>
-              <a:rPr lang="en-US" sz="2400" dirty="0" smtClean="0">
-                <a:solidFill>
-                  <a:srgbClr val="606060"/>
-                </a:solidFill>
-                <a:latin typeface="Helvetica Neue"/>
-                <a:ea typeface="Georgia"/>
-                <a:cs typeface="Georgia"/>
-                <a:sym typeface="Georgia"/>
-              </a:rPr>
-              <a:t>Example #2:  I just located an </a:t>
+              <a:rPr lang="en-GB" dirty="0" smtClean="0"/>
+              <a:t>first two suggest</a:t>
             </a:r>
             <a:r>
-              <a:rPr lang="en-US" sz="2400" dirty="0" err="1" smtClean="0">
-                <a:solidFill>
-                  <a:srgbClr val="606060"/>
-                </a:solidFill>
-                <a:latin typeface="Helvetica Neue"/>
-                <a:ea typeface="Georgia"/>
-                <a:cs typeface="Georgia"/>
-                <a:sym typeface="Georgia"/>
-              </a:rPr>
-              <a:t>OPeNDAP</a:t>
+              <a:rPr lang="en-GB" baseline="0" dirty="0" smtClean="0"/>
+              <a:t> native </a:t>
             </a:r>
             <a:r>
-              <a:rPr lang="en-US" sz="2400" dirty="0" smtClean="0">
-                <a:solidFill>
-                  <a:srgbClr val="606060"/>
-                </a:solidFill>
-                <a:latin typeface="Helvetica Neue"/>
-                <a:ea typeface="Georgia"/>
-                <a:cs typeface="Georgia"/>
-                <a:sym typeface="Georgia"/>
-              </a:rPr>
-              <a:t> URL for an OMI Level 3 data file. What tool will let me extract a subset from it?</a:t>
+              <a:rPr lang="en-GB" baseline="0" dirty="0" err="1" smtClean="0"/>
+              <a:t>compatability</a:t>
             </a:r>
-            <a:endParaRPr lang="en-GB" sz="1200" b="0" i="0" u="none" strike="noStrike" kern="1200" dirty="0" smtClean="0">
-              <a:solidFill>
-                <a:schemeClr val="tx1"/>
-              </a:solidFill>
-              <a:latin typeface="+mn-lt"/>
-              <a:ea typeface="+mn-ea"/>
-              <a:cs typeface="+mn-cs"/>
-            </a:endParaRPr>
-          </a:p>
-          <a:p>
-            <a:pPr marL="0" marR="0" indent="0" algn="l" defTabSz="914400" rtl="0" eaLnBrk="1" fontAlgn="auto" latinLnBrk="0" hangingPunct="1">
-              <a:lnSpc>
-                <a:spcPct val="100000"/>
-              </a:lnSpc>
-              <a:spcBef>
-                <a:spcPts val="0"/>
-              </a:spcBef>
-              <a:spcAft>
-                <a:spcPts val="0"/>
-              </a:spcAft>
-              <a:buClrTx/>
-              <a:buSzTx/>
-              <a:buFontTx/>
-              <a:buNone/>
-              <a:tabLst/>
-              <a:defRPr/>
-            </a:pPr>
             <a:r>
-              <a:rPr lang="en-GB" sz="1200" b="0" i="0" u="none" strike="noStrike" kern="1200" dirty="0" smtClean="0">
-                <a:solidFill>
-                  <a:schemeClr val="tx1"/>
-                </a:solidFill>
-                <a:latin typeface="+mn-lt"/>
-                <a:ea typeface="+mn-ea"/>
-                <a:cs typeface="+mn-cs"/>
-              </a:rPr>
-              <a:t>2) Given a tool or tool set, reveal compatible data sets and/or collections.</a:t>
+              <a:rPr lang="en-GB" baseline="0" dirty="0" smtClean="0"/>
+              <a:t>; second is often related to data format</a:t>
             </a:r>
-          </a:p>
-          <a:p>
-            <a:pPr marL="266700" marR="0" lvl="0" indent="-139700" algn="l" rtl="0">
-              <a:lnSpc>
-                <a:spcPct val="100000"/>
-              </a:lnSpc>
-              <a:spcBef>
-                <a:spcPts val="0"/>
-              </a:spcBef>
-              <a:spcAft>
-                <a:spcPts val="0"/>
-              </a:spcAft>
-              <a:buClr>
-                <a:srgbClr val="606060"/>
-              </a:buClr>
-              <a:buSzPct val="100000"/>
-              <a:buFont typeface="Georgia"/>
-              <a:buChar char="•"/>
-            </a:pPr>
-            <a:r>
-              <a:rPr lang="en-US" sz="1200" dirty="0" smtClean="0">
-                <a:solidFill>
-                  <a:srgbClr val="606060"/>
-                </a:solidFill>
-                <a:latin typeface="Helvetica Neue"/>
-                <a:ea typeface="Georgia"/>
-                <a:cs typeface="Georgia"/>
-                <a:sym typeface="Georgia"/>
-              </a:rPr>
-              <a:t>The Semi-general Web Service Example:  What data collections are available in the Giovanni tool?</a:t>
-            </a:r>
-          </a:p>
-          <a:p>
-            <a:pPr marL="266700" lvl="0" indent="-139700" rtl="0">
-              <a:spcBef>
-                <a:spcPts val="0"/>
-              </a:spcBef>
-              <a:buClr>
-                <a:srgbClr val="606060"/>
-              </a:buClr>
-              <a:buSzPct val="100000"/>
-              <a:buFont typeface="Georgia"/>
-              <a:buChar char="•"/>
-            </a:pPr>
-            <a:r>
-              <a:rPr lang="en-US" sz="1200" dirty="0" smtClean="0">
-                <a:solidFill>
-                  <a:srgbClr val="606060"/>
-                </a:solidFill>
-                <a:latin typeface="Helvetica Neue"/>
-                <a:ea typeface="Georgia"/>
-                <a:cs typeface="Georgia"/>
-                <a:sym typeface="Georgia"/>
-              </a:rPr>
-              <a:t>The Decision Support Tool Example:  Which Sea Surface Height datasets can be used in the __[generic]____ coastal inundation tool?</a:t>
-            </a:r>
+            <a:endParaRPr lang="en-GB" dirty="0"/>
           </a:p>
         </p:txBody>
       </p:sp>
       <p:sp>
         <p:nvSpPr>
-          <p:cNvPr id="264" name="Shape 264"/>
+          <p:cNvPr id="4" name="Slide Number Placeholder 3"/>
           <p:cNvSpPr>
-            <a:spLocks noGrp="1" noRot="1" noChangeAspect="1"/>
+            <a:spLocks noGrp="1"/>
           </p:cNvSpPr>
           <p:nvPr>
-            <p:ph type="sldImg" idx="2"/>
+            <p:ph type="sldNum" idx="10"/>
           </p:nvPr>
         </p:nvSpPr>
-        <p:spPr>
-          <a:xfrm>
-            <a:off x="1143000" y="685800"/>
-            <a:ext cx="4572000" cy="3429000"/>
-          </a:xfrm>
-          <a:custGeom>
-            <a:avLst/>
-            <a:gdLst/>
-            <a:ahLst/>
-            <a:cxnLst/>
-            <a:rect l="0" t="0" r="0" b="0"/>
-            <a:pathLst>
-              <a:path w="120000" h="120000" extrusionOk="0">
-                <a:moveTo>
-                  <a:pt x="0" y="0"/>
-                </a:moveTo>
-                <a:lnTo>
-                  <a:pt x="120000" y="0"/>
-                </a:lnTo>
-                <a:lnTo>
-                  <a:pt x="120000" y="120000"/>
-                </a:lnTo>
-                <a:lnTo>
-                  <a:pt x="0" y="120000"/>
-                </a:lnTo>
-                <a:close/>
-              </a:path>
-            </a:pathLst>
-          </a:custGeom>
-          <a:noFill/>
-          <a:ln w="9525" cap="flat">
-            <a:solidFill>
-              <a:srgbClr val="000000"/>
-            </a:solidFill>
-            <a:prstDash val="solid"/>
-            <a:round/>
-            <a:headEnd type="none" w="med" len="med"/>
-            <a:tailEnd type="none" w="med" len="med"/>
-          </a:ln>
-        </p:spPr>
+        <p:spPr/>
+        <p:txBody>
+          <a:bodyPr/>
+          <a:lstStyle/>
+          <a:p>
+            <a:pPr marL="0" lvl="0" indent="-88900">
+              <a:spcBef>
+                <a:spcPts val="0"/>
+              </a:spcBef>
+              <a:buClr>
+                <a:srgbClr val="000000"/>
+              </a:buClr>
+              <a:buFont typeface="Arial"/>
+              <a:buChar char="●"/>
+            </a:pPr>
+            <a:endParaRPr lang="en-GB" smtClean="0"/>
+          </a:p>
+          <a:p>
+            <a:pPr marL="0" lvl="1" indent="-88900">
+              <a:spcBef>
+                <a:spcPts val="0"/>
+              </a:spcBef>
+              <a:buClr>
+                <a:srgbClr val="000000"/>
+              </a:buClr>
+              <a:buFont typeface="Courier New"/>
+              <a:buChar char="o"/>
+            </a:pPr>
+            <a:endParaRPr lang="en-GB" smtClean="0"/>
+          </a:p>
+          <a:p>
+            <a:pPr marL="0" lvl="2" indent="-88900">
+              <a:spcBef>
+                <a:spcPts val="0"/>
+              </a:spcBef>
+              <a:buClr>
+                <a:srgbClr val="000000"/>
+              </a:buClr>
+              <a:buFont typeface="Wingdings"/>
+              <a:buChar char="§"/>
+            </a:pPr>
+            <a:endParaRPr lang="en-GB" smtClean="0"/>
+          </a:p>
+          <a:p>
+            <a:pPr marL="0" lvl="3" indent="-88900">
+              <a:spcBef>
+                <a:spcPts val="0"/>
+              </a:spcBef>
+              <a:buClr>
+                <a:srgbClr val="000000"/>
+              </a:buClr>
+              <a:buFont typeface="Arial"/>
+              <a:buChar char="●"/>
+            </a:pPr>
+            <a:endParaRPr lang="en-GB" smtClean="0"/>
+          </a:p>
+          <a:p>
+            <a:pPr marL="0" lvl="4" indent="-88900">
+              <a:spcBef>
+                <a:spcPts val="0"/>
+              </a:spcBef>
+              <a:buClr>
+                <a:srgbClr val="000000"/>
+              </a:buClr>
+              <a:buFont typeface="Courier New"/>
+              <a:buChar char="o"/>
+            </a:pPr>
+            <a:endParaRPr lang="en-GB" smtClean="0"/>
+          </a:p>
+          <a:p>
+            <a:pPr marL="0" lvl="5" indent="-88900">
+              <a:spcBef>
+                <a:spcPts val="0"/>
+              </a:spcBef>
+              <a:buClr>
+                <a:srgbClr val="000000"/>
+              </a:buClr>
+              <a:buFont typeface="Wingdings"/>
+              <a:buChar char="§"/>
+            </a:pPr>
+            <a:endParaRPr lang="en-GB" smtClean="0"/>
+          </a:p>
+          <a:p>
+            <a:pPr marL="0" lvl="6" indent="-88900">
+              <a:spcBef>
+                <a:spcPts val="0"/>
+              </a:spcBef>
+              <a:buClr>
+                <a:srgbClr val="000000"/>
+              </a:buClr>
+              <a:buFont typeface="Arial"/>
+              <a:buChar char="●"/>
+            </a:pPr>
+            <a:endParaRPr lang="en-GB" smtClean="0"/>
+          </a:p>
+          <a:p>
+            <a:pPr marL="0" lvl="7" indent="-88900">
+              <a:spcBef>
+                <a:spcPts val="0"/>
+              </a:spcBef>
+              <a:buClr>
+                <a:srgbClr val="000000"/>
+              </a:buClr>
+              <a:buFont typeface="Courier New"/>
+              <a:buChar char="o"/>
+            </a:pPr>
+            <a:endParaRPr lang="en-GB" smtClean="0"/>
+          </a:p>
+          <a:p>
+            <a:pPr marL="0" lvl="8" indent="-88900">
+              <a:spcBef>
+                <a:spcPts val="0"/>
+              </a:spcBef>
+              <a:buClr>
+                <a:srgbClr val="000000"/>
+              </a:buClr>
+              <a:buFont typeface="Wingdings"/>
+              <a:buChar char="§"/>
+            </a:pPr>
+            <a:endParaRPr lang="en-GB"/>
+          </a:p>
+        </p:txBody>
       </p:sp>
     </p:spTree>
+    <p:extLst>
+      <p:ext uri="{BB962C8B-B14F-4D97-AF65-F5344CB8AC3E}">
+        <p14:creationId xmlns:p14="http://schemas.microsoft.com/office/powerpoint/2010/main" val="4109460748"/>
+      </p:ext>
+    </p:extLst>
   </p:cSld>
   <p:clrMapOvr>
     <a:masterClrMapping/>
@@ -2793,19 +2447,11 @@
           <a:p>
             <a:r>
               <a:rPr lang="en-GB" dirty="0" smtClean="0"/>
-              <a:t>first two suggest</a:t>
+              <a:t>what about other tools?  which</a:t>
             </a:r>
             <a:r>
               <a:rPr lang="en-GB" baseline="0" dirty="0" smtClean="0"/>
-              <a:t> native </a:t>
-            </a:r>
-            <a:r>
-              <a:rPr lang="en-GB" baseline="0" dirty="0" err="1" smtClean="0"/>
-              <a:t>compatability</a:t>
-            </a:r>
-            <a:r>
-              <a:rPr lang="en-GB" baseline="0" dirty="0" smtClean="0"/>
-              <a:t>; second is often related to data format</a:t>
+              <a:t> tools can I use with Airs?</a:t>
             </a:r>
             <a:endParaRPr lang="en-GB" dirty="0"/>
           </a:p>
@@ -3001,6 +2647,10 @@
           <a:bodyPr/>
           <a:lstStyle/>
           <a:p>
+            <a:r>
+              <a:rPr lang="en-GB" dirty="0" smtClean="0"/>
+              <a:t>Obverse</a:t>
+            </a:r>
             <a:endParaRPr lang="en-GB" dirty="0"/>
           </a:p>
         </p:txBody>
@@ -3152,11 +2802,11 @@
 </file>
 
 <file path=ppt/notesSlides/notesSlide6.xml><?xml version="1.0" encoding="utf-8"?>
-<p:notes xmlns:a="http://schemas.openxmlformats.org/drawingml/2006/main" xmlns:r="http://schemas.openxmlformats.org/officeDocument/2006/relationships" xmlns:p="http://schemas.openxmlformats.org/presentationml/2006/main">
+<p:notes xmlns:a="http://schemas.openxmlformats.org/drawingml/2006/main" xmlns:r="http://schemas.openxmlformats.org/officeDocument/2006/relationships" xmlns:p="http://schemas.openxmlformats.org/presentationml/2006/main" showMasterSp="0" showMasterPhAnim="0">
   <p:cSld>
     <p:spTree>
       <p:nvGrpSpPr>
-        <p:cNvPr id="1" name=""/>
+        <p:cNvPr id="1" name="Shape 223"/>
         <p:cNvGrpSpPr/>
         <p:nvPr/>
       </p:nvGrpSpPr>
@@ -3170,31 +2820,48 @@
       </p:grpSpPr>
       <p:sp>
         <p:nvSpPr>
-          <p:cNvPr id="2" name="Slide Image Placeholder 1"/>
-          <p:cNvSpPr>
-            <a:spLocks noGrp="1" noRot="1" noChangeAspect="1"/>
-          </p:cNvSpPr>
-          <p:nvPr>
-            <p:ph type="sldImg"/>
-          </p:nvPr>
-        </p:nvSpPr>
-        <p:spPr/>
-      </p:sp>
-      <p:sp>
-        <p:nvSpPr>
-          <p:cNvPr id="3" name="Notes Placeholder 2"/>
-          <p:cNvSpPr>
+          <p:cNvPr id="224" name="Shape 224"/>
+          <p:cNvSpPr txBox="1">
             <a:spLocks noGrp="1"/>
           </p:cNvSpPr>
           <p:nvPr>
             <p:ph type="body" idx="1"/>
           </p:nvPr>
         </p:nvSpPr>
-        <p:spPr/>
+        <p:spPr>
+          <a:xfrm>
+            <a:off x="685800" y="4343400"/>
+            <a:ext cx="5486399" cy="4114800"/>
+          </a:xfrm>
+          <a:prstGeom prst="rect">
+            <a:avLst/>
+          </a:prstGeom>
+        </p:spPr>
         <p:txBody>
-          <a:bodyPr/>
+          <a:bodyPr lIns="91425" tIns="91425" rIns="91425" bIns="91425" anchor="ctr" anchorCtr="0">
+            <a:noAutofit/>
+          </a:bodyPr>
           <a:lstStyle/>
           <a:p>
+            <a:pPr marL="0" marR="0" lvl="0" indent="0" algn="l" defTabSz="914400" rtl="0" eaLnBrk="1" fontAlgn="auto" latinLnBrk="0" hangingPunct="1">
+              <a:lnSpc>
+                <a:spcPct val="100000"/>
+              </a:lnSpc>
+              <a:spcBef>
+                <a:spcPts val="0"/>
+              </a:spcBef>
+              <a:spcAft>
+                <a:spcPts val="0"/>
+              </a:spcAft>
+              <a:buClr>
+                <a:srgbClr val="000000"/>
+              </a:buClr>
+              <a:buSzPct val="100000"/>
+              <a:buFont typeface="Georgia"/>
+              <a:buNone/>
+              <a:tabLst/>
+              <a:defRPr/>
+            </a:pPr>
             <a:r>
               <a:rPr lang="en-GB" dirty="0" smtClean="0"/>
               <a:t>peel back</a:t>
@@ -3219,149 +2886,194 @@
               <a:rPr lang="en-GB" baseline="0" dirty="0" smtClean="0"/>
               <a:t> but not a different type of server.  what are the data types?  what are the conventions?</a:t>
             </a:r>
-            <a:endParaRPr lang="en-GB" dirty="0"/>
+            <a:endParaRPr lang="en-GB" dirty="0" smtClean="0"/>
+          </a:p>
+          <a:p>
+            <a:pPr marL="0" lvl="0" indent="0" rtl="0">
+              <a:spcBef>
+                <a:spcPts val="0"/>
+              </a:spcBef>
+              <a:buClr>
+                <a:srgbClr val="000000"/>
+              </a:buClr>
+              <a:buSzPct val="100000"/>
+              <a:buFont typeface="Georgia"/>
+              <a:buNone/>
+            </a:pPr>
+            <a:endParaRPr lang="en-US" sz="1200" dirty="0" smtClean="0">
+              <a:latin typeface="Helvetica Neue"/>
+              <a:ea typeface="Georgia"/>
+              <a:cs typeface="Georgia"/>
+              <a:sym typeface="Georgia"/>
+            </a:endParaRPr>
+          </a:p>
+          <a:p>
+            <a:pPr lvl="0" rtl="0">
+              <a:spcBef>
+                <a:spcPts val="0"/>
+              </a:spcBef>
+              <a:buClr>
+                <a:srgbClr val="000000"/>
+              </a:buClr>
+              <a:buSzPct val="100000"/>
+            </a:pPr>
+            <a:r>
+              <a:rPr lang="en-US" sz="1200" b="1" dirty="0" smtClean="0">
+                <a:latin typeface="Helvetica Neue"/>
+                <a:ea typeface="Georgia"/>
+                <a:cs typeface="Georgia"/>
+                <a:sym typeface="Georgia"/>
+              </a:rPr>
+              <a:t>example</a:t>
+            </a:r>
+            <a:r>
+              <a:rPr lang="en-US" sz="1200" b="1" dirty="0" smtClean="0">
+                <a:latin typeface="Helvetica Neue"/>
+                <a:ea typeface="Georgia"/>
+                <a:cs typeface="Georgia"/>
+                <a:sym typeface="Georgia"/>
+              </a:rPr>
+              <a:t>: </a:t>
+            </a:r>
+            <a:r>
+              <a:rPr lang="en-US" sz="1200" i="1" dirty="0" smtClean="0">
+                <a:latin typeface="Helvetica Neue"/>
+                <a:ea typeface="Georgia"/>
+                <a:cs typeface="Georgia"/>
+                <a:sym typeface="Georgia"/>
+              </a:rPr>
+              <a:t>Given rainfall or topology measurements,</a:t>
+            </a:r>
+            <a:r>
+              <a:rPr lang="en-US" sz="1200" i="1" baseline="0" dirty="0" smtClean="0">
+                <a:latin typeface="Helvetica Neue"/>
+                <a:ea typeface="Georgia"/>
+                <a:cs typeface="Georgia"/>
+                <a:sym typeface="Georgia"/>
+              </a:rPr>
+              <a:t> </a:t>
+            </a:r>
+            <a:r>
+              <a:rPr lang="en-US" sz="1200" i="1" dirty="0" smtClean="0">
+                <a:latin typeface="Helvetica Neue"/>
+                <a:ea typeface="Georgia"/>
+                <a:cs typeface="Georgia"/>
+                <a:sym typeface="Georgia"/>
+              </a:rPr>
+              <a:t>determine which tools within a hydrological model can</a:t>
+            </a:r>
+            <a:r>
+              <a:rPr lang="en-US" sz="1200" i="1" baseline="0" dirty="0" smtClean="0">
+                <a:latin typeface="Helvetica Neue"/>
+                <a:ea typeface="Georgia"/>
+                <a:cs typeface="Georgia"/>
+                <a:sym typeface="Georgia"/>
+              </a:rPr>
+              <a:t> </a:t>
+            </a:r>
+            <a:r>
+              <a:rPr lang="en-US" sz="1200" i="1" dirty="0" smtClean="0">
+                <a:latin typeface="Helvetica Neue"/>
+                <a:ea typeface="Georgia"/>
+                <a:cs typeface="Georgia"/>
+                <a:sym typeface="Georgia"/>
+              </a:rPr>
+              <a:t>be used with that data content</a:t>
+            </a:r>
+          </a:p>
+          <a:p>
+            <a:pPr lvl="0" rtl="0">
+              <a:spcBef>
+                <a:spcPts val="0"/>
+              </a:spcBef>
+              <a:buClr>
+                <a:srgbClr val="000000"/>
+              </a:buClr>
+              <a:buSzPct val="100000"/>
+            </a:pPr>
+            <a:endParaRPr lang="en-US" sz="1200" i="1" dirty="0" smtClean="0">
+              <a:latin typeface="Helvetica Neue"/>
+              <a:ea typeface="Georgia"/>
+              <a:cs typeface="Georgia"/>
+              <a:sym typeface="Georgia"/>
+            </a:endParaRPr>
+          </a:p>
+          <a:p>
+            <a:pPr marL="0" lvl="0" indent="0" rtl="0">
+              <a:spcBef>
+                <a:spcPts val="0"/>
+              </a:spcBef>
+              <a:buClr>
+                <a:srgbClr val="000000"/>
+              </a:buClr>
+              <a:buSzPct val="100000"/>
+              <a:buFont typeface="Georgia"/>
+              <a:buNone/>
+            </a:pPr>
+            <a:r>
+              <a:rPr lang="en-US" sz="1200" dirty="0" smtClean="0">
+                <a:latin typeface="Helvetica Neue"/>
+                <a:ea typeface="Georgia"/>
+                <a:cs typeface="Georgia"/>
+                <a:sym typeface="Georgia"/>
+              </a:rPr>
+              <a:t>Match to tools that the model as a whole might not be able to match</a:t>
+            </a:r>
           </a:p>
         </p:txBody>
       </p:sp>
       <p:sp>
         <p:nvSpPr>
-          <p:cNvPr id="4" name="Slide Number Placeholder 3"/>
+          <p:cNvPr id="225" name="Shape 225"/>
           <p:cNvSpPr>
-            <a:spLocks noGrp="1"/>
+            <a:spLocks noGrp="1" noRot="1" noChangeAspect="1"/>
           </p:cNvSpPr>
           <p:nvPr>
-            <p:ph type="sldNum" idx="10"/>
+            <p:ph type="sldImg" idx="2"/>
           </p:nvPr>
         </p:nvSpPr>
-        <p:spPr/>
-        <p:txBody>
-          <a:bodyPr/>
-          <a:lstStyle/>
-          <a:p>
-            <a:pPr marL="0" lvl="0" indent="-88900">
-              <a:spcBef>
-                <a:spcPts val="0"/>
-              </a:spcBef>
-              <a:buClr>
-                <a:srgbClr val="000000"/>
-              </a:buClr>
-              <a:buFont typeface="Arial"/>
-              <a:buChar char="●"/>
-            </a:pPr>
-            <a:endParaRPr lang="en-GB" smtClean="0"/>
-          </a:p>
-          <a:p>
-            <a:pPr marL="0" lvl="1" indent="-88900">
-              <a:spcBef>
-                <a:spcPts val="0"/>
-              </a:spcBef>
-              <a:buClr>
-                <a:srgbClr val="000000"/>
-              </a:buClr>
-              <a:buFont typeface="Courier New"/>
-              <a:buChar char="o"/>
-            </a:pPr>
-            <a:endParaRPr lang="en-GB" smtClean="0"/>
-          </a:p>
-          <a:p>
-            <a:pPr marL="0" lvl="2" indent="-88900">
-              <a:spcBef>
-                <a:spcPts val="0"/>
-              </a:spcBef>
-              <a:buClr>
-                <a:srgbClr val="000000"/>
-              </a:buClr>
-              <a:buFont typeface="Wingdings"/>
-              <a:buChar char="§"/>
-            </a:pPr>
-            <a:endParaRPr lang="en-GB" smtClean="0"/>
-          </a:p>
-          <a:p>
-            <a:pPr marL="0" lvl="3" indent="-88900">
-              <a:spcBef>
-                <a:spcPts val="0"/>
-              </a:spcBef>
-              <a:buClr>
-                <a:srgbClr val="000000"/>
-              </a:buClr>
-              <a:buFont typeface="Arial"/>
-              <a:buChar char="●"/>
-            </a:pPr>
-            <a:endParaRPr lang="en-GB" smtClean="0"/>
-          </a:p>
-          <a:p>
-            <a:pPr marL="0" lvl="4" indent="-88900">
-              <a:spcBef>
-                <a:spcPts val="0"/>
-              </a:spcBef>
-              <a:buClr>
-                <a:srgbClr val="000000"/>
-              </a:buClr>
-              <a:buFont typeface="Courier New"/>
-              <a:buChar char="o"/>
-            </a:pPr>
-            <a:endParaRPr lang="en-GB" smtClean="0"/>
-          </a:p>
-          <a:p>
-            <a:pPr marL="0" lvl="5" indent="-88900">
-              <a:spcBef>
-                <a:spcPts val="0"/>
-              </a:spcBef>
-              <a:buClr>
-                <a:srgbClr val="000000"/>
-              </a:buClr>
-              <a:buFont typeface="Wingdings"/>
-              <a:buChar char="§"/>
-            </a:pPr>
-            <a:endParaRPr lang="en-GB" smtClean="0"/>
-          </a:p>
-          <a:p>
-            <a:pPr marL="0" lvl="6" indent="-88900">
-              <a:spcBef>
-                <a:spcPts val="0"/>
-              </a:spcBef>
-              <a:buClr>
-                <a:srgbClr val="000000"/>
-              </a:buClr>
-              <a:buFont typeface="Arial"/>
-              <a:buChar char="●"/>
-            </a:pPr>
-            <a:endParaRPr lang="en-GB" smtClean="0"/>
-          </a:p>
-          <a:p>
-            <a:pPr marL="0" lvl="7" indent="-88900">
-              <a:spcBef>
-                <a:spcPts val="0"/>
-              </a:spcBef>
-              <a:buClr>
-                <a:srgbClr val="000000"/>
-              </a:buClr>
-              <a:buFont typeface="Courier New"/>
-              <a:buChar char="o"/>
-            </a:pPr>
-            <a:endParaRPr lang="en-GB" smtClean="0"/>
-          </a:p>
-          <a:p>
-            <a:pPr marL="0" lvl="8" indent="-88900">
-              <a:spcBef>
-                <a:spcPts val="0"/>
-              </a:spcBef>
-              <a:buClr>
-                <a:srgbClr val="000000"/>
-              </a:buClr>
-              <a:buFont typeface="Wingdings"/>
-              <a:buChar char="§"/>
-            </a:pPr>
-            <a:endParaRPr lang="en-GB"/>
-          </a:p>
-        </p:txBody>
+        <p:spPr>
+          <a:xfrm>
+            <a:off x="1143000" y="685800"/>
+            <a:ext cx="4572000" cy="3429000"/>
+          </a:xfrm>
+          <a:custGeom>
+            <a:avLst/>
+            <a:gdLst/>
+            <a:ahLst/>
+            <a:cxnLst/>
+            <a:rect l="0" t="0" r="0" b="0"/>
+            <a:pathLst>
+              <a:path w="120000" h="120000" extrusionOk="0">
+                <a:moveTo>
+                  <a:pt x="0" y="0"/>
+                </a:moveTo>
+                <a:lnTo>
+                  <a:pt x="120000" y="0"/>
+                </a:lnTo>
+                <a:lnTo>
+                  <a:pt x="120000" y="120000"/>
+                </a:lnTo>
+                <a:lnTo>
+                  <a:pt x="0" y="120000"/>
+                </a:lnTo>
+                <a:close/>
+              </a:path>
+            </a:pathLst>
+          </a:custGeom>
+          <a:noFill/>
+          <a:ln w="9525" cap="flat">
+            <a:solidFill>
+              <a:srgbClr val="000000"/>
+            </a:solidFill>
+            <a:prstDash val="solid"/>
+            <a:round/>
+            <a:headEnd type="none" w="med" len="med"/>
+            <a:tailEnd type="none" w="med" len="med"/>
+          </a:ln>
+        </p:spPr>
       </p:sp>
     </p:spTree>
-    <p:extLst>
-      <p:ext uri="{BB962C8B-B14F-4D97-AF65-F5344CB8AC3E}">
-        <p14:creationId xmlns:p14="http://schemas.microsoft.com/office/powerpoint/2010/main" val="4109460748"/>
-      </p:ext>
-    </p:extLst>
   </p:cSld>
   <p:clrMapOvr>
     <a:masterClrMapping/>
@@ -3411,17 +3123,88 @@
           </a:bodyPr>
           <a:lstStyle/>
           <a:p>
-            <a:pPr marL="0" lvl="0" indent="0" rtl="0">
-              <a:spcBef>
-                <a:spcPts val="0"/>
-              </a:spcBef>
+            <a:pPr marL="0" marR="0" lvl="0" indent="0" algn="l" defTabSz="914400" rtl="0" eaLnBrk="1" fontAlgn="auto" latinLnBrk="0" hangingPunct="1">
+              <a:lnSpc>
+                <a:spcPct val="100000"/>
+              </a:lnSpc>
+              <a:spcBef>
+                <a:spcPts val="0"/>
+              </a:spcBef>
+              <a:spcAft>
+                <a:spcPts val="0"/>
+              </a:spcAft>
               <a:buClr>
                 <a:srgbClr val="000000"/>
               </a:buClr>
               <a:buSzPct val="100000"/>
               <a:buFont typeface="Georgia"/>
               <a:buNone/>
-            </a:pPr>
+              <a:tabLst/>
+              <a:defRPr/>
+            </a:pPr>
+            <a:r>
+              <a:rPr lang="en-GB" sz="1200" b="0" i="0" u="none" strike="noStrike" kern="1200" dirty="0" smtClean="0">
+                <a:solidFill>
+                  <a:schemeClr val="tx1"/>
+                </a:solidFill>
+                <a:latin typeface="+mn-lt"/>
+                <a:ea typeface="+mn-ea"/>
+                <a:cs typeface="+mn-cs"/>
+              </a:rPr>
+              <a:t>From </a:t>
+            </a:r>
+            <a:r>
+              <a:rPr lang="en-GB" sz="1200" b="0" i="0" u="none" strike="noStrike" kern="1200" dirty="0" smtClean="0">
+                <a:solidFill>
+                  <a:schemeClr val="tx1"/>
+                </a:solidFill>
+                <a:latin typeface="+mn-lt"/>
+                <a:ea typeface="+mn-ea"/>
+                <a:cs typeface="+mn-cs"/>
+              </a:rPr>
+              <a:t>this, we hope to model “critical” features in greater detail (increased granularity).  The richer semantics will provide increased reasoning capability via a web service.  These services is (or, will be) designed to provide machine-aided discovery of tools and data to Earth scientists of all backgrounds and levels.</a:t>
+            </a:r>
+          </a:p>
+          <a:p>
+            <a:pPr marL="0" lvl="0" indent="0" rtl="0">
+              <a:spcBef>
+                <a:spcPts val="0"/>
+              </a:spcBef>
+              <a:buClr>
+                <a:srgbClr val="000000"/>
+              </a:buClr>
+              <a:buSzPct val="100000"/>
+              <a:buFont typeface="Georgia"/>
+              <a:buNone/>
+            </a:pPr>
+            <a:endParaRPr lang="en-US" sz="1200" dirty="0" smtClean="0">
+              <a:latin typeface="Helvetica Neue"/>
+              <a:ea typeface="Georgia"/>
+              <a:cs typeface="Georgia"/>
+              <a:sym typeface="Georgia"/>
+            </a:endParaRPr>
+          </a:p>
+          <a:p>
+            <a:pPr marL="0" lvl="0" indent="0" rtl="0">
+              <a:spcBef>
+                <a:spcPts val="0"/>
+              </a:spcBef>
+              <a:buClr>
+                <a:srgbClr val="000000"/>
+              </a:buClr>
+              <a:buSzPct val="100000"/>
+              <a:buFont typeface="Georgia"/>
+              <a:buNone/>
+            </a:pPr>
+            <a:r>
+              <a:rPr lang="en-US" sz="1200" dirty="0" err="1" smtClean="0">
+                <a:latin typeface="Helvetica Neue"/>
+                <a:ea typeface="Georgia"/>
+                <a:cs typeface="Georgia"/>
+                <a:sym typeface="Georgia"/>
+              </a:rPr>
+              <a:t>visualise</a:t>
+            </a:r>
             <a:r>
               <a:rPr lang="en-US" sz="1200" dirty="0" smtClean="0">
                 <a:latin typeface="Helvetica Neue"/>
@@ -3429,121 +3212,14 @@
                 <a:cs typeface="Georgia"/>
                 <a:sym typeface="Georgia"/>
               </a:rPr>
-              <a:t>Data collection content requires stricter matching than matching based on data collection characteristics</a:t>
+              <a:t> (next slide)</a:t>
             </a:r>
-          </a:p>
-          <a:p>
-            <a:pPr lvl="0" rtl="0">
-              <a:spcBef>
-                <a:spcPts val="0"/>
-              </a:spcBef>
-              <a:buClr>
-                <a:srgbClr val="000000"/>
-              </a:buClr>
-              <a:buSzPct val="100000"/>
-            </a:pPr>
-            <a:r>
-              <a:rPr lang="en-US" sz="1200" dirty="0" smtClean="0">
-                <a:latin typeface="Helvetica Neue"/>
-                <a:ea typeface="Georgia"/>
-                <a:cs typeface="Georgia"/>
-                <a:sym typeface="Georgia"/>
-              </a:rPr>
-              <a:t>	</a:t>
-            </a:r>
-            <a:r>
-              <a:rPr lang="en-US" sz="1200" b="1" dirty="0" smtClean="0">
-                <a:latin typeface="Helvetica Neue"/>
-                <a:ea typeface="Georgia"/>
-                <a:cs typeface="Georgia"/>
-                <a:sym typeface="Georgia"/>
-              </a:rPr>
-              <a:t>example: </a:t>
-            </a:r>
-            <a:r>
-              <a:rPr lang="en-US" sz="1200" i="1" dirty="0" smtClean="0">
-                <a:latin typeface="Helvetica Neue"/>
-                <a:ea typeface="Georgia"/>
-                <a:cs typeface="Georgia"/>
-                <a:sym typeface="Georgia"/>
-              </a:rPr>
-              <a:t>Given rainfall or topology measurements,</a:t>
-            </a:r>
-            <a:r>
-              <a:rPr lang="en-US" sz="1200" i="1" baseline="0" dirty="0" smtClean="0">
-                <a:latin typeface="Helvetica Neue"/>
-                <a:ea typeface="Georgia"/>
-                <a:cs typeface="Georgia"/>
-                <a:sym typeface="Georgia"/>
-              </a:rPr>
-              <a:t> </a:t>
-            </a:r>
-            <a:r>
-              <a:rPr lang="en-US" sz="1200" i="1" dirty="0" smtClean="0">
-                <a:latin typeface="Helvetica Neue"/>
-                <a:ea typeface="Georgia"/>
-                <a:cs typeface="Georgia"/>
-                <a:sym typeface="Georgia"/>
-              </a:rPr>
-              <a:t>determine which tools within a hydrological model can</a:t>
-            </a:r>
-            <a:r>
-              <a:rPr lang="en-US" sz="1200" i="1" baseline="0" dirty="0" smtClean="0">
-                <a:latin typeface="Helvetica Neue"/>
-                <a:ea typeface="Georgia"/>
-                <a:cs typeface="Georgia"/>
-                <a:sym typeface="Georgia"/>
-              </a:rPr>
-              <a:t> </a:t>
-            </a:r>
-            <a:r>
-              <a:rPr lang="en-US" sz="1200" i="1" dirty="0" smtClean="0">
-                <a:latin typeface="Helvetica Neue"/>
-                <a:ea typeface="Georgia"/>
-                <a:cs typeface="Georgia"/>
-                <a:sym typeface="Georgia"/>
-              </a:rPr>
-              <a:t>be used with that data content</a:t>
-            </a:r>
-          </a:p>
-          <a:p>
-            <a:pPr lvl="0" rtl="0">
-              <a:spcBef>
-                <a:spcPts val="0"/>
-              </a:spcBef>
-              <a:buClr>
-                <a:srgbClr val="000000"/>
-              </a:buClr>
-              <a:buSzPct val="100000"/>
-            </a:pPr>
-            <a:endParaRPr lang="en-US" sz="1200" i="1" dirty="0" smtClean="0">
+            <a:endParaRPr lang="en-US" sz="1200" dirty="0" smtClean="0">
               <a:latin typeface="Helvetica Neue"/>
               <a:ea typeface="Georgia"/>
               <a:cs typeface="Georgia"/>
               <a:sym typeface="Georgia"/>
             </a:endParaRPr>
-          </a:p>
-          <a:p>
-            <a:pPr marL="0" lvl="0" indent="0" rtl="0">
-              <a:spcBef>
-                <a:spcPts val="0"/>
-              </a:spcBef>
-              <a:buClr>
-                <a:srgbClr val="000000"/>
-              </a:buClr>
-              <a:buSzPct val="100000"/>
-              <a:buFont typeface="Georgia"/>
-              <a:buNone/>
-            </a:pPr>
-            <a:r>
-              <a:rPr lang="en-US" sz="1200" dirty="0" smtClean="0">
-                <a:latin typeface="Helvetica Neue"/>
-                <a:ea typeface="Georgia"/>
-                <a:cs typeface="Georgia"/>
-                <a:sym typeface="Georgia"/>
-              </a:rPr>
-              <a:t>Match to tools that the model as a whole might not be able to match</a:t>
-            </a:r>
           </a:p>
         </p:txBody>
       </p:sp>
@@ -3607,11 +3283,11 @@
 </file>
 
 <file path=ppt/notesSlides/notesSlide8.xml><?xml version="1.0" encoding="utf-8"?>
-<p:notes xmlns:a="http://schemas.openxmlformats.org/drawingml/2006/main" xmlns:r="http://schemas.openxmlformats.org/officeDocument/2006/relationships" xmlns:p="http://schemas.openxmlformats.org/presentationml/2006/main" showMasterSp="0" showMasterPhAnim="0">
+<p:notes xmlns:a="http://schemas.openxmlformats.org/drawingml/2006/main" xmlns:r="http://schemas.openxmlformats.org/officeDocument/2006/relationships" xmlns:p="http://schemas.openxmlformats.org/presentationml/2006/main">
   <p:cSld>
     <p:spTree>
       <p:nvGrpSpPr>
-        <p:cNvPr id="1" name="Shape 223"/>
+        <p:cNvPr id="1" name=""/>
         <p:cNvGrpSpPr/>
         <p:nvPr/>
       </p:nvGrpSpPr>
@@ -3625,7 +3301,248 @@
       </p:grpSpPr>
       <p:sp>
         <p:nvSpPr>
-          <p:cNvPr id="224" name="Shape 224"/>
+          <p:cNvPr id="2" name="Slide Image Placeholder 1"/>
+          <p:cNvSpPr>
+            <a:spLocks noGrp="1" noRot="1" noChangeAspect="1"/>
+          </p:cNvSpPr>
+          <p:nvPr>
+            <p:ph type="sldImg"/>
+          </p:nvPr>
+        </p:nvSpPr>
+        <p:spPr/>
+      </p:sp>
+      <p:sp>
+        <p:nvSpPr>
+          <p:cNvPr id="3" name="Notes Placeholder 2"/>
+          <p:cNvSpPr>
+            <a:spLocks noGrp="1"/>
+          </p:cNvSpPr>
+          <p:nvPr>
+            <p:ph type="body" idx="1"/>
+          </p:nvPr>
+        </p:nvSpPr>
+        <p:spPr/>
+        <p:txBody>
+          <a:bodyPr/>
+          <a:lstStyle/>
+          <a:p>
+            <a:r>
+              <a:rPr lang="en-US" dirty="0" smtClean="0"/>
+              <a:t>Swath == irregular</a:t>
+            </a:r>
+            <a:r>
+              <a:rPr lang="en-US" baseline="0" dirty="0" smtClean="0"/>
+              <a:t> grid structure; can panoply plot all irregular grids, or is this a f of data format (or some other variable)</a:t>
+            </a:r>
+          </a:p>
+          <a:p>
+            <a:endParaRPr lang="en-US" dirty="0" smtClean="0"/>
+          </a:p>
+          <a:p>
+            <a:r>
+              <a:rPr lang="en-US" dirty="0" smtClean="0"/>
+              <a:t>Statement</a:t>
+            </a:r>
+            <a:r>
+              <a:rPr lang="en-US" dirty="0" smtClean="0"/>
+              <a:t>: AIRS2010.08.11.095.L2 is a data set.</a:t>
+            </a:r>
+          </a:p>
+          <a:p>
+            <a:r>
+              <a:rPr lang="en-US" dirty="0" smtClean="0"/>
+              <a:t>Statement: AIRS…  grid structure is a Swath.</a:t>
+            </a:r>
+          </a:p>
+          <a:p>
+            <a:r>
+              <a:rPr lang="en-US" dirty="0" smtClean="0"/>
+              <a:t>Statement: AIRS… data format is HDF4.</a:t>
+            </a:r>
+          </a:p>
+          <a:p>
+            <a:r>
+              <a:rPr lang="en-US" dirty="0" smtClean="0"/>
+              <a:t>Statement: Panoply can plot AIRS2010.08.11.095.L2 linearly</a:t>
+            </a:r>
+          </a:p>
+          <a:p>
+            <a:endParaRPr lang="en-US" dirty="0" smtClean="0"/>
+          </a:p>
+          <a:p>
+            <a:r>
+              <a:rPr lang="en-US" dirty="0" smtClean="0"/>
+              <a:t>Q: If we see a lot of assertions like these, can we generalize them to say that Panoply can visualize *any* swath data in HDF format as a line plot? </a:t>
+            </a:r>
+          </a:p>
+        </p:txBody>
+      </p:sp>
+      <p:sp>
+        <p:nvSpPr>
+          <p:cNvPr id="4" name="Slide Number Placeholder 3"/>
+          <p:cNvSpPr>
+            <a:spLocks noGrp="1"/>
+          </p:cNvSpPr>
+          <p:nvPr>
+            <p:ph type="sldNum" idx="10"/>
+          </p:nvPr>
+        </p:nvSpPr>
+        <p:spPr/>
+        <p:txBody>
+          <a:bodyPr/>
+          <a:lstStyle/>
+          <a:p>
+            <a:pPr marL="0" lvl="0" indent="-88900">
+              <a:spcBef>
+                <a:spcPts val="0"/>
+              </a:spcBef>
+              <a:buClr>
+                <a:srgbClr val="000000"/>
+              </a:buClr>
+              <a:buFont typeface="Arial"/>
+              <a:buChar char="●"/>
+            </a:pPr>
+            <a:endParaRPr lang="en-GB" smtClean="0"/>
+          </a:p>
+          <a:p>
+            <a:pPr marL="0" lvl="1" indent="-88900">
+              <a:spcBef>
+                <a:spcPts val="0"/>
+              </a:spcBef>
+              <a:buClr>
+                <a:srgbClr val="000000"/>
+              </a:buClr>
+              <a:buFont typeface="Courier New"/>
+              <a:buChar char="o"/>
+            </a:pPr>
+            <a:endParaRPr lang="en-GB" smtClean="0"/>
+          </a:p>
+          <a:p>
+            <a:pPr marL="0" lvl="2" indent="-88900">
+              <a:spcBef>
+                <a:spcPts val="0"/>
+              </a:spcBef>
+              <a:buClr>
+                <a:srgbClr val="000000"/>
+              </a:buClr>
+              <a:buFont typeface="Wingdings"/>
+              <a:buChar char="§"/>
+            </a:pPr>
+            <a:endParaRPr lang="en-GB" smtClean="0"/>
+          </a:p>
+          <a:p>
+            <a:pPr marL="0" lvl="3" indent="-88900">
+              <a:spcBef>
+                <a:spcPts val="0"/>
+              </a:spcBef>
+              <a:buClr>
+                <a:srgbClr val="000000"/>
+              </a:buClr>
+              <a:buFont typeface="Arial"/>
+              <a:buChar char="●"/>
+            </a:pPr>
+            <a:endParaRPr lang="en-GB" smtClean="0"/>
+          </a:p>
+          <a:p>
+            <a:pPr marL="0" lvl="4" indent="-88900">
+              <a:spcBef>
+                <a:spcPts val="0"/>
+              </a:spcBef>
+              <a:buClr>
+                <a:srgbClr val="000000"/>
+              </a:buClr>
+              <a:buFont typeface="Courier New"/>
+              <a:buChar char="o"/>
+            </a:pPr>
+            <a:endParaRPr lang="en-GB" smtClean="0"/>
+          </a:p>
+          <a:p>
+            <a:pPr marL="0" lvl="5" indent="-88900">
+              <a:spcBef>
+                <a:spcPts val="0"/>
+              </a:spcBef>
+              <a:buClr>
+                <a:srgbClr val="000000"/>
+              </a:buClr>
+              <a:buFont typeface="Wingdings"/>
+              <a:buChar char="§"/>
+            </a:pPr>
+            <a:endParaRPr lang="en-GB" smtClean="0"/>
+          </a:p>
+          <a:p>
+            <a:pPr marL="0" lvl="6" indent="-88900">
+              <a:spcBef>
+                <a:spcPts val="0"/>
+              </a:spcBef>
+              <a:buClr>
+                <a:srgbClr val="000000"/>
+              </a:buClr>
+              <a:buFont typeface="Arial"/>
+              <a:buChar char="●"/>
+            </a:pPr>
+            <a:endParaRPr lang="en-GB" smtClean="0"/>
+          </a:p>
+          <a:p>
+            <a:pPr marL="0" lvl="7" indent="-88900">
+              <a:spcBef>
+                <a:spcPts val="0"/>
+              </a:spcBef>
+              <a:buClr>
+                <a:srgbClr val="000000"/>
+              </a:buClr>
+              <a:buFont typeface="Courier New"/>
+              <a:buChar char="o"/>
+            </a:pPr>
+            <a:endParaRPr lang="en-GB" smtClean="0"/>
+          </a:p>
+          <a:p>
+            <a:pPr marL="0" lvl="8" indent="-88900">
+              <a:spcBef>
+                <a:spcPts val="0"/>
+              </a:spcBef>
+              <a:buClr>
+                <a:srgbClr val="000000"/>
+              </a:buClr>
+              <a:buFont typeface="Wingdings"/>
+              <a:buChar char="§"/>
+            </a:pPr>
+            <a:endParaRPr lang="en-GB"/>
+          </a:p>
+        </p:txBody>
+      </p:sp>
+    </p:spTree>
+    <p:extLst>
+      <p:ext uri="{BB962C8B-B14F-4D97-AF65-F5344CB8AC3E}">
+        <p14:creationId xmlns:p14="http://schemas.microsoft.com/office/powerpoint/2010/main" val="3847108746"/>
+      </p:ext>
+    </p:extLst>
+  </p:cSld>
+  <p:clrMapOvr>
+    <a:masterClrMapping/>
+  </p:clrMapOvr>
+</p:notes>
+</file>
+
+<file path=ppt/notesSlides/notesSlide9.xml><?xml version="1.0" encoding="utf-8"?>
+<p:notes xmlns:a="http://schemas.openxmlformats.org/drawingml/2006/main" xmlns:r="http://schemas.openxmlformats.org/officeDocument/2006/relationships" xmlns:p="http://schemas.openxmlformats.org/presentationml/2006/main" showMasterSp="0" showMasterPhAnim="0">
+  <p:cSld>
+    <p:spTree>
+      <p:nvGrpSpPr>
+        <p:cNvPr id="1" name="Shape 311"/>
+        <p:cNvGrpSpPr/>
+        <p:nvPr/>
+      </p:nvGrpSpPr>
+      <p:grpSpPr>
+        <a:xfrm>
+          <a:off x="0" y="0"/>
+          <a:ext cx="0" cy="0"/>
+          <a:chOff x="0" y="0"/>
+          <a:chExt cx="0" cy="0"/>
+        </a:xfrm>
+      </p:grpSpPr>
+      <p:sp>
+        <p:nvSpPr>
+          <p:cNvPr id="312" name="Shape 312"/>
           <p:cNvSpPr txBox="1">
             <a:spLocks noGrp="1"/>
           </p:cNvSpPr>
@@ -3658,51 +3575,46 @@
               <a:spcAft>
                 <a:spcPts val="0"/>
               </a:spcAft>
-              <a:buClr>
-                <a:srgbClr val="000000"/>
-              </a:buClr>
-              <a:buSzPct val="100000"/>
-              <a:buFont typeface="Georgia"/>
+              <a:buClrTx/>
+              <a:buSzTx/>
+              <a:buFontTx/>
               <a:buNone/>
               <a:tabLst/>
               <a:defRPr/>
             </a:pPr>
             <a:r>
-              <a:rPr lang="en-GB" sz="1200" b="0" i="0" u="none" strike="noStrike" kern="1200" dirty="0" smtClean="0">
-                <a:solidFill>
-                  <a:schemeClr val="tx1"/>
-                </a:solidFill>
-                <a:latin typeface="+mn-lt"/>
-                <a:ea typeface="+mn-ea"/>
-                <a:cs typeface="+mn-cs"/>
+              <a:rPr lang="en-GB" sz="1200" dirty="0" smtClean="0">
+                <a:latin typeface="Helvetica Neue"/>
               </a:rPr>
-              <a:t>In order to get to a richer semantic description (i.e. increasingly descriptive concepts/classes and relationships) we want glean descriptions of user experiences.  From this, we hope to model “critical” features in greater detail (increased granularity).  The richer semantics will provide increased reasoning capability via a web service.  These services is (or, will be) designed to provide machine-aided discovery of tools and data to Earth scientists of all backgrounds and levels.</a:t>
+              <a:t>Be more descriptive here (from Soren) </a:t>
             </a:r>
           </a:p>
           <a:p>
-            <a:pPr marL="0" lvl="0" indent="0" rtl="0">
-              <a:spcBef>
-                <a:spcPts val="0"/>
-              </a:spcBef>
-              <a:buClr>
-                <a:srgbClr val="000000"/>
-              </a:buClr>
-              <a:buSzPct val="100000"/>
-              <a:buFont typeface="Georgia"/>
+            <a:pPr lvl="0" rtl="0">
+              <a:spcBef>
+                <a:spcPts val="0"/>
+              </a:spcBef>
               <a:buNone/>
             </a:pPr>
-            <a:endParaRPr lang="en-US" sz="1200" dirty="0" smtClean="0">
-              <a:latin typeface="Helvetica Neue"/>
-              <a:ea typeface="Georgia"/>
-              <a:cs typeface="Georgia"/>
-              <a:sym typeface="Georgia"/>
-            </a:endParaRPr>
+            <a:r>
+              <a:rPr lang="en-GB" dirty="0" smtClean="0"/>
+              <a:t>what is the </a:t>
+            </a:r>
+            <a:r>
+              <a:rPr lang="en-GB" dirty="0" err="1" smtClean="0"/>
+              <a:t>incompatiblity</a:t>
+            </a:r>
+            <a:r>
+              <a:rPr lang="en-GB" dirty="0" smtClean="0"/>
+              <a:t>?</a:t>
+            </a:r>
+            <a:endParaRPr dirty="0"/>
           </a:p>
         </p:txBody>
       </p:sp>
       <p:sp>
         <p:nvSpPr>
-          <p:cNvPr id="225" name="Shape 225"/>
+          <p:cNvPr id="313" name="Shape 313"/>
           <p:cNvSpPr>
             <a:spLocks noGrp="1" noRot="1" noChangeAspect="1"/>
           </p:cNvSpPr>
@@ -3752,231 +3664,6 @@
         </p:spPr>
       </p:sp>
     </p:spTree>
-  </p:cSld>
-  <p:clrMapOvr>
-    <a:masterClrMapping/>
-  </p:clrMapOvr>
-</p:notes>
-</file>
-
-<file path=ppt/notesSlides/notesSlide9.xml><?xml version="1.0" encoding="utf-8"?>
-<p:notes xmlns:a="http://schemas.openxmlformats.org/drawingml/2006/main" xmlns:r="http://schemas.openxmlformats.org/officeDocument/2006/relationships" xmlns:p="http://schemas.openxmlformats.org/presentationml/2006/main">
-  <p:cSld>
-    <p:spTree>
-      <p:nvGrpSpPr>
-        <p:cNvPr id="1" name=""/>
-        <p:cNvGrpSpPr/>
-        <p:nvPr/>
-      </p:nvGrpSpPr>
-      <p:grpSpPr>
-        <a:xfrm>
-          <a:off x="0" y="0"/>
-          <a:ext cx="0" cy="0"/>
-          <a:chOff x="0" y="0"/>
-          <a:chExt cx="0" cy="0"/>
-        </a:xfrm>
-      </p:grpSpPr>
-      <p:sp>
-        <p:nvSpPr>
-          <p:cNvPr id="2" name="Slide Image Placeholder 1"/>
-          <p:cNvSpPr>
-            <a:spLocks noGrp="1" noRot="1" noChangeAspect="1"/>
-          </p:cNvSpPr>
-          <p:nvPr>
-            <p:ph type="sldImg"/>
-          </p:nvPr>
-        </p:nvSpPr>
-        <p:spPr/>
-      </p:sp>
-      <p:sp>
-        <p:nvSpPr>
-          <p:cNvPr id="3" name="Notes Placeholder 2"/>
-          <p:cNvSpPr>
-            <a:spLocks noGrp="1"/>
-          </p:cNvSpPr>
-          <p:nvPr>
-            <p:ph type="body" idx="1"/>
-          </p:nvPr>
-        </p:nvSpPr>
-        <p:spPr/>
-        <p:txBody>
-          <a:bodyPr/>
-          <a:lstStyle/>
-          <a:p>
-            <a:r>
-              <a:rPr lang="en-US" dirty="0" smtClean="0"/>
-              <a:t>Statement: AIRS2010.08.11.095.L2 is a data set.</a:t>
-            </a:r>
-          </a:p>
-          <a:p>
-            <a:r>
-              <a:rPr lang="en-US" dirty="0" smtClean="0"/>
-              <a:t>Statement: AIRS…  grid structure is a Swath.</a:t>
-            </a:r>
-          </a:p>
-          <a:p>
-            <a:r>
-              <a:rPr lang="en-US" dirty="0" smtClean="0"/>
-              <a:t>Statement: AIRS… data format is HDF4.</a:t>
-            </a:r>
-          </a:p>
-          <a:p>
-            <a:r>
-              <a:rPr lang="en-US" dirty="0" smtClean="0"/>
-              <a:t>Statement: Panoply can plot AIRS2010.08.11.095.L2 linearly</a:t>
-            </a:r>
-          </a:p>
-          <a:p>
-            <a:endParaRPr lang="en-US" dirty="0" smtClean="0"/>
-          </a:p>
-          <a:p>
-            <a:r>
-              <a:rPr lang="en-US" dirty="0" smtClean="0"/>
-              <a:t>Q: If we see a lot of assertions like these, can we generalize them to say that Panoply can visualize *any* swath data in HDF format as a line plot? </a:t>
-            </a:r>
-            <a:endParaRPr lang="en-US" dirty="0" smtClean="0"/>
-          </a:p>
-        </p:txBody>
-      </p:sp>
-      <p:sp>
-        <p:nvSpPr>
-          <p:cNvPr id="4" name="Slide Number Placeholder 3"/>
-          <p:cNvSpPr>
-            <a:spLocks noGrp="1"/>
-          </p:cNvSpPr>
-          <p:nvPr>
-            <p:ph type="sldNum" idx="10"/>
-          </p:nvPr>
-        </p:nvSpPr>
-        <p:spPr/>
-        <p:txBody>
-          <a:bodyPr/>
-          <a:lstStyle/>
-          <a:p>
-            <a:pPr marL="0" lvl="0" indent="-88900">
-              <a:spcBef>
-                <a:spcPts val="0"/>
-              </a:spcBef>
-              <a:buClr>
-                <a:srgbClr val="000000"/>
-              </a:buClr>
-              <a:buFont typeface="Arial"/>
-              <a:buChar char="●"/>
-            </a:pPr>
-            <a:endParaRPr lang="en-GB" smtClean="0"/>
-          </a:p>
-          <a:p>
-            <a:pPr marL="0" lvl="1" indent="-88900">
-              <a:spcBef>
-                <a:spcPts val="0"/>
-              </a:spcBef>
-              <a:buClr>
-                <a:srgbClr val="000000"/>
-              </a:buClr>
-              <a:buFont typeface="Courier New"/>
-              <a:buChar char="o"/>
-            </a:pPr>
-            <a:endParaRPr lang="en-GB" smtClean="0"/>
-          </a:p>
-          <a:p>
-            <a:pPr marL="0" lvl="2" indent="-88900">
-              <a:spcBef>
-                <a:spcPts val="0"/>
-              </a:spcBef>
-              <a:buClr>
-                <a:srgbClr val="000000"/>
-              </a:buClr>
-              <a:buFont typeface="Wingdings"/>
-              <a:buChar char="§"/>
-            </a:pPr>
-            <a:endParaRPr lang="en-GB" smtClean="0"/>
-          </a:p>
-          <a:p>
-            <a:pPr marL="0" lvl="3" indent="-88900">
-              <a:spcBef>
-                <a:spcPts val="0"/>
-              </a:spcBef>
-              <a:buClr>
-                <a:srgbClr val="000000"/>
-              </a:buClr>
-              <a:buFont typeface="Arial"/>
-              <a:buChar char="●"/>
-            </a:pPr>
-            <a:endParaRPr lang="en-GB" smtClean="0"/>
-          </a:p>
-          <a:p>
-            <a:pPr marL="0" lvl="4" indent="-88900">
-              <a:spcBef>
-                <a:spcPts val="0"/>
-              </a:spcBef>
-              <a:buClr>
-                <a:srgbClr val="000000"/>
-              </a:buClr>
-              <a:buFont typeface="Courier New"/>
-              <a:buChar char="o"/>
-            </a:pPr>
-            <a:endParaRPr lang="en-GB" smtClean="0"/>
-          </a:p>
-          <a:p>
-            <a:pPr marL="0" lvl="5" indent="-88900">
-              <a:spcBef>
-                <a:spcPts val="0"/>
-              </a:spcBef>
-              <a:buClr>
-                <a:srgbClr val="000000"/>
-              </a:buClr>
-              <a:buFont typeface="Wingdings"/>
-              <a:buChar char="§"/>
-            </a:pPr>
-            <a:endParaRPr lang="en-GB" smtClean="0"/>
-          </a:p>
-          <a:p>
-            <a:pPr marL="0" lvl="6" indent="-88900">
-              <a:spcBef>
-                <a:spcPts val="0"/>
-              </a:spcBef>
-              <a:buClr>
-                <a:srgbClr val="000000"/>
-              </a:buClr>
-              <a:buFont typeface="Arial"/>
-              <a:buChar char="●"/>
-            </a:pPr>
-            <a:endParaRPr lang="en-GB" smtClean="0"/>
-          </a:p>
-          <a:p>
-            <a:pPr marL="0" lvl="7" indent="-88900">
-              <a:spcBef>
-                <a:spcPts val="0"/>
-              </a:spcBef>
-              <a:buClr>
-                <a:srgbClr val="000000"/>
-              </a:buClr>
-              <a:buFont typeface="Courier New"/>
-              <a:buChar char="o"/>
-            </a:pPr>
-            <a:endParaRPr lang="en-GB" smtClean="0"/>
-          </a:p>
-          <a:p>
-            <a:pPr marL="0" lvl="8" indent="-88900">
-              <a:spcBef>
-                <a:spcPts val="0"/>
-              </a:spcBef>
-              <a:buClr>
-                <a:srgbClr val="000000"/>
-              </a:buClr>
-              <a:buFont typeface="Wingdings"/>
-              <a:buChar char="§"/>
-            </a:pPr>
-            <a:endParaRPr lang="en-GB"/>
-          </a:p>
-        </p:txBody>
-      </p:sp>
-    </p:spTree>
-    <p:extLst>
-      <p:ext uri="{BB962C8B-B14F-4D97-AF65-F5344CB8AC3E}">
-        <p14:creationId xmlns:p14="http://schemas.microsoft.com/office/powerpoint/2010/main" val="3847108746"/>
-      </p:ext>
-    </p:extLst>
   </p:cSld>
   <p:clrMapOvr>
     <a:masterClrMapping/>
@@ -16811,7 +16498,7 @@
     <p:sldLayoutId id="2147483655" r:id="rId8"/>
     <p:sldLayoutId id="2147483656" r:id="rId9"/>
   </p:sldLayoutIdLst>
-  <p:hf sldNum="0" hdr="0" ftr="0" dt="0"/>
+  <p:hf hdr="0" dt="0"/>
   <p:txStyles>
     <p:titleStyle>
       <a:defPPr marR="0" algn="l" rtl="0">
@@ -18380,7 +18067,7 @@
     <p:sldLayoutId id="2147483666" r:id="rId9"/>
     <p:sldLayoutId id="2147483667" r:id="rId10"/>
   </p:sldLayoutIdLst>
-  <p:hf sldNum="0" hdr="0" ftr="0" dt="0"/>
+  <p:hf hdr="0" dt="0"/>
   <p:txStyles>
     <p:titleStyle>
       <a:defPPr marR="0" algn="l" rtl="0">
@@ -19227,19 +18914,7 @@
                 <a:cs typeface="Helvetica Neue"/>
                 <a:sym typeface="Helvetica Neue"/>
               </a:rPr>
-              <a:t>ers</a:t>
-            </a:r>
-            <a:r>
-              <a:rPr lang="en-US" sz="2800" b="0" i="0" u="none" strike="noStrike" cap="none" baseline="0" dirty="0" smtClean="0">
-                <a:solidFill>
-                  <a:schemeClr val="dk1"/>
-                </a:solidFill>
-                <a:latin typeface="Helvetica Neue"/>
-                <a:ea typeface="Helvetica Neue"/>
-                <a:cs typeface="Helvetica Neue"/>
-                <a:sym typeface="Helvetica Neue"/>
-              </a:rPr>
-              <a:t>: Nancy,</a:t>
+              <a:t>ers: Nancy,</a:t>
             </a:r>
             <a:r>
               <a:rPr lang="en-US" sz="2800" b="0" i="0" u="none" strike="noStrike" cap="none" dirty="0" smtClean="0">
@@ -19251,19 +18926,7 @@
                 <a:cs typeface="Helvetica Neue"/>
                 <a:sym typeface="Helvetica Neue"/>
               </a:rPr>
-              <a:t> </a:t>
-            </a:r>
-            <a:r>
-              <a:rPr lang="en-US" sz="2800" b="0" i="0" u="none" strike="noStrike" cap="none" dirty="0" smtClean="0">
-                <a:solidFill>
-                  <a:schemeClr val="dk1"/>
-                </a:solidFill>
-                <a:latin typeface="Helvetica Neue"/>
-                <a:ea typeface="Helvetica Neue"/>
-                <a:cs typeface="Helvetica Neue"/>
-                <a:sym typeface="Helvetica Neue"/>
-              </a:rPr>
-              <a:t>Beth, Chris, Soren, and </a:t>
+              <a:t> Beth, Chris, Soren, and </a:t>
             </a:r>
             <a:r>
               <a:rPr lang="en-US" sz="2800" i="1" dirty="0" smtClean="0">
@@ -19564,6 +19227,139 @@
           </a:extLst>
         </p:spPr>
       </p:pic>
+      <p:sp>
+        <p:nvSpPr>
+          <p:cNvPr id="3" name="Slide Number Placeholder 2"/>
+          <p:cNvSpPr>
+            <a:spLocks noGrp="1"/>
+          </p:cNvSpPr>
+          <p:nvPr>
+            <p:ph type="sldNum" idx="12"/>
+          </p:nvPr>
+        </p:nvSpPr>
+        <p:spPr/>
+        <p:txBody>
+          <a:bodyPr/>
+          <a:lstStyle/>
+          <a:p>
+            <a:pPr marL="0" lvl="0" indent="-88900">
+              <a:spcBef>
+                <a:spcPts val="0"/>
+              </a:spcBef>
+              <a:buClr>
+                <a:srgbClr val="000000"/>
+              </a:buClr>
+              <a:buFont typeface="Arial"/>
+              <a:buChar char="●"/>
+            </a:pPr>
+            <a:endParaRPr lang="en-GB" smtClean="0"/>
+          </a:p>
+          <a:p>
+            <a:pPr marL="650164" lvl="1" indent="-91364">
+              <a:spcBef>
+                <a:spcPts val="0"/>
+              </a:spcBef>
+              <a:buClr>
+                <a:srgbClr val="000000"/>
+              </a:buClr>
+              <a:buFont typeface="Courier New"/>
+              <a:buChar char="o"/>
+            </a:pPr>
+            <a:endParaRPr lang="en-GB" smtClean="0"/>
+          </a:p>
+          <a:p>
+            <a:pPr marL="1300326" lvl="2" indent="-93825">
+              <a:spcBef>
+                <a:spcPts val="0"/>
+              </a:spcBef>
+              <a:buClr>
+                <a:srgbClr val="000000"/>
+              </a:buClr>
+              <a:buFont typeface="Wingdings"/>
+              <a:buChar char="§"/>
+            </a:pPr>
+            <a:endParaRPr lang="en-GB" smtClean="0"/>
+          </a:p>
+          <a:p>
+            <a:pPr marL="1950490" lvl="3" indent="-96290">
+              <a:spcBef>
+                <a:spcPts val="0"/>
+              </a:spcBef>
+              <a:buClr>
+                <a:srgbClr val="000000"/>
+              </a:buClr>
+              <a:buFont typeface="Arial"/>
+              <a:buChar char="●"/>
+            </a:pPr>
+            <a:endParaRPr lang="en-GB" smtClean="0"/>
+          </a:p>
+          <a:p>
+            <a:pPr marL="2600653" lvl="4" indent="-98753">
+              <a:spcBef>
+                <a:spcPts val="0"/>
+              </a:spcBef>
+              <a:buClr>
+                <a:srgbClr val="000000"/>
+              </a:buClr>
+              <a:buFont typeface="Courier New"/>
+              <a:buChar char="o"/>
+            </a:pPr>
+            <a:endParaRPr lang="en-GB" smtClean="0"/>
+          </a:p>
+          <a:p>
+            <a:pPr marL="3250816" lvl="5" indent="-101215">
+              <a:spcBef>
+                <a:spcPts val="0"/>
+              </a:spcBef>
+              <a:buClr>
+                <a:srgbClr val="000000"/>
+              </a:buClr>
+              <a:buFont typeface="Wingdings"/>
+              <a:buChar char="§"/>
+            </a:pPr>
+            <a:endParaRPr lang="en-GB" smtClean="0"/>
+          </a:p>
+          <a:p>
+            <a:pPr marL="3900981" lvl="6" indent="-90980">
+              <a:spcBef>
+                <a:spcPts val="0"/>
+              </a:spcBef>
+              <a:buClr>
+                <a:srgbClr val="000000"/>
+              </a:buClr>
+              <a:buFont typeface="Arial"/>
+              <a:buChar char="●"/>
+            </a:pPr>
+            <a:endParaRPr lang="en-GB" smtClean="0"/>
+          </a:p>
+          <a:p>
+            <a:pPr marL="4551142" lvl="7" indent="-93441">
+              <a:spcBef>
+                <a:spcPts val="0"/>
+              </a:spcBef>
+              <a:buClr>
+                <a:srgbClr val="000000"/>
+              </a:buClr>
+              <a:buFont typeface="Courier New"/>
+              <a:buChar char="o"/>
+            </a:pPr>
+            <a:endParaRPr lang="en-GB" smtClean="0"/>
+          </a:p>
+          <a:p>
+            <a:pPr marL="5201307" lvl="8" indent="-95906">
+              <a:spcBef>
+                <a:spcPts val="0"/>
+              </a:spcBef>
+              <a:buClr>
+                <a:srgbClr val="000000"/>
+              </a:buClr>
+              <a:buFont typeface="Wingdings"/>
+              <a:buChar char="§"/>
+            </a:pPr>
+            <a:endParaRPr lang="en-GB"/>
+          </a:p>
+        </p:txBody>
+      </p:sp>
     </p:spTree>
   </p:cSld>
   <p:clrMapOvr>
@@ -19611,360 +19407,6 @@
         </p:nvSpPr>
         <p:spPr>
           <a:xfrm>
-            <a:off x="351725" y="151125"/>
-            <a:ext cx="9924000" cy="1415100"/>
-          </a:xfrm>
-          <a:prstGeom prst="rect">
-            <a:avLst/>
-          </a:prstGeom>
-          <a:noFill/>
-          <a:ln>
-            <a:noFill/>
-          </a:ln>
-        </p:spPr>
-        <p:txBody>
-          <a:bodyPr lIns="91400" tIns="91400" rIns="91400" bIns="91400" anchor="t" anchorCtr="0">
-            <a:noAutofit/>
-          </a:bodyPr>
-          <a:lstStyle/>
-          <a:p>
-            <a:pPr marL="0" marR="0" lvl="0" indent="0" algn="l" rtl="0">
-              <a:lnSpc>
-                <a:spcPct val="100000"/>
-              </a:lnSpc>
-              <a:spcBef>
-                <a:spcPts val="0"/>
-              </a:spcBef>
-              <a:spcAft>
-                <a:spcPts val="0"/>
-              </a:spcAft>
-              <a:buClr>
-                <a:schemeClr val="dk1"/>
-              </a:buClr>
-              <a:buSzPct val="25000"/>
-              <a:buFont typeface="Helvetica Neue"/>
-              <a:buNone/>
-            </a:pPr>
-            <a:r>
-              <a:rPr lang="en-US" sz="4400" dirty="0" smtClean="0">
-                <a:solidFill>
-                  <a:schemeClr val="dk1"/>
-                </a:solidFill>
-                <a:latin typeface="Helvetica Neue"/>
-                <a:ea typeface="Helvetica Neue"/>
-                <a:cs typeface="Helvetica Neue"/>
-                <a:sym typeface="Helvetica Neue"/>
-              </a:rPr>
-              <a:t>so…</a:t>
-            </a:r>
-            <a:br>
-              <a:rPr lang="en-US" sz="4400" dirty="0" smtClean="0">
-                <a:solidFill>
-                  <a:schemeClr val="dk1"/>
-                </a:solidFill>
-                <a:latin typeface="Helvetica Neue"/>
-                <a:ea typeface="Helvetica Neue"/>
-                <a:cs typeface="Helvetica Neue"/>
-                <a:sym typeface="Helvetica Neue"/>
-              </a:rPr>
-            </a:br>
-            <a:r>
-              <a:rPr lang="en-US" sz="4400" dirty="0" smtClean="0">
-                <a:solidFill>
-                  <a:schemeClr val="dk1"/>
-                </a:solidFill>
-                <a:latin typeface="Helvetica Neue"/>
-                <a:ea typeface="Helvetica Neue"/>
-                <a:cs typeface="Helvetica Neue"/>
-                <a:sym typeface="Helvetica Neue"/>
-              </a:rPr>
-              <a:t>what is this sprint about?</a:t>
-            </a:r>
-            <a:endParaRPr lang="en-US" sz="4400" dirty="0">
-              <a:solidFill>
-                <a:schemeClr val="dk1"/>
-              </a:solidFill>
-              <a:latin typeface="Helvetica Neue"/>
-              <a:ea typeface="Helvetica Neue"/>
-              <a:cs typeface="Helvetica Neue"/>
-              <a:sym typeface="Helvetica Neue"/>
-            </a:endParaRPr>
-          </a:p>
-        </p:txBody>
-      </p:sp>
-      <p:sp>
-        <p:nvSpPr>
-          <p:cNvPr id="3" name="Rectangle 2"/>
-          <p:cNvSpPr/>
-          <p:nvPr/>
-        </p:nvSpPr>
-        <p:spPr>
-          <a:xfrm>
-            <a:off x="635000" y="2514600"/>
-            <a:ext cx="11811000" cy="6709529"/>
-          </a:xfrm>
-          <a:prstGeom prst="rect">
-            <a:avLst/>
-          </a:prstGeom>
-        </p:spPr>
-        <p:txBody>
-          <a:bodyPr wrap="square">
-            <a:spAutoFit/>
-          </a:bodyPr>
-          <a:lstStyle/>
-          <a:p>
-            <a:pPr latinLnBrk="1"/>
-            <a:r>
-              <a:rPr lang="en-US" sz="3200" dirty="0" smtClean="0">
-                <a:latin typeface="Helvetica Neue"/>
-              </a:rPr>
-              <a:t>Statements about experiences</a:t>
-            </a:r>
-          </a:p>
-          <a:p>
-            <a:pPr latinLnBrk="1"/>
-            <a:endParaRPr lang="en-US" sz="3200" dirty="0">
-              <a:latin typeface="Helvetica Neue"/>
-            </a:endParaRPr>
-          </a:p>
-          <a:p>
-            <a:pPr marL="457200" indent="-457200">
-              <a:buFont typeface="Arial" panose="020B0604020202020204" pitchFamily="34" charset="0"/>
-              <a:buChar char="•"/>
-            </a:pPr>
-            <a:r>
-              <a:rPr lang="en-GB" sz="3200" dirty="0" smtClean="0">
-                <a:latin typeface="Helvetica Neue"/>
-              </a:rPr>
-              <a:t>What </a:t>
-            </a:r>
-            <a:r>
-              <a:rPr lang="en-GB" sz="3200" dirty="0">
-                <a:latin typeface="Helvetica Neue"/>
-              </a:rPr>
-              <a:t> </a:t>
-            </a:r>
-            <a:r>
-              <a:rPr lang="en-GB" sz="3200" dirty="0" smtClean="0">
-                <a:latin typeface="Helvetica Neue"/>
-              </a:rPr>
-              <a:t>collection of entities – data formats, data collections, tools, </a:t>
-            </a:r>
-            <a:r>
-              <a:rPr lang="en-GB" sz="3200" dirty="0" err="1" smtClean="0">
-                <a:latin typeface="Helvetica Neue"/>
-              </a:rPr>
-              <a:t>filetypes</a:t>
-            </a:r>
-            <a:r>
-              <a:rPr lang="en-GB" sz="3200" dirty="0" smtClean="0">
-                <a:latin typeface="Helvetica Neue"/>
-              </a:rPr>
-              <a:t>, etc. – have you worked with?</a:t>
-            </a:r>
-          </a:p>
-          <a:p>
-            <a:r>
-              <a:rPr lang="en-GB" sz="3200" dirty="0" smtClean="0">
-                <a:latin typeface="Helvetica Neue"/>
-              </a:rPr>
-              <a:t> </a:t>
-            </a:r>
-          </a:p>
-          <a:p>
-            <a:pPr marL="457200" indent="-457200">
-              <a:buFont typeface="Arial" panose="020B0604020202020204" pitchFamily="34" charset="0"/>
-              <a:buChar char="•"/>
-            </a:pPr>
-            <a:r>
-              <a:rPr lang="en-GB" sz="3200" dirty="0" smtClean="0">
-                <a:latin typeface="Helvetica Neue"/>
-              </a:rPr>
-              <a:t>What has worked?</a:t>
-            </a:r>
-            <a:endParaRPr lang="en-GB" sz="3200" dirty="0" smtClean="0">
-              <a:latin typeface="Helvetica Neue"/>
-            </a:endParaRPr>
-          </a:p>
-          <a:p>
-            <a:pPr marL="457200" indent="-457200">
-              <a:buFont typeface="Arial" panose="020B0604020202020204" pitchFamily="34" charset="0"/>
-              <a:buChar char="•"/>
-            </a:pPr>
-            <a:r>
-              <a:rPr lang="en-GB" sz="3200" dirty="0" smtClean="0">
-                <a:latin typeface="Helvetica Neue"/>
-              </a:rPr>
-              <a:t>What has worked </a:t>
-            </a:r>
-            <a:r>
-              <a:rPr lang="en-GB" sz="3200" i="1" dirty="0" smtClean="0">
-                <a:latin typeface="Helvetica Neue"/>
-              </a:rPr>
-              <a:t>well</a:t>
-            </a:r>
-            <a:r>
-              <a:rPr lang="en-GB" sz="3200" dirty="0">
-                <a:latin typeface="Helvetica Neue"/>
-              </a:rPr>
-              <a:t>?</a:t>
-            </a:r>
-            <a:endParaRPr lang="en-GB" sz="3200" dirty="0" smtClean="0">
-              <a:latin typeface="Helvetica Neue"/>
-            </a:endParaRPr>
-          </a:p>
-          <a:p>
-            <a:pPr marL="457200" indent="-457200">
-              <a:buFont typeface="Arial" panose="020B0604020202020204" pitchFamily="34" charset="0"/>
-              <a:buChar char="•"/>
-            </a:pPr>
-            <a:r>
-              <a:rPr lang="en-GB" sz="3200" dirty="0" smtClean="0">
-                <a:latin typeface="Helvetica Neue"/>
-              </a:rPr>
-              <a:t>What</a:t>
-            </a:r>
-            <a:r>
-              <a:rPr lang="en-GB" sz="3200" dirty="0">
-                <a:latin typeface="Helvetica Neue"/>
-              </a:rPr>
-              <a:t>, despite your best efforts, did not?</a:t>
-            </a:r>
-          </a:p>
-          <a:p>
-            <a:endParaRPr lang="en-GB" sz="3200" dirty="0">
-              <a:latin typeface="Helvetica Neue"/>
-            </a:endParaRPr>
-          </a:p>
-          <a:p>
-            <a:pPr marL="457200" indent="-457200">
-              <a:buFont typeface="Arial" panose="020B0604020202020204" pitchFamily="34" charset="0"/>
-              <a:buChar char="•"/>
-            </a:pPr>
-            <a:r>
-              <a:rPr lang="en-GB" sz="3200" dirty="0">
-                <a:latin typeface="Helvetica Neue"/>
-              </a:rPr>
-              <a:t>What has been unclear?  </a:t>
-            </a:r>
-            <a:endParaRPr lang="en-GB" sz="3200" dirty="0">
-              <a:latin typeface="Helvetica Neue"/>
-            </a:endParaRPr>
-          </a:p>
-          <a:p>
-            <a:pPr lvl="8"/>
-            <a:r>
-              <a:rPr lang="en-GB" sz="3200" dirty="0">
-                <a:latin typeface="Helvetica Neue"/>
-              </a:rPr>
-              <a:t>	</a:t>
-            </a:r>
-            <a:r>
-              <a:rPr lang="en-GB" sz="3200" dirty="0" smtClean="0">
-                <a:latin typeface="Helvetica Neue"/>
-              </a:rPr>
-              <a:t>	- </a:t>
-            </a:r>
-            <a:r>
-              <a:rPr lang="en-GB" sz="3200" dirty="0" smtClean="0">
-                <a:latin typeface="Helvetica Neue"/>
-              </a:rPr>
-              <a:t>it </a:t>
-            </a:r>
-            <a:r>
-              <a:rPr lang="en-GB" sz="3200" i="1" dirty="0" smtClean="0">
-                <a:latin typeface="Helvetica Neue"/>
-              </a:rPr>
-              <a:t>might </a:t>
-            </a:r>
-            <a:r>
-              <a:rPr lang="en-GB" sz="3200" dirty="0" smtClean="0">
-                <a:latin typeface="Helvetica Neue"/>
-              </a:rPr>
-              <a:t> have worked if…</a:t>
-            </a:r>
-          </a:p>
-          <a:p>
-            <a:pPr lvl="8"/>
-            <a:r>
-              <a:rPr lang="en-GB" sz="3200" dirty="0">
-                <a:latin typeface="Helvetica Neue"/>
-              </a:rPr>
-              <a:t>	</a:t>
-            </a:r>
-            <a:r>
-              <a:rPr lang="en-GB" sz="3200" dirty="0" smtClean="0">
-                <a:latin typeface="Helvetica Neue"/>
-              </a:rPr>
-              <a:t>	- according to the documentation it should work, but…</a:t>
-            </a:r>
-            <a:endParaRPr lang="en-GB" sz="3200" dirty="0">
-              <a:latin typeface="Helvetica Neue"/>
-            </a:endParaRPr>
-          </a:p>
-          <a:p>
-            <a:endParaRPr lang="en-GB" sz="3200" dirty="0">
-              <a:latin typeface="Helvetica Neue"/>
-            </a:endParaRPr>
-          </a:p>
-          <a:p>
-            <a:pPr latinLnBrk="1"/>
-            <a:endParaRPr lang="en-US" dirty="0"/>
-          </a:p>
-        </p:txBody>
-      </p:sp>
-    </p:spTree>
-    <p:extLst>
-      <p:ext uri="{BB962C8B-B14F-4D97-AF65-F5344CB8AC3E}">
-        <p14:creationId xmlns:p14="http://schemas.microsoft.com/office/powerpoint/2010/main" val="1659290224"/>
-      </p:ext>
-    </p:extLst>
-  </p:cSld>
-  <p:clrMapOvr>
-    <a:masterClrMapping/>
-  </p:clrMapOvr>
-  <p:transition spd="slow">
-    <p:cut/>
-  </p:transition>
-  <p:timing>
-    <p:tnLst>
-      <p:par>
-        <p:cTn id="1" dur="indefinite" restart="never" nodeType="tmRoot"/>
-      </p:par>
-    </p:tnLst>
-  </p:timing>
-</p:sld>
-</file>
-
-<file path=ppt/slides/slide11.xml><?xml version="1.0" encoding="utf-8"?>
-<p:sld xmlns:a="http://schemas.openxmlformats.org/drawingml/2006/main" xmlns:r="http://schemas.openxmlformats.org/officeDocument/2006/relationships" xmlns:p="http://schemas.openxmlformats.org/presentationml/2006/main">
-  <p:cSld>
-    <p:spTree>
-      <p:nvGrpSpPr>
-        <p:cNvPr id="1" name="Shape 308"/>
-        <p:cNvGrpSpPr/>
-        <p:nvPr/>
-      </p:nvGrpSpPr>
-      <p:grpSpPr>
-        <a:xfrm>
-          <a:off x="0" y="0"/>
-          <a:ext cx="0" cy="0"/>
-          <a:chOff x="0" y="0"/>
-          <a:chExt cx="0" cy="0"/>
-        </a:xfrm>
-      </p:grpSpPr>
-      <p:sp>
-        <p:nvSpPr>
-          <p:cNvPr id="309" name="Shape 309"/>
-          <p:cNvSpPr txBox="1">
-            <a:spLocks noGrp="1"/>
-          </p:cNvSpPr>
-          <p:nvPr>
-            <p:ph type="title"/>
-          </p:nvPr>
-        </p:nvSpPr>
-        <p:spPr>
-          <a:xfrm>
             <a:off x="351725" y="413700"/>
             <a:ext cx="9924000" cy="1415100"/>
           </a:xfrm>
@@ -20055,7 +19497,7 @@
         <p:spPr>
           <a:xfrm>
             <a:off x="635000" y="2514600"/>
-            <a:ext cx="11811000" cy="5232202"/>
+            <a:ext cx="11811000" cy="6709529"/>
           </a:xfrm>
           <a:prstGeom prst="rect">
             <a:avLst/>
@@ -20072,270 +19514,22 @@
               <a:rPr lang="en-US" sz="3200" dirty="0" smtClean="0">
                 <a:latin typeface="Helvetica Neue"/>
               </a:rPr>
-              <a:t>ERRDAP is a Data Server</a:t>
+              <a:t>HDF-EOSS is a data format</a:t>
             </a:r>
           </a:p>
           <a:p>
             <a:pPr latinLnBrk="1"/>
-            <a:endParaRPr lang="en-US" sz="3200" dirty="0">
+            <a:endParaRPr lang="en-US" sz="3200" dirty="0" smtClean="0">
               <a:latin typeface="Helvetica Neue"/>
             </a:endParaRPr>
           </a:p>
-          <a:p>
-            <a:pPr latinLnBrk="1"/>
-            <a:r>
-              <a:rPr lang="en-US" sz="3200" dirty="0" err="1" smtClean="0">
-                <a:latin typeface="Helvetica Neue"/>
-              </a:rPr>
-              <a:t>PyDAP</a:t>
-            </a:r>
-            <a:r>
-              <a:rPr lang="en-US" sz="3200" dirty="0" smtClean="0">
-                <a:latin typeface="Helvetica Neue"/>
-              </a:rPr>
-              <a:t> is a Data Server </a:t>
-            </a:r>
-          </a:p>
-          <a:p>
-            <a:endParaRPr lang="en-GB" sz="3200" dirty="0" smtClean="0">
-              <a:latin typeface="Helvetica Neue"/>
-            </a:endParaRPr>
-          </a:p>
-          <a:p>
-            <a:r>
-              <a:rPr lang="en-GB" sz="3200" dirty="0" err="1" smtClean="0">
-                <a:latin typeface="Helvetica Neue"/>
-              </a:rPr>
-              <a:t>OPeNDAP</a:t>
-            </a:r>
-            <a:r>
-              <a:rPr lang="en-GB" sz="3200" dirty="0" smtClean="0">
-                <a:latin typeface="Helvetica Neue"/>
-              </a:rPr>
-              <a:t> is a Data Server</a:t>
-            </a:r>
-          </a:p>
-          <a:p>
-            <a:endParaRPr lang="en-GB" sz="3200" dirty="0">
-              <a:latin typeface="Helvetica Neue"/>
-            </a:endParaRPr>
-          </a:p>
-          <a:p>
-            <a:r>
-              <a:rPr lang="en-GB" sz="3200" dirty="0" smtClean="0">
-                <a:latin typeface="Helvetica Neue"/>
-              </a:rPr>
-              <a:t>DOI is an identifier for data and publications</a:t>
-            </a:r>
-          </a:p>
-          <a:p>
-            <a:endParaRPr lang="en-GB" sz="3200" dirty="0">
-              <a:latin typeface="Helvetica Neue"/>
-            </a:endParaRPr>
-          </a:p>
-          <a:p>
-            <a:r>
-              <a:rPr lang="en-GB" sz="3200" dirty="0" smtClean="0">
-                <a:latin typeface="Helvetica Neue"/>
-              </a:rPr>
-              <a:t>HDF4 is a data format </a:t>
-            </a:r>
-            <a:endParaRPr lang="en-GB" sz="3200" dirty="0">
-              <a:latin typeface="Helvetica Neue"/>
-            </a:endParaRPr>
-          </a:p>
-          <a:p>
-            <a:endParaRPr lang="en-GB" sz="3200" dirty="0">
-              <a:latin typeface="Helvetica Neue"/>
-            </a:endParaRPr>
-          </a:p>
-          <a:p>
-            <a:pPr latinLnBrk="1"/>
-            <a:endParaRPr lang="en-US" dirty="0"/>
-          </a:p>
-        </p:txBody>
-      </p:sp>
-    </p:spTree>
-    <p:extLst>
-      <p:ext uri="{BB962C8B-B14F-4D97-AF65-F5344CB8AC3E}">
-        <p14:creationId xmlns:p14="http://schemas.microsoft.com/office/powerpoint/2010/main" val="1105610721"/>
-      </p:ext>
-    </p:extLst>
-  </p:cSld>
-  <p:clrMapOvr>
-    <a:masterClrMapping/>
-  </p:clrMapOvr>
-  <p:transition spd="slow">
-    <p:cut/>
-  </p:transition>
-  <p:timing>
-    <p:tnLst>
-      <p:par>
-        <p:cTn id="1" dur="indefinite" restart="never" nodeType="tmRoot"/>
-      </p:par>
-    </p:tnLst>
-  </p:timing>
-</p:sld>
-</file>
-
-<file path=ppt/slides/slide12.xml><?xml version="1.0" encoding="utf-8"?>
-<p:sld xmlns:a="http://schemas.openxmlformats.org/drawingml/2006/main" xmlns:r="http://schemas.openxmlformats.org/officeDocument/2006/relationships" xmlns:p="http://schemas.openxmlformats.org/presentationml/2006/main">
-  <p:cSld>
-    <p:spTree>
-      <p:nvGrpSpPr>
-        <p:cNvPr id="1" name="Shape 308"/>
-        <p:cNvGrpSpPr/>
-        <p:nvPr/>
-      </p:nvGrpSpPr>
-      <p:grpSpPr>
-        <a:xfrm>
-          <a:off x="0" y="0"/>
-          <a:ext cx="0" cy="0"/>
-          <a:chOff x="0" y="0"/>
-          <a:chExt cx="0" cy="0"/>
-        </a:xfrm>
-      </p:grpSpPr>
-      <p:sp>
-        <p:nvSpPr>
-          <p:cNvPr id="309" name="Shape 309"/>
-          <p:cNvSpPr txBox="1">
-            <a:spLocks noGrp="1"/>
-          </p:cNvSpPr>
-          <p:nvPr>
-            <p:ph type="title"/>
-          </p:nvPr>
-        </p:nvSpPr>
-        <p:spPr>
-          <a:xfrm>
-            <a:off x="351725" y="413700"/>
-            <a:ext cx="9924000" cy="1415100"/>
-          </a:xfrm>
-          <a:prstGeom prst="rect">
-            <a:avLst/>
-          </a:prstGeom>
-          <a:noFill/>
-          <a:ln>
-            <a:noFill/>
-          </a:ln>
-        </p:spPr>
-        <p:txBody>
-          <a:bodyPr lIns="91400" tIns="91400" rIns="91400" bIns="91400" anchor="t" anchorCtr="0">
-            <a:noAutofit/>
-          </a:bodyPr>
-          <a:lstStyle/>
-          <a:p>
-            <a:pPr marL="0" marR="0" lvl="0" indent="0" algn="l" rtl="0">
-              <a:lnSpc>
-                <a:spcPct val="100000"/>
-              </a:lnSpc>
-              <a:spcBef>
-                <a:spcPts val="0"/>
-              </a:spcBef>
-              <a:spcAft>
-                <a:spcPts val="0"/>
-              </a:spcAft>
-              <a:buClr>
-                <a:schemeClr val="dk1"/>
-              </a:buClr>
-              <a:buSzPct val="25000"/>
-              <a:buFont typeface="Helvetica Neue"/>
-              <a:buNone/>
-            </a:pPr>
-            <a:r>
-              <a:rPr lang="en-US" sz="4400" dirty="0" smtClean="0">
-                <a:solidFill>
-                  <a:schemeClr val="dk1"/>
-                </a:solidFill>
-                <a:latin typeface="Helvetica Neue"/>
-                <a:ea typeface="Helvetica Neue"/>
-                <a:cs typeface="Helvetica Neue"/>
-                <a:sym typeface="Helvetica Neue"/>
-              </a:rPr>
-              <a:t>example statements:</a:t>
-            </a:r>
-            <a:br>
-              <a:rPr lang="en-US" sz="4400" dirty="0" smtClean="0">
-                <a:solidFill>
-                  <a:schemeClr val="dk1"/>
-                </a:solidFill>
-                <a:latin typeface="Helvetica Neue"/>
-                <a:ea typeface="Helvetica Neue"/>
-                <a:cs typeface="Helvetica Neue"/>
-                <a:sym typeface="Helvetica Neue"/>
-              </a:rPr>
-            </a:br>
-            <a:r>
-              <a:rPr lang="en-US" sz="4400" dirty="0" smtClean="0">
-                <a:solidFill>
-                  <a:schemeClr val="dk1"/>
-                </a:solidFill>
-                <a:latin typeface="Helvetica Neue"/>
-                <a:ea typeface="Helvetica Neue"/>
-                <a:cs typeface="Helvetica Neue"/>
-                <a:sym typeface="Helvetica Neue"/>
-              </a:rPr>
-              <a:t>simple</a:t>
-            </a:r>
-            <a:endParaRPr lang="en-US" sz="4400" dirty="0">
-              <a:solidFill>
-                <a:schemeClr val="dk1"/>
-              </a:solidFill>
-              <a:latin typeface="Helvetica Neue"/>
-              <a:ea typeface="Helvetica Neue"/>
-              <a:cs typeface="Helvetica Neue"/>
-              <a:sym typeface="Helvetica Neue"/>
-            </a:endParaRPr>
-          </a:p>
-        </p:txBody>
-      </p:sp>
-      <p:sp>
-        <p:nvSpPr>
-          <p:cNvPr id="3" name="Rectangle 2"/>
-          <p:cNvSpPr/>
-          <p:nvPr/>
-        </p:nvSpPr>
-        <p:spPr>
-          <a:xfrm>
-            <a:off x="635000" y="2514600"/>
-            <a:ext cx="11811000" cy="6217087"/>
-          </a:xfrm>
-          <a:prstGeom prst="rect">
-            <a:avLst/>
-          </a:prstGeom>
-        </p:spPr>
-        <p:txBody>
-          <a:bodyPr wrap="square">
-            <a:spAutoFit/>
-          </a:bodyPr>
-          <a:lstStyle/>
           <a:p>
             <a:pPr latinLnBrk="1"/>
             <a:r>
               <a:rPr lang="en-US" sz="3200" dirty="0" smtClean="0">
                 <a:latin typeface="Helvetica Neue"/>
               </a:rPr>
-              <a:t>HDF-EOSS is a data format</a:t>
-            </a:r>
-          </a:p>
-          <a:p>
-            <a:pPr latinLnBrk="1"/>
-            <a:endParaRPr lang="en-US" sz="3200" dirty="0" smtClean="0">
-              <a:latin typeface="Helvetica Neue"/>
-            </a:endParaRPr>
-          </a:p>
-          <a:p>
-            <a:pPr latinLnBrk="1"/>
-            <a:r>
-              <a:rPr lang="en-US" sz="3200" dirty="0" smtClean="0">
-                <a:latin typeface="Helvetica Neue"/>
-              </a:rPr>
-              <a:t>NetCDF4Classic is a data </a:t>
-            </a:r>
-            <a:r>
-              <a:rPr lang="en-US" sz="3200" dirty="0" smtClean="0">
-                <a:latin typeface="Helvetica Neue"/>
-              </a:rPr>
-              <a:t>format</a:t>
+              <a:t>NetCDF4Classic is a data format</a:t>
             </a:r>
           </a:p>
           <a:p>
@@ -20384,6 +19578,20 @@
             <a:endParaRPr lang="en-GB" sz="3200" dirty="0" smtClean="0">
               <a:latin typeface="Helvetica Neue"/>
             </a:endParaRPr>
+          </a:p>
+          <a:p>
+            <a:r>
+              <a:rPr lang="en-US" sz="3200" dirty="0" err="1">
+                <a:latin typeface="Helvetica Neue"/>
+              </a:rPr>
+              <a:t>PyDAP</a:t>
+            </a:r>
+            <a:r>
+              <a:rPr lang="en-US" sz="3200" dirty="0">
+                <a:latin typeface="Helvetica Neue"/>
+              </a:rPr>
+              <a:t> is a Data Server </a:t>
+            </a:r>
           </a:p>
           <a:p>
             <a:endParaRPr lang="en-GB" sz="3200" dirty="0">
@@ -20443,7 +19651,7 @@
 </p:sld>
 </file>
 
-<file path=ppt/slides/slide13.xml><?xml version="1.0" encoding="utf-8"?>
+<file path=ppt/slides/slide11.xml><?xml version="1.0" encoding="utf-8"?>
 <p:sld xmlns:a="http://schemas.openxmlformats.org/drawingml/2006/main" xmlns:r="http://schemas.openxmlformats.org/officeDocument/2006/relationships" xmlns:p="http://schemas.openxmlformats.org/presentationml/2006/main">
   <p:cSld>
     <p:spTree>
@@ -20580,7 +19788,7 @@
 </p:sld>
 </file>
 
-<file path=ppt/slides/slide14.xml><?xml version="1.0" encoding="utf-8"?>
+<file path=ppt/slides/slide12.xml><?xml version="1.0" encoding="utf-8"?>
 <p:sld xmlns:a="http://schemas.openxmlformats.org/drawingml/2006/main" xmlns:r="http://schemas.openxmlformats.org/officeDocument/2006/relationships" xmlns:p="http://schemas.openxmlformats.org/presentationml/2006/main">
   <p:cSld>
     <p:spTree>
@@ -20720,7 +19928,7 @@
 </p:sld>
 </file>
 
-<file path=ppt/slides/slide15.xml><?xml version="1.0" encoding="utf-8"?>
+<file path=ppt/slides/slide13.xml><?xml version="1.0" encoding="utf-8"?>
 <p:sld xmlns:a="http://schemas.openxmlformats.org/drawingml/2006/main" xmlns:r="http://schemas.openxmlformats.org/officeDocument/2006/relationships" xmlns:p="http://schemas.openxmlformats.org/presentationml/2006/main">
   <p:cSld>
     <p:spTree>
@@ -20839,7 +20047,7 @@
         <p:spPr>
           <a:xfrm>
             <a:off x="635000" y="2514600"/>
-            <a:ext cx="11811000" cy="4031873"/>
+            <a:ext cx="11811000" cy="5509200"/>
           </a:xfrm>
           <a:prstGeom prst="rect">
             <a:avLst/>
@@ -20889,7 +20097,46 @@
               <a:rPr lang="en-US" sz="3200" dirty="0" smtClean="0">
                 <a:latin typeface="Helvetica Neue"/>
               </a:rPr>
-              <a:t>without a depth value and any special characters are removed.</a:t>
+              <a:t>without a depth </a:t>
+            </a:r>
+            <a:r>
+              <a:rPr lang="en-US" sz="3200" dirty="0" smtClean="0">
+                <a:latin typeface="Helvetica Neue"/>
+              </a:rPr>
+              <a:t>value, </a:t>
+            </a:r>
+            <a:r>
+              <a:rPr lang="en-US" sz="3200" dirty="0" smtClean="0">
+                <a:latin typeface="Helvetica Neue"/>
+              </a:rPr>
+              <a:t>and any special characters are removed</a:t>
+            </a:r>
+            <a:r>
+              <a:rPr lang="en-US" sz="3200" dirty="0" smtClean="0">
+                <a:latin typeface="Helvetica Neue"/>
+              </a:rPr>
+              <a:t>.</a:t>
+            </a:r>
+          </a:p>
+          <a:p>
+            <a:pPr latinLnBrk="1"/>
+            <a:endParaRPr lang="en-US" sz="3200" dirty="0">
+              <a:latin typeface="Helvetica Neue"/>
+            </a:endParaRPr>
+          </a:p>
+          <a:p>
+            <a:pPr latinLnBrk="1"/>
+            <a:r>
+              <a:rPr lang="en-US" sz="3200" dirty="0" smtClean="0">
+                <a:latin typeface="Helvetica Neue"/>
+              </a:rPr>
+              <a:t>I was able to get IDV to </a:t>
+            </a:r>
+            <a:r>
+              <a:rPr lang="en-US" sz="3200" dirty="0" smtClean="0">
+                <a:latin typeface="Helvetica Neue"/>
+              </a:rPr>
+              <a:t>serialize a SEG-Y file, but the depth and time values were inverted.</a:t>
             </a:r>
             <a:endParaRPr lang="en-US" sz="3200" dirty="0">
               <a:latin typeface="Helvetica Neue"/>
@@ -20936,7 +20183,7 @@
 </p:sld>
 </file>
 
-<file path=ppt/slides/slide16.xml><?xml version="1.0" encoding="utf-8"?>
+<file path=ppt/slides/slide14.xml><?xml version="1.0" encoding="utf-8"?>
 <p:sld xmlns:a="http://schemas.openxmlformats.org/drawingml/2006/main" xmlns:r="http://schemas.openxmlformats.org/officeDocument/2006/relationships" xmlns:p="http://schemas.openxmlformats.org/presentationml/2006/main">
   <p:cSld>
     <p:spTree>
@@ -21098,13 +20345,7 @@
               <a:rPr lang="en-GB" sz="3200" dirty="0" smtClean="0">
                 <a:latin typeface="Helvetica Neue"/>
               </a:rPr>
-              <a:t> as you have </a:t>
-            </a:r>
-            <a:r>
-              <a:rPr lang="en-GB" sz="3200" dirty="0" smtClean="0">
-                <a:latin typeface="Helvetica Neue"/>
-              </a:rPr>
-              <a:t>time (not just this afternoon).</a:t>
+              <a:t> as you have time (not just this afternoon).</a:t>
             </a:r>
           </a:p>
           <a:p>
@@ -21119,9 +20360,6 @@
               </a:rPr>
               <a:t>titanpad.com/nmagt9H23e</a:t>
             </a:r>
-            <a:endParaRPr lang="en-GB" sz="6000" b="1" dirty="0" smtClean="0">
-              <a:latin typeface="Helvetica Neue"/>
-            </a:endParaRPr>
           </a:p>
           <a:p>
             <a:endParaRPr lang="en-GB" sz="3200" dirty="0">
@@ -21133,17 +20371,8 @@
               <a:rPr lang="en-GB" sz="3200" dirty="0" smtClean="0">
                 <a:latin typeface="Helvetica Neue"/>
               </a:rPr>
-              <a:t>Please </a:t>
+              <a:t>Please be as explicit, and descriptive, as possible!  </a:t>
             </a:r>
-            <a:r>
-              <a:rPr lang="en-GB" sz="3200" dirty="0" smtClean="0">
-                <a:latin typeface="Helvetica Neue"/>
-              </a:rPr>
-              <a:t>be as explicit, and descriptive, as possible!  </a:t>
-            </a:r>
-            <a:endParaRPr lang="en-GB" sz="3200" dirty="0" smtClean="0">
-              <a:latin typeface="Helvetica Neue"/>
-            </a:endParaRPr>
           </a:p>
           <a:p>
             <a:endParaRPr lang="en-GB" sz="3200" dirty="0">
@@ -21157,9 +20386,6 @@
               </a:rPr>
               <a:t>Share the link with your colleagues!</a:t>
             </a:r>
-            <a:endParaRPr lang="en-GB" sz="3200" dirty="0" smtClean="0">
-              <a:latin typeface="Helvetica Neue"/>
-            </a:endParaRPr>
           </a:p>
           <a:p>
             <a:pPr latinLnBrk="1"/>
@@ -21190,7 +20416,7 @@
 </p:sld>
 </file>
 
-<file path=ppt/slides/slide17.xml><?xml version="1.0" encoding="utf-8"?>
+<file path=ppt/slides/slide15.xml><?xml version="1.0" encoding="utf-8"?>
 <p:sld xmlns:a="http://schemas.openxmlformats.org/drawingml/2006/main" xmlns:r="http://schemas.openxmlformats.org/officeDocument/2006/relationships" xmlns:p="http://schemas.openxmlformats.org/presentationml/2006/main">
   <p:cSld>
     <p:spTree>
@@ -21273,6 +20499,158 @@
           </a:ln>
         </p:spPr>
       </p:pic>
+      <p:sp>
+        <p:nvSpPr>
+          <p:cNvPr id="2" name="Slide Number Placeholder 1"/>
+          <p:cNvSpPr>
+            <a:spLocks noGrp="1"/>
+          </p:cNvSpPr>
+          <p:nvPr>
+            <p:ph type="sldNum" idx="12"/>
+          </p:nvPr>
+        </p:nvSpPr>
+        <p:spPr/>
+        <p:txBody>
+          <a:bodyPr/>
+          <a:lstStyle/>
+          <a:p>
+            <a:pPr marL="0" lvl="0" indent="0">
+              <a:spcBef>
+                <a:spcPts val="0"/>
+              </a:spcBef>
+              <a:buClr>
+                <a:srgbClr val="000000"/>
+              </a:buClr>
+              <a:buFont typeface="Arial"/>
+              <a:buNone/>
+            </a:pPr>
+            <a:endParaRPr lang="en-GB" smtClean="0"/>
+          </a:p>
+          <a:p>
+            <a:pPr marL="0" lvl="1" indent="0">
+              <a:spcBef>
+                <a:spcPts val="0"/>
+              </a:spcBef>
+              <a:buClr>
+                <a:srgbClr val="000000"/>
+              </a:buClr>
+              <a:buFont typeface="Arial"/>
+              <a:buNone/>
+            </a:pPr>
+            <a:endParaRPr lang="en-GB" smtClean="0"/>
+          </a:p>
+          <a:p>
+            <a:pPr marL="0" lvl="2" indent="0">
+              <a:spcBef>
+                <a:spcPts val="0"/>
+              </a:spcBef>
+              <a:buClr>
+                <a:srgbClr val="000000"/>
+              </a:buClr>
+              <a:buFont typeface="Arial"/>
+              <a:buNone/>
+            </a:pPr>
+            <a:endParaRPr lang="en-GB" smtClean="0"/>
+          </a:p>
+          <a:p>
+            <a:pPr marL="0" lvl="3" indent="0">
+              <a:spcBef>
+                <a:spcPts val="0"/>
+              </a:spcBef>
+              <a:buClr>
+                <a:srgbClr val="000000"/>
+              </a:buClr>
+              <a:buFont typeface="Arial"/>
+              <a:buNone/>
+            </a:pPr>
+            <a:endParaRPr lang="en-GB" smtClean="0"/>
+          </a:p>
+          <a:p>
+            <a:pPr marL="0" lvl="4" indent="0">
+              <a:spcBef>
+                <a:spcPts val="0"/>
+              </a:spcBef>
+              <a:buClr>
+                <a:srgbClr val="000000"/>
+              </a:buClr>
+              <a:buFont typeface="Arial"/>
+              <a:buNone/>
+            </a:pPr>
+            <a:endParaRPr lang="en-GB" smtClean="0"/>
+          </a:p>
+          <a:p>
+            <a:pPr marL="0" lvl="5" indent="0">
+              <a:spcBef>
+                <a:spcPts val="0"/>
+              </a:spcBef>
+              <a:buClr>
+                <a:srgbClr val="000000"/>
+              </a:buClr>
+              <a:buFont typeface="Arial"/>
+              <a:buNone/>
+            </a:pPr>
+            <a:endParaRPr lang="en-GB" smtClean="0"/>
+          </a:p>
+          <a:p>
+            <a:pPr marL="0" lvl="6" indent="0">
+              <a:spcBef>
+                <a:spcPts val="0"/>
+              </a:spcBef>
+              <a:buClr>
+                <a:srgbClr val="000000"/>
+              </a:buClr>
+              <a:buFont typeface="Arial"/>
+              <a:buNone/>
+            </a:pPr>
+            <a:endParaRPr lang="en-GB" smtClean="0"/>
+          </a:p>
+          <a:p>
+            <a:pPr marL="0" lvl="7" indent="0">
+              <a:spcBef>
+                <a:spcPts val="0"/>
+              </a:spcBef>
+              <a:buClr>
+                <a:srgbClr val="000000"/>
+              </a:buClr>
+              <a:buFont typeface="Arial"/>
+              <a:buNone/>
+            </a:pPr>
+            <a:endParaRPr lang="en-GB" smtClean="0"/>
+          </a:p>
+          <a:p>
+            <a:pPr marL="0" lvl="8" indent="0">
+              <a:spcBef>
+                <a:spcPts val="0"/>
+              </a:spcBef>
+              <a:buClr>
+                <a:srgbClr val="000000"/>
+              </a:buClr>
+              <a:buFont typeface="Arial"/>
+              <a:buNone/>
+            </a:pPr>
+            <a:endParaRPr lang="en-GB"/>
+          </a:p>
+        </p:txBody>
+      </p:sp>
+      <p:sp>
+        <p:nvSpPr>
+          <p:cNvPr id="3" name="Footer Placeholder 2"/>
+          <p:cNvSpPr>
+            <a:spLocks noGrp="1"/>
+          </p:cNvSpPr>
+          <p:nvPr>
+            <p:ph type="ftr" idx="11"/>
+          </p:nvPr>
+        </p:nvSpPr>
+        <p:spPr/>
+        <p:txBody>
+          <a:bodyPr/>
+          <a:lstStyle/>
+          <a:p>
+            <a:endParaRPr lang="en-GB"/>
+          </a:p>
+        </p:txBody>
+      </p:sp>
     </p:spTree>
   </p:cSld>
   <p:clrMapOvr>
@@ -21291,7 +20669,7 @@
 </p:sld>
 </file>
 
-<file path=ppt/slides/slide18.xml><?xml version="1.0" encoding="utf-8"?>
+<file path=ppt/slides/slide16.xml><?xml version="1.0" encoding="utf-8"?>
 <p:sld xmlns:a="http://schemas.openxmlformats.org/drawingml/2006/main" xmlns:r="http://schemas.openxmlformats.org/officeDocument/2006/relationships" xmlns:p="http://schemas.openxmlformats.org/presentationml/2006/main">
   <p:cSld>
     <p:spTree>
@@ -21518,17 +20896,7 @@
                 <a:latin typeface="Helvetica Neue"/>
                 <a:sym typeface="Arial"/>
               </a:rPr>
-              <a:t> </a:t>
-            </a:r>
-            <a:r>
-              <a:rPr lang="en-US" sz="2400" b="0" i="0" u="none" strike="noStrike" cap="none" baseline="0" dirty="0" smtClean="0">
-                <a:solidFill>
-                  <a:srgbClr val="000000"/>
-                </a:solidFill>
-                <a:latin typeface="Helvetica Neue"/>
-                <a:sym typeface="Arial"/>
-              </a:rPr>
-              <a:t>Service web site:  </a:t>
+              <a:t> Service web site:  </a:t>
             </a:r>
             <a:endParaRPr sz="2400" b="0" i="0" u="none" strike="noStrike" cap="none" baseline="0" dirty="0">
               <a:solidFill>
@@ -21567,20 +20935,7 @@
                 <a:sym typeface="Georgia"/>
                 <a:hlinkClick r:id="rId3"/>
               </a:rPr>
-              <a:t>http://</a:t>
-            </a:r>
-            <a:r>
-              <a:rPr lang="en-US" sz="2400" u="sng" dirty="0" smtClean="0">
-                <a:solidFill>
-                  <a:schemeClr val="hlink"/>
-                </a:solidFill>
-                <a:latin typeface="Helvetica Neue"/>
-                <a:ea typeface="Georgia"/>
-                <a:cs typeface="Georgia"/>
-                <a:sym typeface="Georgia"/>
-                <a:hlinkClick r:id="rId3"/>
-              </a:rPr>
-              <a:t>toolmatch.esipfed.org/index.php</a:t>
+              <a:t>http://toolmatch.esipfed.org/index.php</a:t>
             </a:r>
             <a:r>
               <a:rPr lang="en-US" sz="2400" u="sng" dirty="0" smtClean="0">
@@ -22196,7 +21551,7 @@
         </p:nvSpPr>
         <p:spPr>
           <a:xfrm>
-            <a:off x="975359" y="1988769"/>
+            <a:off x="939800" y="1905000"/>
             <a:ext cx="11054100" cy="6719100"/>
           </a:xfrm>
           <a:prstGeom prst="rect">
@@ -22233,7 +21588,16 @@
                 <a:cs typeface="Georgia"/>
                 <a:sym typeface="Georgia"/>
               </a:rPr>
-              <a:t>Initially spawned as a </a:t>
+              <a:t>Initially spawned as </a:t>
+            </a:r>
+            <a:r>
+              <a:rPr lang="en-US" sz="3200" dirty="0" smtClean="0">
+                <a:latin typeface="Helvetica Neue"/>
+                <a:ea typeface="Georgia"/>
+                <a:cs typeface="Georgia"/>
+                <a:sym typeface="Georgia"/>
+              </a:rPr>
+              <a:t>an ESIP </a:t>
             </a:r>
             <a:r>
               <a:rPr lang="en-US" sz="3200" dirty="0">
@@ -22286,7 +21650,25 @@
                 <a:cs typeface="Georgia"/>
                 <a:sym typeface="Georgia"/>
               </a:rPr>
-              <a:t>moved to Products &amp; Services Testbed Funding</a:t>
+              <a:t>moved </a:t>
+            </a:r>
+            <a:r>
+              <a:rPr lang="en-US" sz="3200" dirty="0" smtClean="0">
+                <a:latin typeface="Helvetica Neue"/>
+                <a:ea typeface="Georgia"/>
+                <a:cs typeface="Georgia"/>
+                <a:sym typeface="Georgia"/>
+              </a:rPr>
+              <a:t>to ESIP </a:t>
+            </a:r>
+            <a:r>
+              <a:rPr lang="en-US" sz="3200" dirty="0" smtClean="0">
+                <a:latin typeface="Helvetica Neue"/>
+                <a:ea typeface="Georgia"/>
+                <a:cs typeface="Georgia"/>
+                <a:sym typeface="Georgia"/>
+              </a:rPr>
+              <a:t>Products &amp; Services Testbed Funding</a:t>
             </a:r>
           </a:p>
           <a:p>
@@ -22526,7 +21908,44 @@
                 <a:cs typeface="Georgia"/>
                 <a:sym typeface="Georgia"/>
               </a:rPr>
-              <a:t>Soren Scott</a:t>
+              <a:t>Soren </a:t>
+            </a:r>
+            <a:r>
+              <a:rPr lang="en-US" sz="2800" dirty="0" smtClean="0">
+                <a:latin typeface="Helvetica Neue"/>
+                <a:ea typeface="Georgia"/>
+                <a:cs typeface="Georgia"/>
+                <a:sym typeface="Georgia"/>
+              </a:rPr>
+              <a:t>Scott</a:t>
+            </a:r>
+          </a:p>
+          <a:p>
+            <a:pPr marL="914352" lvl="1" indent="-457200">
+              <a:buClr>
+                <a:srgbClr val="000000"/>
+              </a:buClr>
+              <a:buSzPct val="100000"/>
+              <a:buFont typeface="Arial" panose="020B0604020202020204" pitchFamily="34" charset="0"/>
+              <a:buChar char="•"/>
+            </a:pPr>
+            <a:r>
+              <a:rPr lang="en-US" sz="2800" dirty="0" smtClean="0">
+                <a:latin typeface="Helvetica Neue"/>
+                <a:ea typeface="Georgia"/>
+                <a:cs typeface="Georgia"/>
+                <a:sym typeface="Georgia"/>
+              </a:rPr>
+              <a:t>Beth </a:t>
+            </a:r>
+            <a:r>
+              <a:rPr lang="en-US" sz="2800" dirty="0" err="1" smtClean="0">
+                <a:latin typeface="Helvetica Neue"/>
+                <a:ea typeface="Georgia"/>
+                <a:cs typeface="Georgia"/>
+                <a:sym typeface="Georgia"/>
+              </a:rPr>
+              <a:t>Huffer</a:t>
             </a:r>
             <a:endParaRPr lang="en-US" sz="2800" dirty="0">
               <a:latin typeface="Helvetica Neue"/>
@@ -22580,464 +21999,6 @@
 </file>
 
 <file path=ppt/slides/slide3.xml><?xml version="1.0" encoding="utf-8"?>
-<p:sld xmlns:a="http://schemas.openxmlformats.org/drawingml/2006/main" xmlns:r="http://schemas.openxmlformats.org/officeDocument/2006/relationships" xmlns:p="http://schemas.openxmlformats.org/presentationml/2006/main">
-  <p:cSld>
-    <p:spTree>
-      <p:nvGrpSpPr>
-        <p:cNvPr id="1" name="Shape 255"/>
-        <p:cNvGrpSpPr/>
-        <p:nvPr/>
-      </p:nvGrpSpPr>
-      <p:grpSpPr>
-        <a:xfrm>
-          <a:off x="0" y="0"/>
-          <a:ext cx="0" cy="0"/>
-          <a:chOff x="0" y="0"/>
-          <a:chExt cx="0" cy="0"/>
-        </a:xfrm>
-      </p:grpSpPr>
-      <p:pic>
-        <p:nvPicPr>
-          <p:cNvPr id="3074" name="Picture 2"/>
-          <p:cNvPicPr>
-            <a:picLocks noChangeAspect="1" noChangeArrowheads="1"/>
-          </p:cNvPicPr>
-          <p:nvPr/>
-        </p:nvPicPr>
-        <p:blipFill>
-          <a:blip r:embed="rId3">
-            <a:extLst>
-              <a:ext uri="{28A0092B-C50C-407E-A947-70E740481C1C}">
-                <a14:useLocalDpi xmlns:a14="http://schemas.microsoft.com/office/drawing/2010/main" val="0"/>
-              </a:ext>
-            </a:extLst>
-          </a:blip>
-          <a:srcRect/>
-          <a:stretch>
-            <a:fillRect/>
-          </a:stretch>
-        </p:blipFill>
-        <p:spPr bwMode="auto">
-          <a:xfrm>
-            <a:off x="1930400" y="3124200"/>
-            <a:ext cx="9222014" cy="5791200"/>
-          </a:xfrm>
-          <a:prstGeom prst="rect">
-            <a:avLst/>
-          </a:prstGeom>
-          <a:noFill/>
-          <a:ln>
-            <a:noFill/>
-          </a:ln>
-          <a:effectLst/>
-          <a:extLst>
-            <a:ext uri="{909E8E84-426E-40DD-AFC4-6F175D3DCCD1}">
-              <a14:hiddenFill xmlns:a14="http://schemas.microsoft.com/office/drawing/2010/main">
-                <a:solidFill>
-                  <a:schemeClr val="accent1"/>
-                </a:solidFill>
-              </a14:hiddenFill>
-            </a:ext>
-            <a:ext uri="{91240B29-F687-4F45-9708-019B960494DF}">
-              <a14:hiddenLine xmlns:a14="http://schemas.microsoft.com/office/drawing/2010/main" w="9525">
-                <a:solidFill>
-                  <a:schemeClr val="tx1"/>
-                </a:solidFill>
-                <a:miter lim="800000"/>
-                <a:headEnd/>
-                <a:tailEnd/>
-              </a14:hiddenLine>
-            </a:ext>
-            <a:ext uri="{AF507438-7753-43E0-B8FC-AC1667EBCBE1}">
-              <a14:hiddenEffects xmlns:a14="http://schemas.microsoft.com/office/drawing/2010/main">
-                <a:effectLst>
-                  <a:outerShdw dist="35921" dir="2700000" algn="ctr" rotWithShape="0">
-                    <a:schemeClr val="bg2"/>
-                  </a:outerShdw>
-                </a:effectLst>
-              </a14:hiddenEffects>
-            </a:ext>
-          </a:extLst>
-        </p:spPr>
-      </p:pic>
-      <p:pic>
-        <p:nvPicPr>
-          <p:cNvPr id="256" name="Shape 256"/>
-          <p:cNvPicPr preferRelativeResize="0"/>
-          <p:nvPr/>
-        </p:nvPicPr>
-        <p:blipFill rotWithShape="1">
-          <a:blip r:embed="rId4">
-            <a:alphaModFix/>
-          </a:blip>
-          <a:srcRect/>
-          <a:stretch/>
-        </p:blipFill>
-        <p:spPr>
-          <a:xfrm>
-            <a:off x="9918926" y="7532688"/>
-            <a:ext cx="2466975" cy="1495500"/>
-          </a:xfrm>
-          <a:prstGeom prst="rect">
-            <a:avLst/>
-          </a:prstGeom>
-          <a:noFill/>
-          <a:ln>
-            <a:noFill/>
-          </a:ln>
-        </p:spPr>
-      </p:pic>
-      <p:sp>
-        <p:nvSpPr>
-          <p:cNvPr id="260" name="Shape 260"/>
-          <p:cNvSpPr/>
-          <p:nvPr/>
-        </p:nvSpPr>
-        <p:spPr>
-          <a:xfrm>
-            <a:off x="155575" y="-144463"/>
-            <a:ext cx="304799" cy="304799"/>
-          </a:xfrm>
-          <a:prstGeom prst="rect">
-            <a:avLst/>
-          </a:prstGeom>
-          <a:noFill/>
-          <a:ln>
-            <a:noFill/>
-          </a:ln>
-        </p:spPr>
-        <p:txBody>
-          <a:bodyPr lIns="91425" tIns="45700" rIns="91425" bIns="45700" anchor="t" anchorCtr="0">
-            <a:noAutofit/>
-          </a:bodyPr>
-          <a:lstStyle/>
-          <a:p>
-            <a:pPr marL="0" marR="0" lvl="0" indent="0" algn="l" rtl="0">
-              <a:lnSpc>
-                <a:spcPct val="100000"/>
-              </a:lnSpc>
-              <a:spcBef>
-                <a:spcPts val="0"/>
-              </a:spcBef>
-              <a:spcAft>
-                <a:spcPts val="0"/>
-              </a:spcAft>
-              <a:buClr>
-                <a:srgbClr val="000000"/>
-              </a:buClr>
-              <a:buFont typeface="Arial"/>
-              <a:buNone/>
-            </a:pPr>
-            <a:endParaRPr sz="1400" b="0" i="0" u="none" strike="noStrike" cap="none" baseline="0">
-              <a:solidFill>
-                <a:srgbClr val="000000"/>
-              </a:solidFill>
-              <a:latin typeface="Arial"/>
-              <a:ea typeface="Arial"/>
-              <a:cs typeface="Arial"/>
-              <a:sym typeface="Arial"/>
-            </a:endParaRPr>
-          </a:p>
-        </p:txBody>
-      </p:sp>
-      <p:sp>
-        <p:nvSpPr>
-          <p:cNvPr id="261" name="Shape 261"/>
-          <p:cNvSpPr/>
-          <p:nvPr/>
-        </p:nvSpPr>
-        <p:spPr>
-          <a:xfrm rot="-5400000">
-            <a:off x="-4514791" y="2710038"/>
-            <a:ext cx="9391500" cy="253800"/>
-          </a:xfrm>
-          <a:prstGeom prst="rect">
-            <a:avLst/>
-          </a:prstGeom>
-          <a:noFill/>
-          <a:ln>
-            <a:noFill/>
-          </a:ln>
-        </p:spPr>
-        <p:txBody>
-          <a:bodyPr lIns="91425" tIns="45700" rIns="91425" bIns="45700" anchor="t" anchorCtr="0">
-            <a:noAutofit/>
-          </a:bodyPr>
-          <a:lstStyle/>
-          <a:p>
-            <a:pPr marL="501650" marR="0" lvl="1" indent="-6350" algn="l" rtl="0">
-              <a:lnSpc>
-                <a:spcPct val="100000"/>
-              </a:lnSpc>
-              <a:spcBef>
-                <a:spcPts val="0"/>
-              </a:spcBef>
-              <a:spcAft>
-                <a:spcPts val="0"/>
-              </a:spcAft>
-              <a:buClr>
-                <a:srgbClr val="606060"/>
-              </a:buClr>
-              <a:buSzPct val="25000"/>
-              <a:buFont typeface="Helvetica Neue"/>
-              <a:buNone/>
-            </a:pPr>
-            <a:r>
-              <a:rPr lang="en-US" sz="1050" b="0" i="0" u="sng" strike="noStrike" cap="none" baseline="0">
-                <a:solidFill>
-                  <a:schemeClr val="hlink"/>
-                </a:solidFill>
-                <a:latin typeface="Helvetica Neue"/>
-                <a:ea typeface="Helvetica Neue"/>
-                <a:cs typeface="Helvetica Neue"/>
-                <a:sym typeface="Helvetica Neue"/>
-                <a:hlinkClick r:id="rId5"/>
-              </a:rPr>
-              <a:t>http://pushingsocial.com/wp-content/uploads/2013/12/social-media-tools-swiss-knife.jpg</a:t>
-            </a:r>
-          </a:p>
-        </p:txBody>
-      </p:sp>
-      <p:sp>
-        <p:nvSpPr>
-          <p:cNvPr id="8" name="Shape 217"/>
-          <p:cNvSpPr txBox="1">
-            <a:spLocks/>
-          </p:cNvSpPr>
-          <p:nvPr/>
-        </p:nvSpPr>
-        <p:spPr>
-          <a:xfrm>
-            <a:off x="803275" y="457200"/>
-            <a:ext cx="11703050" cy="1625599"/>
-          </a:xfrm>
-          <a:prstGeom prst="rect">
-            <a:avLst/>
-          </a:prstGeom>
-          <a:noFill/>
-          <a:ln>
-            <a:noFill/>
-          </a:ln>
-        </p:spPr>
-        <p:txBody>
-          <a:bodyPr lIns="91400" tIns="91400" rIns="91400" bIns="91400" anchor="t" anchorCtr="0">
-            <a:noAutofit/>
-          </a:bodyPr>
-          <a:lstStyle>
-            <a:defPPr marR="0" algn="l" rtl="0">
-              <a:lnSpc>
-                <a:spcPct val="100000"/>
-              </a:lnSpc>
-              <a:spcBef>
-                <a:spcPts val="0"/>
-              </a:spcBef>
-              <a:spcAft>
-                <a:spcPts val="0"/>
-              </a:spcAft>
-            </a:defPPr>
-            <a:lvl1pPr marL="0" marR="0" indent="0" algn="l" rtl="0">
-              <a:lnSpc>
-                <a:spcPct val="100000"/>
-              </a:lnSpc>
-              <a:spcBef>
-                <a:spcPts val="0"/>
-              </a:spcBef>
-              <a:spcAft>
-                <a:spcPts val="0"/>
-              </a:spcAft>
-              <a:buClr>
-                <a:schemeClr val="dk1"/>
-              </a:buClr>
-              <a:buFont typeface="Helvetica Neue"/>
-              <a:buNone/>
-              <a:defRPr sz="1400" b="0" i="0" u="none" strike="noStrike" cap="none" baseline="0">
-                <a:solidFill>
-                  <a:srgbClr val="000000"/>
-                </a:solidFill>
-                <a:latin typeface="Arial"/>
-                <a:ea typeface="Arial"/>
-                <a:cs typeface="Arial"/>
-                <a:sym typeface="Arial"/>
-                <a:rtl val="0"/>
-              </a:defRPr>
-            </a:lvl1pPr>
-            <a:lvl2pPr marL="0" marR="0" indent="0" algn="l" rtl="0">
-              <a:lnSpc>
-                <a:spcPct val="100000"/>
-              </a:lnSpc>
-              <a:spcBef>
-                <a:spcPts val="0"/>
-              </a:spcBef>
-              <a:spcAft>
-                <a:spcPts val="0"/>
-              </a:spcAft>
-              <a:buClr>
-                <a:schemeClr val="dk1"/>
-              </a:buClr>
-              <a:buFont typeface="Helvetica Neue"/>
-              <a:buNone/>
-              <a:defRPr sz="1400" b="0" i="0" u="none" strike="noStrike" cap="none" baseline="0">
-                <a:solidFill>
-                  <a:srgbClr val="000000"/>
-                </a:solidFill>
-                <a:latin typeface="Arial"/>
-                <a:ea typeface="Arial"/>
-                <a:cs typeface="Arial"/>
-                <a:sym typeface="Arial"/>
-                <a:rtl val="0"/>
-              </a:defRPr>
-            </a:lvl2pPr>
-            <a:lvl3pPr marL="0" marR="0" indent="0" algn="l" rtl="0">
-              <a:spcBef>
-                <a:spcPts val="0"/>
-              </a:spcBef>
-              <a:spcAft>
-                <a:spcPts val="0"/>
-              </a:spcAft>
-              <a:defRPr/>
-            </a:lvl3pPr>
-            <a:lvl4pPr marL="0" marR="0" indent="0" algn="l" rtl="0">
-              <a:spcBef>
-                <a:spcPts val="0"/>
-              </a:spcBef>
-              <a:spcAft>
-                <a:spcPts val="0"/>
-              </a:spcAft>
-              <a:defRPr/>
-            </a:lvl4pPr>
-            <a:lvl5pPr marL="0" marR="0" indent="0" algn="l" rtl="0">
-              <a:spcBef>
-                <a:spcPts val="0"/>
-              </a:spcBef>
-              <a:spcAft>
-                <a:spcPts val="0"/>
-              </a:spcAft>
-              <a:defRPr/>
-            </a:lvl5pPr>
-            <a:lvl6pPr marL="457200" marR="0" indent="0" algn="l" rtl="0">
-              <a:spcBef>
-                <a:spcPts val="0"/>
-              </a:spcBef>
-              <a:spcAft>
-                <a:spcPts val="0"/>
-              </a:spcAft>
-              <a:defRPr/>
-            </a:lvl6pPr>
-            <a:lvl7pPr marL="914400" marR="0" indent="0" algn="l" rtl="0">
-              <a:spcBef>
-                <a:spcPts val="0"/>
-              </a:spcBef>
-              <a:spcAft>
-                <a:spcPts val="0"/>
-              </a:spcAft>
-              <a:defRPr/>
-            </a:lvl7pPr>
-            <a:lvl8pPr marL="1371600" marR="0" indent="0" algn="l" rtl="0">
-              <a:spcBef>
-                <a:spcPts val="0"/>
-              </a:spcBef>
-              <a:spcAft>
-                <a:spcPts val="0"/>
-              </a:spcAft>
-              <a:defRPr/>
-            </a:lvl8pPr>
-            <a:lvl9pPr marL="1828800" marR="0" indent="0" algn="l" rtl="0">
-              <a:spcBef>
-                <a:spcPts val="0"/>
-              </a:spcBef>
-              <a:spcAft>
-                <a:spcPts val="0"/>
-              </a:spcAft>
-              <a:defRPr/>
-            </a:lvl9pPr>
-          </a:lstStyle>
-          <a:p>
-            <a:pPr>
-              <a:buSzPct val="25000"/>
-            </a:pPr>
-            <a:r>
-              <a:rPr lang="en-US" sz="4400" dirty="0" err="1" smtClean="0">
-                <a:solidFill>
-                  <a:schemeClr val="dk1"/>
-                </a:solidFill>
-                <a:latin typeface="Helvetica Neue"/>
-                <a:ea typeface="Helvetica Neue"/>
-                <a:cs typeface="Helvetica Neue"/>
-                <a:sym typeface="Helvetica Neue"/>
-              </a:rPr>
-              <a:t>ToolMatch</a:t>
-            </a:r>
-            <a:r>
-              <a:rPr lang="en-US" sz="4400" dirty="0" smtClean="0">
-                <a:solidFill>
-                  <a:schemeClr val="dk1"/>
-                </a:solidFill>
-                <a:latin typeface="Helvetica Neue"/>
-                <a:ea typeface="Helvetica Neue"/>
-                <a:cs typeface="Helvetica Neue"/>
-                <a:sym typeface="Helvetica Neue"/>
-              </a:rPr>
-              <a:t>: </a:t>
-            </a:r>
-            <a:br>
-              <a:rPr lang="en-US" sz="4400" dirty="0" smtClean="0">
-                <a:solidFill>
-                  <a:schemeClr val="dk1"/>
-                </a:solidFill>
-                <a:latin typeface="Helvetica Neue"/>
-                <a:ea typeface="Helvetica Neue"/>
-                <a:cs typeface="Helvetica Neue"/>
-                <a:sym typeface="Helvetica Neue"/>
-              </a:rPr>
-            </a:br>
-            <a:r>
-              <a:rPr lang="en-US" sz="4400" dirty="0" smtClean="0">
-                <a:solidFill>
-                  <a:schemeClr val="dk1"/>
-                </a:solidFill>
-                <a:latin typeface="Helvetica Neue"/>
-                <a:ea typeface="Helvetica Neue"/>
-                <a:cs typeface="Helvetica Neue"/>
-                <a:sym typeface="Helvetica Neue"/>
-              </a:rPr>
-              <a:t>an extremely brief history</a:t>
-            </a:r>
-            <a:endParaRPr lang="en-US" sz="4400" dirty="0">
-              <a:solidFill>
-                <a:schemeClr val="dk1"/>
-              </a:solidFill>
-              <a:latin typeface="Helvetica Neue"/>
-              <a:ea typeface="Helvetica Neue"/>
-              <a:cs typeface="Helvetica Neue"/>
-              <a:sym typeface="Helvetica Neue"/>
-            </a:endParaRPr>
-          </a:p>
-        </p:txBody>
-      </p:sp>
-    </p:spTree>
-    <p:extLst>
-      <p:ext uri="{BB962C8B-B14F-4D97-AF65-F5344CB8AC3E}">
-        <p14:creationId xmlns:p14="http://schemas.microsoft.com/office/powerpoint/2010/main" val="1497884032"/>
-      </p:ext>
-    </p:extLst>
-  </p:cSld>
-  <p:clrMapOvr>
-    <a:masterClrMapping/>
-  </p:clrMapOvr>
-  <p:transition spd="slow">
-    <p:cut/>
-  </p:transition>
-  <p:timing>
-    <p:tnLst>
-      <p:par>
-        <p:cTn id="1" dur="indefinite" restart="never" nodeType="tmRoot"/>
-      </p:par>
-    </p:tnLst>
-  </p:timing>
-</p:sld>
-</file>
-
-<file path=ppt/slides/slide4.xml><?xml version="1.0" encoding="utf-8"?>
 <p:sld xmlns:a="http://schemas.openxmlformats.org/drawingml/2006/main" xmlns:r="http://schemas.openxmlformats.org/officeDocument/2006/relationships" xmlns:p="http://schemas.openxmlformats.org/presentationml/2006/main">
   <p:cSld>
     <p:spTree>
@@ -23271,7 +22232,7 @@
         </p:nvSpPr>
         <p:spPr>
           <a:xfrm>
-            <a:off x="5851325" y="5105400"/>
+            <a:off x="5837178" y="5668801"/>
             <a:ext cx="3259226" cy="584775"/>
           </a:xfrm>
           <a:prstGeom prst="rect">
@@ -23305,7 +22266,7 @@
         </p:nvSpPr>
         <p:spPr>
           <a:xfrm>
-            <a:off x="5851325" y="5697933"/>
+            <a:off x="5837178" y="5076717"/>
             <a:ext cx="2576346" cy="584775"/>
           </a:xfrm>
           <a:prstGeom prst="rect">
@@ -23508,14 +22469,434 @@
   <p:timing>
     <p:tnLst>
       <p:par>
-        <p:cTn id="1" dur="indefinite" restart="never" nodeType="tmRoot"/>
+        <p:cTn id="1" dur="indefinite" restart="never" nodeType="tmRoot">
+          <p:childTnLst>
+            <p:seq concurrent="1" nextAc="seek">
+              <p:cTn id="2" dur="indefinite" nodeType="mainSeq">
+                <p:childTnLst>
+                  <p:par>
+                    <p:cTn id="3" fill="hold">
+                      <p:stCondLst>
+                        <p:cond delay="indefinite"/>
+                      </p:stCondLst>
+                      <p:childTnLst>
+                        <p:par>
+                          <p:cTn id="4" fill="hold">
+                            <p:stCondLst>
+                              <p:cond delay="0"/>
+                            </p:stCondLst>
+                            <p:childTnLst>
+                              <p:par>
+                                <p:cTn id="5" presetID="1" presetClass="entr" presetSubtype="0" fill="hold" grpId="0" nodeType="clickEffect">
+                                  <p:stCondLst>
+                                    <p:cond delay="0"/>
+                                  </p:stCondLst>
+                                  <p:childTnLst>
+                                    <p:set>
+                                      <p:cBhvr>
+                                        <p:cTn id="6" dur="1" fill="hold">
+                                          <p:stCondLst>
+                                            <p:cond delay="0"/>
+                                          </p:stCondLst>
+                                        </p:cTn>
+                                        <p:tgtEl>
+                                          <p:spTgt spid="9"/>
+                                        </p:tgtEl>
+                                        <p:attrNameLst>
+                                          <p:attrName>style.visibility</p:attrName>
+                                        </p:attrNameLst>
+                                      </p:cBhvr>
+                                      <p:to>
+                                        <p:strVal val="visible"/>
+                                      </p:to>
+                                    </p:set>
+                                  </p:childTnLst>
+                                </p:cTn>
+                              </p:par>
+                            </p:childTnLst>
+                          </p:cTn>
+                        </p:par>
+                      </p:childTnLst>
+                    </p:cTn>
+                  </p:par>
+                  <p:par>
+                    <p:cTn id="7" fill="hold">
+                      <p:stCondLst>
+                        <p:cond delay="indefinite"/>
+                      </p:stCondLst>
+                      <p:childTnLst>
+                        <p:par>
+                          <p:cTn id="8" fill="hold">
+                            <p:stCondLst>
+                              <p:cond delay="0"/>
+                            </p:stCondLst>
+                            <p:childTnLst>
+                              <p:par>
+                                <p:cTn id="9" presetID="1" presetClass="entr" presetSubtype="0" fill="hold" grpId="0" nodeType="clickEffect">
+                                  <p:stCondLst>
+                                    <p:cond delay="0"/>
+                                  </p:stCondLst>
+                                  <p:childTnLst>
+                                    <p:set>
+                                      <p:cBhvr>
+                                        <p:cTn id="10" dur="1" fill="hold">
+                                          <p:stCondLst>
+                                            <p:cond delay="0"/>
+                                          </p:stCondLst>
+                                        </p:cTn>
+                                        <p:tgtEl>
+                                          <p:spTgt spid="32"/>
+                                        </p:tgtEl>
+                                        <p:attrNameLst>
+                                          <p:attrName>style.visibility</p:attrName>
+                                        </p:attrNameLst>
+                                      </p:cBhvr>
+                                      <p:to>
+                                        <p:strVal val="visible"/>
+                                      </p:to>
+                                    </p:set>
+                                  </p:childTnLst>
+                                </p:cTn>
+                              </p:par>
+                            </p:childTnLst>
+                          </p:cTn>
+                        </p:par>
+                      </p:childTnLst>
+                    </p:cTn>
+                  </p:par>
+                  <p:par>
+                    <p:cTn id="11" fill="hold">
+                      <p:stCondLst>
+                        <p:cond delay="indefinite"/>
+                      </p:stCondLst>
+                      <p:childTnLst>
+                        <p:par>
+                          <p:cTn id="12" fill="hold">
+                            <p:stCondLst>
+                              <p:cond delay="0"/>
+                            </p:stCondLst>
+                            <p:childTnLst>
+                              <p:par>
+                                <p:cTn id="13" presetID="1" presetClass="entr" presetSubtype="0" fill="hold" nodeType="clickEffect">
+                                  <p:stCondLst>
+                                    <p:cond delay="0"/>
+                                  </p:stCondLst>
+                                  <p:childTnLst>
+                                    <p:set>
+                                      <p:cBhvr>
+                                        <p:cTn id="14" dur="1" fill="hold">
+                                          <p:stCondLst>
+                                            <p:cond delay="0"/>
+                                          </p:stCondLst>
+                                        </p:cTn>
+                                        <p:tgtEl>
+                                          <p:spTgt spid="13"/>
+                                        </p:tgtEl>
+                                        <p:attrNameLst>
+                                          <p:attrName>style.visibility</p:attrName>
+                                        </p:attrNameLst>
+                                      </p:cBhvr>
+                                      <p:to>
+                                        <p:strVal val="visible"/>
+                                      </p:to>
+                                    </p:set>
+                                  </p:childTnLst>
+                                </p:cTn>
+                              </p:par>
+                              <p:par>
+                                <p:cTn id="15" presetID="1" presetClass="entr" presetSubtype="0" fill="hold" grpId="0" nodeType="withEffect">
+                                  <p:stCondLst>
+                                    <p:cond delay="0"/>
+                                  </p:stCondLst>
+                                  <p:childTnLst>
+                                    <p:set>
+                                      <p:cBhvr>
+                                        <p:cTn id="16" dur="1" fill="hold">
+                                          <p:stCondLst>
+                                            <p:cond delay="0"/>
+                                          </p:stCondLst>
+                                        </p:cTn>
+                                        <p:tgtEl>
+                                          <p:spTgt spid="16"/>
+                                        </p:tgtEl>
+                                        <p:attrNameLst>
+                                          <p:attrName>style.visibility</p:attrName>
+                                        </p:attrNameLst>
+                                      </p:cBhvr>
+                                      <p:to>
+                                        <p:strVal val="visible"/>
+                                      </p:to>
+                                    </p:set>
+                                  </p:childTnLst>
+                                </p:cTn>
+                              </p:par>
+                            </p:childTnLst>
+                          </p:cTn>
+                        </p:par>
+                      </p:childTnLst>
+                    </p:cTn>
+                  </p:par>
+                  <p:par>
+                    <p:cTn id="17" fill="hold">
+                      <p:stCondLst>
+                        <p:cond delay="indefinite"/>
+                      </p:stCondLst>
+                      <p:childTnLst>
+                        <p:par>
+                          <p:cTn id="18" fill="hold">
+                            <p:stCondLst>
+                              <p:cond delay="0"/>
+                            </p:stCondLst>
+                            <p:childTnLst>
+                              <p:par>
+                                <p:cTn id="19" presetID="1" presetClass="entr" presetSubtype="0" fill="hold" grpId="0" nodeType="clickEffect">
+                                  <p:stCondLst>
+                                    <p:cond delay="0"/>
+                                  </p:stCondLst>
+                                  <p:childTnLst>
+                                    <p:set>
+                                      <p:cBhvr>
+                                        <p:cTn id="20" dur="1" fill="hold">
+                                          <p:stCondLst>
+                                            <p:cond delay="0"/>
+                                          </p:stCondLst>
+                                        </p:cTn>
+                                        <p:tgtEl>
+                                          <p:spTgt spid="21"/>
+                                        </p:tgtEl>
+                                        <p:attrNameLst>
+                                          <p:attrName>style.visibility</p:attrName>
+                                        </p:attrNameLst>
+                                      </p:cBhvr>
+                                      <p:to>
+                                        <p:strVal val="visible"/>
+                                      </p:to>
+                                    </p:set>
+                                  </p:childTnLst>
+                                </p:cTn>
+                              </p:par>
+                            </p:childTnLst>
+                          </p:cTn>
+                        </p:par>
+                      </p:childTnLst>
+                    </p:cTn>
+                  </p:par>
+                  <p:par>
+                    <p:cTn id="21" fill="hold">
+                      <p:stCondLst>
+                        <p:cond delay="indefinite"/>
+                      </p:stCondLst>
+                      <p:childTnLst>
+                        <p:par>
+                          <p:cTn id="22" fill="hold">
+                            <p:stCondLst>
+                              <p:cond delay="0"/>
+                            </p:stCondLst>
+                            <p:childTnLst>
+                              <p:par>
+                                <p:cTn id="23" presetID="1" presetClass="entr" presetSubtype="0" fill="hold" grpId="0" nodeType="clickEffect">
+                                  <p:stCondLst>
+                                    <p:cond delay="0"/>
+                                  </p:stCondLst>
+                                  <p:childTnLst>
+                                    <p:set>
+                                      <p:cBhvr>
+                                        <p:cTn id="24" dur="1" fill="hold">
+                                          <p:stCondLst>
+                                            <p:cond delay="0"/>
+                                          </p:stCondLst>
+                                        </p:cTn>
+                                        <p:tgtEl>
+                                          <p:spTgt spid="17"/>
+                                        </p:tgtEl>
+                                        <p:attrNameLst>
+                                          <p:attrName>style.visibility</p:attrName>
+                                        </p:attrNameLst>
+                                      </p:cBhvr>
+                                      <p:to>
+                                        <p:strVal val="visible"/>
+                                      </p:to>
+                                    </p:set>
+                                  </p:childTnLst>
+                                </p:cTn>
+                              </p:par>
+                            </p:childTnLst>
+                          </p:cTn>
+                        </p:par>
+                      </p:childTnLst>
+                    </p:cTn>
+                  </p:par>
+                  <p:par>
+                    <p:cTn id="25" fill="hold">
+                      <p:stCondLst>
+                        <p:cond delay="indefinite"/>
+                      </p:stCondLst>
+                      <p:childTnLst>
+                        <p:par>
+                          <p:cTn id="26" fill="hold">
+                            <p:stCondLst>
+                              <p:cond delay="0"/>
+                            </p:stCondLst>
+                            <p:childTnLst>
+                              <p:par>
+                                <p:cTn id="27" presetID="1" presetClass="entr" presetSubtype="0" fill="hold" grpId="0" nodeType="clickEffect">
+                                  <p:stCondLst>
+                                    <p:cond delay="0"/>
+                                  </p:stCondLst>
+                                  <p:childTnLst>
+                                    <p:set>
+                                      <p:cBhvr>
+                                        <p:cTn id="28" dur="1" fill="hold">
+                                          <p:stCondLst>
+                                            <p:cond delay="0"/>
+                                          </p:stCondLst>
+                                        </p:cTn>
+                                        <p:tgtEl>
+                                          <p:spTgt spid="22"/>
+                                        </p:tgtEl>
+                                        <p:attrNameLst>
+                                          <p:attrName>style.visibility</p:attrName>
+                                        </p:attrNameLst>
+                                      </p:cBhvr>
+                                      <p:to>
+                                        <p:strVal val="visible"/>
+                                      </p:to>
+                                    </p:set>
+                                  </p:childTnLst>
+                                </p:cTn>
+                              </p:par>
+                            </p:childTnLst>
+                          </p:cTn>
+                        </p:par>
+                      </p:childTnLst>
+                    </p:cTn>
+                  </p:par>
+                  <p:par>
+                    <p:cTn id="29" fill="hold">
+                      <p:stCondLst>
+                        <p:cond delay="indefinite"/>
+                      </p:stCondLst>
+                      <p:childTnLst>
+                        <p:par>
+                          <p:cTn id="30" fill="hold">
+                            <p:stCondLst>
+                              <p:cond delay="0"/>
+                            </p:stCondLst>
+                            <p:childTnLst>
+                              <p:par>
+                                <p:cTn id="31" presetID="1" presetClass="entr" presetSubtype="0" fill="hold" grpId="0" nodeType="clickEffect">
+                                  <p:stCondLst>
+                                    <p:cond delay="0"/>
+                                  </p:stCondLst>
+                                  <p:childTnLst>
+                                    <p:set>
+                                      <p:cBhvr>
+                                        <p:cTn id="32" dur="1" fill="hold">
+                                          <p:stCondLst>
+                                            <p:cond delay="0"/>
+                                          </p:stCondLst>
+                                        </p:cTn>
+                                        <p:tgtEl>
+                                          <p:spTgt spid="24"/>
+                                        </p:tgtEl>
+                                        <p:attrNameLst>
+                                          <p:attrName>style.visibility</p:attrName>
+                                        </p:attrNameLst>
+                                      </p:cBhvr>
+                                      <p:to>
+                                        <p:strVal val="visible"/>
+                                      </p:to>
+                                    </p:set>
+                                  </p:childTnLst>
+                                </p:cTn>
+                              </p:par>
+                            </p:childTnLst>
+                          </p:cTn>
+                        </p:par>
+                      </p:childTnLst>
+                    </p:cTn>
+                  </p:par>
+                  <p:par>
+                    <p:cTn id="33" fill="hold">
+                      <p:stCondLst>
+                        <p:cond delay="indefinite"/>
+                      </p:stCondLst>
+                      <p:childTnLst>
+                        <p:par>
+                          <p:cTn id="34" fill="hold">
+                            <p:stCondLst>
+                              <p:cond delay="0"/>
+                            </p:stCondLst>
+                            <p:childTnLst>
+                              <p:par>
+                                <p:cTn id="35" presetID="1" presetClass="entr" presetSubtype="0" fill="hold" grpId="0" nodeType="clickEffect">
+                                  <p:stCondLst>
+                                    <p:cond delay="0"/>
+                                  </p:stCondLst>
+                                  <p:childTnLst>
+                                    <p:set>
+                                      <p:cBhvr>
+                                        <p:cTn id="36" dur="1" fill="hold">
+                                          <p:stCondLst>
+                                            <p:cond delay="0"/>
+                                          </p:stCondLst>
+                                        </p:cTn>
+                                        <p:tgtEl>
+                                          <p:spTgt spid="23"/>
+                                        </p:tgtEl>
+                                        <p:attrNameLst>
+                                          <p:attrName>style.visibility</p:attrName>
+                                        </p:attrNameLst>
+                                      </p:cBhvr>
+                                      <p:to>
+                                        <p:strVal val="visible"/>
+                                      </p:to>
+                                    </p:set>
+                                  </p:childTnLst>
+                                </p:cTn>
+                              </p:par>
+                            </p:childTnLst>
+                          </p:cTn>
+                        </p:par>
+                      </p:childTnLst>
+                    </p:cTn>
+                  </p:par>
+                </p:childTnLst>
+              </p:cTn>
+              <p:prevCondLst>
+                <p:cond evt="onPrev" delay="0">
+                  <p:tgtEl>
+                    <p:sldTgt/>
+                  </p:tgtEl>
+                </p:cond>
+              </p:prevCondLst>
+              <p:nextCondLst>
+                <p:cond evt="onNext" delay="0">
+                  <p:tgtEl>
+                    <p:sldTgt/>
+                  </p:tgtEl>
+                </p:cond>
+              </p:nextCondLst>
+            </p:seq>
+          </p:childTnLst>
+        </p:cTn>
       </p:par>
     </p:tnLst>
+    <p:bldLst>
+      <p:bldP spid="9" grpId="0" animBg="1"/>
+      <p:bldP spid="16" grpId="0"/>
+      <p:bldP spid="17" grpId="0"/>
+      <p:bldP spid="21" grpId="0"/>
+      <p:bldP spid="22" grpId="0"/>
+      <p:bldP spid="23" grpId="0"/>
+      <p:bldP spid="24" grpId="0"/>
+      <p:bldP spid="32" grpId="0" animBg="1"/>
+    </p:bldLst>
   </p:timing>
 </p:sld>
 </file>
 
-<file path=ppt/slides/slide5.xml><?xml version="1.0" encoding="utf-8"?>
+<file path=ppt/slides/slide4.xml><?xml version="1.0" encoding="utf-8"?>
 <p:sld xmlns:a="http://schemas.openxmlformats.org/drawingml/2006/main" xmlns:r="http://schemas.openxmlformats.org/officeDocument/2006/relationships" xmlns:p="http://schemas.openxmlformats.org/presentationml/2006/main">
   <p:cSld>
     <p:spTree>
@@ -24109,7 +23490,7 @@
 </p:sld>
 </file>
 
-<file path=ppt/slides/slide6.xml><?xml version="1.0" encoding="utf-8"?>
+<file path=ppt/slides/slide5.xml><?xml version="1.0" encoding="utf-8"?>
 <p:sld xmlns:a="http://schemas.openxmlformats.org/drawingml/2006/main" xmlns:r="http://schemas.openxmlformats.org/officeDocument/2006/relationships" xmlns:p="http://schemas.openxmlformats.org/presentationml/2006/main">
   <p:cSld>
     <p:spTree>
@@ -24730,7 +24111,7 @@
 </p:sld>
 </file>
 
-<file path=ppt/slides/slide7.xml><?xml version="1.0" encoding="utf-8"?>
+<file path=ppt/slides/slide6.xml><?xml version="1.0" encoding="utf-8"?>
 <p:sld xmlns:a="http://schemas.openxmlformats.org/drawingml/2006/main" xmlns:r="http://schemas.openxmlformats.org/officeDocument/2006/relationships" xmlns:p="http://schemas.openxmlformats.org/presentationml/2006/main">
   <p:cSld>
     <p:spTree>
@@ -24914,40 +24295,8 @@
                 <a:cs typeface="Georgia"/>
                 <a:sym typeface="Georgia"/>
               </a:rPr>
-              <a:t>Interesting, and useful.</a:t>
+              <a:t>Interesting, and useful</a:t>
             </a:r>
-          </a:p>
-          <a:p>
-            <a:pPr marL="457200" lvl="0" indent="-457200" rtl="0">
-              <a:spcBef>
-                <a:spcPts val="0"/>
-              </a:spcBef>
-              <a:buClr>
-                <a:srgbClr val="000000"/>
-              </a:buClr>
-              <a:buSzPct val="100000"/>
-              <a:buFont typeface="Georgia"/>
-              <a:buChar char="●"/>
-            </a:pPr>
-            <a:endParaRPr lang="en-US" sz="3200" dirty="0">
-              <a:latin typeface="Helvetica Neue"/>
-              <a:ea typeface="Georgia"/>
-              <a:cs typeface="Georgia"/>
-              <a:sym typeface="Georgia"/>
-            </a:endParaRPr>
-          </a:p>
-          <a:p>
-            <a:pPr marL="457200" lvl="0" indent="-457200" rtl="0">
-              <a:spcBef>
-                <a:spcPts val="0"/>
-              </a:spcBef>
-              <a:buClr>
-                <a:srgbClr val="000000"/>
-              </a:buClr>
-              <a:buSzPct val="100000"/>
-              <a:buFont typeface="Georgia"/>
-              <a:buChar char="●"/>
-            </a:pPr>
             <a:r>
               <a:rPr lang="en-US" sz="3200" dirty="0" smtClean="0">
                 <a:latin typeface="Helvetica Neue"/>
@@ -24955,7 +24304,7 @@
                 <a:cs typeface="Georgia"/>
                 <a:sym typeface="Georgia"/>
               </a:rPr>
-              <a:t>How might adding tool “capabilities” affect the utility of the budding service?</a:t>
+              <a:t>.</a:t>
             </a:r>
           </a:p>
           <a:p>
@@ -24978,10 +24327,7 @@
             </a:endParaRPr>
           </a:p>
           <a:p>
-            <a:pPr marL="457200" lvl="0" indent="-457200" rtl="0">
-              <a:spcBef>
-                <a:spcPts val="0"/>
-              </a:spcBef>
+            <a:pPr marL="457200" lvl="0" indent="-457200">
               <a:buClr>
                 <a:srgbClr val="000000"/>
               </a:buClr>
@@ -24989,23 +24335,15 @@
               <a:buFont typeface="Georgia"/>
               <a:buChar char="●"/>
             </a:pPr>
-            <a:endParaRPr lang="en-US" sz="3200" dirty="0" smtClean="0">
-              <a:latin typeface="Helvetica Neue"/>
-              <a:ea typeface="Georgia"/>
-              <a:cs typeface="Georgia"/>
-              <a:sym typeface="Georgia"/>
-            </a:endParaRPr>
-          </a:p>
-          <a:p>
-            <a:pPr lvl="0" rtl="0">
-              <a:spcBef>
-                <a:spcPts val="0"/>
-              </a:spcBef>
-              <a:buClr>
-                <a:srgbClr val="000000"/>
-              </a:buClr>
-              <a:buSzPct val="100000"/>
-            </a:pPr>
+            <a:r>
+              <a:rPr lang="en-US" sz="3200" dirty="0">
+                <a:latin typeface="Helvetica Neue"/>
+                <a:ea typeface="Georgia"/>
+                <a:cs typeface="Georgia"/>
+                <a:sym typeface="Georgia"/>
+              </a:rPr>
+              <a:t>Data collection content requires a deeper description than </a:t>
+            </a:r>
             <a:r>
               <a:rPr lang="en-US" sz="3200" dirty="0" smtClean="0">
                 <a:latin typeface="Helvetica Neue"/>
@@ -25013,7 +24351,148 @@
                 <a:cs typeface="Georgia"/>
                 <a:sym typeface="Georgia"/>
               </a:rPr>
-              <a:t>example:	given data set X, which tool(s) are 			available that will support the creation (and/or 		viewing) of a </a:t>
+              <a:t>general matching</a:t>
+            </a:r>
+            <a:endParaRPr lang="en-US" sz="3200" dirty="0" smtClean="0">
+              <a:latin typeface="Helvetica Neue"/>
+              <a:ea typeface="Georgia"/>
+              <a:cs typeface="Georgia"/>
+              <a:sym typeface="Georgia"/>
+            </a:endParaRPr>
+          </a:p>
+          <a:p>
+            <a:pPr marL="457200" lvl="0" indent="-457200" rtl="0">
+              <a:spcBef>
+                <a:spcPts val="0"/>
+              </a:spcBef>
+              <a:buClr>
+                <a:srgbClr val="000000"/>
+              </a:buClr>
+              <a:buSzPct val="100000"/>
+              <a:buFont typeface="Georgia"/>
+              <a:buChar char="●"/>
+            </a:pPr>
+            <a:endParaRPr lang="en-US" sz="3200" dirty="0">
+              <a:latin typeface="Helvetica Neue"/>
+              <a:ea typeface="Georgia"/>
+              <a:cs typeface="Georgia"/>
+              <a:sym typeface="Georgia"/>
+            </a:endParaRPr>
+          </a:p>
+          <a:p>
+            <a:pPr marL="457200" lvl="0" indent="-457200" rtl="0">
+              <a:spcBef>
+                <a:spcPts val="0"/>
+              </a:spcBef>
+              <a:buClr>
+                <a:srgbClr val="000000"/>
+              </a:buClr>
+              <a:buSzPct val="100000"/>
+              <a:buFont typeface="Georgia"/>
+              <a:buChar char="●"/>
+            </a:pPr>
+            <a:r>
+              <a:rPr lang="en-US" sz="3200" dirty="0" smtClean="0">
+                <a:latin typeface="Helvetica Neue"/>
+                <a:ea typeface="Georgia"/>
+                <a:cs typeface="Georgia"/>
+                <a:sym typeface="Georgia"/>
+              </a:rPr>
+              <a:t>How might adding tool “capabilities” affect the utility of </a:t>
+            </a:r>
+            <a:r>
+              <a:rPr lang="en-US" sz="3200" dirty="0" smtClean="0">
+                <a:latin typeface="Helvetica Neue"/>
+                <a:ea typeface="Georgia"/>
+                <a:cs typeface="Georgia"/>
+                <a:sym typeface="Georgia"/>
+              </a:rPr>
+              <a:t>this type of service</a:t>
+            </a:r>
+            <a:r>
+              <a:rPr lang="en-US" sz="3200" dirty="0" smtClean="0">
+                <a:latin typeface="Helvetica Neue"/>
+                <a:ea typeface="Georgia"/>
+                <a:cs typeface="Georgia"/>
+                <a:sym typeface="Georgia"/>
+              </a:rPr>
+              <a:t>?</a:t>
+            </a:r>
+          </a:p>
+          <a:p>
+            <a:pPr marL="457200" lvl="0" indent="-457200" rtl="0">
+              <a:spcBef>
+                <a:spcPts val="0"/>
+              </a:spcBef>
+              <a:buClr>
+                <a:srgbClr val="000000"/>
+              </a:buClr>
+              <a:buSzPct val="100000"/>
+              <a:buFont typeface="Georgia"/>
+              <a:buChar char="●"/>
+            </a:pPr>
+            <a:endParaRPr lang="en-US" sz="3200" dirty="0">
+              <a:latin typeface="Helvetica Neue"/>
+              <a:ea typeface="Georgia"/>
+              <a:cs typeface="Georgia"/>
+              <a:sym typeface="Georgia"/>
+            </a:endParaRPr>
+          </a:p>
+          <a:p>
+            <a:pPr marL="457200" lvl="0" indent="-457200" rtl="0">
+              <a:spcBef>
+                <a:spcPts val="0"/>
+              </a:spcBef>
+              <a:buClr>
+                <a:srgbClr val="000000"/>
+              </a:buClr>
+              <a:buSzPct val="100000"/>
+              <a:buFont typeface="Georgia"/>
+              <a:buChar char="●"/>
+            </a:pPr>
+            <a:endParaRPr lang="en-US" sz="3200" dirty="0" smtClean="0">
+              <a:latin typeface="Helvetica Neue"/>
+              <a:ea typeface="Georgia"/>
+              <a:cs typeface="Georgia"/>
+              <a:sym typeface="Georgia"/>
+            </a:endParaRPr>
+          </a:p>
+          <a:p>
+            <a:pPr lvl="0" rtl="0">
+              <a:spcBef>
+                <a:spcPts val="0"/>
+              </a:spcBef>
+              <a:buClr>
+                <a:srgbClr val="000000"/>
+              </a:buClr>
+              <a:buSzPct val="100000"/>
+            </a:pPr>
+            <a:r>
+              <a:rPr lang="en-US" sz="3200" dirty="0" smtClean="0">
+                <a:latin typeface="Helvetica Neue"/>
+                <a:ea typeface="Georgia"/>
+                <a:cs typeface="Georgia"/>
+                <a:sym typeface="Georgia"/>
+              </a:rPr>
+              <a:t>example:	given data set X, which tool(s) are 			</a:t>
+            </a:r>
+            <a:r>
+              <a:rPr lang="en-US" sz="3200" dirty="0" smtClean="0">
+                <a:latin typeface="Helvetica Neue"/>
+                <a:ea typeface="Georgia"/>
+                <a:cs typeface="Georgia"/>
+                <a:sym typeface="Georgia"/>
+              </a:rPr>
+              <a:t>		available </a:t>
+            </a:r>
+            <a:r>
+              <a:rPr lang="en-US" sz="3200" dirty="0" smtClean="0">
+                <a:latin typeface="Helvetica Neue"/>
+                <a:ea typeface="Georgia"/>
+                <a:cs typeface="Georgia"/>
+                <a:sym typeface="Georgia"/>
+              </a:rPr>
+              <a:t>that will support the creation (and/or 		viewing) of a </a:t>
             </a:r>
             <a:r>
               <a:rPr lang="en-US" sz="3200" dirty="0" err="1" smtClean="0">
@@ -25059,7 +24538,7 @@
 </p:sld>
 </file>
 
-<file path=ppt/slides/slide8.xml><?xml version="1.0" encoding="utf-8"?>
+<file path=ppt/slides/slide7.xml><?xml version="1.0" encoding="utf-8"?>
 <p:sld xmlns:a="http://schemas.openxmlformats.org/drawingml/2006/main" xmlns:r="http://schemas.openxmlformats.org/officeDocument/2006/relationships" xmlns:p="http://schemas.openxmlformats.org/presentationml/2006/main">
   <p:cSld>
     <p:spTree>
@@ -25350,7 +24829,97 @@
                 <a:cs typeface="Georgia"/>
                 <a:sym typeface="Georgia"/>
               </a:rPr>
-              <a:t>example:	which tool(s) will allow me to create an animated map of atmospheric H20 by integrating data from weather stations as well as multiple satellites, which is available via </a:t>
+              <a:t>example:	which tool(s) will allow me to create an animated map of atmospheric H</a:t>
+            </a:r>
+            <a:r>
+              <a:rPr lang="en-US" sz="3200" baseline="-25000" dirty="0" smtClean="0">
+                <a:latin typeface="Helvetica Neue"/>
+                <a:ea typeface="Georgia"/>
+                <a:cs typeface="Georgia"/>
+                <a:sym typeface="Georgia"/>
+              </a:rPr>
+              <a:t>2</a:t>
+            </a:r>
+            <a:r>
+              <a:rPr lang="en-US" sz="3200" dirty="0" smtClean="0">
+                <a:latin typeface="Helvetica Neue"/>
+                <a:ea typeface="Georgia"/>
+                <a:cs typeface="Georgia"/>
+                <a:sym typeface="Georgia"/>
+              </a:rPr>
+              <a:t>0 by </a:t>
+            </a:r>
+            <a:r>
+              <a:rPr lang="en-US" sz="3200" dirty="0" smtClean="0">
+                <a:latin typeface="Helvetica Neue"/>
+                <a:ea typeface="Georgia"/>
+                <a:cs typeface="Georgia"/>
+                <a:sym typeface="Georgia"/>
+              </a:rPr>
+              <a:t>combin</a:t>
+            </a:r>
+            <a:r>
+              <a:rPr lang="en-US" sz="3200" dirty="0" smtClean="0">
+                <a:latin typeface="Helvetica Neue"/>
+                <a:ea typeface="Georgia"/>
+                <a:cs typeface="Georgia"/>
+                <a:sym typeface="Georgia"/>
+              </a:rPr>
+              <a:t>ing </a:t>
+            </a:r>
+            <a:r>
+              <a:rPr lang="en-US" sz="3200" dirty="0" smtClean="0">
+                <a:latin typeface="Helvetica Neue"/>
+                <a:ea typeface="Georgia"/>
+                <a:cs typeface="Georgia"/>
+                <a:sym typeface="Georgia"/>
+              </a:rPr>
+              <a:t>data from weather stations </a:t>
+            </a:r>
+            <a:r>
+              <a:rPr lang="en-US" sz="3200" dirty="0" smtClean="0">
+                <a:latin typeface="Helvetica Neue"/>
+                <a:ea typeface="Georgia"/>
+                <a:cs typeface="Georgia"/>
+                <a:sym typeface="Georgia"/>
+              </a:rPr>
+              <a:t>and</a:t>
+            </a:r>
+            <a:r>
+              <a:rPr lang="en-US" sz="3200" dirty="0" smtClean="0">
+                <a:latin typeface="Helvetica Neue"/>
+                <a:ea typeface="Georgia"/>
+                <a:cs typeface="Georgia"/>
+                <a:sym typeface="Georgia"/>
+              </a:rPr>
+              <a:t> imagery from </a:t>
+            </a:r>
+            <a:r>
+              <a:rPr lang="en-US" sz="3200" dirty="0" smtClean="0">
+                <a:latin typeface="Helvetica Neue"/>
+                <a:ea typeface="Georgia"/>
+                <a:cs typeface="Georgia"/>
+                <a:sym typeface="Georgia"/>
+              </a:rPr>
+              <a:t>multiple </a:t>
+            </a:r>
+            <a:r>
+              <a:rPr lang="en-US" sz="3200" dirty="0" smtClean="0">
+                <a:latin typeface="Helvetica Neue"/>
+                <a:ea typeface="Georgia"/>
+                <a:cs typeface="Georgia"/>
+                <a:sym typeface="Georgia"/>
+              </a:rPr>
+              <a:t>satellites available </a:t>
+            </a:r>
+            <a:r>
+              <a:rPr lang="en-US" sz="3200" dirty="0" smtClean="0">
+                <a:latin typeface="Helvetica Neue"/>
+                <a:ea typeface="Georgia"/>
+                <a:cs typeface="Georgia"/>
+                <a:sym typeface="Georgia"/>
+              </a:rPr>
+              <a:t>via </a:t>
             </a:r>
             <a:r>
               <a:rPr lang="en-US" sz="3200" dirty="0" err="1" smtClean="0">
@@ -25396,7 +24965,7 @@
 </p:sld>
 </file>
 
-<file path=ppt/slides/slide9.xml><?xml version="1.0" encoding="utf-8"?>
+<file path=ppt/slides/slide8.xml><?xml version="1.0" encoding="utf-8"?>
 <p:sld xmlns:a="http://schemas.openxmlformats.org/drawingml/2006/main" xmlns:r="http://schemas.openxmlformats.org/officeDocument/2006/relationships" xmlns:p="http://schemas.openxmlformats.org/presentationml/2006/main">
   <p:cSld>
     <p:spTree>
@@ -25706,8 +25275,8 @@
         </p:nvSpPr>
         <p:spPr>
           <a:xfrm rot="20055957">
-            <a:off x="7651016" y="4077948"/>
-            <a:ext cx="2459421" cy="439093"/>
+            <a:off x="7190098" y="4060656"/>
+            <a:ext cx="3453010" cy="439093"/>
           </a:xfrm>
           <a:prstGeom prst="rect">
             <a:avLst/>
@@ -25722,11 +25291,11 @@
           <a:p>
             <a:r>
               <a:rPr lang="en-US" sz="2000" dirty="0" smtClean="0"/>
-              <a:t>has Grid </a:t>
+              <a:t>has </a:t>
             </a:r>
             <a:r>
               <a:rPr lang="en-US" sz="2000" dirty="0" smtClean="0"/>
-              <a:t>Structure</a:t>
+              <a:t>Data Structure</a:t>
             </a:r>
             <a:endParaRPr lang="en-US" sz="2000" dirty="0"/>
           </a:p>
@@ -25825,7 +25394,6 @@
               <a:rPr lang="en-US" dirty="0" smtClean="0"/>
               <a:t> </a:t>
             </a:r>
-            <a:endParaRPr lang="en-US" dirty="0" smtClean="0"/>
           </a:p>
           <a:p>
             <a:endParaRPr lang="en-US" dirty="0"/>
@@ -25953,11 +25521,7 @@
           <a:p>
             <a:r>
               <a:rPr lang="en-US" sz="2000" dirty="0" smtClean="0"/>
-              <a:t>Is </a:t>
-            </a:r>
-            <a:r>
-              <a:rPr lang="en-US" sz="2000" dirty="0" smtClean="0"/>
-              <a:t>A</a:t>
+              <a:t>Is A</a:t>
             </a:r>
             <a:endParaRPr lang="en-US" sz="2000" dirty="0"/>
           </a:p>
@@ -27415,6 +26979,369 @@
 </p:sld>
 </file>
 
+<file path=ppt/slides/slide9.xml><?xml version="1.0" encoding="utf-8"?>
+<p:sld xmlns:a="http://schemas.openxmlformats.org/drawingml/2006/main" xmlns:r="http://schemas.openxmlformats.org/officeDocument/2006/relationships" xmlns:p="http://schemas.openxmlformats.org/presentationml/2006/main">
+  <p:cSld>
+    <p:spTree>
+      <p:nvGrpSpPr>
+        <p:cNvPr id="1" name="Shape 308"/>
+        <p:cNvGrpSpPr/>
+        <p:nvPr/>
+      </p:nvGrpSpPr>
+      <p:grpSpPr>
+        <a:xfrm>
+          <a:off x="0" y="0"/>
+          <a:ext cx="0" cy="0"/>
+          <a:chOff x="0" y="0"/>
+          <a:chExt cx="0" cy="0"/>
+        </a:xfrm>
+      </p:grpSpPr>
+      <p:sp>
+        <p:nvSpPr>
+          <p:cNvPr id="309" name="Shape 309"/>
+          <p:cNvSpPr txBox="1">
+            <a:spLocks noGrp="1"/>
+          </p:cNvSpPr>
+          <p:nvPr>
+            <p:ph type="title"/>
+          </p:nvPr>
+        </p:nvSpPr>
+        <p:spPr>
+          <a:xfrm>
+            <a:off x="351725" y="151125"/>
+            <a:ext cx="9924000" cy="1415100"/>
+          </a:xfrm>
+          <a:prstGeom prst="rect">
+            <a:avLst/>
+          </a:prstGeom>
+          <a:noFill/>
+          <a:ln>
+            <a:noFill/>
+          </a:ln>
+        </p:spPr>
+        <p:txBody>
+          <a:bodyPr lIns="91400" tIns="91400" rIns="91400" bIns="91400" anchor="t" anchorCtr="0">
+            <a:noAutofit/>
+          </a:bodyPr>
+          <a:lstStyle/>
+          <a:p>
+            <a:pPr marL="0" marR="0" lvl="0" indent="0" algn="l" rtl="0">
+              <a:lnSpc>
+                <a:spcPct val="100000"/>
+              </a:lnSpc>
+              <a:spcBef>
+                <a:spcPts val="0"/>
+              </a:spcBef>
+              <a:spcAft>
+                <a:spcPts val="0"/>
+              </a:spcAft>
+              <a:buClr>
+                <a:schemeClr val="dk1"/>
+              </a:buClr>
+              <a:buSzPct val="25000"/>
+              <a:buFont typeface="Helvetica Neue"/>
+              <a:buNone/>
+            </a:pPr>
+            <a:r>
+              <a:rPr lang="en-US" sz="4400" dirty="0" smtClean="0">
+                <a:solidFill>
+                  <a:schemeClr val="dk1"/>
+                </a:solidFill>
+                <a:latin typeface="Helvetica Neue"/>
+                <a:ea typeface="Helvetica Neue"/>
+                <a:cs typeface="Helvetica Neue"/>
+                <a:sym typeface="Helvetica Neue"/>
+              </a:rPr>
+              <a:t>so…</a:t>
+            </a:r>
+            <a:br>
+              <a:rPr lang="en-US" sz="4400" dirty="0" smtClean="0">
+                <a:solidFill>
+                  <a:schemeClr val="dk1"/>
+                </a:solidFill>
+                <a:latin typeface="Helvetica Neue"/>
+                <a:ea typeface="Helvetica Neue"/>
+                <a:cs typeface="Helvetica Neue"/>
+                <a:sym typeface="Helvetica Neue"/>
+              </a:rPr>
+            </a:br>
+            <a:r>
+              <a:rPr lang="en-US" sz="4400" dirty="0" smtClean="0">
+                <a:solidFill>
+                  <a:schemeClr val="dk1"/>
+                </a:solidFill>
+                <a:latin typeface="Helvetica Neue"/>
+                <a:ea typeface="Helvetica Neue"/>
+                <a:cs typeface="Helvetica Neue"/>
+                <a:sym typeface="Helvetica Neue"/>
+              </a:rPr>
+              <a:t>what is this sprint about?</a:t>
+            </a:r>
+            <a:endParaRPr lang="en-US" sz="4400" dirty="0">
+              <a:solidFill>
+                <a:schemeClr val="dk1"/>
+              </a:solidFill>
+              <a:latin typeface="Helvetica Neue"/>
+              <a:ea typeface="Helvetica Neue"/>
+              <a:cs typeface="Helvetica Neue"/>
+              <a:sym typeface="Helvetica Neue"/>
+            </a:endParaRPr>
+          </a:p>
+        </p:txBody>
+      </p:sp>
+      <p:sp>
+        <p:nvSpPr>
+          <p:cNvPr id="3" name="Rectangle 2"/>
+          <p:cNvSpPr/>
+          <p:nvPr/>
+        </p:nvSpPr>
+        <p:spPr>
+          <a:xfrm>
+            <a:off x="635000" y="2514600"/>
+            <a:ext cx="11811000" cy="6709529"/>
+          </a:xfrm>
+          <a:prstGeom prst="rect">
+            <a:avLst/>
+          </a:prstGeom>
+        </p:spPr>
+        <p:txBody>
+          <a:bodyPr wrap="square">
+            <a:spAutoFit/>
+          </a:bodyPr>
+          <a:lstStyle/>
+          <a:p>
+            <a:pPr latinLnBrk="1"/>
+            <a:r>
+              <a:rPr lang="en-US" sz="3200" dirty="0" smtClean="0">
+                <a:latin typeface="Helvetica Neue"/>
+              </a:rPr>
+              <a:t>Sharing statements </a:t>
+            </a:r>
+            <a:r>
+              <a:rPr lang="en-US" sz="3200" dirty="0" smtClean="0">
+                <a:latin typeface="Helvetica Neue"/>
+              </a:rPr>
+              <a:t>about </a:t>
+            </a:r>
+            <a:r>
+              <a:rPr lang="en-US" sz="3200" dirty="0" smtClean="0">
+                <a:latin typeface="Helvetica Neue"/>
+              </a:rPr>
+              <a:t>experiences!</a:t>
+            </a:r>
+            <a:endParaRPr lang="en-US" sz="3200" dirty="0" smtClean="0">
+              <a:latin typeface="Helvetica Neue"/>
+            </a:endParaRPr>
+          </a:p>
+          <a:p>
+            <a:pPr latinLnBrk="1"/>
+            <a:endParaRPr lang="en-US" sz="3200" dirty="0">
+              <a:latin typeface="Helvetica Neue"/>
+            </a:endParaRPr>
+          </a:p>
+          <a:p>
+            <a:pPr marL="457200" indent="-457200">
+              <a:buFont typeface="Arial" panose="020B0604020202020204" pitchFamily="34" charset="0"/>
+              <a:buChar char="•"/>
+            </a:pPr>
+            <a:r>
+              <a:rPr lang="en-GB" sz="3200" dirty="0" smtClean="0">
+                <a:latin typeface="Helvetica Neue"/>
+              </a:rPr>
+              <a:t>What </a:t>
+            </a:r>
+            <a:r>
+              <a:rPr lang="en-GB" sz="3200" dirty="0">
+                <a:latin typeface="Helvetica Neue"/>
+              </a:rPr>
+              <a:t> </a:t>
+            </a:r>
+            <a:r>
+              <a:rPr lang="en-GB" sz="3200" dirty="0" smtClean="0">
+                <a:latin typeface="Helvetica Neue"/>
+              </a:rPr>
+              <a:t>collection of entities – data formats, data collections, tools, </a:t>
+            </a:r>
+            <a:r>
+              <a:rPr lang="en-GB" sz="3200" dirty="0" smtClean="0">
+                <a:latin typeface="Helvetica Neue"/>
+              </a:rPr>
+              <a:t>visualizations, </a:t>
+            </a:r>
+            <a:r>
+              <a:rPr lang="en-GB" sz="3200" dirty="0" err="1" smtClean="0">
+                <a:latin typeface="Helvetica Neue"/>
+              </a:rPr>
+              <a:t>filetypes</a:t>
+            </a:r>
+            <a:r>
+              <a:rPr lang="en-GB" sz="3200" dirty="0" smtClean="0">
+                <a:latin typeface="Helvetica Neue"/>
+              </a:rPr>
+              <a:t>, etc. – have you worked with?</a:t>
+            </a:r>
+          </a:p>
+          <a:p>
+            <a:r>
+              <a:rPr lang="en-GB" sz="3200" dirty="0" smtClean="0">
+                <a:latin typeface="Helvetica Neue"/>
+              </a:rPr>
+              <a:t> </a:t>
+            </a:r>
+          </a:p>
+          <a:p>
+            <a:pPr marL="457200" indent="-457200">
+              <a:buFont typeface="Arial" panose="020B0604020202020204" pitchFamily="34" charset="0"/>
+              <a:buChar char="•"/>
+            </a:pPr>
+            <a:r>
+              <a:rPr lang="en-GB" sz="3200" dirty="0" smtClean="0">
+                <a:latin typeface="Helvetica Neue"/>
+              </a:rPr>
+              <a:t>What has worked?</a:t>
+            </a:r>
+          </a:p>
+          <a:p>
+            <a:pPr marL="457200" indent="-457200">
+              <a:buFont typeface="Arial" panose="020B0604020202020204" pitchFamily="34" charset="0"/>
+              <a:buChar char="•"/>
+            </a:pPr>
+            <a:r>
+              <a:rPr lang="en-GB" sz="3200" dirty="0" smtClean="0">
+                <a:latin typeface="Helvetica Neue"/>
+              </a:rPr>
+              <a:t>What has worked </a:t>
+            </a:r>
+            <a:r>
+              <a:rPr lang="en-GB" sz="3200" i="1" dirty="0" smtClean="0">
+                <a:latin typeface="Helvetica Neue"/>
+              </a:rPr>
+              <a:t>well</a:t>
+            </a:r>
+            <a:r>
+              <a:rPr lang="en-GB" sz="3200" dirty="0">
+                <a:latin typeface="Helvetica Neue"/>
+              </a:rPr>
+              <a:t>?</a:t>
+            </a:r>
+            <a:endParaRPr lang="en-GB" sz="3200" dirty="0" smtClean="0">
+              <a:latin typeface="Helvetica Neue"/>
+            </a:endParaRPr>
+          </a:p>
+          <a:p>
+            <a:pPr marL="457200" indent="-457200">
+              <a:buFont typeface="Arial" panose="020B0604020202020204" pitchFamily="34" charset="0"/>
+              <a:buChar char="•"/>
+            </a:pPr>
+            <a:r>
+              <a:rPr lang="en-GB" sz="3200" dirty="0" smtClean="0">
+                <a:latin typeface="Helvetica Neue"/>
+              </a:rPr>
+              <a:t>What</a:t>
+            </a:r>
+            <a:r>
+              <a:rPr lang="en-GB" sz="3200" dirty="0">
+                <a:latin typeface="Helvetica Neue"/>
+              </a:rPr>
+              <a:t>, despite your best efforts, did not?</a:t>
+            </a:r>
+          </a:p>
+          <a:p>
+            <a:endParaRPr lang="en-GB" sz="3200" dirty="0">
+              <a:latin typeface="Helvetica Neue"/>
+            </a:endParaRPr>
+          </a:p>
+          <a:p>
+            <a:pPr marL="457200" indent="-457200">
+              <a:buFont typeface="Arial" panose="020B0604020202020204" pitchFamily="34" charset="0"/>
+              <a:buChar char="•"/>
+            </a:pPr>
+            <a:r>
+              <a:rPr lang="en-GB" sz="3200" dirty="0">
+                <a:latin typeface="Helvetica Neue"/>
+              </a:rPr>
+              <a:t>What has been unclear?  </a:t>
+            </a:r>
+          </a:p>
+          <a:p>
+            <a:pPr lvl="8"/>
+            <a:r>
+              <a:rPr lang="en-GB" sz="3200" dirty="0">
+                <a:latin typeface="Helvetica Neue"/>
+              </a:rPr>
+              <a:t>	</a:t>
+            </a:r>
+            <a:r>
+              <a:rPr lang="en-GB" sz="3200" dirty="0" smtClean="0">
+                <a:latin typeface="Helvetica Neue"/>
+              </a:rPr>
+              <a:t>	- it </a:t>
+            </a:r>
+            <a:r>
+              <a:rPr lang="en-GB" sz="3200" i="1" dirty="0" smtClean="0">
+                <a:latin typeface="Helvetica Neue"/>
+              </a:rPr>
+              <a:t>might </a:t>
+            </a:r>
+            <a:r>
+              <a:rPr lang="en-GB" sz="3200" dirty="0" smtClean="0">
+                <a:latin typeface="Helvetica Neue"/>
+              </a:rPr>
+              <a:t> have worked if…</a:t>
+            </a:r>
+          </a:p>
+          <a:p>
+            <a:pPr lvl="8"/>
+            <a:r>
+              <a:rPr lang="en-GB" sz="3200" dirty="0">
+                <a:latin typeface="Helvetica Neue"/>
+              </a:rPr>
+              <a:t>	</a:t>
+            </a:r>
+            <a:r>
+              <a:rPr lang="en-GB" sz="3200" dirty="0" smtClean="0">
+                <a:latin typeface="Helvetica Neue"/>
+              </a:rPr>
+              <a:t>	- according to the documentation it should work, but…</a:t>
+            </a:r>
+            <a:endParaRPr lang="en-GB" sz="3200" dirty="0">
+              <a:latin typeface="Helvetica Neue"/>
+            </a:endParaRPr>
+          </a:p>
+          <a:p>
+            <a:endParaRPr lang="en-GB" sz="3200" dirty="0">
+              <a:latin typeface="Helvetica Neue"/>
+            </a:endParaRPr>
+          </a:p>
+          <a:p>
+            <a:pPr latinLnBrk="1"/>
+            <a:endParaRPr lang="en-US" dirty="0"/>
+          </a:p>
+        </p:txBody>
+      </p:sp>
+    </p:spTree>
+    <p:extLst>
+      <p:ext uri="{BB962C8B-B14F-4D97-AF65-F5344CB8AC3E}">
+        <p14:creationId xmlns:p14="http://schemas.microsoft.com/office/powerpoint/2010/main" val="1659290224"/>
+      </p:ext>
+    </p:extLst>
+  </p:cSld>
+  <p:clrMapOvr>
+    <a:masterClrMapping/>
+  </p:clrMapOvr>
+  <p:transition spd="slow">
+    <p:cut/>
+  </p:transition>
+  <p:timing>
+    <p:tnLst>
+      <p:par>
+        <p:cTn id="1" dur="indefinite" restart="never" nodeType="tmRoot"/>
+      </p:par>
+    </p:tnLst>
+  </p:timing>
+</p:sld>
+</file>
+
 <file path=ppt/theme/theme1.xml><?xml version="1.0" encoding="utf-8"?>
 <a:theme xmlns:a="http://schemas.openxmlformats.org/drawingml/2006/main" name="Custom Theme">
   <a:themeElements>

--- a/2016ESIPSprint/ToolMatch_Sprint_ESIPSummer2016_v2.pptx
+++ b/2016ESIPSprint/ToolMatch_Sprint_ESIPSummer2016_v2.pptx
@@ -2924,16 +2924,7 @@
                 <a:cs typeface="Georgia"/>
                 <a:sym typeface="Georgia"/>
               </a:rPr>
-              <a:t>example</a:t>
-            </a:r>
-            <a:r>
-              <a:rPr lang="en-US" sz="1200" b="1" dirty="0" smtClean="0">
-                <a:latin typeface="Helvetica Neue"/>
-                <a:ea typeface="Georgia"/>
-                <a:cs typeface="Georgia"/>
-                <a:sym typeface="Georgia"/>
-              </a:rPr>
-              <a:t>: </a:t>
+              <a:t>example: </a:t>
             </a:r>
             <a:r>
               <a:rPr lang="en-US" sz="1200" i="1" dirty="0" smtClean="0">
@@ -3151,18 +3142,7 @@
                 <a:ea typeface="+mn-ea"/>
                 <a:cs typeface="+mn-cs"/>
               </a:rPr>
-              <a:t>From </a:t>
-            </a:r>
-            <a:r>
-              <a:rPr lang="en-GB" sz="1200" b="0" i="0" u="none" strike="noStrike" kern="1200" dirty="0" smtClean="0">
-                <a:solidFill>
-                  <a:schemeClr val="tx1"/>
-                </a:solidFill>
-                <a:latin typeface="+mn-lt"/>
-                <a:ea typeface="+mn-ea"/>
-                <a:cs typeface="+mn-cs"/>
-              </a:rPr>
-              <a:t>this, we hope to model “critical” features in greater detail (increased granularity).  The richer semantics will provide increased reasoning capability via a web service.  These services is (or, will be) designed to provide machine-aided discovery of tools and data to Earth scientists of all backgrounds and levels.</a:t>
+              <a:t>From this, we hope to model “critical” features in greater detail (increased granularity).  The richer semantics will provide increased reasoning capability via a web service.  These services is (or, will be) designed to provide machine-aided discovery of tools and data to Earth scientists of all backgrounds and levels.</a:t>
             </a:r>
           </a:p>
           <a:p>
@@ -3214,12 +3194,6 @@
               </a:rPr>
               <a:t> (next slide)</a:t>
             </a:r>
-            <a:endParaRPr lang="en-US" sz="1200" dirty="0" smtClean="0">
-              <a:latin typeface="Helvetica Neue"/>
-              <a:ea typeface="Georgia"/>
-              <a:cs typeface="Georgia"/>
-              <a:sym typeface="Georgia"/>
-            </a:endParaRPr>
           </a:p>
         </p:txBody>
       </p:sp>
@@ -3341,11 +3315,7 @@
           <a:p>
             <a:r>
               <a:rPr lang="en-US" dirty="0" smtClean="0"/>
-              <a:t>Statement</a:t>
-            </a:r>
-            <a:r>
-              <a:rPr lang="en-US" dirty="0" smtClean="0"/>
-              <a:t>: AIRS2010.08.11.095.L2 is a data set.</a:t>
+              <a:t>Statement: AIRS2010.08.11.095.L2 is a data set.</a:t>
             </a:r>
           </a:p>
           <a:p>
@@ -18963,7 +18933,7 @@
           <p:nvPr/>
         </p:nvPicPr>
         <p:blipFill>
-          <a:blip r:embed="rId3"/>
+          <a:blip r:embed="rId5"/>
           <a:srcRect/>
           <a:stretch>
             <a:fillRect/>
@@ -18995,7 +18965,7 @@
           <p:nvPr/>
         </p:nvPicPr>
         <p:blipFill>
-          <a:blip r:embed="rId4">
+          <a:blip r:embed="rId6">
             <a:extLst>
               <a:ext uri="{28A0092B-C50C-407E-A947-70E740481C1C}">
                 <a14:useLocalDpi xmlns:a14="http://schemas.microsoft.com/office/drawing/2010/main" val="0"/>
@@ -19059,7 +19029,7 @@
           <p:nvPr/>
         </p:nvPicPr>
         <p:blipFill>
-          <a:blip r:embed="rId5">
+          <a:blip r:embed="rId7">
             <a:extLst>
               <a:ext uri="{28A0092B-C50C-407E-A947-70E740481C1C}">
                 <a14:useLocalDpi xmlns:a14="http://schemas.microsoft.com/office/drawing/2010/main" val="0"/>
@@ -19089,7 +19059,7 @@
           <p:nvPr/>
         </p:nvPicPr>
         <p:blipFill>
-          <a:blip r:embed="rId6">
+          <a:blip r:embed="rId8">
             <a:extLst>
               <a:ext uri="{28A0092B-C50C-407E-A947-70E740481C1C}">
                 <a14:useLocalDpi xmlns:a14="http://schemas.microsoft.com/office/drawing/2010/main" val="0"/>
@@ -19130,7 +19100,7 @@
           <p:nvPr/>
         </p:nvPicPr>
         <p:blipFill>
-          <a:blip r:embed="rId7">
+          <a:blip r:embed="rId9">
             <a:extLst>
               <a:ext uri="{28A0092B-C50C-407E-A947-70E740481C1C}">
                 <a14:useLocalDpi xmlns:a14="http://schemas.microsoft.com/office/drawing/2010/main" val="0"/>
@@ -19171,7 +19141,7 @@
           <p:nvPr/>
         </p:nvPicPr>
         <p:blipFill>
-          <a:blip r:embed="rId8"/>
+          <a:blip r:embed="rId10"/>
           <a:stretch>
             <a:fillRect/>
           </a:stretch>
@@ -19195,7 +19165,7 @@
           <p:nvPr/>
         </p:nvPicPr>
         <p:blipFill>
-          <a:blip r:embed="rId9">
+          <a:blip r:embed="rId11">
             <a:extLst>
               <a:ext uri="{28A0092B-C50C-407E-A947-70E740481C1C}">
                 <a14:useLocalDpi xmlns:a14="http://schemas.microsoft.com/office/drawing/2010/main" val="0"/>
@@ -19360,18 +19330,131 @@
           </a:p>
         </p:txBody>
       </p:sp>
+      <p:pic>
+        <p:nvPicPr>
+          <p:cNvPr id="7" name="Audio 6">
+            <a:hlinkClick r:id="" action="ppaction://media"/>
+          </p:cNvPr>
+          <p:cNvPicPr>
+            <a:picLocks noChangeAspect="1"/>
+          </p:cNvPicPr>
+          <p:nvPr>
+            <a:audioFile r:link="rId2"/>
+            <p:extLst>
+              <p:ext uri="{DAA4B4D4-6D71-4841-9C94-3DE7FCFB9230}">
+                <p14:media xmlns:p14="http://schemas.microsoft.com/office/powerpoint/2010/main" r:embed="rId1"/>
+              </p:ext>
+            </p:extLst>
+          </p:nvPr>
+        </p:nvPicPr>
+        <p:blipFill>
+          <a:blip r:embed="rId12"/>
+          <a:stretch>
+            <a:fillRect/>
+          </a:stretch>
+        </p:blipFill>
+        <p:spPr>
+          <a:xfrm>
+            <a:off x="12242800" y="8991600"/>
+            <a:ext cx="609600" cy="609600"/>
+          </a:xfrm>
+          <a:prstGeom prst="rect">
+            <a:avLst/>
+          </a:prstGeom>
+        </p:spPr>
+      </p:pic>
     </p:spTree>
   </p:cSld>
   <p:clrMapOvr>
     <a:masterClrMapping/>
   </p:clrMapOvr>
-  <p:transition spd="slow">
+  <p:transition spd="slow" advTm="5777">
     <p:cut/>
   </p:transition>
   <p:timing>
     <p:tnLst>
       <p:par>
-        <p:cTn id="1" dur="indefinite" restart="never" nodeType="tmRoot"/>
+        <p:cTn id="1" dur="indefinite" restart="never" nodeType="tmRoot">
+          <p:childTnLst>
+            <p:seq concurrent="1" nextAc="seek">
+              <p:cTn id="2" dur="indefinite" nodeType="mainSeq">
+                <p:childTnLst>
+                  <p:par>
+                    <p:cTn id="3" fill="hold">
+                      <p:stCondLst>
+                        <p:cond delay="indefinite"/>
+                        <p:cond evt="onBegin" delay="0">
+                          <p:tn val="2"/>
+                        </p:cond>
+                      </p:stCondLst>
+                      <p:childTnLst>
+                        <p:par>
+                          <p:cTn id="4" fill="hold">
+                            <p:stCondLst>
+                              <p:cond delay="0"/>
+                            </p:stCondLst>
+                            <p:childTnLst>
+                              <p:par>
+                                <p:cTn id="5" presetID="1" presetClass="mediacall" presetSubtype="0" fill="hold" nodeType="afterEffect">
+                                  <p:stCondLst>
+                                    <p:cond delay="0"/>
+                                  </p:stCondLst>
+                                  <p:childTnLst>
+                                    <p:cmd type="call" cmd="playFrom(0.0)">
+                                      <p:cBhvr>
+                                        <p:cTn id="6" dur="1" fill="hold"/>
+                                        <p:tgtEl>
+                                          <p:spTgt spid="7"/>
+                                        </p:tgtEl>
+                                      </p:cBhvr>
+                                    </p:cmd>
+                                  </p:childTnLst>
+                                </p:cTn>
+                              </p:par>
+                            </p:childTnLst>
+                          </p:cTn>
+                        </p:par>
+                      </p:childTnLst>
+                    </p:cTn>
+                  </p:par>
+                </p:childTnLst>
+              </p:cTn>
+              <p:prevCondLst>
+                <p:cond evt="onPrev" delay="0">
+                  <p:tgtEl>
+                    <p:sldTgt/>
+                  </p:tgtEl>
+                </p:cond>
+              </p:prevCondLst>
+              <p:nextCondLst>
+                <p:cond evt="onNext" delay="0">
+                  <p:tgtEl>
+                    <p:sldTgt/>
+                  </p:tgtEl>
+                </p:cond>
+              </p:nextCondLst>
+            </p:seq>
+            <p:audio isNarration="1">
+              <p:cMediaNode vol="80000" showWhenStopped="0">
+                <p:cTn id="7" fill="hold" display="0">
+                  <p:stCondLst>
+                    <p:cond delay="indefinite"/>
+                  </p:stCondLst>
+                  <p:endCondLst>
+                    <p:cond evt="onStopAudio" delay="0">
+                      <p:tgtEl>
+                        <p:sldTgt/>
+                      </p:tgtEl>
+                    </p:cond>
+                  </p:endCondLst>
+                </p:cTn>
+                <p:tgtEl>
+                  <p:spTgt spid="7"/>
+                </p:tgtEl>
+              </p:cMediaNode>
+            </p:audio>
+          </p:childTnLst>
+        </p:cTn>
       </p:par>
     </p:tnLst>
   </p:timing>
@@ -20097,25 +20180,7 @@
               <a:rPr lang="en-US" sz="3200" dirty="0" smtClean="0">
                 <a:latin typeface="Helvetica Neue"/>
               </a:rPr>
-              <a:t>without a depth </a:t>
-            </a:r>
-            <a:r>
-              <a:rPr lang="en-US" sz="3200" dirty="0" smtClean="0">
-                <a:latin typeface="Helvetica Neue"/>
-              </a:rPr>
-              <a:t>value, </a:t>
-            </a:r>
-            <a:r>
-              <a:rPr lang="en-US" sz="3200" dirty="0" smtClean="0">
-                <a:latin typeface="Helvetica Neue"/>
-              </a:rPr>
-              <a:t>and any special characters are removed</a:t>
-            </a:r>
-            <a:r>
-              <a:rPr lang="en-US" sz="3200" dirty="0" smtClean="0">
-                <a:latin typeface="Helvetica Neue"/>
-              </a:rPr>
-              <a:t>.</a:t>
+              <a:t>without a depth value, and any special characters are removed.</a:t>
             </a:r>
           </a:p>
           <a:p>
@@ -20130,13 +20195,7 @@
               <a:rPr lang="en-US" sz="3200" dirty="0" smtClean="0">
                 <a:latin typeface="Helvetica Neue"/>
               </a:rPr>
-              <a:t>I was able to get IDV to </a:t>
-            </a:r>
-            <a:r>
-              <a:rPr lang="en-US" sz="3200" dirty="0" smtClean="0">
-                <a:latin typeface="Helvetica Neue"/>
-              </a:rPr>
-              <a:t>serialize a SEG-Y file, but the depth and time values were inverted.</a:t>
+              <a:t>I was able to get IDV to serialize a SEG-Y file, but the depth and time values were inverted.</a:t>
             </a:r>
             <a:endParaRPr lang="en-US" sz="3200" dirty="0">
               <a:latin typeface="Helvetica Neue"/>
@@ -21588,16 +21647,7 @@
                 <a:cs typeface="Georgia"/>
                 <a:sym typeface="Georgia"/>
               </a:rPr>
-              <a:t>Initially spawned as </a:t>
-            </a:r>
-            <a:r>
-              <a:rPr lang="en-US" sz="3200" dirty="0" smtClean="0">
-                <a:latin typeface="Helvetica Neue"/>
-                <a:ea typeface="Georgia"/>
-                <a:cs typeface="Georgia"/>
-                <a:sym typeface="Georgia"/>
-              </a:rPr>
-              <a:t>an ESIP </a:t>
+              <a:t>Initially spawned as an ESIP </a:t>
             </a:r>
             <a:r>
               <a:rPr lang="en-US" sz="3200" dirty="0">
@@ -21650,25 +21700,7 @@
                 <a:cs typeface="Georgia"/>
                 <a:sym typeface="Georgia"/>
               </a:rPr>
-              <a:t>moved </a:t>
-            </a:r>
-            <a:r>
-              <a:rPr lang="en-US" sz="3200" dirty="0" smtClean="0">
-                <a:latin typeface="Helvetica Neue"/>
-                <a:ea typeface="Georgia"/>
-                <a:cs typeface="Georgia"/>
-                <a:sym typeface="Georgia"/>
-              </a:rPr>
-              <a:t>to ESIP </a:t>
-            </a:r>
-            <a:r>
-              <a:rPr lang="en-US" sz="3200" dirty="0" smtClean="0">
-                <a:latin typeface="Helvetica Neue"/>
-                <a:ea typeface="Georgia"/>
-                <a:cs typeface="Georgia"/>
-                <a:sym typeface="Georgia"/>
-              </a:rPr>
-              <a:t>Products &amp; Services Testbed Funding</a:t>
+              <a:t>moved to ESIP Products &amp; Services Testbed Funding</a:t>
             </a:r>
           </a:p>
           <a:p>
@@ -21908,16 +21940,7 @@
                 <a:cs typeface="Georgia"/>
                 <a:sym typeface="Georgia"/>
               </a:rPr>
-              <a:t>Soren </a:t>
-            </a:r>
-            <a:r>
-              <a:rPr lang="en-US" sz="2800" dirty="0" smtClean="0">
-                <a:latin typeface="Helvetica Neue"/>
-                <a:ea typeface="Georgia"/>
-                <a:cs typeface="Georgia"/>
-                <a:sym typeface="Georgia"/>
-              </a:rPr>
-              <a:t>Scott</a:t>
+              <a:t>Soren Scott</a:t>
             </a:r>
           </a:p>
           <a:p>
@@ -21975,6 +21998,39 @@
           </a:p>
         </p:txBody>
       </p:sp>
+      <p:pic>
+        <p:nvPicPr>
+          <p:cNvPr id="2" name="Audio 1">
+            <a:hlinkClick r:id="" action="ppaction://media"/>
+          </p:cNvPr>
+          <p:cNvPicPr>
+            <a:picLocks noChangeAspect="1"/>
+          </p:cNvPicPr>
+          <p:nvPr>
+            <a:audioFile r:link="rId2"/>
+            <p:extLst>
+              <p:ext uri="{DAA4B4D4-6D71-4841-9C94-3DE7FCFB9230}">
+                <p14:media xmlns:p14="http://schemas.microsoft.com/office/powerpoint/2010/main" r:embed="rId1"/>
+              </p:ext>
+            </p:extLst>
+          </p:nvPr>
+        </p:nvPicPr>
+        <p:blipFill>
+          <a:blip r:embed="rId5"/>
+          <a:stretch>
+            <a:fillRect/>
+          </a:stretch>
+        </p:blipFill>
+        <p:spPr>
+          <a:xfrm>
+            <a:off x="12242800" y="8991600"/>
+            <a:ext cx="609600" cy="609600"/>
+          </a:xfrm>
+          <a:prstGeom prst="rect">
+            <a:avLst/>
+          </a:prstGeom>
+        </p:spPr>
+      </p:pic>
     </p:spTree>
     <p:extLst>
       <p:ext uri="{BB962C8B-B14F-4D97-AF65-F5344CB8AC3E}">
@@ -21985,13 +22041,93 @@
   <p:clrMapOvr>
     <a:masterClrMapping/>
   </p:clrMapOvr>
-  <p:transition spd="slow">
+  <p:transition spd="slow" advTm="1604">
     <p:cut/>
   </p:transition>
   <p:timing>
     <p:tnLst>
       <p:par>
-        <p:cTn id="1" dur="indefinite" restart="never" nodeType="tmRoot"/>
+        <p:cTn id="1" dur="indefinite" restart="never" nodeType="tmRoot">
+          <p:childTnLst>
+            <p:seq concurrent="1" nextAc="seek">
+              <p:cTn id="2" dur="indefinite" nodeType="mainSeq">
+                <p:childTnLst>
+                  <p:par>
+                    <p:cTn id="3" fill="hold">
+                      <p:stCondLst>
+                        <p:cond delay="indefinite"/>
+                        <p:cond evt="onBegin" delay="0">
+                          <p:tn val="2"/>
+                        </p:cond>
+                      </p:stCondLst>
+                      <p:childTnLst>
+                        <p:par>
+                          <p:cTn id="4" fill="hold">
+                            <p:stCondLst>
+                              <p:cond delay="0"/>
+                            </p:stCondLst>
+                            <p:childTnLst>
+                              <p:par>
+                                <p:cTn id="5" presetID="1" presetClass="mediacall" presetSubtype="0" fill="hold" nodeType="afterEffect">
+                                  <p:stCondLst>
+                                    <p:cond delay="0"/>
+                                  </p:stCondLst>
+                                  <p:childTnLst>
+                                    <p:cmd type="call" cmd="playFrom(0.0)">
+                                      <p:cBhvr>
+                                        <p:cTn id="6" dur="1" fill="hold"/>
+                                        <p:tgtEl>
+                                          <p:spTgt spid="2"/>
+                                        </p:tgtEl>
+                                      </p:cBhvr>
+                                    </p:cmd>
+                                  </p:childTnLst>
+                                </p:cTn>
+                              </p:par>
+                            </p:childTnLst>
+                          </p:cTn>
+                        </p:par>
+                      </p:childTnLst>
+                    </p:cTn>
+                  </p:par>
+                </p:childTnLst>
+              </p:cTn>
+              <p:prevCondLst>
+                <p:cond evt="onPrev" delay="0">
+                  <p:tgtEl>
+                    <p:sldTgt/>
+                  </p:tgtEl>
+                </p:cond>
+              </p:prevCondLst>
+              <p:nextCondLst>
+                <p:cond evt="onNext" delay="0">
+                  <p:tgtEl>
+                    <p:sldTgt/>
+                  </p:tgtEl>
+                </p:cond>
+              </p:nextCondLst>
+            </p:seq>
+            <p:audio isNarration="1">
+              <p:cMediaNode vol="80000" showWhenStopped="0">
+                <p:cTn id="7" fill="hold" display="0">
+                  <p:stCondLst>
+                    <p:cond delay="indefinite"/>
+                  </p:stCondLst>
+                  <p:endCondLst>
+                    <p:cond evt="onStopAudio" delay="0">
+                      <p:tgtEl>
+                        <p:sldTgt/>
+                      </p:tgtEl>
+                    </p:cond>
+                  </p:endCondLst>
+                </p:cTn>
+                <p:tgtEl>
+                  <p:spTgt spid="2"/>
+                </p:tgtEl>
+              </p:cMediaNode>
+            </p:audio>
+          </p:childTnLst>
+        </p:cTn>
       </p:par>
     </p:tnLst>
   </p:timing>
@@ -22456,7 +22592,43 @@
           </a:p>
         </p:txBody>
       </p:sp>
+      <p:pic>
+        <p:nvPicPr>
+          <p:cNvPr id="3" name="Audio 2">
+            <a:hlinkClick r:id="" action="ppaction://media"/>
+          </p:cNvPr>
+          <p:cNvPicPr>
+            <a:picLocks noChangeAspect="1"/>
+          </p:cNvPicPr>
+          <p:nvPr>
+            <a:audioFile r:link="rId3"/>
+            <p:extLst>
+              <p:ext uri="{DAA4B4D4-6D71-4841-9C94-3DE7FCFB9230}">
+                <p14:media xmlns:p14="http://schemas.microsoft.com/office/powerpoint/2010/main" r:embed="rId2"/>
+              </p:ext>
+            </p:extLst>
+          </p:nvPr>
+        </p:nvPicPr>
+        <p:blipFill>
+          <a:blip r:embed="rId6"/>
+          <a:stretch>
+            <a:fillRect/>
+          </a:stretch>
+        </p:blipFill>
+        <p:spPr>
+          <a:xfrm>
+            <a:off x="12242800" y="8991600"/>
+            <a:ext cx="609600" cy="609600"/>
+          </a:xfrm>
+          <a:prstGeom prst="rect">
+            <a:avLst/>
+          </a:prstGeom>
+        </p:spPr>
+      </p:pic>
     </p:spTree>
+    <p:custDataLst>
+      <p:tags r:id="rId1"/>
+    </p:custDataLst>
     <p:extLst>
       <p:ext uri="{BB962C8B-B14F-4D97-AF65-F5344CB8AC3E}">
         <p14:creationId xmlns:p14="http://schemas.microsoft.com/office/powerpoint/2010/main" val="2129464363"/>
@@ -22466,6 +22638,14 @@
   <p:clrMapOvr>
     <a:masterClrMapping/>
   </p:clrMapOvr>
+  <mc:AlternateContent xmlns:mc="http://schemas.openxmlformats.org/markup-compatibility/2006">
+    <mc:Choice xmlns:p14="http://schemas.microsoft.com/office/powerpoint/2010/main" Requires="p14">
+      <p:transition spd="slow" p14:dur="2000" advTm="11364"/>
+    </mc:Choice>
+    <mc:Fallback>
+      <p:transition spd="slow" advTm="11364"/>
+    </mc:Fallback>
+  </mc:AlternateContent>
   <p:timing>
     <p:tnLst>
       <p:par>
@@ -22478,6 +22658,9 @@
                     <p:cTn id="3" fill="hold">
                       <p:stCondLst>
                         <p:cond delay="indefinite"/>
+                        <p:cond evt="onBegin" delay="0">
+                          <p:tn val="2"/>
+                        </p:cond>
                       </p:stCondLst>
                       <p:childTnLst>
                         <p:par>
@@ -22487,29 +22670,19 @@
                             </p:stCondLst>
                             <p:childTnLst>
                               <p:par>
-                                <p:cTn id="5" presetID="1" presetClass="entr" presetSubtype="0" fill="hold" grpId="0" nodeType="clickEffect">
+                                <p:cTn id="5" presetID="1" presetClass="mediacall" presetSubtype="0" fill="hold" nodeType="afterEffect">
                                   <p:stCondLst>
                                     <p:cond delay="0"/>
                                   </p:stCondLst>
                                   <p:childTnLst>
-                                    <p:set>
+                                    <p:cmd type="call" cmd="playFrom(0.0)">
                                       <p:cBhvr>
-                                        <p:cTn id="6" dur="1" fill="hold">
-                                          <p:stCondLst>
-                                            <p:cond delay="0"/>
-                                          </p:stCondLst>
-                                        </p:cTn>
+                                        <p:cTn id="6" dur="1" fill="hold"/>
                                         <p:tgtEl>
-                                          <p:spTgt spid="9"/>
+                                          <p:spTgt spid="3"/>
                                         </p:tgtEl>
-                                        <p:attrNameLst>
-                                          <p:attrName>style.visibility</p:attrName>
-                                        </p:attrNameLst>
                                       </p:cBhvr>
-                                      <p:to>
-                                        <p:strVal val="visible"/>
-                                      </p:to>
-                                    </p:set>
+                                    </p:cmd>
                                   </p:childTnLst>
                                 </p:cTn>
                               </p:par>
@@ -22545,7 +22718,7 @@
                                           </p:stCondLst>
                                         </p:cTn>
                                         <p:tgtEl>
-                                          <p:spTgt spid="32"/>
+                                          <p:spTgt spid="9"/>
                                         </p:tgtEl>
                                         <p:attrNameLst>
                                           <p:attrName>style.visibility</p:attrName>
@@ -22577,7 +22750,7 @@
                             </p:stCondLst>
                             <p:childTnLst>
                               <p:par>
-                                <p:cTn id="13" presetID="1" presetClass="entr" presetSubtype="0" fill="hold" nodeType="clickEffect">
+                                <p:cTn id="13" presetID="1" presetClass="entr" presetSubtype="0" fill="hold" grpId="0" nodeType="clickEffect">
                                   <p:stCondLst>
                                     <p:cond delay="0"/>
                                   </p:stCondLst>
@@ -22585,6 +22758,51 @@
                                     <p:set>
                                       <p:cBhvr>
                                         <p:cTn id="14" dur="1" fill="hold">
+                                          <p:stCondLst>
+                                            <p:cond delay="0"/>
+                                          </p:stCondLst>
+                                        </p:cTn>
+                                        <p:tgtEl>
+                                          <p:spTgt spid="32"/>
+                                        </p:tgtEl>
+                                        <p:attrNameLst>
+                                          <p:attrName>style.visibility</p:attrName>
+                                        </p:attrNameLst>
+                                      </p:cBhvr>
+                                      <p:to>
+                                        <p:strVal val="visible"/>
+                                      </p:to>
+                                    </p:set>
+                                  </p:childTnLst>
+                                </p:cTn>
+                              </p:par>
+                            </p:childTnLst>
+                          </p:cTn>
+                        </p:par>
+                      </p:childTnLst>
+                    </p:cTn>
+                  </p:par>
+                  <p:par>
+                    <p:cTn id="15" fill="hold">
+                      <p:stCondLst>
+                        <p:cond delay="indefinite"/>
+                      </p:stCondLst>
+                      <p:childTnLst>
+                        <p:par>
+                          <p:cTn id="16" fill="hold">
+                            <p:stCondLst>
+                              <p:cond delay="0"/>
+                            </p:stCondLst>
+                            <p:childTnLst>
+                              <p:par>
+                                <p:cTn id="17" presetID="1" presetClass="entr" presetSubtype="0" fill="hold" nodeType="clickEffect">
+                                  <p:stCondLst>
+                                    <p:cond delay="0"/>
+                                  </p:stCondLst>
+                                  <p:childTnLst>
+                                    <p:set>
+                                      <p:cBhvr>
+                                        <p:cTn id="18" dur="1" fill="hold">
                                           <p:stCondLst>
                                             <p:cond delay="0"/>
                                           </p:stCondLst>
@@ -22604,52 +22822,7 @@
                                 </p:cTn>
                               </p:par>
                               <p:par>
-                                <p:cTn id="15" presetID="1" presetClass="entr" presetSubtype="0" fill="hold" grpId="0" nodeType="withEffect">
-                                  <p:stCondLst>
-                                    <p:cond delay="0"/>
-                                  </p:stCondLst>
-                                  <p:childTnLst>
-                                    <p:set>
-                                      <p:cBhvr>
-                                        <p:cTn id="16" dur="1" fill="hold">
-                                          <p:stCondLst>
-                                            <p:cond delay="0"/>
-                                          </p:stCondLst>
-                                        </p:cTn>
-                                        <p:tgtEl>
-                                          <p:spTgt spid="16"/>
-                                        </p:tgtEl>
-                                        <p:attrNameLst>
-                                          <p:attrName>style.visibility</p:attrName>
-                                        </p:attrNameLst>
-                                      </p:cBhvr>
-                                      <p:to>
-                                        <p:strVal val="visible"/>
-                                      </p:to>
-                                    </p:set>
-                                  </p:childTnLst>
-                                </p:cTn>
-                              </p:par>
-                            </p:childTnLst>
-                          </p:cTn>
-                        </p:par>
-                      </p:childTnLst>
-                    </p:cTn>
-                  </p:par>
-                  <p:par>
-                    <p:cTn id="17" fill="hold">
-                      <p:stCondLst>
-                        <p:cond delay="indefinite"/>
-                      </p:stCondLst>
-                      <p:childTnLst>
-                        <p:par>
-                          <p:cTn id="18" fill="hold">
-                            <p:stCondLst>
-                              <p:cond delay="0"/>
-                            </p:stCondLst>
-                            <p:childTnLst>
-                              <p:par>
-                                <p:cTn id="19" presetID="1" presetClass="entr" presetSubtype="0" fill="hold" grpId="0" nodeType="clickEffect">
+                                <p:cTn id="19" presetID="1" presetClass="entr" presetSubtype="0" fill="hold" grpId="0" nodeType="withEffect">
                                   <p:stCondLst>
                                     <p:cond delay="0"/>
                                   </p:stCondLst>
@@ -22662,7 +22835,7 @@
                                           </p:stCondLst>
                                         </p:cTn>
                                         <p:tgtEl>
-                                          <p:spTgt spid="21"/>
+                                          <p:spTgt spid="16"/>
                                         </p:tgtEl>
                                         <p:attrNameLst>
                                           <p:attrName>style.visibility</p:attrName>
@@ -22707,7 +22880,7 @@
                                           </p:stCondLst>
                                         </p:cTn>
                                         <p:tgtEl>
-                                          <p:spTgt spid="17"/>
+                                          <p:spTgt spid="21"/>
                                         </p:tgtEl>
                                         <p:attrNameLst>
                                           <p:attrName>style.visibility</p:attrName>
@@ -22752,7 +22925,7 @@
                                           </p:stCondLst>
                                         </p:cTn>
                                         <p:tgtEl>
-                                          <p:spTgt spid="22"/>
+                                          <p:spTgt spid="17"/>
                                         </p:tgtEl>
                                         <p:attrNameLst>
                                           <p:attrName>style.visibility</p:attrName>
@@ -22797,7 +22970,7 @@
                                           </p:stCondLst>
                                         </p:cTn>
                                         <p:tgtEl>
-                                          <p:spTgt spid="24"/>
+                                          <p:spTgt spid="22"/>
                                         </p:tgtEl>
                                         <p:attrNameLst>
                                           <p:attrName>style.visibility</p:attrName>
@@ -22842,6 +23015,51 @@
                                           </p:stCondLst>
                                         </p:cTn>
                                         <p:tgtEl>
+                                          <p:spTgt spid="24"/>
+                                        </p:tgtEl>
+                                        <p:attrNameLst>
+                                          <p:attrName>style.visibility</p:attrName>
+                                        </p:attrNameLst>
+                                      </p:cBhvr>
+                                      <p:to>
+                                        <p:strVal val="visible"/>
+                                      </p:to>
+                                    </p:set>
+                                  </p:childTnLst>
+                                </p:cTn>
+                              </p:par>
+                            </p:childTnLst>
+                          </p:cTn>
+                        </p:par>
+                      </p:childTnLst>
+                    </p:cTn>
+                  </p:par>
+                  <p:par>
+                    <p:cTn id="37" fill="hold">
+                      <p:stCondLst>
+                        <p:cond delay="indefinite"/>
+                      </p:stCondLst>
+                      <p:childTnLst>
+                        <p:par>
+                          <p:cTn id="38" fill="hold">
+                            <p:stCondLst>
+                              <p:cond delay="0"/>
+                            </p:stCondLst>
+                            <p:childTnLst>
+                              <p:par>
+                                <p:cTn id="39" presetID="1" presetClass="entr" presetSubtype="0" fill="hold" grpId="0" nodeType="clickEffect">
+                                  <p:stCondLst>
+                                    <p:cond delay="0"/>
+                                  </p:stCondLst>
+                                  <p:childTnLst>
+                                    <p:set>
+                                      <p:cBhvr>
+                                        <p:cTn id="40" dur="1" fill="hold">
+                                          <p:stCondLst>
+                                            <p:cond delay="0"/>
+                                          </p:stCondLst>
+                                        </p:cTn>
+                                        <p:tgtEl>
                                           <p:spTgt spid="23"/>
                                         </p:tgtEl>
                                         <p:attrNameLst>
@@ -22878,6 +23096,25 @@
                 </p:cond>
               </p:nextCondLst>
             </p:seq>
+            <p:audio isNarration="1">
+              <p:cMediaNode vol="80000" showWhenStopped="0">
+                <p:cTn id="41" fill="hold" display="0">
+                  <p:stCondLst>
+                    <p:cond delay="indefinite"/>
+                  </p:stCondLst>
+                  <p:endCondLst>
+                    <p:cond evt="onStopAudio" delay="0">
+                      <p:tgtEl>
+                        <p:sldTgt/>
+                      </p:tgtEl>
+                    </p:cond>
+                  </p:endCondLst>
+                </p:cTn>
+                <p:tgtEl>
+                  <p:spTgt spid="3"/>
+                </p:tgtEl>
+              </p:cMediaNode>
+            </p:audio>
           </p:childTnLst>
         </p:cTn>
       </p:par>
@@ -24295,16 +24532,7 @@
                 <a:cs typeface="Georgia"/>
                 <a:sym typeface="Georgia"/>
               </a:rPr>
-              <a:t>Interesting, and useful</a:t>
-            </a:r>
-            <a:r>
-              <a:rPr lang="en-US" sz="3200" dirty="0" smtClean="0">
-                <a:latin typeface="Helvetica Neue"/>
-                <a:ea typeface="Georgia"/>
-                <a:cs typeface="Georgia"/>
-                <a:sym typeface="Georgia"/>
-              </a:rPr>
-              <a:t>.</a:t>
+              <a:t>Interesting, and useful.</a:t>
             </a:r>
           </a:p>
           <a:p>
@@ -24353,12 +24581,6 @@
               </a:rPr>
               <a:t>general matching</a:t>
             </a:r>
-            <a:endParaRPr lang="en-US" sz="3200" dirty="0" smtClean="0">
-              <a:latin typeface="Helvetica Neue"/>
-              <a:ea typeface="Georgia"/>
-              <a:cs typeface="Georgia"/>
-              <a:sym typeface="Georgia"/>
-            </a:endParaRPr>
           </a:p>
           <a:p>
             <a:pPr marL="457200" lvl="0" indent="-457200" rtl="0">
@@ -24398,8 +24620,57 @@
                 <a:cs typeface="Georgia"/>
                 <a:sym typeface="Georgia"/>
               </a:rPr>
-              <a:t>How might adding tool “capabilities” affect the utility of </a:t>
+              <a:t>How might adding tool “capabilities” affect the utility of this type of service?</a:t>
             </a:r>
+          </a:p>
+          <a:p>
+            <a:pPr marL="457200" lvl="0" indent="-457200" rtl="0">
+              <a:spcBef>
+                <a:spcPts val="0"/>
+              </a:spcBef>
+              <a:buClr>
+                <a:srgbClr val="000000"/>
+              </a:buClr>
+              <a:buSzPct val="100000"/>
+              <a:buFont typeface="Georgia"/>
+              <a:buChar char="●"/>
+            </a:pPr>
+            <a:endParaRPr lang="en-US" sz="3200" dirty="0">
+              <a:latin typeface="Helvetica Neue"/>
+              <a:ea typeface="Georgia"/>
+              <a:cs typeface="Georgia"/>
+              <a:sym typeface="Georgia"/>
+            </a:endParaRPr>
+          </a:p>
+          <a:p>
+            <a:pPr marL="457200" lvl="0" indent="-457200" rtl="0">
+              <a:spcBef>
+                <a:spcPts val="0"/>
+              </a:spcBef>
+              <a:buClr>
+                <a:srgbClr val="000000"/>
+              </a:buClr>
+              <a:buSzPct val="100000"/>
+              <a:buFont typeface="Georgia"/>
+              <a:buChar char="●"/>
+            </a:pPr>
+            <a:endParaRPr lang="en-US" sz="3200" dirty="0" smtClean="0">
+              <a:latin typeface="Helvetica Neue"/>
+              <a:ea typeface="Georgia"/>
+              <a:cs typeface="Georgia"/>
+              <a:sym typeface="Georgia"/>
+            </a:endParaRPr>
+          </a:p>
+          <a:p>
+            <a:pPr lvl="0" rtl="0">
+              <a:spcBef>
+                <a:spcPts val="0"/>
+              </a:spcBef>
+              <a:buClr>
+                <a:srgbClr val="000000"/>
+              </a:buClr>
+              <a:buSzPct val="100000"/>
+            </a:pPr>
             <a:r>
               <a:rPr lang="en-US" sz="3200" dirty="0" smtClean="0">
                 <a:latin typeface="Helvetica Neue"/>
@@ -24407,92 +24678,7 @@
                 <a:cs typeface="Georgia"/>
                 <a:sym typeface="Georgia"/>
               </a:rPr>
-              <a:t>this type of service</a:t>
-            </a:r>
-            <a:r>
-              <a:rPr lang="en-US" sz="3200" dirty="0" smtClean="0">
-                <a:latin typeface="Helvetica Neue"/>
-                <a:ea typeface="Georgia"/>
-                <a:cs typeface="Georgia"/>
-                <a:sym typeface="Georgia"/>
-              </a:rPr>
-              <a:t>?</a:t>
-            </a:r>
-          </a:p>
-          <a:p>
-            <a:pPr marL="457200" lvl="0" indent="-457200" rtl="0">
-              <a:spcBef>
-                <a:spcPts val="0"/>
-              </a:spcBef>
-              <a:buClr>
-                <a:srgbClr val="000000"/>
-              </a:buClr>
-              <a:buSzPct val="100000"/>
-              <a:buFont typeface="Georgia"/>
-              <a:buChar char="●"/>
-            </a:pPr>
-            <a:endParaRPr lang="en-US" sz="3200" dirty="0">
-              <a:latin typeface="Helvetica Neue"/>
-              <a:ea typeface="Georgia"/>
-              <a:cs typeface="Georgia"/>
-              <a:sym typeface="Georgia"/>
-            </a:endParaRPr>
-          </a:p>
-          <a:p>
-            <a:pPr marL="457200" lvl="0" indent="-457200" rtl="0">
-              <a:spcBef>
-                <a:spcPts val="0"/>
-              </a:spcBef>
-              <a:buClr>
-                <a:srgbClr val="000000"/>
-              </a:buClr>
-              <a:buSzPct val="100000"/>
-              <a:buFont typeface="Georgia"/>
-              <a:buChar char="●"/>
-            </a:pPr>
-            <a:endParaRPr lang="en-US" sz="3200" dirty="0" smtClean="0">
-              <a:latin typeface="Helvetica Neue"/>
-              <a:ea typeface="Georgia"/>
-              <a:cs typeface="Georgia"/>
-              <a:sym typeface="Georgia"/>
-            </a:endParaRPr>
-          </a:p>
-          <a:p>
-            <a:pPr lvl="0" rtl="0">
-              <a:spcBef>
-                <a:spcPts val="0"/>
-              </a:spcBef>
-              <a:buClr>
-                <a:srgbClr val="000000"/>
-              </a:buClr>
-              <a:buSzPct val="100000"/>
-            </a:pPr>
-            <a:r>
-              <a:rPr lang="en-US" sz="3200" dirty="0" smtClean="0">
-                <a:latin typeface="Helvetica Neue"/>
-                <a:ea typeface="Georgia"/>
-                <a:cs typeface="Georgia"/>
-                <a:sym typeface="Georgia"/>
-              </a:rPr>
-              <a:t>example:	given data set X, which tool(s) are 			</a:t>
-            </a:r>
-            <a:r>
-              <a:rPr lang="en-US" sz="3200" dirty="0" smtClean="0">
-                <a:latin typeface="Helvetica Neue"/>
-                <a:ea typeface="Georgia"/>
-                <a:cs typeface="Georgia"/>
-                <a:sym typeface="Georgia"/>
-              </a:rPr>
-              <a:t>		available </a:t>
-            </a:r>
-            <a:r>
-              <a:rPr lang="en-US" sz="3200" dirty="0" smtClean="0">
-                <a:latin typeface="Helvetica Neue"/>
-                <a:ea typeface="Georgia"/>
-                <a:cs typeface="Georgia"/>
-                <a:sym typeface="Georgia"/>
-              </a:rPr>
-              <a:t>that will support the creation (and/or 		viewing) of a </a:t>
+              <a:t>example:	given data set X, which tool(s) are 					available that will support the creation (and/or 		viewing) of a </a:t>
             </a:r>
             <a:r>
               <a:rPr lang="en-US" sz="3200" dirty="0" err="1" smtClean="0">
@@ -24847,79 +25033,7 @@
                 <a:cs typeface="Georgia"/>
                 <a:sym typeface="Georgia"/>
               </a:rPr>
-              <a:t>0 by </a:t>
-            </a:r>
-            <a:r>
-              <a:rPr lang="en-US" sz="3200" dirty="0" smtClean="0">
-                <a:latin typeface="Helvetica Neue"/>
-                <a:ea typeface="Georgia"/>
-                <a:cs typeface="Georgia"/>
-                <a:sym typeface="Georgia"/>
-              </a:rPr>
-              <a:t>combin</a:t>
-            </a:r>
-            <a:r>
-              <a:rPr lang="en-US" sz="3200" dirty="0" smtClean="0">
-                <a:latin typeface="Helvetica Neue"/>
-                <a:ea typeface="Georgia"/>
-                <a:cs typeface="Georgia"/>
-                <a:sym typeface="Georgia"/>
-              </a:rPr>
-              <a:t>ing </a:t>
-            </a:r>
-            <a:r>
-              <a:rPr lang="en-US" sz="3200" dirty="0" smtClean="0">
-                <a:latin typeface="Helvetica Neue"/>
-                <a:ea typeface="Georgia"/>
-                <a:cs typeface="Georgia"/>
-                <a:sym typeface="Georgia"/>
-              </a:rPr>
-              <a:t>data from weather stations </a:t>
-            </a:r>
-            <a:r>
-              <a:rPr lang="en-US" sz="3200" dirty="0" smtClean="0">
-                <a:latin typeface="Helvetica Neue"/>
-                <a:ea typeface="Georgia"/>
-                <a:cs typeface="Georgia"/>
-                <a:sym typeface="Georgia"/>
-              </a:rPr>
-              <a:t>and</a:t>
-            </a:r>
-            <a:r>
-              <a:rPr lang="en-US" sz="3200" dirty="0" smtClean="0">
-                <a:latin typeface="Helvetica Neue"/>
-                <a:ea typeface="Georgia"/>
-                <a:cs typeface="Georgia"/>
-                <a:sym typeface="Georgia"/>
-              </a:rPr>
-              <a:t> imagery from </a:t>
-            </a:r>
-            <a:r>
-              <a:rPr lang="en-US" sz="3200" dirty="0" smtClean="0">
-                <a:latin typeface="Helvetica Neue"/>
-                <a:ea typeface="Georgia"/>
-                <a:cs typeface="Georgia"/>
-                <a:sym typeface="Georgia"/>
-              </a:rPr>
-              <a:t>multiple </a:t>
-            </a:r>
-            <a:r>
-              <a:rPr lang="en-US" sz="3200" dirty="0" smtClean="0">
-                <a:latin typeface="Helvetica Neue"/>
-                <a:ea typeface="Georgia"/>
-                <a:cs typeface="Georgia"/>
-                <a:sym typeface="Georgia"/>
-              </a:rPr>
-              <a:t>satellites available </a:t>
-            </a:r>
-            <a:r>
-              <a:rPr lang="en-US" sz="3200" dirty="0" smtClean="0">
-                <a:latin typeface="Helvetica Neue"/>
-                <a:ea typeface="Georgia"/>
-                <a:cs typeface="Georgia"/>
-                <a:sym typeface="Georgia"/>
-              </a:rPr>
-              <a:t>via </a:t>
+              <a:t>0 by combining data from weather stations and imagery from multiple satellites available via </a:t>
             </a:r>
             <a:r>
               <a:rPr lang="en-US" sz="3200" dirty="0" err="1" smtClean="0">
@@ -25291,11 +25405,7 @@
           <a:p>
             <a:r>
               <a:rPr lang="en-US" sz="2000" dirty="0" smtClean="0"/>
-              <a:t>has </a:t>
-            </a:r>
-            <a:r>
-              <a:rPr lang="en-US" sz="2000" dirty="0" smtClean="0"/>
-              <a:t>Data Structure</a:t>
+              <a:t>has Data Structure</a:t>
             </a:r>
             <a:endParaRPr lang="en-US" sz="2000" dirty="0"/>
           </a:p>
@@ -27115,23 +27225,8 @@
               <a:rPr lang="en-US" sz="3200" dirty="0" smtClean="0">
                 <a:latin typeface="Helvetica Neue"/>
               </a:rPr>
-              <a:t>Sharing statements </a:t>
+              <a:t>Sharing statements about experiences!</a:t>
             </a:r>
-            <a:r>
-              <a:rPr lang="en-US" sz="3200" dirty="0" smtClean="0">
-                <a:latin typeface="Helvetica Neue"/>
-              </a:rPr>
-              <a:t>about </a:t>
-            </a:r>
-            <a:r>
-              <a:rPr lang="en-US" sz="3200" dirty="0" smtClean="0">
-                <a:latin typeface="Helvetica Neue"/>
-              </a:rPr>
-              <a:t>experiences!</a:t>
-            </a:r>
-            <a:endParaRPr lang="en-US" sz="3200" dirty="0" smtClean="0">
-              <a:latin typeface="Helvetica Neue"/>
-            </a:endParaRPr>
           </a:p>
           <a:p>
             <a:pPr latinLnBrk="1"/>
@@ -27160,13 +27255,7 @@
               <a:rPr lang="en-GB" sz="3200" dirty="0" smtClean="0">
                 <a:latin typeface="Helvetica Neue"/>
               </a:rPr>
-              <a:t>collection of entities – data formats, data collections, tools, </a:t>
-            </a:r>
-            <a:r>
-              <a:rPr lang="en-GB" sz="3200" dirty="0" smtClean="0">
-                <a:latin typeface="Helvetica Neue"/>
-              </a:rPr>
-              <a:t>visualizations, </a:t>
+              <a:t>collection of entities – data formats, data collections, tools, visualizations, </a:t>
             </a:r>
             <a:r>
               <a:rPr lang="en-GB" sz="3200" dirty="0" err="1" smtClean="0">
@@ -27340,6 +27429,12 @@
     </p:tnLst>
   </p:timing>
 </p:sld>
+</file>
+
+<file path=ppt/tags/tag1.xml><?xml version="1.0" encoding="utf-8"?>
+<p:tagLst xmlns:a="http://schemas.openxmlformats.org/drawingml/2006/main" xmlns:r="http://schemas.openxmlformats.org/officeDocument/2006/relationships" xmlns:p="http://schemas.openxmlformats.org/presentationml/2006/main">
+  <p:tag name="TIMING" val="|0.9|0.9|0.7|2.1|0.4|0.4"/>
+</p:tagLst>
 </file>
 
 <file path=ppt/theme/theme1.xml><?xml version="1.0" encoding="utf-8"?>
